--- a/presentation-spotify-hitsongs.pptx
+++ b/presentation-spotify-hitsongs.pptx
@@ -2,14 +2,20 @@
 <file path=ppt/presentation.xml><?xml version="1.0" encoding="utf-8"?>
 <p:presentation xmlns:a="http://schemas.openxmlformats.org/drawingml/2006/main" xmlns:r="http://schemas.openxmlformats.org/officeDocument/2006/relationships" xmlns:p="http://schemas.openxmlformats.org/presentationml/2006/main" saveSubsetFonts="1" autoCompressPictures="0">
   <p:sldMasterIdLst>
-    <p:sldMasterId id="2147483673" r:id="rId1"/>
+    <p:sldMasterId id="2147483674" r:id="rId1"/>
   </p:sldMasterIdLst>
+  <p:notesMasterIdLst>
+    <p:notesMasterId r:id="rId10"/>
+  </p:notesMasterIdLst>
   <p:sldIdLst>
     <p:sldId id="256" r:id="rId2"/>
     <p:sldId id="257" r:id="rId3"/>
-    <p:sldId id="258" r:id="rId4"/>
+    <p:sldId id="261" r:id="rId4"/>
     <p:sldId id="259" r:id="rId5"/>
     <p:sldId id="260" r:id="rId6"/>
+    <p:sldId id="262" r:id="rId7"/>
+    <p:sldId id="263" r:id="rId8"/>
+    <p:sldId id="264" r:id="rId9"/>
   </p:sldIdLst>
   <p:sldSz cx="12192000" cy="6858000"/>
   <p:notesSz cx="6858000" cy="9144000"/>
@@ -108,7 +114,679 @@
       </a:defRPr>
     </a:lvl9pPr>
   </p:defaultTextStyle>
+  <p:extLst>
+    <p:ext uri="{EFAFB233-063F-42B5-8137-9DF3F51BA10A}">
+      <p15:sldGuideLst xmlns:p15="http://schemas.microsoft.com/office/powerpoint/2012/main"/>
+    </p:ext>
+  </p:extLst>
 </p:presentation>
+</file>
+
+<file path=ppt/notesMasters/notesMaster1.xml><?xml version="1.0" encoding="utf-8"?>
+<p:notesMaster xmlns:a="http://schemas.openxmlformats.org/drawingml/2006/main" xmlns:r="http://schemas.openxmlformats.org/officeDocument/2006/relationships" xmlns:p="http://schemas.openxmlformats.org/presentationml/2006/main">
+  <p:cSld>
+    <p:bg>
+      <p:bgRef idx="1001">
+        <a:schemeClr val="bg1"/>
+      </p:bgRef>
+    </p:bg>
+    <p:spTree>
+      <p:nvGrpSpPr>
+        <p:cNvPr id="1" name=""/>
+        <p:cNvGrpSpPr/>
+        <p:nvPr/>
+      </p:nvGrpSpPr>
+      <p:grpSpPr>
+        <a:xfrm>
+          <a:off x="0" y="0"/>
+          <a:ext cx="0" cy="0"/>
+          <a:chOff x="0" y="0"/>
+          <a:chExt cx="0" cy="0"/>
+        </a:xfrm>
+      </p:grpSpPr>
+      <p:sp>
+        <p:nvSpPr>
+          <p:cNvPr id="2" name="Header Placeholder 1"/>
+          <p:cNvSpPr>
+            <a:spLocks noGrp="1"/>
+          </p:cNvSpPr>
+          <p:nvPr>
+            <p:ph type="hdr" sz="quarter"/>
+          </p:nvPr>
+        </p:nvSpPr>
+        <p:spPr>
+          <a:xfrm>
+            <a:off x="0" y="0"/>
+            <a:ext cx="2971800" cy="458788"/>
+          </a:xfrm>
+          <a:prstGeom prst="rect">
+            <a:avLst/>
+          </a:prstGeom>
+        </p:spPr>
+        <p:txBody>
+          <a:bodyPr vert="horz" lIns="91440" tIns="45720" rIns="91440" bIns="45720" rtlCol="0"/>
+          <a:lstStyle>
+            <a:lvl1pPr algn="l">
+              <a:defRPr sz="1200"/>
+            </a:lvl1pPr>
+          </a:lstStyle>
+          <a:p>
+            <a:endParaRPr lang="en-US"/>
+          </a:p>
+        </p:txBody>
+      </p:sp>
+      <p:sp>
+        <p:nvSpPr>
+          <p:cNvPr id="3" name="Date Placeholder 2"/>
+          <p:cNvSpPr>
+            <a:spLocks noGrp="1"/>
+          </p:cNvSpPr>
+          <p:nvPr>
+            <p:ph type="dt" idx="1"/>
+          </p:nvPr>
+        </p:nvSpPr>
+        <p:spPr>
+          <a:xfrm>
+            <a:off x="3884613" y="0"/>
+            <a:ext cx="2971800" cy="458788"/>
+          </a:xfrm>
+          <a:prstGeom prst="rect">
+            <a:avLst/>
+          </a:prstGeom>
+        </p:spPr>
+        <p:txBody>
+          <a:bodyPr vert="horz" lIns="91440" tIns="45720" rIns="91440" bIns="45720" rtlCol="0"/>
+          <a:lstStyle>
+            <a:lvl1pPr algn="r">
+              <a:defRPr sz="1200"/>
+            </a:lvl1pPr>
+          </a:lstStyle>
+          <a:p>
+            <a:fld id="{6CF892C4-6392-0043-B48F-963A7DD62387}" type="datetimeFigureOut">
+              <a:rPr lang="en-US" smtClean="0"/>
+              <a:t>3/30/23</a:t>
+            </a:fld>
+            <a:endParaRPr lang="en-US"/>
+          </a:p>
+        </p:txBody>
+      </p:sp>
+      <p:sp>
+        <p:nvSpPr>
+          <p:cNvPr id="4" name="Slide Image Placeholder 3"/>
+          <p:cNvSpPr>
+            <a:spLocks noGrp="1" noRot="1" noChangeAspect="1"/>
+          </p:cNvSpPr>
+          <p:nvPr>
+            <p:ph type="sldImg" idx="2"/>
+          </p:nvPr>
+        </p:nvSpPr>
+        <p:spPr>
+          <a:xfrm>
+            <a:off x="685800" y="1143000"/>
+            <a:ext cx="5486400" cy="3086100"/>
+          </a:xfrm>
+          <a:prstGeom prst="rect">
+            <a:avLst/>
+          </a:prstGeom>
+          <a:noFill/>
+          <a:ln w="12700">
+            <a:solidFill>
+              <a:prstClr val="black"/>
+            </a:solidFill>
+          </a:ln>
+        </p:spPr>
+        <p:txBody>
+          <a:bodyPr vert="horz" lIns="91440" tIns="45720" rIns="91440" bIns="45720" rtlCol="0" anchor="ctr"/>
+          <a:lstStyle/>
+          <a:p>
+            <a:endParaRPr lang="en-US"/>
+          </a:p>
+        </p:txBody>
+      </p:sp>
+      <p:sp>
+        <p:nvSpPr>
+          <p:cNvPr id="5" name="Notes Placeholder 4"/>
+          <p:cNvSpPr>
+            <a:spLocks noGrp="1"/>
+          </p:cNvSpPr>
+          <p:nvPr>
+            <p:ph type="body" sz="quarter" idx="3"/>
+          </p:nvPr>
+        </p:nvSpPr>
+        <p:spPr>
+          <a:xfrm>
+            <a:off x="685800" y="4400550"/>
+            <a:ext cx="5486400" cy="3600450"/>
+          </a:xfrm>
+          <a:prstGeom prst="rect">
+            <a:avLst/>
+          </a:prstGeom>
+        </p:spPr>
+        <p:txBody>
+          <a:bodyPr vert="horz" lIns="91440" tIns="45720" rIns="91440" bIns="45720" rtlCol="0"/>
+          <a:lstStyle/>
+          <a:p>
+            <a:pPr lvl="0"/>
+            <a:r>
+              <a:rPr lang="en-GB"/>
+              <a:t>Click to edit Master text styles</a:t>
+            </a:r>
+          </a:p>
+          <a:p>
+            <a:pPr lvl="1"/>
+            <a:r>
+              <a:rPr lang="en-GB"/>
+              <a:t>Second level</a:t>
+            </a:r>
+          </a:p>
+          <a:p>
+            <a:pPr lvl="2"/>
+            <a:r>
+              <a:rPr lang="en-GB"/>
+              <a:t>Third level</a:t>
+            </a:r>
+          </a:p>
+          <a:p>
+            <a:pPr lvl="3"/>
+            <a:r>
+              <a:rPr lang="en-GB"/>
+              <a:t>Fourth level</a:t>
+            </a:r>
+          </a:p>
+          <a:p>
+            <a:pPr lvl="4"/>
+            <a:r>
+              <a:rPr lang="en-GB"/>
+              <a:t>Fifth level</a:t>
+            </a:r>
+            <a:endParaRPr lang="en-US"/>
+          </a:p>
+        </p:txBody>
+      </p:sp>
+      <p:sp>
+        <p:nvSpPr>
+          <p:cNvPr id="6" name="Footer Placeholder 5"/>
+          <p:cNvSpPr>
+            <a:spLocks noGrp="1"/>
+          </p:cNvSpPr>
+          <p:nvPr>
+            <p:ph type="ftr" sz="quarter" idx="4"/>
+          </p:nvPr>
+        </p:nvSpPr>
+        <p:spPr>
+          <a:xfrm>
+            <a:off x="0" y="8685213"/>
+            <a:ext cx="2971800" cy="458787"/>
+          </a:xfrm>
+          <a:prstGeom prst="rect">
+            <a:avLst/>
+          </a:prstGeom>
+        </p:spPr>
+        <p:txBody>
+          <a:bodyPr vert="horz" lIns="91440" tIns="45720" rIns="91440" bIns="45720" rtlCol="0" anchor="b"/>
+          <a:lstStyle>
+            <a:lvl1pPr algn="l">
+              <a:defRPr sz="1200"/>
+            </a:lvl1pPr>
+          </a:lstStyle>
+          <a:p>
+            <a:endParaRPr lang="en-US"/>
+          </a:p>
+        </p:txBody>
+      </p:sp>
+      <p:sp>
+        <p:nvSpPr>
+          <p:cNvPr id="7" name="Slide Number Placeholder 6"/>
+          <p:cNvSpPr>
+            <a:spLocks noGrp="1"/>
+          </p:cNvSpPr>
+          <p:nvPr>
+            <p:ph type="sldNum" sz="quarter" idx="5"/>
+          </p:nvPr>
+        </p:nvSpPr>
+        <p:spPr>
+          <a:xfrm>
+            <a:off x="3884613" y="8685213"/>
+            <a:ext cx="2971800" cy="458787"/>
+          </a:xfrm>
+          <a:prstGeom prst="rect">
+            <a:avLst/>
+          </a:prstGeom>
+        </p:spPr>
+        <p:txBody>
+          <a:bodyPr vert="horz" lIns="91440" tIns="45720" rIns="91440" bIns="45720" rtlCol="0" anchor="b"/>
+          <a:lstStyle>
+            <a:lvl1pPr algn="r">
+              <a:defRPr sz="1200"/>
+            </a:lvl1pPr>
+          </a:lstStyle>
+          <a:p>
+            <a:fld id="{ED9DB98A-50C9-F342-8ED2-E28422A4F5AE}" type="slidenum">
+              <a:rPr lang="en-US" smtClean="0"/>
+              <a:t>‹#›</a:t>
+            </a:fld>
+            <a:endParaRPr lang="en-US"/>
+          </a:p>
+        </p:txBody>
+      </p:sp>
+    </p:spTree>
+    <p:extLst>
+      <p:ext uri="{BB962C8B-B14F-4D97-AF65-F5344CB8AC3E}">
+        <p14:creationId xmlns:p14="http://schemas.microsoft.com/office/powerpoint/2010/main" val="389292389"/>
+      </p:ext>
+    </p:extLst>
+  </p:cSld>
+  <p:clrMap bg1="lt1" tx1="dk1" bg2="lt2" tx2="dk2" accent1="accent1" accent2="accent2" accent3="accent3" accent4="accent4" accent5="accent5" accent6="accent6" hlink="hlink" folHlink="folHlink"/>
+  <p:notesStyle>
+    <a:lvl1pPr marL="0" algn="l" defTabSz="914400" rtl="0" eaLnBrk="1" latinLnBrk="0" hangingPunct="1">
+      <a:defRPr sz="1200" kern="1200">
+        <a:solidFill>
+          <a:schemeClr val="tx1"/>
+        </a:solidFill>
+        <a:latin typeface="+mn-lt"/>
+        <a:ea typeface="+mn-ea"/>
+        <a:cs typeface="+mn-cs"/>
+      </a:defRPr>
+    </a:lvl1pPr>
+    <a:lvl2pPr marL="457200" algn="l" defTabSz="914400" rtl="0" eaLnBrk="1" latinLnBrk="0" hangingPunct="1">
+      <a:defRPr sz="1200" kern="1200">
+        <a:solidFill>
+          <a:schemeClr val="tx1"/>
+        </a:solidFill>
+        <a:latin typeface="+mn-lt"/>
+        <a:ea typeface="+mn-ea"/>
+        <a:cs typeface="+mn-cs"/>
+      </a:defRPr>
+    </a:lvl2pPr>
+    <a:lvl3pPr marL="914400" algn="l" defTabSz="914400" rtl="0" eaLnBrk="1" latinLnBrk="0" hangingPunct="1">
+      <a:defRPr sz="1200" kern="1200">
+        <a:solidFill>
+          <a:schemeClr val="tx1"/>
+        </a:solidFill>
+        <a:latin typeface="+mn-lt"/>
+        <a:ea typeface="+mn-ea"/>
+        <a:cs typeface="+mn-cs"/>
+      </a:defRPr>
+    </a:lvl3pPr>
+    <a:lvl4pPr marL="1371600" algn="l" defTabSz="914400" rtl="0" eaLnBrk="1" latinLnBrk="0" hangingPunct="1">
+      <a:defRPr sz="1200" kern="1200">
+        <a:solidFill>
+          <a:schemeClr val="tx1"/>
+        </a:solidFill>
+        <a:latin typeface="+mn-lt"/>
+        <a:ea typeface="+mn-ea"/>
+        <a:cs typeface="+mn-cs"/>
+      </a:defRPr>
+    </a:lvl4pPr>
+    <a:lvl5pPr marL="1828800" algn="l" defTabSz="914400" rtl="0" eaLnBrk="1" latinLnBrk="0" hangingPunct="1">
+      <a:defRPr sz="1200" kern="1200">
+        <a:solidFill>
+          <a:schemeClr val="tx1"/>
+        </a:solidFill>
+        <a:latin typeface="+mn-lt"/>
+        <a:ea typeface="+mn-ea"/>
+        <a:cs typeface="+mn-cs"/>
+      </a:defRPr>
+    </a:lvl5pPr>
+    <a:lvl6pPr marL="2286000" algn="l" defTabSz="914400" rtl="0" eaLnBrk="1" latinLnBrk="0" hangingPunct="1">
+      <a:defRPr sz="1200" kern="1200">
+        <a:solidFill>
+          <a:schemeClr val="tx1"/>
+        </a:solidFill>
+        <a:latin typeface="+mn-lt"/>
+        <a:ea typeface="+mn-ea"/>
+        <a:cs typeface="+mn-cs"/>
+      </a:defRPr>
+    </a:lvl6pPr>
+    <a:lvl7pPr marL="2743200" algn="l" defTabSz="914400" rtl="0" eaLnBrk="1" latinLnBrk="0" hangingPunct="1">
+      <a:defRPr sz="1200" kern="1200">
+        <a:solidFill>
+          <a:schemeClr val="tx1"/>
+        </a:solidFill>
+        <a:latin typeface="+mn-lt"/>
+        <a:ea typeface="+mn-ea"/>
+        <a:cs typeface="+mn-cs"/>
+      </a:defRPr>
+    </a:lvl7pPr>
+    <a:lvl8pPr marL="3200400" algn="l" defTabSz="914400" rtl="0" eaLnBrk="1" latinLnBrk="0" hangingPunct="1">
+      <a:defRPr sz="1200" kern="1200">
+        <a:solidFill>
+          <a:schemeClr val="tx1"/>
+        </a:solidFill>
+        <a:latin typeface="+mn-lt"/>
+        <a:ea typeface="+mn-ea"/>
+        <a:cs typeface="+mn-cs"/>
+      </a:defRPr>
+    </a:lvl8pPr>
+    <a:lvl9pPr marL="3657600" algn="l" defTabSz="914400" rtl="0" eaLnBrk="1" latinLnBrk="0" hangingPunct="1">
+      <a:defRPr sz="1200" kern="1200">
+        <a:solidFill>
+          <a:schemeClr val="tx1"/>
+        </a:solidFill>
+        <a:latin typeface="+mn-lt"/>
+        <a:ea typeface="+mn-ea"/>
+        <a:cs typeface="+mn-cs"/>
+      </a:defRPr>
+    </a:lvl9pPr>
+  </p:notesStyle>
+</p:notesMaster>
+</file>
+
+<file path=ppt/notesSlides/notesSlide1.xml><?xml version="1.0" encoding="utf-8"?>
+<p:notes xmlns:a="http://schemas.openxmlformats.org/drawingml/2006/main" xmlns:r="http://schemas.openxmlformats.org/officeDocument/2006/relationships" xmlns:p="http://schemas.openxmlformats.org/presentationml/2006/main">
+  <p:cSld>
+    <p:spTree>
+      <p:nvGrpSpPr>
+        <p:cNvPr id="1" name=""/>
+        <p:cNvGrpSpPr/>
+        <p:nvPr/>
+      </p:nvGrpSpPr>
+      <p:grpSpPr>
+        <a:xfrm>
+          <a:off x="0" y="0"/>
+          <a:ext cx="0" cy="0"/>
+          <a:chOff x="0" y="0"/>
+          <a:chExt cx="0" cy="0"/>
+        </a:xfrm>
+      </p:grpSpPr>
+      <p:sp>
+        <p:nvSpPr>
+          <p:cNvPr id="2" name="Slide Image Placeholder 1"/>
+          <p:cNvSpPr>
+            <a:spLocks noGrp="1" noRot="1" noChangeAspect="1"/>
+          </p:cNvSpPr>
+          <p:nvPr>
+            <p:ph type="sldImg"/>
+          </p:nvPr>
+        </p:nvSpPr>
+        <p:spPr/>
+      </p:sp>
+      <p:sp>
+        <p:nvSpPr>
+          <p:cNvPr id="3" name="Notes Placeholder 2"/>
+          <p:cNvSpPr>
+            <a:spLocks noGrp="1"/>
+          </p:cNvSpPr>
+          <p:nvPr>
+            <p:ph type="body" idx="1"/>
+          </p:nvPr>
+        </p:nvSpPr>
+        <p:spPr/>
+        <p:txBody>
+          <a:bodyPr/>
+          <a:lstStyle/>
+          <a:p>
+            <a:pPr marL="0" marR="0" lvl="0" indent="0" algn="l" defTabSz="914400" rtl="0" eaLnBrk="1" fontAlgn="auto" latinLnBrk="0" hangingPunct="1">
+              <a:lnSpc>
+                <a:spcPct val="100000"/>
+              </a:lnSpc>
+              <a:spcBef>
+                <a:spcPts val="0"/>
+              </a:spcBef>
+              <a:spcAft>
+                <a:spcPts val="0"/>
+              </a:spcAft>
+              <a:buClrTx/>
+              <a:buSzTx/>
+              <a:buFontTx/>
+              <a:buNone/>
+              <a:tabLst/>
+              <a:defRPr/>
+            </a:pPr>
+            <a:r>
+              <a:rPr lang="en-IN" dirty="0"/>
+              <a:t>We observe that the most frequency of songs in the data lie between the ‘popularity’ of 70-80 which lets us know that most songs in this dataset are more popular than average. We also interpret that very low number of tracks lie in the ‘popularity’ range of 0-20 and therefore, not many songs are highly unpopular or unsuccessful. Also, songs which are extremely successful (popularity: 90-100) have low frequency of occurrence in the dataset. </a:t>
+            </a:r>
+          </a:p>
+          <a:p>
+            <a:endParaRPr lang="en-US" dirty="0"/>
+          </a:p>
+        </p:txBody>
+      </p:sp>
+      <p:sp>
+        <p:nvSpPr>
+          <p:cNvPr id="4" name="Slide Number Placeholder 3"/>
+          <p:cNvSpPr>
+            <a:spLocks noGrp="1"/>
+          </p:cNvSpPr>
+          <p:nvPr>
+            <p:ph type="sldNum" sz="quarter" idx="5"/>
+          </p:nvPr>
+        </p:nvSpPr>
+        <p:spPr/>
+        <p:txBody>
+          <a:bodyPr/>
+          <a:lstStyle/>
+          <a:p>
+            <a:fld id="{ED9DB98A-50C9-F342-8ED2-E28422A4F5AE}" type="slidenum">
+              <a:rPr lang="en-US" smtClean="0"/>
+              <a:t>5</a:t>
+            </a:fld>
+            <a:endParaRPr lang="en-US"/>
+          </a:p>
+        </p:txBody>
+      </p:sp>
+    </p:spTree>
+    <p:extLst>
+      <p:ext uri="{BB962C8B-B14F-4D97-AF65-F5344CB8AC3E}">
+        <p14:creationId xmlns:p14="http://schemas.microsoft.com/office/powerpoint/2010/main" val="2004343068"/>
+      </p:ext>
+    </p:extLst>
+  </p:cSld>
+  <p:clrMapOvr>
+    <a:masterClrMapping/>
+  </p:clrMapOvr>
+</p:notes>
+</file>
+
+<file path=ppt/notesSlides/notesSlide2.xml><?xml version="1.0" encoding="utf-8"?>
+<p:notes xmlns:a="http://schemas.openxmlformats.org/drawingml/2006/main" xmlns:r="http://schemas.openxmlformats.org/officeDocument/2006/relationships" xmlns:p="http://schemas.openxmlformats.org/presentationml/2006/main">
+  <p:cSld>
+    <p:spTree>
+      <p:nvGrpSpPr>
+        <p:cNvPr id="1" name=""/>
+        <p:cNvGrpSpPr/>
+        <p:nvPr/>
+      </p:nvGrpSpPr>
+      <p:grpSpPr>
+        <a:xfrm>
+          <a:off x="0" y="0"/>
+          <a:ext cx="0" cy="0"/>
+          <a:chOff x="0" y="0"/>
+          <a:chExt cx="0" cy="0"/>
+        </a:xfrm>
+      </p:grpSpPr>
+      <p:sp>
+        <p:nvSpPr>
+          <p:cNvPr id="2" name="Slide Image Placeholder 1"/>
+          <p:cNvSpPr>
+            <a:spLocks noGrp="1" noRot="1" noChangeAspect="1"/>
+          </p:cNvSpPr>
+          <p:nvPr>
+            <p:ph type="sldImg"/>
+          </p:nvPr>
+        </p:nvSpPr>
+        <p:spPr/>
+      </p:sp>
+      <p:sp>
+        <p:nvSpPr>
+          <p:cNvPr id="3" name="Notes Placeholder 2"/>
+          <p:cNvSpPr>
+            <a:spLocks noGrp="1"/>
+          </p:cNvSpPr>
+          <p:nvPr>
+            <p:ph type="body" idx="1"/>
+          </p:nvPr>
+        </p:nvSpPr>
+        <p:spPr/>
+        <p:txBody>
+          <a:bodyPr/>
+          <a:lstStyle/>
+          <a:p>
+            <a:pPr algn="l" rtl="0" fontAlgn="base">
+              <a:spcBef>
+                <a:spcPts val="1100"/>
+              </a:spcBef>
+              <a:spcAft>
+                <a:spcPts val="0"/>
+              </a:spcAft>
+              <a:buFont typeface="+mj-lt"/>
+              <a:buAutoNum type="arabicPeriod"/>
+            </a:pPr>
+            <a:r>
+              <a:rPr lang="en-IN" sz="1800" b="0" i="0" u="none" strike="noStrike" dirty="0">
+                <a:solidFill>
+                  <a:srgbClr val="000000"/>
+                </a:solidFill>
+                <a:effectLst/>
+                <a:latin typeface="Arial" panose="020B0604020202020204" pitchFamily="34" charset="0"/>
+              </a:rPr>
+              <a:t>Some non-musical factors can contribute significantly to the popularity of a song: This project highlights how factors like release date of songs, song artists, etc. play a role in determining the success of a song. However, we also found out that factors like track length, explicit lyrics, etc. actually have no major effect on the popularity/success of a song.</a:t>
+            </a:r>
+          </a:p>
+          <a:p>
+            <a:pPr algn="l" rtl="0" fontAlgn="base">
+              <a:spcBef>
+                <a:spcPts val="0"/>
+              </a:spcBef>
+              <a:spcAft>
+                <a:spcPts val="500"/>
+              </a:spcAft>
+              <a:buFont typeface="+mj-lt"/>
+              <a:buAutoNum type="arabicPeriod"/>
+            </a:pPr>
+            <a:r>
+              <a:rPr lang="en-IN" sz="1800" b="0" i="0" u="none" strike="noStrike" dirty="0">
+                <a:solidFill>
+                  <a:srgbClr val="000000"/>
+                </a:solidFill>
+                <a:effectLst/>
+                <a:latin typeface="Arial" panose="020B0604020202020204" pitchFamily="34" charset="0"/>
+              </a:rPr>
+              <a:t>Spotify's popularity metric is a useful tool for </a:t>
+            </a:r>
+            <a:r>
+              <a:rPr lang="en-IN" sz="1800" b="0" i="0" u="none" strike="noStrike" dirty="0" err="1">
+                <a:solidFill>
+                  <a:srgbClr val="000000"/>
+                </a:solidFill>
+                <a:effectLst/>
+                <a:latin typeface="Arial" panose="020B0604020202020204" pitchFamily="34" charset="0"/>
+              </a:rPr>
+              <a:t>analyzing</a:t>
+            </a:r>
+            <a:r>
+              <a:rPr lang="en-IN" sz="1800" b="0" i="0" u="none" strike="noStrike" dirty="0">
+                <a:solidFill>
+                  <a:srgbClr val="000000"/>
+                </a:solidFill>
+                <a:effectLst/>
+                <a:latin typeface="Arial" panose="020B0604020202020204" pitchFamily="34" charset="0"/>
+              </a:rPr>
+              <a:t> the success of a song: Spotify's popularity metric is based on a combination of factors, including the total number of plays and how recent those plays are. By using this metric, we can classify songs as "hits" or "non-hits" and </a:t>
+            </a:r>
+            <a:r>
+              <a:rPr lang="en-IN" sz="1800" b="0" i="0" u="none" strike="noStrike" dirty="0" err="1">
+                <a:solidFill>
+                  <a:srgbClr val="000000"/>
+                </a:solidFill>
+                <a:effectLst/>
+                <a:latin typeface="Arial" panose="020B0604020202020204" pitchFamily="34" charset="0"/>
+              </a:rPr>
+              <a:t>analyze</a:t>
+            </a:r>
+            <a:r>
+              <a:rPr lang="en-IN" sz="1800" b="0" i="0" u="none" strike="noStrike" dirty="0">
+                <a:solidFill>
+                  <a:srgbClr val="000000"/>
+                </a:solidFill>
+                <a:effectLst/>
+                <a:latin typeface="Arial" panose="020B0604020202020204" pitchFamily="34" charset="0"/>
+              </a:rPr>
+              <a:t> the factors that contribute to their success.</a:t>
+            </a:r>
+          </a:p>
+          <a:p>
+            <a:pPr algn="l" rtl="0" fontAlgn="base">
+              <a:spcBef>
+                <a:spcPts val="1100"/>
+              </a:spcBef>
+              <a:spcAft>
+                <a:spcPts val="0"/>
+              </a:spcAft>
+              <a:buFont typeface="+mj-lt"/>
+              <a:buAutoNum type="arabicPeriod"/>
+            </a:pPr>
+            <a:r>
+              <a:rPr lang="en-IN" sz="1800" b="0" i="0" u="none" strike="noStrike" dirty="0">
+                <a:solidFill>
+                  <a:srgbClr val="000000"/>
+                </a:solidFill>
+                <a:effectLst/>
+                <a:latin typeface="Arial" panose="020B0604020202020204" pitchFamily="34" charset="0"/>
+              </a:rPr>
+              <a:t>Data analysis can provide valuable insights for decision-making in the music industry: By </a:t>
+            </a:r>
+            <a:r>
+              <a:rPr lang="en-IN" sz="1800" b="0" i="0" u="none" strike="noStrike" dirty="0" err="1">
+                <a:solidFill>
+                  <a:srgbClr val="000000"/>
+                </a:solidFill>
+                <a:effectLst/>
+                <a:latin typeface="Arial" panose="020B0604020202020204" pitchFamily="34" charset="0"/>
+              </a:rPr>
+              <a:t>analyzing</a:t>
+            </a:r>
+            <a:r>
+              <a:rPr lang="en-IN" sz="1800" b="0" i="0" u="none" strike="noStrike" dirty="0">
+                <a:solidFill>
+                  <a:srgbClr val="000000"/>
+                </a:solidFill>
+                <a:effectLst/>
+                <a:latin typeface="Arial" panose="020B0604020202020204" pitchFamily="34" charset="0"/>
+              </a:rPr>
+              <a:t> data from Spotify and other sources, we can gain valuable insights into what makes a song successful. These insights can be used by music producers, record labels, and artists to adjust their strategies and increase the likelihood of creating a hit song.</a:t>
+            </a:r>
+          </a:p>
+          <a:p>
+            <a:endParaRPr lang="en-US" dirty="0"/>
+          </a:p>
+        </p:txBody>
+      </p:sp>
+      <p:sp>
+        <p:nvSpPr>
+          <p:cNvPr id="4" name="Slide Number Placeholder 3"/>
+          <p:cNvSpPr>
+            <a:spLocks noGrp="1"/>
+          </p:cNvSpPr>
+          <p:nvPr>
+            <p:ph type="sldNum" sz="quarter" idx="5"/>
+          </p:nvPr>
+        </p:nvSpPr>
+        <p:spPr/>
+        <p:txBody>
+          <a:bodyPr/>
+          <a:lstStyle/>
+          <a:p>
+            <a:fld id="{ED9DB98A-50C9-F342-8ED2-E28422A4F5AE}" type="slidenum">
+              <a:rPr lang="en-US" smtClean="0"/>
+              <a:t>8</a:t>
+            </a:fld>
+            <a:endParaRPr lang="en-US"/>
+          </a:p>
+        </p:txBody>
+      </p:sp>
+    </p:spTree>
+    <p:extLst>
+      <p:ext uri="{BB962C8B-B14F-4D97-AF65-F5344CB8AC3E}">
+        <p14:creationId xmlns:p14="http://schemas.microsoft.com/office/powerpoint/2010/main" val="3271960113"/>
+      </p:ext>
+    </p:extLst>
+  </p:cSld>
+  <p:clrMapOvr>
+    <a:masterClrMapping/>
+  </p:clrMapOvr>
+</p:notes>
 </file>
 
 <file path=ppt/slideLayouts/slideLayout1.xml><?xml version="1.0" encoding="utf-8"?>
@@ -133,7 +811,7 @@
           <p:cNvPr id="2" name="Title 1">
             <a:extLst>
               <a:ext uri="{FF2B5EF4-FFF2-40B4-BE49-F238E27FC236}">
-                <a16:creationId xmlns:a16="http://schemas.microsoft.com/office/drawing/2014/main" id="{2430F8CF-692C-4963-8B5E-D1C0928CF160}"/>
+                <a16:creationId xmlns:a16="http://schemas.microsoft.com/office/drawing/2014/main" id="{586E629B-4885-7744-EB66-6EA55030768F}"/>
               </a:ext>
             </a:extLst>
           </p:cNvPr>
@@ -146,22 +824,23 @@
         </p:nvSpPr>
         <p:spPr>
           <a:xfrm>
-            <a:off x="1429612" y="1013984"/>
-            <a:ext cx="7714388" cy="3260635"/>
+            <a:off x="1524000" y="1122363"/>
+            <a:ext cx="9144000" cy="2387600"/>
           </a:xfrm>
         </p:spPr>
         <p:txBody>
           <a:bodyPr anchor="b"/>
           <a:lstStyle>
-            <a:lvl1pPr algn="l">
-              <a:defRPr sz="2800"/>
+            <a:lvl1pPr algn="ctr">
+              <a:defRPr sz="6000"/>
             </a:lvl1pPr>
           </a:lstStyle>
           <a:p>
             <a:r>
-              <a:rPr lang="en-US" dirty="0"/>
+              <a:rPr lang="en-GB"/>
               <a:t>Click to edit Master title style</a:t>
             </a:r>
+            <a:endParaRPr lang="en-US"/>
           </a:p>
         </p:txBody>
       </p:sp>
@@ -170,7 +849,7 @@
           <p:cNvPr id="3" name="Subtitle 2">
             <a:extLst>
               <a:ext uri="{FF2B5EF4-FFF2-40B4-BE49-F238E27FC236}">
-                <a16:creationId xmlns:a16="http://schemas.microsoft.com/office/drawing/2014/main" id="{9F419655-1613-4CC0-BBE9-BD2CB2C3C766}"/>
+                <a16:creationId xmlns:a16="http://schemas.microsoft.com/office/drawing/2014/main" id="{638B7874-5CEB-D1B2-7F00-7553B3F0B32C}"/>
               </a:ext>
             </a:extLst>
           </p:cNvPr>
@@ -183,18 +862,16 @@
         </p:nvSpPr>
         <p:spPr>
           <a:xfrm>
-            <a:off x="1429612" y="4848464"/>
-            <a:ext cx="7714388" cy="1085849"/>
+            <a:off x="1524000" y="3602038"/>
+            <a:ext cx="9144000" cy="1655762"/>
           </a:xfrm>
         </p:spPr>
         <p:txBody>
-          <a:bodyPr>
-            <a:normAutofit/>
-          </a:bodyPr>
+          <a:bodyPr/>
           <a:lstStyle>
-            <a:lvl1pPr marL="0" indent="0" algn="l">
+            <a:lvl1pPr marL="0" indent="0" algn="ctr">
               <a:buNone/>
-              <a:defRPr sz="1800"/>
+              <a:defRPr sz="2400"/>
             </a:lvl1pPr>
             <a:lvl2pPr marL="457200" indent="0" algn="ctr">
               <a:buNone/>
@@ -231,9 +908,10 @@
           </a:lstStyle>
           <a:p>
             <a:r>
-              <a:rPr lang="en-US" dirty="0"/>
+              <a:rPr lang="en-GB"/>
               <a:t>Click to edit Master subtitle style</a:t>
             </a:r>
+            <a:endParaRPr lang="en-US"/>
           </a:p>
         </p:txBody>
       </p:sp>
@@ -242,7 +920,7 @@
           <p:cNvPr id="4" name="Date Placeholder 3">
             <a:extLst>
               <a:ext uri="{FF2B5EF4-FFF2-40B4-BE49-F238E27FC236}">
-                <a16:creationId xmlns:a16="http://schemas.microsoft.com/office/drawing/2014/main" id="{40267FFF-6BC4-4DF0-BC55-B2C3BFD8ED12}"/>
+                <a16:creationId xmlns:a16="http://schemas.microsoft.com/office/drawing/2014/main" id="{4212B3BE-2BFD-A173-306B-2D9653DEE6E0}"/>
               </a:ext>
             </a:extLst>
           </p:cNvPr>
@@ -260,7 +938,7 @@
           <a:p>
             <a:fld id="{3C2B07E4-CDF9-4C88-A2F3-04620E58224D}" type="datetimeFigureOut">
               <a:rPr lang="en-US" smtClean="0"/>
-              <a:t>3/28/23</a:t>
+              <a:t>3/30/23</a:t>
             </a:fld>
             <a:endParaRPr lang="en-US"/>
           </a:p>
@@ -271,7 +949,7 @@
           <p:cNvPr id="5" name="Footer Placeholder 4">
             <a:extLst>
               <a:ext uri="{FF2B5EF4-FFF2-40B4-BE49-F238E27FC236}">
-                <a16:creationId xmlns:a16="http://schemas.microsoft.com/office/drawing/2014/main" id="{D6389830-A1B7-484B-832C-F64A558BDFE7}"/>
+                <a16:creationId xmlns:a16="http://schemas.microsoft.com/office/drawing/2014/main" id="{4E083670-956A-6889-A443-48C7DB7B2323}"/>
               </a:ext>
             </a:extLst>
           </p:cNvPr>
@@ -296,7 +974,7 @@
           <p:cNvPr id="6" name="Slide Number Placeholder 5">
             <a:extLst>
               <a:ext uri="{FF2B5EF4-FFF2-40B4-BE49-F238E27FC236}">
-                <a16:creationId xmlns:a16="http://schemas.microsoft.com/office/drawing/2014/main" id="{74A8F727-72C8-47A9-8E54-AD84590286F9}"/>
+                <a16:creationId xmlns:a16="http://schemas.microsoft.com/office/drawing/2014/main" id="{E20F5579-066A-E08B-6344-9921F4E3C223}"/>
               </a:ext>
             </a:extLst>
           </p:cNvPr>
@@ -320,53 +998,10 @@
           </a:p>
         </p:txBody>
       </p:sp>
-      <p:cxnSp>
-        <p:nvCxnSpPr>
-          <p:cNvPr id="7" name="Straight Connector 6">
-            <a:extLst>
-              <a:ext uri="{FF2B5EF4-FFF2-40B4-BE49-F238E27FC236}">
-                <a16:creationId xmlns:a16="http://schemas.microsoft.com/office/drawing/2014/main" id="{AEED5540-64E5-4258-ABA4-753F07B71B38}"/>
-              </a:ext>
-            </a:extLst>
-          </p:cNvPr>
-          <p:cNvCxnSpPr>
-            <a:cxnSpLocks/>
-          </p:cNvCxnSpPr>
-          <p:nvPr/>
-        </p:nvCxnSpPr>
-        <p:spPr>
-          <a:xfrm>
-            <a:off x="1524000" y="4571506"/>
-            <a:ext cx="971155" cy="0"/>
-          </a:xfrm>
-          <a:prstGeom prst="line">
-            <a:avLst/>
-          </a:prstGeom>
-          <a:ln w="31750">
-            <a:solidFill>
-              <a:schemeClr val="tx1"/>
-            </a:solidFill>
-          </a:ln>
-        </p:spPr>
-        <p:style>
-          <a:lnRef idx="1">
-            <a:schemeClr val="accent1"/>
-          </a:lnRef>
-          <a:fillRef idx="0">
-            <a:schemeClr val="accent1"/>
-          </a:fillRef>
-          <a:effectRef idx="0">
-            <a:schemeClr val="accent1"/>
-          </a:effectRef>
-          <a:fontRef idx="minor">
-            <a:schemeClr val="tx1"/>
-          </a:fontRef>
-        </p:style>
-      </p:cxnSp>
     </p:spTree>
     <p:extLst>
       <p:ext uri="{BB962C8B-B14F-4D97-AF65-F5344CB8AC3E}">
-        <p14:creationId xmlns:p14="http://schemas.microsoft.com/office/powerpoint/2010/main" val="3374018266"/>
+        <p14:creationId xmlns:p14="http://schemas.microsoft.com/office/powerpoint/2010/main" val="228219211"/>
       </p:ext>
     </p:extLst>
   </p:cSld>
@@ -398,7 +1033,7 @@
           <p:cNvPr id="2" name="Title 1">
             <a:extLst>
               <a:ext uri="{FF2B5EF4-FFF2-40B4-BE49-F238E27FC236}">
-                <a16:creationId xmlns:a16="http://schemas.microsoft.com/office/drawing/2014/main" id="{B5C8A5DE-E5C6-4DB9-AD28-8F1EAC6F5513}"/>
+                <a16:creationId xmlns:a16="http://schemas.microsoft.com/office/drawing/2014/main" id="{5C77D93C-0246-EDBD-86C9-86DAB4A6C3B5}"/>
               </a:ext>
             </a:extLst>
           </p:cNvPr>
@@ -412,20 +1047,13 @@
         <p:spPr/>
         <p:txBody>
           <a:bodyPr/>
-          <a:lstStyle>
-            <a:lvl1pPr>
-              <a:defRPr>
-                <a:solidFill>
-                  <a:schemeClr val="tx1"/>
-                </a:solidFill>
-              </a:defRPr>
-            </a:lvl1pPr>
-          </a:lstStyle>
-          <a:p>
-            <a:r>
-              <a:rPr lang="en-US" dirty="0"/>
+          <a:lstStyle/>
+          <a:p>
+            <a:r>
+              <a:rPr lang="en-GB"/>
               <a:t>Click to edit Master title style</a:t>
             </a:r>
+            <a:endParaRPr lang="en-US"/>
           </a:p>
         </p:txBody>
       </p:sp>
@@ -434,7 +1062,7 @@
           <p:cNvPr id="3" name="Vertical Text Placeholder 2">
             <a:extLst>
               <a:ext uri="{FF2B5EF4-FFF2-40B4-BE49-F238E27FC236}">
-                <a16:creationId xmlns:a16="http://schemas.microsoft.com/office/drawing/2014/main" id="{4363E08E-9B2D-4740-9AC6-D5E1CFB95FC6}"/>
+                <a16:creationId xmlns:a16="http://schemas.microsoft.com/office/drawing/2014/main" id="{BFB9F80E-593C-AB9A-7062-AE8DF5D1298C}"/>
               </a:ext>
             </a:extLst>
           </p:cNvPr>
@@ -445,85 +1073,45 @@
             <p:ph type="body" orient="vert" idx="1"/>
           </p:nvPr>
         </p:nvSpPr>
-        <p:spPr>
-          <a:xfrm>
-            <a:off x="1429566" y="2229957"/>
-            <a:ext cx="9238434" cy="3866043"/>
-          </a:xfrm>
-        </p:spPr>
+        <p:spPr/>
         <p:txBody>
           <a:bodyPr vert="eaVert"/>
-          <a:lstStyle>
-            <a:lvl1pPr>
-              <a:defRPr>
-                <a:solidFill>
-                  <a:schemeClr val="tx1"/>
-                </a:solidFill>
-              </a:defRPr>
-            </a:lvl1pPr>
-            <a:lvl2pPr>
-              <a:defRPr>
-                <a:solidFill>
-                  <a:schemeClr val="tx1"/>
-                </a:solidFill>
-              </a:defRPr>
-            </a:lvl2pPr>
-            <a:lvl3pPr>
-              <a:defRPr>
-                <a:solidFill>
-                  <a:schemeClr val="tx1"/>
-                </a:solidFill>
-              </a:defRPr>
-            </a:lvl3pPr>
-            <a:lvl4pPr>
-              <a:defRPr>
-                <a:solidFill>
-                  <a:schemeClr val="tx1"/>
-                </a:solidFill>
-              </a:defRPr>
-            </a:lvl4pPr>
-            <a:lvl5pPr>
-              <a:defRPr>
-                <a:solidFill>
-                  <a:schemeClr val="tx1"/>
-                </a:solidFill>
-              </a:defRPr>
-            </a:lvl5pPr>
-          </a:lstStyle>
+          <a:lstStyle/>
           <a:p>
             <a:pPr lvl="0"/>
             <a:r>
-              <a:rPr lang="en-US" dirty="0"/>
+              <a:rPr lang="en-GB"/>
               <a:t>Click to edit Master text styles</a:t>
             </a:r>
           </a:p>
           <a:p>
             <a:pPr lvl="1"/>
             <a:r>
-              <a:rPr lang="en-US" dirty="0"/>
+              <a:rPr lang="en-GB"/>
               <a:t>Second level</a:t>
             </a:r>
           </a:p>
           <a:p>
             <a:pPr lvl="2"/>
             <a:r>
-              <a:rPr lang="en-US" dirty="0"/>
+              <a:rPr lang="en-GB"/>
               <a:t>Third level</a:t>
             </a:r>
           </a:p>
           <a:p>
             <a:pPr lvl="3"/>
             <a:r>
-              <a:rPr lang="en-US" dirty="0"/>
+              <a:rPr lang="en-GB"/>
               <a:t>Fourth level</a:t>
             </a:r>
           </a:p>
           <a:p>
             <a:pPr lvl="4"/>
             <a:r>
-              <a:rPr lang="en-US" dirty="0"/>
+              <a:rPr lang="en-GB"/>
               <a:t>Fifth level</a:t>
             </a:r>
+            <a:endParaRPr lang="en-US"/>
           </a:p>
         </p:txBody>
       </p:sp>
@@ -532,7 +1120,7 @@
           <p:cNvPr id="4" name="Date Placeholder 3">
             <a:extLst>
               <a:ext uri="{FF2B5EF4-FFF2-40B4-BE49-F238E27FC236}">
-                <a16:creationId xmlns:a16="http://schemas.microsoft.com/office/drawing/2014/main" id="{4E4E3736-E8AA-4F58-9D3A-27050B287F9D}"/>
+                <a16:creationId xmlns:a16="http://schemas.microsoft.com/office/drawing/2014/main" id="{AD082103-9187-68FE-5242-510BA03627CE}"/>
               </a:ext>
             </a:extLst>
           </p:cNvPr>
@@ -550,7 +1138,7 @@
           <a:p>
             <a:fld id="{3C2B07E4-CDF9-4C88-A2F3-04620E58224D}" type="datetimeFigureOut">
               <a:rPr lang="en-US" smtClean="0"/>
-              <a:t>3/28/23</a:t>
+              <a:t>3/30/23</a:t>
             </a:fld>
             <a:endParaRPr lang="en-US"/>
           </a:p>
@@ -561,7 +1149,7 @@
           <p:cNvPr id="5" name="Footer Placeholder 4">
             <a:extLst>
               <a:ext uri="{FF2B5EF4-FFF2-40B4-BE49-F238E27FC236}">
-                <a16:creationId xmlns:a16="http://schemas.microsoft.com/office/drawing/2014/main" id="{1DE95E84-15BC-478B-9DAB-15025867BB9C}"/>
+                <a16:creationId xmlns:a16="http://schemas.microsoft.com/office/drawing/2014/main" id="{AD83A6C0-B3C4-1775-E9F0-2A0CA538F3E8}"/>
               </a:ext>
             </a:extLst>
           </p:cNvPr>
@@ -586,7 +1174,7 @@
           <p:cNvPr id="6" name="Slide Number Placeholder 5">
             <a:extLst>
               <a:ext uri="{FF2B5EF4-FFF2-40B4-BE49-F238E27FC236}">
-                <a16:creationId xmlns:a16="http://schemas.microsoft.com/office/drawing/2014/main" id="{63E9D98F-E0A8-4254-A957-7F17811D017E}"/>
+                <a16:creationId xmlns:a16="http://schemas.microsoft.com/office/drawing/2014/main" id="{3B96B944-08A9-5909-DA71-3E37AC7E2F84}"/>
               </a:ext>
             </a:extLst>
           </p:cNvPr>
@@ -613,7 +1201,7 @@
     </p:spTree>
     <p:extLst>
       <p:ext uri="{BB962C8B-B14F-4D97-AF65-F5344CB8AC3E}">
-        <p14:creationId xmlns:p14="http://schemas.microsoft.com/office/powerpoint/2010/main" val="3369665616"/>
+        <p14:creationId xmlns:p14="http://schemas.microsoft.com/office/powerpoint/2010/main" val="3819903669"/>
       </p:ext>
     </p:extLst>
   </p:cSld>
@@ -645,7 +1233,7 @@
           <p:cNvPr id="2" name="Vertical Title 1">
             <a:extLst>
               <a:ext uri="{FF2B5EF4-FFF2-40B4-BE49-F238E27FC236}">
-                <a16:creationId xmlns:a16="http://schemas.microsoft.com/office/drawing/2014/main" id="{77DE70F5-2276-4F91-9FC2-8DA4B528814A}"/>
+                <a16:creationId xmlns:a16="http://schemas.microsoft.com/office/drawing/2014/main" id="{7AAD38BB-6722-E1EE-592A-827D2768CDE1}"/>
               </a:ext>
             </a:extLst>
           </p:cNvPr>
@@ -658,26 +1246,19 @@
         </p:nvSpPr>
         <p:spPr>
           <a:xfrm>
-            <a:off x="9144000" y="1467699"/>
-            <a:ext cx="1758461" cy="4628301"/>
+            <a:off x="8724900" y="365125"/>
+            <a:ext cx="2628900" cy="5811838"/>
           </a:xfrm>
         </p:spPr>
         <p:txBody>
           <a:bodyPr vert="eaVert"/>
-          <a:lstStyle>
-            <a:lvl1pPr>
-              <a:defRPr>
-                <a:solidFill>
-                  <a:schemeClr val="tx1"/>
-                </a:solidFill>
-              </a:defRPr>
-            </a:lvl1pPr>
-          </a:lstStyle>
-          <a:p>
-            <a:r>
-              <a:rPr lang="en-US" dirty="0"/>
+          <a:lstStyle/>
+          <a:p>
+            <a:r>
+              <a:rPr lang="en-GB"/>
               <a:t>Click to edit Master title style</a:t>
             </a:r>
+            <a:endParaRPr lang="en-US"/>
           </a:p>
         </p:txBody>
       </p:sp>
@@ -686,7 +1267,7 @@
           <p:cNvPr id="3" name="Vertical Text Placeholder 2">
             <a:extLst>
               <a:ext uri="{FF2B5EF4-FFF2-40B4-BE49-F238E27FC236}">
-                <a16:creationId xmlns:a16="http://schemas.microsoft.com/office/drawing/2014/main" id="{D21856C5-C2FD-45E4-A631-AC06B5495BEA}"/>
+                <a16:creationId xmlns:a16="http://schemas.microsoft.com/office/drawing/2014/main" id="{08C1A26C-6AA2-7B04-29E5-0DD096598A3A}"/>
               </a:ext>
             </a:extLst>
           </p:cNvPr>
@@ -699,83 +1280,48 @@
         </p:nvSpPr>
         <p:spPr>
           <a:xfrm>
-            <a:off x="1182312" y="1467699"/>
-            <a:ext cx="7839379" cy="4628301"/>
+            <a:off x="838200" y="365125"/>
+            <a:ext cx="7734300" cy="5811838"/>
           </a:xfrm>
         </p:spPr>
         <p:txBody>
           <a:bodyPr vert="eaVert"/>
-          <a:lstStyle>
-            <a:lvl1pPr>
-              <a:defRPr>
-                <a:solidFill>
-                  <a:schemeClr val="tx1"/>
-                </a:solidFill>
-              </a:defRPr>
-            </a:lvl1pPr>
-            <a:lvl2pPr>
-              <a:defRPr>
-                <a:solidFill>
-                  <a:schemeClr val="tx1"/>
-                </a:solidFill>
-              </a:defRPr>
-            </a:lvl2pPr>
-            <a:lvl3pPr>
-              <a:defRPr>
-                <a:solidFill>
-                  <a:schemeClr val="tx1"/>
-                </a:solidFill>
-              </a:defRPr>
-            </a:lvl3pPr>
-            <a:lvl4pPr>
-              <a:defRPr>
-                <a:solidFill>
-                  <a:schemeClr val="tx1"/>
-                </a:solidFill>
-              </a:defRPr>
-            </a:lvl4pPr>
-            <a:lvl5pPr>
-              <a:defRPr>
-                <a:solidFill>
-                  <a:schemeClr val="tx1"/>
-                </a:solidFill>
-              </a:defRPr>
-            </a:lvl5pPr>
-          </a:lstStyle>
+          <a:lstStyle/>
           <a:p>
             <a:pPr lvl="0"/>
             <a:r>
-              <a:rPr lang="en-US" dirty="0"/>
+              <a:rPr lang="en-GB"/>
               <a:t>Click to edit Master text styles</a:t>
             </a:r>
           </a:p>
           <a:p>
             <a:pPr lvl="1"/>
             <a:r>
-              <a:rPr lang="en-US" dirty="0"/>
+              <a:rPr lang="en-GB"/>
               <a:t>Second level</a:t>
             </a:r>
           </a:p>
           <a:p>
             <a:pPr lvl="2"/>
             <a:r>
-              <a:rPr lang="en-US" dirty="0"/>
+              <a:rPr lang="en-GB"/>
               <a:t>Third level</a:t>
             </a:r>
           </a:p>
           <a:p>
             <a:pPr lvl="3"/>
             <a:r>
-              <a:rPr lang="en-US" dirty="0"/>
+              <a:rPr lang="en-GB"/>
               <a:t>Fourth level</a:t>
             </a:r>
           </a:p>
           <a:p>
             <a:pPr lvl="4"/>
             <a:r>
-              <a:rPr lang="en-US" dirty="0"/>
+              <a:rPr lang="en-GB"/>
               <a:t>Fifth level</a:t>
             </a:r>
+            <a:endParaRPr lang="en-US"/>
           </a:p>
         </p:txBody>
       </p:sp>
@@ -784,7 +1330,7 @@
           <p:cNvPr id="4" name="Date Placeholder 3">
             <a:extLst>
               <a:ext uri="{FF2B5EF4-FFF2-40B4-BE49-F238E27FC236}">
-                <a16:creationId xmlns:a16="http://schemas.microsoft.com/office/drawing/2014/main" id="{5EE336EA-B6DD-4115-9C67-79A24C866ED4}"/>
+                <a16:creationId xmlns:a16="http://schemas.microsoft.com/office/drawing/2014/main" id="{E0EDC32A-B129-43AD-A877-422C704CBBA9}"/>
               </a:ext>
             </a:extLst>
           </p:cNvPr>
@@ -802,7 +1348,7 @@
           <a:p>
             <a:fld id="{3C2B07E4-CDF9-4C88-A2F3-04620E58224D}" type="datetimeFigureOut">
               <a:rPr lang="en-US" smtClean="0"/>
-              <a:t>3/28/23</a:t>
+              <a:t>3/30/23</a:t>
             </a:fld>
             <a:endParaRPr lang="en-US"/>
           </a:p>
@@ -813,7 +1359,7 @@
           <p:cNvPr id="5" name="Footer Placeholder 4">
             <a:extLst>
               <a:ext uri="{FF2B5EF4-FFF2-40B4-BE49-F238E27FC236}">
-                <a16:creationId xmlns:a16="http://schemas.microsoft.com/office/drawing/2014/main" id="{C2EA668B-1DAB-449C-9BA4-7B1572A22BAC}"/>
+                <a16:creationId xmlns:a16="http://schemas.microsoft.com/office/drawing/2014/main" id="{B06DCC02-35E4-B069-1C92-07952F08CB8E}"/>
               </a:ext>
             </a:extLst>
           </p:cNvPr>
@@ -838,7 +1384,7 @@
           <p:cNvPr id="6" name="Slide Number Placeholder 5">
             <a:extLst>
               <a:ext uri="{FF2B5EF4-FFF2-40B4-BE49-F238E27FC236}">
-                <a16:creationId xmlns:a16="http://schemas.microsoft.com/office/drawing/2014/main" id="{E8C6567E-119D-4C98-93FF-73A332803A13}"/>
+                <a16:creationId xmlns:a16="http://schemas.microsoft.com/office/drawing/2014/main" id="{7E65BC13-289D-745D-6833-364D8B9D076A}"/>
               </a:ext>
             </a:extLst>
           </p:cNvPr>
@@ -865,7 +1411,7 @@
     </p:spTree>
     <p:extLst>
       <p:ext uri="{BB962C8B-B14F-4D97-AF65-F5344CB8AC3E}">
-        <p14:creationId xmlns:p14="http://schemas.microsoft.com/office/powerpoint/2010/main" val="3778621023"/>
+        <p14:creationId xmlns:p14="http://schemas.microsoft.com/office/powerpoint/2010/main" val="1670573637"/>
       </p:ext>
     </p:extLst>
   </p:cSld>
@@ -897,7 +1443,7 @@
           <p:cNvPr id="2" name="Title 1">
             <a:extLst>
               <a:ext uri="{FF2B5EF4-FFF2-40B4-BE49-F238E27FC236}">
-                <a16:creationId xmlns:a16="http://schemas.microsoft.com/office/drawing/2014/main" id="{F13EF94C-BCB1-4F4C-AF70-DD2A5C4E3318}"/>
+                <a16:creationId xmlns:a16="http://schemas.microsoft.com/office/drawing/2014/main" id="{34163618-4365-24EA-C0AE-28C5E76AEFA4}"/>
               </a:ext>
             </a:extLst>
           </p:cNvPr>
@@ -908,28 +1454,16 @@
             <p:ph type="title"/>
           </p:nvPr>
         </p:nvSpPr>
-        <p:spPr>
-          <a:xfrm>
-            <a:off x="1429566" y="1045445"/>
-            <a:ext cx="9238434" cy="857559"/>
-          </a:xfrm>
-        </p:spPr>
-        <p:txBody>
-          <a:bodyPr anchor="b"/>
-          <a:lstStyle>
-            <a:lvl1pPr>
-              <a:defRPr>
-                <a:solidFill>
-                  <a:schemeClr val="tx1"/>
-                </a:solidFill>
-              </a:defRPr>
-            </a:lvl1pPr>
-          </a:lstStyle>
-          <a:p>
-            <a:r>
-              <a:rPr lang="en-US" dirty="0"/>
+        <p:spPr/>
+        <p:txBody>
+          <a:bodyPr/>
+          <a:lstStyle/>
+          <a:p>
+            <a:r>
+              <a:rPr lang="en-GB"/>
               <a:t>Click to edit Master title style</a:t>
             </a:r>
+            <a:endParaRPr lang="en-US"/>
           </a:p>
         </p:txBody>
       </p:sp>
@@ -938,7 +1472,7 @@
           <p:cNvPr id="3" name="Content Placeholder 2">
             <a:extLst>
               <a:ext uri="{FF2B5EF4-FFF2-40B4-BE49-F238E27FC236}">
-                <a16:creationId xmlns:a16="http://schemas.microsoft.com/office/drawing/2014/main" id="{8A909B75-A057-44B5-872F-DF01BDC8EA07}"/>
+                <a16:creationId xmlns:a16="http://schemas.microsoft.com/office/drawing/2014/main" id="{3EDB7474-2518-1BA3-B8C8-B79A1743D47C}"/>
               </a:ext>
             </a:extLst>
           </p:cNvPr>
@@ -949,85 +1483,45 @@
             <p:ph idx="1"/>
           </p:nvPr>
         </p:nvSpPr>
-        <p:spPr>
-          <a:xfrm>
-            <a:off x="1429566" y="2286000"/>
-            <a:ext cx="9238434" cy="3810000"/>
-          </a:xfrm>
-        </p:spPr>
+        <p:spPr/>
         <p:txBody>
           <a:bodyPr/>
-          <a:lstStyle>
-            <a:lvl1pPr>
-              <a:defRPr>
-                <a:solidFill>
-                  <a:schemeClr val="tx1"/>
-                </a:solidFill>
-              </a:defRPr>
-            </a:lvl1pPr>
-            <a:lvl2pPr>
-              <a:defRPr>
-                <a:solidFill>
-                  <a:schemeClr val="tx1"/>
-                </a:solidFill>
-              </a:defRPr>
-            </a:lvl2pPr>
-            <a:lvl3pPr>
-              <a:defRPr>
-                <a:solidFill>
-                  <a:schemeClr val="tx1"/>
-                </a:solidFill>
-              </a:defRPr>
-            </a:lvl3pPr>
-            <a:lvl4pPr>
-              <a:defRPr>
-                <a:solidFill>
-                  <a:schemeClr val="tx1"/>
-                </a:solidFill>
-              </a:defRPr>
-            </a:lvl4pPr>
-            <a:lvl5pPr>
-              <a:defRPr>
-                <a:solidFill>
-                  <a:schemeClr val="tx1"/>
-                </a:solidFill>
-              </a:defRPr>
-            </a:lvl5pPr>
-          </a:lstStyle>
+          <a:lstStyle/>
           <a:p>
             <a:pPr lvl="0"/>
             <a:r>
-              <a:rPr lang="en-US" dirty="0"/>
+              <a:rPr lang="en-GB"/>
               <a:t>Click to edit Master text styles</a:t>
             </a:r>
           </a:p>
           <a:p>
             <a:pPr lvl="1"/>
             <a:r>
-              <a:rPr lang="en-US" dirty="0"/>
+              <a:rPr lang="en-GB"/>
               <a:t>Second level</a:t>
             </a:r>
           </a:p>
           <a:p>
             <a:pPr lvl="2"/>
             <a:r>
-              <a:rPr lang="en-US" dirty="0"/>
+              <a:rPr lang="en-GB"/>
               <a:t>Third level</a:t>
             </a:r>
           </a:p>
           <a:p>
             <a:pPr lvl="3"/>
             <a:r>
-              <a:rPr lang="en-US" dirty="0"/>
+              <a:rPr lang="en-GB"/>
               <a:t>Fourth level</a:t>
             </a:r>
           </a:p>
           <a:p>
             <a:pPr lvl="4"/>
             <a:r>
-              <a:rPr lang="en-US" dirty="0"/>
+              <a:rPr lang="en-GB"/>
               <a:t>Fifth level</a:t>
             </a:r>
+            <a:endParaRPr lang="en-US"/>
           </a:p>
         </p:txBody>
       </p:sp>
@@ -1036,7 +1530,7 @@
           <p:cNvPr id="4" name="Date Placeholder 3">
             <a:extLst>
               <a:ext uri="{FF2B5EF4-FFF2-40B4-BE49-F238E27FC236}">
-                <a16:creationId xmlns:a16="http://schemas.microsoft.com/office/drawing/2014/main" id="{9806260C-3219-4812-88F2-3162D37F293B}"/>
+                <a16:creationId xmlns:a16="http://schemas.microsoft.com/office/drawing/2014/main" id="{75FF26A2-5C36-1B71-3D02-50682CDBDC4E}"/>
               </a:ext>
             </a:extLst>
           </p:cNvPr>
@@ -1054,7 +1548,7 @@
           <a:p>
             <a:fld id="{3C2B07E4-CDF9-4C88-A2F3-04620E58224D}" type="datetimeFigureOut">
               <a:rPr lang="en-US" smtClean="0"/>
-              <a:t>3/28/23</a:t>
+              <a:t>3/30/23</a:t>
             </a:fld>
             <a:endParaRPr lang="en-US"/>
           </a:p>
@@ -1065,7 +1559,7 @@
           <p:cNvPr id="5" name="Footer Placeholder 4">
             <a:extLst>
               <a:ext uri="{FF2B5EF4-FFF2-40B4-BE49-F238E27FC236}">
-                <a16:creationId xmlns:a16="http://schemas.microsoft.com/office/drawing/2014/main" id="{F2762B73-9C01-4BE3-A199-782BE6EBA6E4}"/>
+                <a16:creationId xmlns:a16="http://schemas.microsoft.com/office/drawing/2014/main" id="{43CD9C9F-D28A-DE18-2888-F0C7A0CC4738}"/>
               </a:ext>
             </a:extLst>
           </p:cNvPr>
@@ -1090,7 +1584,7 @@
           <p:cNvPr id="6" name="Slide Number Placeholder 5">
             <a:extLst>
               <a:ext uri="{FF2B5EF4-FFF2-40B4-BE49-F238E27FC236}">
-                <a16:creationId xmlns:a16="http://schemas.microsoft.com/office/drawing/2014/main" id="{2A761492-EB56-4454-9D2A-8BB94AACB899}"/>
+                <a16:creationId xmlns:a16="http://schemas.microsoft.com/office/drawing/2014/main" id="{31BB4007-6539-8E4D-47E0-8D1E7B437A60}"/>
               </a:ext>
             </a:extLst>
           </p:cNvPr>
@@ -1117,7 +1611,7 @@
     </p:spTree>
     <p:extLst>
       <p:ext uri="{BB962C8B-B14F-4D97-AF65-F5344CB8AC3E}">
-        <p14:creationId xmlns:p14="http://schemas.microsoft.com/office/powerpoint/2010/main" val="3845338161"/>
+        <p14:creationId xmlns:p14="http://schemas.microsoft.com/office/powerpoint/2010/main" val="3334875254"/>
       </p:ext>
     </p:extLst>
   </p:cSld>
@@ -1146,62 +1640,48 @@
       </p:grpSpPr>
       <p:sp>
         <p:nvSpPr>
-          <p:cNvPr id="7" name="Rectangle 6">
-            <a:extLst>
-              <a:ext uri="{FF2B5EF4-FFF2-40B4-BE49-F238E27FC236}">
-                <a16:creationId xmlns:a16="http://schemas.microsoft.com/office/drawing/2014/main" id="{B980A128-A52A-402C-865B-1BF08D7F0458}"/>
-              </a:ext>
-            </a:extLst>
-          </p:cNvPr>
-          <p:cNvSpPr/>
-          <p:nvPr/>
+          <p:cNvPr id="2" name="Title 1">
+            <a:extLst>
+              <a:ext uri="{FF2B5EF4-FFF2-40B4-BE49-F238E27FC236}">
+                <a16:creationId xmlns:a16="http://schemas.microsoft.com/office/drawing/2014/main" id="{8B8A07D8-15F0-579E-70E4-4074B64A9227}"/>
+              </a:ext>
+            </a:extLst>
+          </p:cNvPr>
+          <p:cNvSpPr>
+            <a:spLocks noGrp="1"/>
+          </p:cNvSpPr>
+          <p:nvPr>
+            <p:ph type="title"/>
+          </p:nvPr>
         </p:nvSpPr>
         <p:spPr>
           <a:xfrm>
-            <a:off x="0" y="0"/>
-            <a:ext cx="12192000" cy="6858000"/>
+            <a:off x="831850" y="1709738"/>
+            <a:ext cx="10515600" cy="2852737"/>
           </a:xfrm>
-          <a:prstGeom prst="rect">
-            <a:avLst/>
-          </a:prstGeom>
-          <a:solidFill>
-            <a:schemeClr val="bg1"/>
-          </a:solidFill>
-          <a:ln>
-            <a:noFill/>
-          </a:ln>
         </p:spPr>
-        <p:style>
-          <a:lnRef idx="2">
-            <a:schemeClr val="accent1">
-              <a:shade val="50000"/>
-            </a:schemeClr>
-          </a:lnRef>
-          <a:fillRef idx="1">
-            <a:schemeClr val="accent1"/>
-          </a:fillRef>
-          <a:effectRef idx="0">
-            <a:schemeClr val="accent1"/>
-          </a:effectRef>
-          <a:fontRef idx="minor">
-            <a:schemeClr val="lt1"/>
-          </a:fontRef>
-        </p:style>
-        <p:txBody>
-          <a:bodyPr rtlCol="0" anchor="ctr"/>
-          <a:lstStyle/>
-          <a:p>
-            <a:pPr algn="ctr"/>
+        <p:txBody>
+          <a:bodyPr anchor="b"/>
+          <a:lstStyle>
+            <a:lvl1pPr>
+              <a:defRPr sz="6000"/>
+            </a:lvl1pPr>
+          </a:lstStyle>
+          <a:p>
+            <a:r>
+              <a:rPr lang="en-GB"/>
+              <a:t>Click to edit Master title style</a:t>
+            </a:r>
             <a:endParaRPr lang="en-US"/>
           </a:p>
         </p:txBody>
       </p:sp>
       <p:sp>
         <p:nvSpPr>
-          <p:cNvPr id="2" name="Title 1">
-            <a:extLst>
-              <a:ext uri="{FF2B5EF4-FFF2-40B4-BE49-F238E27FC236}">
-                <a16:creationId xmlns:a16="http://schemas.microsoft.com/office/drawing/2014/main" id="{3E900447-3778-4AB7-ACB3-7C2313FE9A47}"/>
+          <p:cNvPr id="3" name="Text Placeholder 2">
+            <a:extLst>
+              <a:ext uri="{FF2B5EF4-FFF2-40B4-BE49-F238E27FC236}">
+                <a16:creationId xmlns:a16="http://schemas.microsoft.com/office/drawing/2014/main" id="{B342A0D7-5D74-E096-A408-259DDA49A3AB}"/>
               </a:ext>
             </a:extLst>
           </p:cNvPr>
@@ -1209,60 +1689,21 @@
             <a:spLocks noGrp="1"/>
           </p:cNvSpPr>
           <p:nvPr>
-            <p:ph type="title"/>
+            <p:ph type="body" idx="1"/>
           </p:nvPr>
         </p:nvSpPr>
         <p:spPr>
           <a:xfrm>
-            <a:off x="1421745" y="1287554"/>
-            <a:ext cx="8284963" cy="3113064"/>
+            <a:off x="831850" y="4589463"/>
+            <a:ext cx="10515600" cy="1500187"/>
           </a:xfrm>
         </p:spPr>
         <p:txBody>
-          <a:bodyPr anchor="t"/>
-          <a:lstStyle>
-            <a:lvl1pPr>
-              <a:defRPr sz="4400"/>
-            </a:lvl1pPr>
-          </a:lstStyle>
-          <a:p>
-            <a:r>
-              <a:rPr lang="en-US" dirty="0"/>
-              <a:t>Click to edit Master title style</a:t>
-            </a:r>
-          </a:p>
-        </p:txBody>
-      </p:sp>
-      <p:sp>
-        <p:nvSpPr>
-          <p:cNvPr id="3" name="Text Placeholder 2">
-            <a:extLst>
-              <a:ext uri="{FF2B5EF4-FFF2-40B4-BE49-F238E27FC236}">
-                <a16:creationId xmlns:a16="http://schemas.microsoft.com/office/drawing/2014/main" id="{F9B910C9-BA3C-4D31-9C62-2C2408591FF2}"/>
-              </a:ext>
-            </a:extLst>
-          </p:cNvPr>
-          <p:cNvSpPr>
-            <a:spLocks noGrp="1"/>
-          </p:cNvSpPr>
-          <p:nvPr>
-            <p:ph type="body" idx="1"/>
-          </p:nvPr>
-        </p:nvSpPr>
-        <p:spPr>
-          <a:xfrm>
-            <a:off x="1421744" y="4619707"/>
-            <a:ext cx="7722256" cy="1476293"/>
-          </a:xfrm>
-        </p:spPr>
-        <p:txBody>
-          <a:bodyPr anchor="b">
-            <a:normAutofit/>
-          </a:bodyPr>
+          <a:bodyPr/>
           <a:lstStyle>
             <a:lvl1pPr marL="0" indent="0">
               <a:buNone/>
-              <a:defRPr sz="1800">
+              <a:defRPr sz="2400">
                 <a:solidFill>
                   <a:schemeClr val="tx1">
                     <a:tint val="75000"/>
@@ -1354,7 +1795,7 @@
           <a:p>
             <a:pPr lvl="0"/>
             <a:r>
-              <a:rPr lang="en-US" dirty="0"/>
+              <a:rPr lang="en-GB"/>
               <a:t>Click to edit Master text styles</a:t>
             </a:r>
           </a:p>
@@ -1365,7 +1806,7 @@
           <p:cNvPr id="4" name="Date Placeholder 3">
             <a:extLst>
               <a:ext uri="{FF2B5EF4-FFF2-40B4-BE49-F238E27FC236}">
-                <a16:creationId xmlns:a16="http://schemas.microsoft.com/office/drawing/2014/main" id="{58742E8A-6B69-406B-A3DF-0A1B76832E0A}"/>
+                <a16:creationId xmlns:a16="http://schemas.microsoft.com/office/drawing/2014/main" id="{298F3273-349B-F0F0-C33F-1942BCEABC04}"/>
               </a:ext>
             </a:extLst>
           </p:cNvPr>
@@ -1383,7 +1824,7 @@
           <a:p>
             <a:fld id="{3C2B07E4-CDF9-4C88-A2F3-04620E58224D}" type="datetimeFigureOut">
               <a:rPr lang="en-US" smtClean="0"/>
-              <a:t>3/28/23</a:t>
+              <a:t>3/30/23</a:t>
             </a:fld>
             <a:endParaRPr lang="en-US"/>
           </a:p>
@@ -1394,7 +1835,7 @@
           <p:cNvPr id="5" name="Footer Placeholder 4">
             <a:extLst>
               <a:ext uri="{FF2B5EF4-FFF2-40B4-BE49-F238E27FC236}">
-                <a16:creationId xmlns:a16="http://schemas.microsoft.com/office/drawing/2014/main" id="{64D665CF-4461-4BB8-8F3A-ED1CB1084CA2}"/>
+                <a16:creationId xmlns:a16="http://schemas.microsoft.com/office/drawing/2014/main" id="{A694F920-18F7-58EE-C1C9-5099AD759867}"/>
               </a:ext>
             </a:extLst>
           </p:cNvPr>
@@ -1419,7 +1860,7 @@
           <p:cNvPr id="6" name="Slide Number Placeholder 5">
             <a:extLst>
               <a:ext uri="{FF2B5EF4-FFF2-40B4-BE49-F238E27FC236}">
-                <a16:creationId xmlns:a16="http://schemas.microsoft.com/office/drawing/2014/main" id="{D4898B27-5EF3-49F4-B3CE-F3CF419AE06E}"/>
+                <a16:creationId xmlns:a16="http://schemas.microsoft.com/office/drawing/2014/main" id="{F078A0DF-CB85-CE3A-1920-6CC1F24B61B2}"/>
               </a:ext>
             </a:extLst>
           </p:cNvPr>
@@ -1446,7 +1887,7 @@
     </p:spTree>
     <p:extLst>
       <p:ext uri="{BB962C8B-B14F-4D97-AF65-F5344CB8AC3E}">
-        <p14:creationId xmlns:p14="http://schemas.microsoft.com/office/powerpoint/2010/main" val="2080361432"/>
+        <p14:creationId xmlns:p14="http://schemas.microsoft.com/office/powerpoint/2010/main" val="3758360555"/>
       </p:ext>
     </p:extLst>
   </p:cSld>
@@ -1478,7 +1919,7 @@
           <p:cNvPr id="2" name="Title 1">
             <a:extLst>
               <a:ext uri="{FF2B5EF4-FFF2-40B4-BE49-F238E27FC236}">
-                <a16:creationId xmlns:a16="http://schemas.microsoft.com/office/drawing/2014/main" id="{3733F3BA-5AD5-4F15-97B2-E4652D1D4E15}"/>
+                <a16:creationId xmlns:a16="http://schemas.microsoft.com/office/drawing/2014/main" id="{4EBD7FE3-CD41-25FE-7F9C-2F82D552ED0A}"/>
               </a:ext>
             </a:extLst>
           </p:cNvPr>
@@ -1487,39 +1928,90 @@
           </p:cNvSpPr>
           <p:nvPr>
             <p:ph type="title"/>
+          </p:nvPr>
+        </p:nvSpPr>
+        <p:spPr/>
+        <p:txBody>
+          <a:bodyPr/>
+          <a:lstStyle/>
+          <a:p>
+            <a:r>
+              <a:rPr lang="en-GB"/>
+              <a:t>Click to edit Master title style</a:t>
+            </a:r>
+            <a:endParaRPr lang="en-US"/>
+          </a:p>
+        </p:txBody>
+      </p:sp>
+      <p:sp>
+        <p:nvSpPr>
+          <p:cNvPr id="3" name="Content Placeholder 2">
+            <a:extLst>
+              <a:ext uri="{FF2B5EF4-FFF2-40B4-BE49-F238E27FC236}">
+                <a16:creationId xmlns:a16="http://schemas.microsoft.com/office/drawing/2014/main" id="{27D914D1-EA87-8904-8F19-A7B3A4BB3464}"/>
+              </a:ext>
+            </a:extLst>
+          </p:cNvPr>
+          <p:cNvSpPr>
+            <a:spLocks noGrp="1"/>
+          </p:cNvSpPr>
+          <p:nvPr>
+            <p:ph sz="half" idx="1"/>
           </p:nvPr>
         </p:nvSpPr>
         <p:spPr>
           <a:xfrm>
-            <a:off x="1429566" y="1013411"/>
-            <a:ext cx="9238434" cy="889592"/>
+            <a:off x="838200" y="1825625"/>
+            <a:ext cx="5181600" cy="4351338"/>
           </a:xfrm>
         </p:spPr>
         <p:txBody>
           <a:bodyPr/>
-          <a:lstStyle>
-            <a:lvl1pPr>
-              <a:defRPr>
-                <a:solidFill>
-                  <a:schemeClr val="tx1"/>
-                </a:solidFill>
-              </a:defRPr>
-            </a:lvl1pPr>
-          </a:lstStyle>
-          <a:p>
-            <a:r>
-              <a:rPr lang="en-US" dirty="0"/>
-              <a:t>Click to edit Master title style</a:t>
-            </a:r>
-          </a:p>
-        </p:txBody>
-      </p:sp>
-      <p:sp>
-        <p:nvSpPr>
-          <p:cNvPr id="3" name="Content Placeholder 2">
-            <a:extLst>
-              <a:ext uri="{FF2B5EF4-FFF2-40B4-BE49-F238E27FC236}">
-                <a16:creationId xmlns:a16="http://schemas.microsoft.com/office/drawing/2014/main" id="{7EA997B8-1FD3-40E6-A486-256EB41DB70A}"/>
+          <a:lstStyle/>
+          <a:p>
+            <a:pPr lvl="0"/>
+            <a:r>
+              <a:rPr lang="en-GB"/>
+              <a:t>Click to edit Master text styles</a:t>
+            </a:r>
+          </a:p>
+          <a:p>
+            <a:pPr lvl="1"/>
+            <a:r>
+              <a:rPr lang="en-GB"/>
+              <a:t>Second level</a:t>
+            </a:r>
+          </a:p>
+          <a:p>
+            <a:pPr lvl="2"/>
+            <a:r>
+              <a:rPr lang="en-GB"/>
+              <a:t>Third level</a:t>
+            </a:r>
+          </a:p>
+          <a:p>
+            <a:pPr lvl="3"/>
+            <a:r>
+              <a:rPr lang="en-GB"/>
+              <a:t>Fourth level</a:t>
+            </a:r>
+          </a:p>
+          <a:p>
+            <a:pPr lvl="4"/>
+            <a:r>
+              <a:rPr lang="en-GB"/>
+              <a:t>Fifth level</a:t>
+            </a:r>
+            <a:endParaRPr lang="en-US"/>
+          </a:p>
+        </p:txBody>
+      </p:sp>
+      <p:sp>
+        <p:nvSpPr>
+          <p:cNvPr id="4" name="Content Placeholder 3">
+            <a:extLst>
+              <a:ext uri="{FF2B5EF4-FFF2-40B4-BE49-F238E27FC236}">
+                <a16:creationId xmlns:a16="http://schemas.microsoft.com/office/drawing/2014/main" id="{B56B7EE2-99F7-82E0-A302-6CDC2CCC88AC}"/>
               </a:ext>
             </a:extLst>
           </p:cNvPr>
@@ -1527,186 +2019,53 @@
             <a:spLocks noGrp="1"/>
           </p:cNvSpPr>
           <p:nvPr>
-            <p:ph sz="half" idx="1"/>
+            <p:ph sz="half" idx="2"/>
           </p:nvPr>
         </p:nvSpPr>
         <p:spPr>
           <a:xfrm>
-            <a:off x="1429566" y="2135565"/>
-            <a:ext cx="4495800" cy="3960435"/>
+            <a:off x="6172200" y="1825625"/>
+            <a:ext cx="5181600" cy="4351338"/>
           </a:xfrm>
         </p:spPr>
         <p:txBody>
           <a:bodyPr/>
-          <a:lstStyle>
-            <a:lvl1pPr>
-              <a:defRPr>
-                <a:solidFill>
-                  <a:schemeClr val="tx1"/>
-                </a:solidFill>
-              </a:defRPr>
-            </a:lvl1pPr>
-            <a:lvl2pPr>
-              <a:defRPr>
-                <a:solidFill>
-                  <a:schemeClr val="tx1"/>
-                </a:solidFill>
-              </a:defRPr>
-            </a:lvl2pPr>
-            <a:lvl3pPr>
-              <a:defRPr>
-                <a:solidFill>
-                  <a:schemeClr val="tx1"/>
-                </a:solidFill>
-              </a:defRPr>
-            </a:lvl3pPr>
-            <a:lvl4pPr>
-              <a:defRPr>
-                <a:solidFill>
-                  <a:schemeClr val="tx1"/>
-                </a:solidFill>
-              </a:defRPr>
-            </a:lvl4pPr>
-            <a:lvl5pPr>
-              <a:defRPr>
-                <a:solidFill>
-                  <a:schemeClr val="tx1"/>
-                </a:solidFill>
-              </a:defRPr>
-            </a:lvl5pPr>
-          </a:lstStyle>
+          <a:lstStyle/>
           <a:p>
             <a:pPr lvl="0"/>
             <a:r>
-              <a:rPr lang="en-US" dirty="0"/>
+              <a:rPr lang="en-GB"/>
               <a:t>Click to edit Master text styles</a:t>
             </a:r>
           </a:p>
           <a:p>
             <a:pPr lvl="1"/>
             <a:r>
-              <a:rPr lang="en-US" dirty="0"/>
+              <a:rPr lang="en-GB"/>
               <a:t>Second level</a:t>
             </a:r>
           </a:p>
           <a:p>
             <a:pPr lvl="2"/>
             <a:r>
-              <a:rPr lang="en-US" dirty="0"/>
+              <a:rPr lang="en-GB"/>
               <a:t>Third level</a:t>
             </a:r>
           </a:p>
           <a:p>
             <a:pPr lvl="3"/>
             <a:r>
-              <a:rPr lang="en-US" dirty="0"/>
+              <a:rPr lang="en-GB"/>
               <a:t>Fourth level</a:t>
             </a:r>
           </a:p>
           <a:p>
             <a:pPr lvl="4"/>
             <a:r>
-              <a:rPr lang="en-US" dirty="0"/>
+              <a:rPr lang="en-GB"/>
               <a:t>Fifth level</a:t>
             </a:r>
-          </a:p>
-        </p:txBody>
-      </p:sp>
-      <p:sp>
-        <p:nvSpPr>
-          <p:cNvPr id="4" name="Content Placeholder 3">
-            <a:extLst>
-              <a:ext uri="{FF2B5EF4-FFF2-40B4-BE49-F238E27FC236}">
-                <a16:creationId xmlns:a16="http://schemas.microsoft.com/office/drawing/2014/main" id="{4183F4D8-AA9A-4AF7-86EA-E4D797B98CE9}"/>
-              </a:ext>
-            </a:extLst>
-          </p:cNvPr>
-          <p:cNvSpPr>
-            <a:spLocks noGrp="1"/>
-          </p:cNvSpPr>
-          <p:nvPr>
-            <p:ph sz="half" idx="2"/>
-          </p:nvPr>
-        </p:nvSpPr>
-        <p:spPr>
-          <a:xfrm>
-            <a:off x="6172200" y="2135565"/>
-            <a:ext cx="4495800" cy="3960435"/>
-          </a:xfrm>
-        </p:spPr>
-        <p:txBody>
-          <a:bodyPr/>
-          <a:lstStyle>
-            <a:lvl1pPr>
-              <a:defRPr>
-                <a:solidFill>
-                  <a:schemeClr val="tx1"/>
-                </a:solidFill>
-              </a:defRPr>
-            </a:lvl1pPr>
-            <a:lvl2pPr>
-              <a:defRPr>
-                <a:solidFill>
-                  <a:schemeClr val="tx1"/>
-                </a:solidFill>
-              </a:defRPr>
-            </a:lvl2pPr>
-            <a:lvl3pPr>
-              <a:defRPr>
-                <a:solidFill>
-                  <a:schemeClr val="tx1"/>
-                </a:solidFill>
-              </a:defRPr>
-            </a:lvl3pPr>
-            <a:lvl4pPr>
-              <a:defRPr>
-                <a:solidFill>
-                  <a:schemeClr val="tx1"/>
-                </a:solidFill>
-              </a:defRPr>
-            </a:lvl4pPr>
-            <a:lvl5pPr>
-              <a:defRPr>
-                <a:solidFill>
-                  <a:schemeClr val="tx1"/>
-                </a:solidFill>
-              </a:defRPr>
-            </a:lvl5pPr>
-          </a:lstStyle>
-          <a:p>
-            <a:pPr lvl="0"/>
-            <a:r>
-              <a:rPr lang="en-US" dirty="0"/>
-              <a:t>Click to edit Master text styles</a:t>
-            </a:r>
-          </a:p>
-          <a:p>
-            <a:pPr lvl="1"/>
-            <a:r>
-              <a:rPr lang="en-US" dirty="0"/>
-              <a:t>Second level</a:t>
-            </a:r>
-          </a:p>
-          <a:p>
-            <a:pPr lvl="2"/>
-            <a:r>
-              <a:rPr lang="en-US" dirty="0"/>
-              <a:t>Third level</a:t>
-            </a:r>
-          </a:p>
-          <a:p>
-            <a:pPr lvl="3"/>
-            <a:r>
-              <a:rPr lang="en-US" dirty="0"/>
-              <a:t>Fourth level</a:t>
-            </a:r>
-          </a:p>
-          <a:p>
-            <a:pPr lvl="4"/>
-            <a:r>
-              <a:rPr lang="en-US" dirty="0"/>
-              <a:t>Fifth level</a:t>
-            </a:r>
+            <a:endParaRPr lang="en-US"/>
           </a:p>
         </p:txBody>
       </p:sp>
@@ -1715,7 +2074,7 @@
           <p:cNvPr id="5" name="Date Placeholder 4">
             <a:extLst>
               <a:ext uri="{FF2B5EF4-FFF2-40B4-BE49-F238E27FC236}">
-                <a16:creationId xmlns:a16="http://schemas.microsoft.com/office/drawing/2014/main" id="{BA08823E-BC08-4810-9BFF-35D2EA2AE729}"/>
+                <a16:creationId xmlns:a16="http://schemas.microsoft.com/office/drawing/2014/main" id="{1E85CB10-44C2-06A2-A0E9-EF417C7D1CB3}"/>
               </a:ext>
             </a:extLst>
           </p:cNvPr>
@@ -1733,7 +2092,7 @@
           <a:p>
             <a:fld id="{3C2B07E4-CDF9-4C88-A2F3-04620E58224D}" type="datetimeFigureOut">
               <a:rPr lang="en-US" smtClean="0"/>
-              <a:t>3/28/23</a:t>
+              <a:t>3/30/23</a:t>
             </a:fld>
             <a:endParaRPr lang="en-US"/>
           </a:p>
@@ -1744,7 +2103,7 @@
           <p:cNvPr id="6" name="Footer Placeholder 5">
             <a:extLst>
               <a:ext uri="{FF2B5EF4-FFF2-40B4-BE49-F238E27FC236}">
-                <a16:creationId xmlns:a16="http://schemas.microsoft.com/office/drawing/2014/main" id="{2FDD2BFB-BB2C-4C4A-A6E1-DD223C2BE02F}"/>
+                <a16:creationId xmlns:a16="http://schemas.microsoft.com/office/drawing/2014/main" id="{B26F9745-CA77-785D-4D04-9156B5BF9B18}"/>
               </a:ext>
             </a:extLst>
           </p:cNvPr>
@@ -1769,7 +2128,7 @@
           <p:cNvPr id="7" name="Slide Number Placeholder 6">
             <a:extLst>
               <a:ext uri="{FF2B5EF4-FFF2-40B4-BE49-F238E27FC236}">
-                <a16:creationId xmlns:a16="http://schemas.microsoft.com/office/drawing/2014/main" id="{95D369B2-12F8-4583-8A7F-523C9A3EF09B}"/>
+                <a16:creationId xmlns:a16="http://schemas.microsoft.com/office/drawing/2014/main" id="{F60DF61B-90DD-DC53-1E52-01DF7980A801}"/>
               </a:ext>
             </a:extLst>
           </p:cNvPr>
@@ -1796,7 +2155,7 @@
     </p:spTree>
     <p:extLst>
       <p:ext uri="{BB962C8B-B14F-4D97-AF65-F5344CB8AC3E}">
-        <p14:creationId xmlns:p14="http://schemas.microsoft.com/office/powerpoint/2010/main" val="2062512132"/>
+        <p14:creationId xmlns:p14="http://schemas.microsoft.com/office/powerpoint/2010/main" val="291971276"/>
       </p:ext>
     </p:extLst>
   </p:cSld>
@@ -1828,7 +2187,7 @@
           <p:cNvPr id="2" name="Title 1">
             <a:extLst>
               <a:ext uri="{FF2B5EF4-FFF2-40B4-BE49-F238E27FC236}">
-                <a16:creationId xmlns:a16="http://schemas.microsoft.com/office/drawing/2014/main" id="{27AC717F-84B9-44BA-8DD6-680394AB193E}"/>
+                <a16:creationId xmlns:a16="http://schemas.microsoft.com/office/drawing/2014/main" id="{68241300-EAB5-33E6-66BA-F2DCD1A92164}"/>
               </a:ext>
             </a:extLst>
           </p:cNvPr>
@@ -1841,26 +2200,19 @@
         </p:nvSpPr>
         <p:spPr>
           <a:xfrm>
-            <a:off x="1429566" y="1079150"/>
-            <a:ext cx="9238434" cy="823912"/>
+            <a:off x="839788" y="365125"/>
+            <a:ext cx="10515600" cy="1325563"/>
           </a:xfrm>
         </p:spPr>
         <p:txBody>
           <a:bodyPr/>
-          <a:lstStyle>
-            <a:lvl1pPr>
-              <a:defRPr>
-                <a:solidFill>
-                  <a:schemeClr val="tx1"/>
-                </a:solidFill>
-              </a:defRPr>
-            </a:lvl1pPr>
-          </a:lstStyle>
-          <a:p>
-            <a:r>
-              <a:rPr lang="en-US" dirty="0"/>
+          <a:lstStyle/>
+          <a:p>
+            <a:r>
+              <a:rPr lang="en-GB"/>
               <a:t>Click to edit Master title style</a:t>
             </a:r>
+            <a:endParaRPr lang="en-US"/>
           </a:p>
         </p:txBody>
       </p:sp>
@@ -1869,7 +2221,7 @@
           <p:cNvPr id="3" name="Text Placeholder 2">
             <a:extLst>
               <a:ext uri="{FF2B5EF4-FFF2-40B4-BE49-F238E27FC236}">
-                <a16:creationId xmlns:a16="http://schemas.microsoft.com/office/drawing/2014/main" id="{2A1217D6-7448-4625-964F-5D82F65F11F7}"/>
+                <a16:creationId xmlns:a16="http://schemas.microsoft.com/office/drawing/2014/main" id="{C40E990F-B654-25FF-4B30-7707BDC63913}"/>
               </a:ext>
             </a:extLst>
           </p:cNvPr>
@@ -1882,26 +2234,16 @@
         </p:nvSpPr>
         <p:spPr>
           <a:xfrm>
-            <a:off x="1429567" y="2013217"/>
-            <a:ext cx="4495799" cy="704232"/>
+            <a:off x="839788" y="1681163"/>
+            <a:ext cx="5157787" cy="823912"/>
           </a:xfrm>
         </p:spPr>
         <p:txBody>
-          <a:bodyPr anchor="b">
-            <a:normAutofit/>
-          </a:bodyPr>
+          <a:bodyPr anchor="b"/>
           <a:lstStyle>
             <a:lvl1pPr marL="0" indent="0">
-              <a:lnSpc>
-                <a:spcPct val="100000"/>
-              </a:lnSpc>
               <a:buNone/>
-              <a:defRPr sz="1800" b="0" cap="all" spc="300" baseline="0">
-                <a:solidFill>
-                  <a:schemeClr val="tx1"/>
-                </a:solidFill>
-                <a:latin typeface="+mj-lt"/>
-              </a:defRPr>
+              <a:defRPr sz="2400" b="1"/>
             </a:lvl1pPr>
             <a:lvl2pPr marL="457200" indent="0">
               <a:buNone/>
@@ -1939,7 +2281,7 @@
           <a:p>
             <a:pPr lvl="0"/>
             <a:r>
-              <a:rPr lang="en-US" dirty="0"/>
+              <a:rPr lang="en-GB"/>
               <a:t>Click to edit Master text styles</a:t>
             </a:r>
           </a:p>
@@ -1950,7 +2292,7 @@
           <p:cNvPr id="4" name="Content Placeholder 3">
             <a:extLst>
               <a:ext uri="{FF2B5EF4-FFF2-40B4-BE49-F238E27FC236}">
-                <a16:creationId xmlns:a16="http://schemas.microsoft.com/office/drawing/2014/main" id="{253A534C-0B54-4327-99C0-4F0019FD21F6}"/>
+                <a16:creationId xmlns:a16="http://schemas.microsoft.com/office/drawing/2014/main" id="{58C4991B-4530-AA6A-6F14-B1DF655E178A}"/>
               </a:ext>
             </a:extLst>
           </p:cNvPr>
@@ -1963,83 +2305,48 @@
         </p:nvSpPr>
         <p:spPr>
           <a:xfrm>
-            <a:off x="1429567" y="3048000"/>
-            <a:ext cx="4495800" cy="3048000"/>
+            <a:off x="839788" y="2505075"/>
+            <a:ext cx="5157787" cy="3684588"/>
           </a:xfrm>
         </p:spPr>
         <p:txBody>
           <a:bodyPr/>
-          <a:lstStyle>
-            <a:lvl1pPr>
-              <a:defRPr>
-                <a:solidFill>
-                  <a:schemeClr val="tx1"/>
-                </a:solidFill>
-              </a:defRPr>
-            </a:lvl1pPr>
-            <a:lvl2pPr>
-              <a:defRPr>
-                <a:solidFill>
-                  <a:schemeClr val="tx1"/>
-                </a:solidFill>
-              </a:defRPr>
-            </a:lvl2pPr>
-            <a:lvl3pPr>
-              <a:defRPr>
-                <a:solidFill>
-                  <a:schemeClr val="tx1"/>
-                </a:solidFill>
-              </a:defRPr>
-            </a:lvl3pPr>
-            <a:lvl4pPr>
-              <a:defRPr>
-                <a:solidFill>
-                  <a:schemeClr val="tx1"/>
-                </a:solidFill>
-              </a:defRPr>
-            </a:lvl4pPr>
-            <a:lvl5pPr>
-              <a:defRPr>
-                <a:solidFill>
-                  <a:schemeClr val="tx1"/>
-                </a:solidFill>
-              </a:defRPr>
-            </a:lvl5pPr>
-          </a:lstStyle>
+          <a:lstStyle/>
           <a:p>
             <a:pPr lvl="0"/>
             <a:r>
-              <a:rPr lang="en-US" dirty="0"/>
+              <a:rPr lang="en-GB"/>
               <a:t>Click to edit Master text styles</a:t>
             </a:r>
           </a:p>
           <a:p>
             <a:pPr lvl="1"/>
             <a:r>
-              <a:rPr lang="en-US" dirty="0"/>
+              <a:rPr lang="en-GB"/>
               <a:t>Second level</a:t>
             </a:r>
           </a:p>
           <a:p>
             <a:pPr lvl="2"/>
             <a:r>
-              <a:rPr lang="en-US" dirty="0"/>
+              <a:rPr lang="en-GB"/>
               <a:t>Third level</a:t>
             </a:r>
           </a:p>
           <a:p>
             <a:pPr lvl="3"/>
             <a:r>
-              <a:rPr lang="en-US" dirty="0"/>
+              <a:rPr lang="en-GB"/>
               <a:t>Fourth level</a:t>
             </a:r>
           </a:p>
           <a:p>
             <a:pPr lvl="4"/>
             <a:r>
-              <a:rPr lang="en-US" dirty="0"/>
+              <a:rPr lang="en-GB"/>
               <a:t>Fifth level</a:t>
             </a:r>
+            <a:endParaRPr lang="en-US"/>
           </a:p>
         </p:txBody>
       </p:sp>
@@ -2048,7 +2355,7 @@
           <p:cNvPr id="5" name="Text Placeholder 4">
             <a:extLst>
               <a:ext uri="{FF2B5EF4-FFF2-40B4-BE49-F238E27FC236}">
-                <a16:creationId xmlns:a16="http://schemas.microsoft.com/office/drawing/2014/main" id="{389D4A63-0795-4B74-8C11-5FE7944118C7}"/>
+                <a16:creationId xmlns:a16="http://schemas.microsoft.com/office/drawing/2014/main" id="{30270D7D-61F0-2E29-12A6-6D1E76C4F7C7}"/>
               </a:ext>
             </a:extLst>
           </p:cNvPr>
@@ -2061,26 +2368,16 @@
         </p:nvSpPr>
         <p:spPr>
           <a:xfrm>
-            <a:off x="6172200" y="2013215"/>
-            <a:ext cx="4495800" cy="704233"/>
+            <a:off x="6172200" y="1681163"/>
+            <a:ext cx="5183188" cy="823912"/>
           </a:xfrm>
         </p:spPr>
         <p:txBody>
-          <a:bodyPr anchor="b">
-            <a:normAutofit/>
-          </a:bodyPr>
+          <a:bodyPr anchor="b"/>
           <a:lstStyle>
             <a:lvl1pPr marL="0" indent="0">
-              <a:lnSpc>
-                <a:spcPct val="100000"/>
-              </a:lnSpc>
               <a:buNone/>
-              <a:defRPr sz="1800" b="0" cap="all" spc="300" baseline="0">
-                <a:solidFill>
-                  <a:schemeClr val="tx1"/>
-                </a:solidFill>
-                <a:latin typeface="+mj-lt"/>
-              </a:defRPr>
+              <a:defRPr sz="2400" b="1"/>
             </a:lvl1pPr>
             <a:lvl2pPr marL="457200" indent="0">
               <a:buNone/>
@@ -2118,7 +2415,7 @@
           <a:p>
             <a:pPr lvl="0"/>
             <a:r>
-              <a:rPr lang="en-US" dirty="0"/>
+              <a:rPr lang="en-GB"/>
               <a:t>Click to edit Master text styles</a:t>
             </a:r>
           </a:p>
@@ -2129,7 +2426,7 @@
           <p:cNvPr id="6" name="Content Placeholder 5">
             <a:extLst>
               <a:ext uri="{FF2B5EF4-FFF2-40B4-BE49-F238E27FC236}">
-                <a16:creationId xmlns:a16="http://schemas.microsoft.com/office/drawing/2014/main" id="{823D16F3-F747-441B-9854-27225954DEC4}"/>
+                <a16:creationId xmlns:a16="http://schemas.microsoft.com/office/drawing/2014/main" id="{B6490A30-6832-60F0-DA47-753DDA74F8D1}"/>
               </a:ext>
             </a:extLst>
           </p:cNvPr>
@@ -2142,83 +2439,48 @@
         </p:nvSpPr>
         <p:spPr>
           <a:xfrm>
-            <a:off x="6172200" y="3048000"/>
-            <a:ext cx="4495800" cy="3048000"/>
+            <a:off x="6172200" y="2505075"/>
+            <a:ext cx="5183188" cy="3684588"/>
           </a:xfrm>
         </p:spPr>
         <p:txBody>
           <a:bodyPr/>
-          <a:lstStyle>
-            <a:lvl1pPr>
-              <a:defRPr>
-                <a:solidFill>
-                  <a:schemeClr val="tx1"/>
-                </a:solidFill>
-              </a:defRPr>
-            </a:lvl1pPr>
-            <a:lvl2pPr>
-              <a:defRPr>
-                <a:solidFill>
-                  <a:schemeClr val="tx1"/>
-                </a:solidFill>
-              </a:defRPr>
-            </a:lvl2pPr>
-            <a:lvl3pPr>
-              <a:defRPr>
-                <a:solidFill>
-                  <a:schemeClr val="tx1"/>
-                </a:solidFill>
-              </a:defRPr>
-            </a:lvl3pPr>
-            <a:lvl4pPr>
-              <a:defRPr>
-                <a:solidFill>
-                  <a:schemeClr val="tx1"/>
-                </a:solidFill>
-              </a:defRPr>
-            </a:lvl4pPr>
-            <a:lvl5pPr>
-              <a:defRPr>
-                <a:solidFill>
-                  <a:schemeClr val="tx1"/>
-                </a:solidFill>
-              </a:defRPr>
-            </a:lvl5pPr>
-          </a:lstStyle>
+          <a:lstStyle/>
           <a:p>
             <a:pPr lvl="0"/>
             <a:r>
-              <a:rPr lang="en-US" dirty="0"/>
+              <a:rPr lang="en-GB"/>
               <a:t>Click to edit Master text styles</a:t>
             </a:r>
           </a:p>
           <a:p>
             <a:pPr lvl="1"/>
             <a:r>
-              <a:rPr lang="en-US" dirty="0"/>
+              <a:rPr lang="en-GB"/>
               <a:t>Second level</a:t>
             </a:r>
           </a:p>
           <a:p>
             <a:pPr lvl="2"/>
             <a:r>
-              <a:rPr lang="en-US" dirty="0"/>
+              <a:rPr lang="en-GB"/>
               <a:t>Third level</a:t>
             </a:r>
           </a:p>
           <a:p>
             <a:pPr lvl="3"/>
             <a:r>
-              <a:rPr lang="en-US" dirty="0"/>
+              <a:rPr lang="en-GB"/>
               <a:t>Fourth level</a:t>
             </a:r>
           </a:p>
           <a:p>
             <a:pPr lvl="4"/>
             <a:r>
-              <a:rPr lang="en-US" dirty="0"/>
+              <a:rPr lang="en-GB"/>
               <a:t>Fifth level</a:t>
             </a:r>
+            <a:endParaRPr lang="en-US"/>
           </a:p>
         </p:txBody>
       </p:sp>
@@ -2227,7 +2489,7 @@
           <p:cNvPr id="7" name="Date Placeholder 6">
             <a:extLst>
               <a:ext uri="{FF2B5EF4-FFF2-40B4-BE49-F238E27FC236}">
-                <a16:creationId xmlns:a16="http://schemas.microsoft.com/office/drawing/2014/main" id="{0E8168E2-6B97-486E-B0E4-4E7F5CDBB5B1}"/>
+                <a16:creationId xmlns:a16="http://schemas.microsoft.com/office/drawing/2014/main" id="{0EE35D10-69CB-3C64-915D-55E63DD0BA9F}"/>
               </a:ext>
             </a:extLst>
           </p:cNvPr>
@@ -2245,7 +2507,7 @@
           <a:p>
             <a:fld id="{3C2B07E4-CDF9-4C88-A2F3-04620E58224D}" type="datetimeFigureOut">
               <a:rPr lang="en-US" smtClean="0"/>
-              <a:t>3/28/23</a:t>
+              <a:t>3/30/23</a:t>
             </a:fld>
             <a:endParaRPr lang="en-US"/>
           </a:p>
@@ -2256,7 +2518,7 @@
           <p:cNvPr id="8" name="Footer Placeholder 7">
             <a:extLst>
               <a:ext uri="{FF2B5EF4-FFF2-40B4-BE49-F238E27FC236}">
-                <a16:creationId xmlns:a16="http://schemas.microsoft.com/office/drawing/2014/main" id="{D05D3E2B-2F4E-4347-A8E9-27EB7D0359B3}"/>
+                <a16:creationId xmlns:a16="http://schemas.microsoft.com/office/drawing/2014/main" id="{E23DB39D-94D4-8A1F-46F0-F2BD5276712E}"/>
               </a:ext>
             </a:extLst>
           </p:cNvPr>
@@ -2281,7 +2543,7 @@
           <p:cNvPr id="9" name="Slide Number Placeholder 8">
             <a:extLst>
               <a:ext uri="{FF2B5EF4-FFF2-40B4-BE49-F238E27FC236}">
-                <a16:creationId xmlns:a16="http://schemas.microsoft.com/office/drawing/2014/main" id="{DC1FC4F5-6876-414E-9E30-84706A3F528C}"/>
+                <a16:creationId xmlns:a16="http://schemas.microsoft.com/office/drawing/2014/main" id="{68639964-28C4-2B73-EFBE-5A8E067F934E}"/>
               </a:ext>
             </a:extLst>
           </p:cNvPr>
@@ -2305,145 +2567,10 @@
           </a:p>
         </p:txBody>
       </p:sp>
-      <p:cxnSp>
-        <p:nvCxnSpPr>
-          <p:cNvPr id="11" name="Straight Connector 10">
-            <a:extLst>
-              <a:ext uri="{FF2B5EF4-FFF2-40B4-BE49-F238E27FC236}">
-                <a16:creationId xmlns:a16="http://schemas.microsoft.com/office/drawing/2014/main" id="{A70D2F04-5474-46B9-B838-858CDF4AB2D2}"/>
-              </a:ext>
-            </a:extLst>
-          </p:cNvPr>
-          <p:cNvCxnSpPr>
-            <a:cxnSpLocks/>
-          </p:cNvCxnSpPr>
-          <p:nvPr/>
-        </p:nvCxnSpPr>
-        <p:spPr>
-          <a:xfrm>
-            <a:off x="6270727" y="2876662"/>
-            <a:ext cx="971155" cy="0"/>
-          </a:xfrm>
-          <a:prstGeom prst="line">
-            <a:avLst/>
-          </a:prstGeom>
-          <a:ln w="31750">
-            <a:solidFill>
-              <a:schemeClr val="tx1"/>
-            </a:solidFill>
-          </a:ln>
-        </p:spPr>
-        <p:style>
-          <a:lnRef idx="1">
-            <a:schemeClr val="accent1"/>
-          </a:lnRef>
-          <a:fillRef idx="0">
-            <a:schemeClr val="accent1"/>
-          </a:fillRef>
-          <a:effectRef idx="0">
-            <a:schemeClr val="accent1"/>
-          </a:effectRef>
-          <a:fontRef idx="minor">
-            <a:schemeClr val="tx1"/>
-          </a:fontRef>
-        </p:style>
-      </p:cxnSp>
-      <p:sp>
-        <p:nvSpPr>
-          <p:cNvPr id="13" name="Rectangle 12">
-            <a:extLst>
-              <a:ext uri="{FF2B5EF4-FFF2-40B4-BE49-F238E27FC236}">
-                <a16:creationId xmlns:a16="http://schemas.microsoft.com/office/drawing/2014/main" id="{CADEE893-BE45-47F3-BCF0-02424B3503CC}"/>
-              </a:ext>
-            </a:extLst>
-          </p:cNvPr>
-          <p:cNvSpPr/>
-          <p:nvPr/>
-        </p:nvSpPr>
-        <p:spPr>
-          <a:xfrm>
-            <a:off x="-1171838" y="4592406"/>
-            <a:ext cx="808262" cy="389711"/>
-          </a:xfrm>
-          <a:prstGeom prst="rect">
-            <a:avLst/>
-          </a:prstGeom>
-          <a:ln>
-            <a:noFill/>
-          </a:ln>
-        </p:spPr>
-        <p:style>
-          <a:lnRef idx="2">
-            <a:schemeClr val="accent1">
-              <a:shade val="50000"/>
-            </a:schemeClr>
-          </a:lnRef>
-          <a:fillRef idx="1">
-            <a:schemeClr val="accent1"/>
-          </a:fillRef>
-          <a:effectRef idx="0">
-            <a:schemeClr val="accent1"/>
-          </a:effectRef>
-          <a:fontRef idx="minor">
-            <a:schemeClr val="lt1"/>
-          </a:fontRef>
-        </p:style>
-        <p:txBody>
-          <a:bodyPr rtlCol="0" anchor="ctr"/>
-          <a:lstStyle/>
-          <a:p>
-            <a:pPr algn="ctr"/>
-            <a:endParaRPr lang="en-US"/>
-          </a:p>
-        </p:txBody>
-      </p:sp>
-      <p:cxnSp>
-        <p:nvCxnSpPr>
-          <p:cNvPr id="14" name="Straight Connector 13">
-            <a:extLst>
-              <a:ext uri="{FF2B5EF4-FFF2-40B4-BE49-F238E27FC236}">
-                <a16:creationId xmlns:a16="http://schemas.microsoft.com/office/drawing/2014/main" id="{3FB5178A-4501-4B56-8BF1-D083D7B021CE}"/>
-              </a:ext>
-            </a:extLst>
-          </p:cNvPr>
-          <p:cNvCxnSpPr>
-            <a:cxnSpLocks/>
-          </p:cNvCxnSpPr>
-          <p:nvPr/>
-        </p:nvCxnSpPr>
-        <p:spPr>
-          <a:xfrm>
-            <a:off x="1524000" y="2876662"/>
-            <a:ext cx="971155" cy="0"/>
-          </a:xfrm>
-          <a:prstGeom prst="line">
-            <a:avLst/>
-          </a:prstGeom>
-          <a:ln w="31750">
-            <a:solidFill>
-              <a:schemeClr val="tx1"/>
-            </a:solidFill>
-          </a:ln>
-        </p:spPr>
-        <p:style>
-          <a:lnRef idx="1">
-            <a:schemeClr val="accent1"/>
-          </a:lnRef>
-          <a:fillRef idx="0">
-            <a:schemeClr val="accent1"/>
-          </a:fillRef>
-          <a:effectRef idx="0">
-            <a:schemeClr val="accent1"/>
-          </a:effectRef>
-          <a:fontRef idx="minor">
-            <a:schemeClr val="tx1"/>
-          </a:fontRef>
-        </p:style>
-      </p:cxnSp>
     </p:spTree>
     <p:extLst>
       <p:ext uri="{BB962C8B-B14F-4D97-AF65-F5344CB8AC3E}">
-        <p14:creationId xmlns:p14="http://schemas.microsoft.com/office/powerpoint/2010/main" val="2132735081"/>
+        <p14:creationId xmlns:p14="http://schemas.microsoft.com/office/powerpoint/2010/main" val="2464311524"/>
       </p:ext>
     </p:extLst>
   </p:cSld>
@@ -2472,90 +2599,39 @@
       </p:grpSpPr>
       <p:sp>
         <p:nvSpPr>
-          <p:cNvPr id="6" name="Rectangle 5">
-            <a:extLst>
-              <a:ext uri="{FF2B5EF4-FFF2-40B4-BE49-F238E27FC236}">
-                <a16:creationId xmlns:a16="http://schemas.microsoft.com/office/drawing/2014/main" id="{A52109C6-041C-42BA-B507-8EA298046EDD}"/>
-              </a:ext>
-            </a:extLst>
-          </p:cNvPr>
-          <p:cNvSpPr/>
-          <p:nvPr/>
-        </p:nvSpPr>
-        <p:spPr>
-          <a:xfrm>
-            <a:off x="0" y="0"/>
-            <a:ext cx="12192000" cy="6858000"/>
-          </a:xfrm>
-          <a:prstGeom prst="rect">
-            <a:avLst/>
-          </a:prstGeom>
-          <a:solidFill>
-            <a:schemeClr val="bg1"/>
-          </a:solidFill>
-          <a:ln>
-            <a:noFill/>
-          </a:ln>
-        </p:spPr>
-        <p:style>
-          <a:lnRef idx="2">
-            <a:schemeClr val="accent1">
-              <a:shade val="50000"/>
-            </a:schemeClr>
-          </a:lnRef>
-          <a:fillRef idx="1">
-            <a:schemeClr val="accent1"/>
-          </a:fillRef>
-          <a:effectRef idx="0">
-            <a:schemeClr val="accent1"/>
-          </a:effectRef>
-          <a:fontRef idx="minor">
-            <a:schemeClr val="lt1"/>
-          </a:fontRef>
-        </p:style>
-        <p:txBody>
-          <a:bodyPr rtlCol="0" anchor="ctr"/>
-          <a:lstStyle/>
-          <a:p>
-            <a:pPr algn="ctr"/>
+          <p:cNvPr id="2" name="Title 1">
+            <a:extLst>
+              <a:ext uri="{FF2B5EF4-FFF2-40B4-BE49-F238E27FC236}">
+                <a16:creationId xmlns:a16="http://schemas.microsoft.com/office/drawing/2014/main" id="{C037B47E-AD1A-70A2-607C-213C364EBF94}"/>
+              </a:ext>
+            </a:extLst>
+          </p:cNvPr>
+          <p:cNvSpPr>
+            <a:spLocks noGrp="1"/>
+          </p:cNvSpPr>
+          <p:nvPr>
+            <p:ph type="title"/>
+          </p:nvPr>
+        </p:nvSpPr>
+        <p:spPr/>
+        <p:txBody>
+          <a:bodyPr/>
+          <a:lstStyle/>
+          <a:p>
+            <a:r>
+              <a:rPr lang="en-GB"/>
+              <a:t>Click to edit Master title style</a:t>
+            </a:r>
             <a:endParaRPr lang="en-US"/>
           </a:p>
         </p:txBody>
       </p:sp>
       <p:sp>
         <p:nvSpPr>
-          <p:cNvPr id="2" name="Title 1">
-            <a:extLst>
-              <a:ext uri="{FF2B5EF4-FFF2-40B4-BE49-F238E27FC236}">
-                <a16:creationId xmlns:a16="http://schemas.microsoft.com/office/drawing/2014/main" id="{7F7BF877-20DD-40F4-AEA8-E1B6D5350D2D}"/>
-              </a:ext>
-            </a:extLst>
-          </p:cNvPr>
-          <p:cNvSpPr>
-            <a:spLocks noGrp="1"/>
-          </p:cNvSpPr>
-          <p:nvPr>
-            <p:ph type="title"/>
-          </p:nvPr>
-        </p:nvSpPr>
-        <p:spPr/>
-        <p:txBody>
-          <a:bodyPr/>
-          <a:lstStyle/>
-          <a:p>
-            <a:r>
-              <a:rPr lang="en-US"/>
-              <a:t>Click to edit Master title style</a:t>
-            </a:r>
-          </a:p>
-        </p:txBody>
-      </p:sp>
-      <p:sp>
-        <p:nvSpPr>
           <p:cNvPr id="3" name="Date Placeholder 2">
             <a:extLst>
               <a:ext uri="{FF2B5EF4-FFF2-40B4-BE49-F238E27FC236}">
-                <a16:creationId xmlns:a16="http://schemas.microsoft.com/office/drawing/2014/main" id="{167DC874-15B5-4338-B7D1-8E393AB4C16E}"/>
+                <a16:creationId xmlns:a16="http://schemas.microsoft.com/office/drawing/2014/main" id="{D04062B3-907E-4B8C-7378-147E7635A06D}"/>
               </a:ext>
             </a:extLst>
           </p:cNvPr>
@@ -2573,7 +2649,7 @@
           <a:p>
             <a:fld id="{3C2B07E4-CDF9-4C88-A2F3-04620E58224D}" type="datetimeFigureOut">
               <a:rPr lang="en-US" smtClean="0"/>
-              <a:t>3/28/23</a:t>
+              <a:t>3/30/23</a:t>
             </a:fld>
             <a:endParaRPr lang="en-US"/>
           </a:p>
@@ -2584,7 +2660,7 @@
           <p:cNvPr id="4" name="Footer Placeholder 3">
             <a:extLst>
               <a:ext uri="{FF2B5EF4-FFF2-40B4-BE49-F238E27FC236}">
-                <a16:creationId xmlns:a16="http://schemas.microsoft.com/office/drawing/2014/main" id="{7E66BAE3-24C5-483F-9141-D860A265E78D}"/>
+                <a16:creationId xmlns:a16="http://schemas.microsoft.com/office/drawing/2014/main" id="{AAA8E598-A3DA-7D95-69E7-3D3E7A4B7230}"/>
               </a:ext>
             </a:extLst>
           </p:cNvPr>
@@ -2609,7 +2685,7 @@
           <p:cNvPr id="5" name="Slide Number Placeholder 4">
             <a:extLst>
               <a:ext uri="{FF2B5EF4-FFF2-40B4-BE49-F238E27FC236}">
-                <a16:creationId xmlns:a16="http://schemas.microsoft.com/office/drawing/2014/main" id="{059AEEB4-66F8-4008-B616-804FB9D91CF9}"/>
+                <a16:creationId xmlns:a16="http://schemas.microsoft.com/office/drawing/2014/main" id="{8BC64944-E07D-9F87-4635-CEB87D04C3FA}"/>
               </a:ext>
             </a:extLst>
           </p:cNvPr>
@@ -2636,7 +2712,7 @@
     </p:spTree>
     <p:extLst>
       <p:ext uri="{BB962C8B-B14F-4D97-AF65-F5344CB8AC3E}">
-        <p14:creationId xmlns:p14="http://schemas.microsoft.com/office/powerpoint/2010/main" val="344165293"/>
+        <p14:creationId xmlns:p14="http://schemas.microsoft.com/office/powerpoint/2010/main" val="3382131913"/>
       </p:ext>
     </p:extLst>
   </p:cSld>
@@ -2668,7 +2744,7 @@
           <p:cNvPr id="2" name="Date Placeholder 1">
             <a:extLst>
               <a:ext uri="{FF2B5EF4-FFF2-40B4-BE49-F238E27FC236}">
-                <a16:creationId xmlns:a16="http://schemas.microsoft.com/office/drawing/2014/main" id="{1746C975-8FFB-4A4B-9213-774EE3901DE9}"/>
+                <a16:creationId xmlns:a16="http://schemas.microsoft.com/office/drawing/2014/main" id="{6C849C89-18DC-1686-5431-A2A6DF69AEDA}"/>
               </a:ext>
             </a:extLst>
           </p:cNvPr>
@@ -2686,7 +2762,7 @@
           <a:p>
             <a:fld id="{3C2B07E4-CDF9-4C88-A2F3-04620E58224D}" type="datetimeFigureOut">
               <a:rPr lang="en-US" smtClean="0"/>
-              <a:t>3/28/23</a:t>
+              <a:t>3/30/23</a:t>
             </a:fld>
             <a:endParaRPr lang="en-US"/>
           </a:p>
@@ -2697,7 +2773,7 @@
           <p:cNvPr id="3" name="Footer Placeholder 2">
             <a:extLst>
               <a:ext uri="{FF2B5EF4-FFF2-40B4-BE49-F238E27FC236}">
-                <a16:creationId xmlns:a16="http://schemas.microsoft.com/office/drawing/2014/main" id="{4FBA744F-475D-4105-8E4A-025815549539}"/>
+                <a16:creationId xmlns:a16="http://schemas.microsoft.com/office/drawing/2014/main" id="{B269621A-8DE2-8A28-7F29-8348E52F60DD}"/>
               </a:ext>
             </a:extLst>
           </p:cNvPr>
@@ -2722,7 +2798,7 @@
           <p:cNvPr id="4" name="Slide Number Placeholder 3">
             <a:extLst>
               <a:ext uri="{FF2B5EF4-FFF2-40B4-BE49-F238E27FC236}">
-                <a16:creationId xmlns:a16="http://schemas.microsoft.com/office/drawing/2014/main" id="{6F3FA64C-7966-4D6F-88D7-4B89F2A1DF2C}"/>
+                <a16:creationId xmlns:a16="http://schemas.microsoft.com/office/drawing/2014/main" id="{164389C4-875B-3032-271A-CB007443E289}"/>
               </a:ext>
             </a:extLst>
           </p:cNvPr>
@@ -2749,7 +2825,7 @@
     </p:spTree>
     <p:extLst>
       <p:ext uri="{BB962C8B-B14F-4D97-AF65-F5344CB8AC3E}">
-        <p14:creationId xmlns:p14="http://schemas.microsoft.com/office/powerpoint/2010/main" val="3868179387"/>
+        <p14:creationId xmlns:p14="http://schemas.microsoft.com/office/powerpoint/2010/main" val="3961000270"/>
       </p:ext>
     </p:extLst>
   </p:cSld>
@@ -2781,7 +2857,7 @@
           <p:cNvPr id="2" name="Title 1">
             <a:extLst>
               <a:ext uri="{FF2B5EF4-FFF2-40B4-BE49-F238E27FC236}">
-                <a16:creationId xmlns:a16="http://schemas.microsoft.com/office/drawing/2014/main" id="{2BD4ED5F-AB94-4DCF-8971-B8B2B55AF653}"/>
+                <a16:creationId xmlns:a16="http://schemas.microsoft.com/office/drawing/2014/main" id="{B91A43C4-0208-B45F-C891-219CE818DCBE}"/>
               </a:ext>
             </a:extLst>
           </p:cNvPr>
@@ -2794,26 +2870,23 @@
         </p:nvSpPr>
         <p:spPr>
           <a:xfrm>
-            <a:off x="1443740" y="1558944"/>
-            <a:ext cx="3279689" cy="1864196"/>
+            <a:off x="839788" y="457200"/>
+            <a:ext cx="3932237" cy="1600200"/>
           </a:xfrm>
         </p:spPr>
         <p:txBody>
           <a:bodyPr anchor="b"/>
           <a:lstStyle>
-            <a:lvl1pPr algn="r">
-              <a:defRPr sz="2800">
-                <a:solidFill>
-                  <a:schemeClr val="tx1"/>
-                </a:solidFill>
-              </a:defRPr>
+            <a:lvl1pPr>
+              <a:defRPr sz="3200"/>
             </a:lvl1pPr>
           </a:lstStyle>
           <a:p>
             <a:r>
-              <a:rPr lang="en-US" dirty="0"/>
+              <a:rPr lang="en-GB"/>
               <a:t>Click to edit Master title style</a:t>
             </a:r>
+            <a:endParaRPr lang="en-US"/>
           </a:p>
         </p:txBody>
       </p:sp>
@@ -2822,7 +2895,7 @@
           <p:cNvPr id="3" name="Content Placeholder 2">
             <a:extLst>
               <a:ext uri="{FF2B5EF4-FFF2-40B4-BE49-F238E27FC236}">
-                <a16:creationId xmlns:a16="http://schemas.microsoft.com/office/drawing/2014/main" id="{141EE4CB-68CF-4BF3-A891-8277AFD13D88}"/>
+                <a16:creationId xmlns:a16="http://schemas.microsoft.com/office/drawing/2014/main" id="{5B991CAE-8B3D-E29C-4637-03AD56E5A503}"/>
               </a:ext>
             </a:extLst>
           </p:cNvPr>
@@ -2835,49 +2908,27 @@
         </p:nvSpPr>
         <p:spPr>
           <a:xfrm>
-            <a:off x="5334000" y="762000"/>
-            <a:ext cx="5333999" cy="5334000"/>
+            <a:off x="5183188" y="987425"/>
+            <a:ext cx="6172200" cy="4873625"/>
           </a:xfrm>
         </p:spPr>
         <p:txBody>
-          <a:bodyPr anchor="ctr">
-            <a:normAutofit/>
-          </a:bodyPr>
+          <a:bodyPr/>
           <a:lstStyle>
             <a:lvl1pPr>
-              <a:defRPr sz="2800">
-                <a:solidFill>
-                  <a:schemeClr val="tx1"/>
-                </a:solidFill>
-              </a:defRPr>
+              <a:defRPr sz="3200"/>
             </a:lvl1pPr>
             <a:lvl2pPr>
-              <a:defRPr sz="2400">
-                <a:solidFill>
-                  <a:schemeClr val="tx1"/>
-                </a:solidFill>
-              </a:defRPr>
+              <a:defRPr sz="2800"/>
             </a:lvl2pPr>
             <a:lvl3pPr>
-              <a:defRPr sz="2000">
-                <a:solidFill>
-                  <a:schemeClr val="tx1"/>
-                </a:solidFill>
-              </a:defRPr>
+              <a:defRPr sz="2400"/>
             </a:lvl3pPr>
             <a:lvl4pPr>
-              <a:defRPr sz="1800">
-                <a:solidFill>
-                  <a:schemeClr val="tx1"/>
-                </a:solidFill>
-              </a:defRPr>
+              <a:defRPr sz="2000"/>
             </a:lvl4pPr>
             <a:lvl5pPr>
-              <a:defRPr sz="1800">
-                <a:solidFill>
-                  <a:schemeClr val="tx1"/>
-                </a:solidFill>
-              </a:defRPr>
+              <a:defRPr sz="2000"/>
             </a:lvl5pPr>
             <a:lvl6pPr>
               <a:defRPr sz="2000"/>
@@ -2895,37 +2946,38 @@
           <a:p>
             <a:pPr lvl="0"/>
             <a:r>
-              <a:rPr lang="en-US" dirty="0"/>
+              <a:rPr lang="en-GB"/>
               <a:t>Click to edit Master text styles</a:t>
             </a:r>
           </a:p>
           <a:p>
             <a:pPr lvl="1"/>
             <a:r>
-              <a:rPr lang="en-US" dirty="0"/>
+              <a:rPr lang="en-GB"/>
               <a:t>Second level</a:t>
             </a:r>
           </a:p>
           <a:p>
             <a:pPr lvl="2"/>
             <a:r>
-              <a:rPr lang="en-US" dirty="0"/>
+              <a:rPr lang="en-GB"/>
               <a:t>Third level</a:t>
             </a:r>
           </a:p>
           <a:p>
             <a:pPr lvl="3"/>
             <a:r>
-              <a:rPr lang="en-US" dirty="0"/>
+              <a:rPr lang="en-GB"/>
               <a:t>Fourth level</a:t>
             </a:r>
           </a:p>
           <a:p>
             <a:pPr lvl="4"/>
             <a:r>
-              <a:rPr lang="en-US" dirty="0"/>
+              <a:rPr lang="en-GB"/>
               <a:t>Fifth level</a:t>
             </a:r>
+            <a:endParaRPr lang="en-US"/>
           </a:p>
         </p:txBody>
       </p:sp>
@@ -2934,7 +2986,7 @@
           <p:cNvPr id="4" name="Text Placeholder 3">
             <a:extLst>
               <a:ext uri="{FF2B5EF4-FFF2-40B4-BE49-F238E27FC236}">
-                <a16:creationId xmlns:a16="http://schemas.microsoft.com/office/drawing/2014/main" id="{95292E72-B66D-40EE-B182-5585382A6DC9}"/>
+                <a16:creationId xmlns:a16="http://schemas.microsoft.com/office/drawing/2014/main" id="{BA8F8BEB-813D-CB2C-817F-5450821538F3}"/>
               </a:ext>
             </a:extLst>
           </p:cNvPr>
@@ -2947,20 +2999,16 @@
         </p:nvSpPr>
         <p:spPr>
           <a:xfrm>
-            <a:off x="1443741" y="3649682"/>
-            <a:ext cx="3233096" cy="1933605"/>
+            <a:off x="839788" y="2057400"/>
+            <a:ext cx="3932237" cy="3811588"/>
           </a:xfrm>
         </p:spPr>
         <p:txBody>
           <a:bodyPr/>
           <a:lstStyle>
-            <a:lvl1pPr marL="0" indent="0" algn="r">
+            <a:lvl1pPr marL="0" indent="0">
               <a:buNone/>
-              <a:defRPr sz="1600">
-                <a:solidFill>
-                  <a:schemeClr val="tx1"/>
-                </a:solidFill>
-              </a:defRPr>
+              <a:defRPr sz="1600"/>
             </a:lvl1pPr>
             <a:lvl2pPr marL="457200" indent="0">
               <a:buNone/>
@@ -2998,7 +3046,7 @@
           <a:p>
             <a:pPr lvl="0"/>
             <a:r>
-              <a:rPr lang="en-US" dirty="0"/>
+              <a:rPr lang="en-GB"/>
               <a:t>Click to edit Master text styles</a:t>
             </a:r>
           </a:p>
@@ -3009,7 +3057,7 @@
           <p:cNvPr id="5" name="Date Placeholder 4">
             <a:extLst>
               <a:ext uri="{FF2B5EF4-FFF2-40B4-BE49-F238E27FC236}">
-                <a16:creationId xmlns:a16="http://schemas.microsoft.com/office/drawing/2014/main" id="{ED73B694-B050-45F3-AE6F-A86A129F1C64}"/>
+                <a16:creationId xmlns:a16="http://schemas.microsoft.com/office/drawing/2014/main" id="{FF299F1B-26B7-023B-96D5-2E8284884AEC}"/>
               </a:ext>
             </a:extLst>
           </p:cNvPr>
@@ -3027,7 +3075,7 @@
           <a:p>
             <a:fld id="{3C2B07E4-CDF9-4C88-A2F3-04620E58224D}" type="datetimeFigureOut">
               <a:rPr lang="en-US" smtClean="0"/>
-              <a:t>3/28/23</a:t>
+              <a:t>3/30/23</a:t>
             </a:fld>
             <a:endParaRPr lang="en-US"/>
           </a:p>
@@ -3038,7 +3086,7 @@
           <p:cNvPr id="6" name="Footer Placeholder 5">
             <a:extLst>
               <a:ext uri="{FF2B5EF4-FFF2-40B4-BE49-F238E27FC236}">
-                <a16:creationId xmlns:a16="http://schemas.microsoft.com/office/drawing/2014/main" id="{7E8AE423-9CA5-46B3-96B1-7586AD02080D}"/>
+                <a16:creationId xmlns:a16="http://schemas.microsoft.com/office/drawing/2014/main" id="{44552876-0BB9-F427-0EBA-FA24C5AAB06A}"/>
               </a:ext>
             </a:extLst>
           </p:cNvPr>
@@ -3063,7 +3111,7 @@
           <p:cNvPr id="7" name="Slide Number Placeholder 6">
             <a:extLst>
               <a:ext uri="{FF2B5EF4-FFF2-40B4-BE49-F238E27FC236}">
-                <a16:creationId xmlns:a16="http://schemas.microsoft.com/office/drawing/2014/main" id="{014B973D-F1F7-47BC-996D-6100B7C89520}"/>
+                <a16:creationId xmlns:a16="http://schemas.microsoft.com/office/drawing/2014/main" id="{416846AC-2498-9314-52D0-5E0899B51D7D}"/>
               </a:ext>
             </a:extLst>
           </p:cNvPr>
@@ -3090,7 +3138,7 @@
     </p:spTree>
     <p:extLst>
       <p:ext uri="{BB962C8B-B14F-4D97-AF65-F5344CB8AC3E}">
-        <p14:creationId xmlns:p14="http://schemas.microsoft.com/office/powerpoint/2010/main" val="3104158060"/>
+        <p14:creationId xmlns:p14="http://schemas.microsoft.com/office/powerpoint/2010/main" val="2341687352"/>
       </p:ext>
     </p:extLst>
   </p:cSld>
@@ -3122,7 +3170,7 @@
           <p:cNvPr id="2" name="Title 1">
             <a:extLst>
               <a:ext uri="{FF2B5EF4-FFF2-40B4-BE49-F238E27FC236}">
-                <a16:creationId xmlns:a16="http://schemas.microsoft.com/office/drawing/2014/main" id="{58AE9949-4A1F-4DA9-9B75-A6180F954B8D}"/>
+                <a16:creationId xmlns:a16="http://schemas.microsoft.com/office/drawing/2014/main" id="{6E4050F1-D601-DF27-D772-3CA21A7472FE}"/>
               </a:ext>
             </a:extLst>
           </p:cNvPr>
@@ -3135,26 +3183,23 @@
         </p:nvSpPr>
         <p:spPr>
           <a:xfrm>
-            <a:off x="1433543" y="1383126"/>
-            <a:ext cx="3289886" cy="2045874"/>
+            <a:off x="839788" y="457200"/>
+            <a:ext cx="3932237" cy="1600200"/>
           </a:xfrm>
         </p:spPr>
         <p:txBody>
           <a:bodyPr anchor="b"/>
           <a:lstStyle>
-            <a:lvl1pPr algn="r">
-              <a:defRPr sz="2800">
-                <a:solidFill>
-                  <a:schemeClr val="tx1"/>
-                </a:solidFill>
-              </a:defRPr>
+            <a:lvl1pPr>
+              <a:defRPr sz="3200"/>
             </a:lvl1pPr>
           </a:lstStyle>
           <a:p>
             <a:r>
-              <a:rPr lang="en-US" dirty="0"/>
+              <a:rPr lang="en-GB"/>
               <a:t>Click to edit Master title style</a:t>
             </a:r>
+            <a:endParaRPr lang="en-US"/>
           </a:p>
         </p:txBody>
       </p:sp>
@@ -3163,7 +3208,7 @@
           <p:cNvPr id="3" name="Picture Placeholder 2">
             <a:extLst>
               <a:ext uri="{FF2B5EF4-FFF2-40B4-BE49-F238E27FC236}">
-                <a16:creationId xmlns:a16="http://schemas.microsoft.com/office/drawing/2014/main" id="{79A8D794-C670-4569-93D9-0FF8B35AA7AE}"/>
+                <a16:creationId xmlns:a16="http://schemas.microsoft.com/office/drawing/2014/main" id="{8824F60E-BF30-F0C7-6E40-A90C70978F3F}"/>
               </a:ext>
             </a:extLst>
           </p:cNvPr>
@@ -3176,8 +3221,8 @@
         </p:nvSpPr>
         <p:spPr>
           <a:xfrm>
-            <a:off x="5334001" y="762000"/>
-            <a:ext cx="5333999" cy="5334000"/>
+            <a:off x="5183188" y="987425"/>
+            <a:ext cx="6172200" cy="4873625"/>
           </a:xfrm>
         </p:spPr>
         <p:txBody>
@@ -3185,11 +3230,7 @@
           <a:lstStyle>
             <a:lvl1pPr marL="0" indent="0">
               <a:buNone/>
-              <a:defRPr sz="3200">
-                <a:solidFill>
-                  <a:schemeClr val="tx1"/>
-                </a:solidFill>
-              </a:defRPr>
+              <a:defRPr sz="3200"/>
             </a:lvl1pPr>
             <a:lvl2pPr marL="457200" indent="0">
               <a:buNone/>
@@ -3225,7 +3266,7 @@
             </a:lvl9pPr>
           </a:lstStyle>
           <a:p>
-            <a:endParaRPr lang="en-US" dirty="0"/>
+            <a:endParaRPr lang="en-US"/>
           </a:p>
         </p:txBody>
       </p:sp>
@@ -3234,7 +3275,7 @@
           <p:cNvPr id="4" name="Text Placeholder 3">
             <a:extLst>
               <a:ext uri="{FF2B5EF4-FFF2-40B4-BE49-F238E27FC236}">
-                <a16:creationId xmlns:a16="http://schemas.microsoft.com/office/drawing/2014/main" id="{A92486F6-AE67-4B34-B8E2-0B7576DC2E3A}"/>
+                <a16:creationId xmlns:a16="http://schemas.microsoft.com/office/drawing/2014/main" id="{5D65641A-D201-BA35-9E64-F7793FF90B26}"/>
               </a:ext>
             </a:extLst>
           </p:cNvPr>
@@ -3247,20 +3288,16 @@
         </p:nvSpPr>
         <p:spPr>
           <a:xfrm>
-            <a:off x="1433544" y="3649682"/>
-            <a:ext cx="3243292" cy="1684317"/>
+            <a:off x="839788" y="2057400"/>
+            <a:ext cx="3932237" cy="3811588"/>
           </a:xfrm>
         </p:spPr>
         <p:txBody>
           <a:bodyPr/>
           <a:lstStyle>
-            <a:lvl1pPr marL="0" indent="0" algn="r">
+            <a:lvl1pPr marL="0" indent="0">
               <a:buNone/>
-              <a:defRPr sz="1600">
-                <a:solidFill>
-                  <a:schemeClr val="tx1"/>
-                </a:solidFill>
-              </a:defRPr>
+              <a:defRPr sz="1600"/>
             </a:lvl1pPr>
             <a:lvl2pPr marL="457200" indent="0">
               <a:buNone/>
@@ -3298,7 +3335,7 @@
           <a:p>
             <a:pPr lvl="0"/>
             <a:r>
-              <a:rPr lang="en-US" dirty="0"/>
+              <a:rPr lang="en-GB"/>
               <a:t>Click to edit Master text styles</a:t>
             </a:r>
           </a:p>
@@ -3309,7 +3346,7 @@
           <p:cNvPr id="5" name="Date Placeholder 4">
             <a:extLst>
               <a:ext uri="{FF2B5EF4-FFF2-40B4-BE49-F238E27FC236}">
-                <a16:creationId xmlns:a16="http://schemas.microsoft.com/office/drawing/2014/main" id="{B198B11C-BB63-49A6-B488-29D4FBF8E107}"/>
+                <a16:creationId xmlns:a16="http://schemas.microsoft.com/office/drawing/2014/main" id="{191E01FB-FE4A-3F83-BE98-A8C04BDF7191}"/>
               </a:ext>
             </a:extLst>
           </p:cNvPr>
@@ -3327,7 +3364,7 @@
           <a:p>
             <a:fld id="{3C2B07E4-CDF9-4C88-A2F3-04620E58224D}" type="datetimeFigureOut">
               <a:rPr lang="en-US" smtClean="0"/>
-              <a:t>3/28/23</a:t>
+              <a:t>3/30/23</a:t>
             </a:fld>
             <a:endParaRPr lang="en-US"/>
           </a:p>
@@ -3338,7 +3375,7 @@
           <p:cNvPr id="6" name="Footer Placeholder 5">
             <a:extLst>
               <a:ext uri="{FF2B5EF4-FFF2-40B4-BE49-F238E27FC236}">
-                <a16:creationId xmlns:a16="http://schemas.microsoft.com/office/drawing/2014/main" id="{324B9166-6D36-4F0A-9ADD-33D49A0C3A57}"/>
+                <a16:creationId xmlns:a16="http://schemas.microsoft.com/office/drawing/2014/main" id="{AD77AD1A-B1C0-C53D-6A2E-C0F08C859B9A}"/>
               </a:ext>
             </a:extLst>
           </p:cNvPr>
@@ -3363,7 +3400,7 @@
           <p:cNvPr id="7" name="Slide Number Placeholder 6">
             <a:extLst>
               <a:ext uri="{FF2B5EF4-FFF2-40B4-BE49-F238E27FC236}">
-                <a16:creationId xmlns:a16="http://schemas.microsoft.com/office/drawing/2014/main" id="{6FB22B8F-7760-41B3-9053-DD90255B9EEE}"/>
+                <a16:creationId xmlns:a16="http://schemas.microsoft.com/office/drawing/2014/main" id="{B11600C4-0BFB-4F79-FB17-EE48C2CA3F46}"/>
               </a:ext>
             </a:extLst>
           </p:cNvPr>
@@ -3390,7 +3427,7 @@
     </p:spTree>
     <p:extLst>
       <p:ext uri="{BB962C8B-B14F-4D97-AF65-F5344CB8AC3E}">
-        <p14:creationId xmlns:p14="http://schemas.microsoft.com/office/powerpoint/2010/main" val="921545634"/>
+        <p14:creationId xmlns:p14="http://schemas.microsoft.com/office/powerpoint/2010/main" val="1019661063"/>
       </p:ext>
     </p:extLst>
   </p:cSld>
@@ -3427,7 +3464,7 @@
           <p:cNvPr id="2" name="Title Placeholder 1">
             <a:extLst>
               <a:ext uri="{FF2B5EF4-FFF2-40B4-BE49-F238E27FC236}">
-                <a16:creationId xmlns:a16="http://schemas.microsoft.com/office/drawing/2014/main" id="{2F84152A-7FE0-4708-B7C1-DBEC8F133766}"/>
+                <a16:creationId xmlns:a16="http://schemas.microsoft.com/office/drawing/2014/main" id="{487C2958-871B-0DBF-61B1-F293AE52FA80}"/>
               </a:ext>
             </a:extLst>
           </p:cNvPr>
@@ -3440,23 +3477,24 @@
         </p:nvSpPr>
         <p:spPr>
           <a:xfrm>
-            <a:off x="1429566" y="1041621"/>
-            <a:ext cx="9238434" cy="861383"/>
+            <a:off x="838200" y="365125"/>
+            <a:ext cx="10515600" cy="1325563"/>
           </a:xfrm>
           <a:prstGeom prst="rect">
             <a:avLst/>
           </a:prstGeom>
         </p:spPr>
         <p:txBody>
-          <a:bodyPr vert="horz" lIns="91440" tIns="45720" rIns="91440" bIns="45720" rtlCol="0" anchor="b">
-            <a:noAutofit/>
+          <a:bodyPr vert="horz" lIns="91440" tIns="45720" rIns="91440" bIns="45720" rtlCol="0" anchor="ctr">
+            <a:normAutofit/>
           </a:bodyPr>
           <a:lstStyle/>
           <a:p>
             <a:r>
-              <a:rPr lang="en-US" dirty="0"/>
+              <a:rPr lang="en-GB"/>
               <a:t>Click to edit Master title style</a:t>
             </a:r>
+            <a:endParaRPr lang="en-US"/>
           </a:p>
         </p:txBody>
       </p:sp>
@@ -3465,7 +3503,7 @@
           <p:cNvPr id="3" name="Text Placeholder 2">
             <a:extLst>
               <a:ext uri="{FF2B5EF4-FFF2-40B4-BE49-F238E27FC236}">
-                <a16:creationId xmlns:a16="http://schemas.microsoft.com/office/drawing/2014/main" id="{B911AB53-BAF9-439D-9451-47193CF2FF8E}"/>
+                <a16:creationId xmlns:a16="http://schemas.microsoft.com/office/drawing/2014/main" id="{60FD2256-11F6-0A58-FE61-AE1B95B832B4}"/>
               </a:ext>
             </a:extLst>
           </p:cNvPr>
@@ -3478,8 +3516,8 @@
         </p:nvSpPr>
         <p:spPr>
           <a:xfrm>
-            <a:off x="1429566" y="2285999"/>
-            <a:ext cx="9238434" cy="3810001"/>
+            <a:off x="838200" y="1825625"/>
+            <a:ext cx="10515600" cy="4351338"/>
           </a:xfrm>
           <a:prstGeom prst="rect">
             <a:avLst/>
@@ -3493,37 +3531,38 @@
           <a:p>
             <a:pPr lvl="0"/>
             <a:r>
-              <a:rPr lang="en-US" dirty="0"/>
+              <a:rPr lang="en-GB"/>
               <a:t>Click to edit Master text styles</a:t>
             </a:r>
           </a:p>
           <a:p>
             <a:pPr lvl="1"/>
             <a:r>
-              <a:rPr lang="en-US" dirty="0"/>
+              <a:rPr lang="en-GB"/>
               <a:t>Second level</a:t>
             </a:r>
           </a:p>
           <a:p>
             <a:pPr lvl="2"/>
             <a:r>
-              <a:rPr lang="en-US" dirty="0"/>
+              <a:rPr lang="en-GB"/>
               <a:t>Third level</a:t>
             </a:r>
           </a:p>
           <a:p>
             <a:pPr lvl="3"/>
             <a:r>
-              <a:rPr lang="en-US" dirty="0"/>
+              <a:rPr lang="en-GB"/>
               <a:t>Fourth level</a:t>
             </a:r>
           </a:p>
           <a:p>
             <a:pPr lvl="4"/>
             <a:r>
-              <a:rPr lang="en-US" dirty="0"/>
+              <a:rPr lang="en-GB"/>
               <a:t>Fifth level</a:t>
             </a:r>
+            <a:endParaRPr lang="en-US"/>
           </a:p>
         </p:txBody>
       </p:sp>
@@ -3532,7 +3571,7 @@
           <p:cNvPr id="4" name="Date Placeholder 3">
             <a:extLst>
               <a:ext uri="{FF2B5EF4-FFF2-40B4-BE49-F238E27FC236}">
-                <a16:creationId xmlns:a16="http://schemas.microsoft.com/office/drawing/2014/main" id="{1FB96D9F-562A-496F-A530-A561994DC5EF}"/>
+                <a16:creationId xmlns:a16="http://schemas.microsoft.com/office/drawing/2014/main" id="{6CBAE0FB-9BA8-40F8-FCEE-C06F4AFDDF66}"/>
               </a:ext>
             </a:extLst>
           </p:cNvPr>
@@ -3544,9 +3583,9 @@
           </p:nvPr>
         </p:nvSpPr>
         <p:spPr>
-          <a:xfrm rot="5400000">
-            <a:off x="10471087" y="4891318"/>
-            <a:ext cx="2673295" cy="365125"/>
+          <a:xfrm>
+            <a:off x="838200" y="6356350"/>
+            <a:ext cx="2743200" cy="365125"/>
           </a:xfrm>
           <a:prstGeom prst="rect">
             <a:avLst/>
@@ -3556,9 +3595,11 @@
           <a:bodyPr vert="horz" lIns="91440" tIns="45720" rIns="91440" bIns="45720" rtlCol="0" anchor="ctr"/>
           <a:lstStyle>
             <a:lvl1pPr algn="l">
-              <a:defRPr sz="700" b="1" cap="all" spc="300" baseline="0">
+              <a:defRPr sz="1200">
                 <a:solidFill>
-                  <a:schemeClr val="tx1"/>
+                  <a:schemeClr val="tx1">
+                    <a:tint val="75000"/>
+                  </a:schemeClr>
                 </a:solidFill>
               </a:defRPr>
             </a:lvl1pPr>
@@ -3567,7 +3608,7 @@
             <a:fld id="{3C2B07E4-CDF9-4C88-A2F3-04620E58224D}" type="datetimeFigureOut">
               <a:rPr lang="en-US" smtClean="0"/>
               <a:pPr/>
-              <a:t>3/28/23</a:t>
+              <a:t>3/30/23</a:t>
             </a:fld>
             <a:endParaRPr lang="en-US" dirty="0"/>
           </a:p>
@@ -3578,7 +3619,7 @@
           <p:cNvPr id="5" name="Footer Placeholder 4">
             <a:extLst>
               <a:ext uri="{FF2B5EF4-FFF2-40B4-BE49-F238E27FC236}">
-                <a16:creationId xmlns:a16="http://schemas.microsoft.com/office/drawing/2014/main" id="{CC3060FE-AAC3-4FAE-9EB4-BCAE72D95670}"/>
+                <a16:creationId xmlns:a16="http://schemas.microsoft.com/office/drawing/2014/main" id="{DDDAF8B2-BCC6-AB08-FFE5-7F8D857E551E}"/>
               </a:ext>
             </a:extLst>
           </p:cNvPr>
@@ -3590,9 +3631,9 @@
           </p:nvPr>
         </p:nvSpPr>
         <p:spPr>
-          <a:xfrm rot="5400000">
-            <a:off x="10473021" y="1609893"/>
-            <a:ext cx="2669427" cy="365125"/>
+          <a:xfrm>
+            <a:off x="4038600" y="6356350"/>
+            <a:ext cx="4114800" cy="365125"/>
           </a:xfrm>
           <a:prstGeom prst="rect">
             <a:avLst/>
@@ -3601,10 +3642,12 @@
         <p:txBody>
           <a:bodyPr vert="horz" lIns="91440" tIns="45720" rIns="91440" bIns="45720" rtlCol="0" anchor="ctr"/>
           <a:lstStyle>
-            <a:lvl1pPr algn="r">
-              <a:defRPr sz="700" b="1" cap="all" spc="300" baseline="0">
+            <a:lvl1pPr algn="ctr">
+              <a:defRPr sz="1200">
                 <a:solidFill>
-                  <a:schemeClr val="tx1"/>
+                  <a:schemeClr val="tx1">
+                    <a:tint val="75000"/>
+                  </a:schemeClr>
                 </a:solidFill>
               </a:defRPr>
             </a:lvl1pPr>
@@ -3619,7 +3662,7 @@
           <p:cNvPr id="6" name="Slide Number Placeholder 5">
             <a:extLst>
               <a:ext uri="{FF2B5EF4-FFF2-40B4-BE49-F238E27FC236}">
-                <a16:creationId xmlns:a16="http://schemas.microsoft.com/office/drawing/2014/main" id="{4777EDB2-8F31-42FA-B253-62D241466385}"/>
+                <a16:creationId xmlns:a16="http://schemas.microsoft.com/office/drawing/2014/main" id="{61BD2D84-6282-DC39-3D0A-D5C7C5DD862C}"/>
               </a:ext>
             </a:extLst>
           </p:cNvPr>
@@ -3632,8 +3675,8 @@
         </p:nvSpPr>
         <p:spPr>
           <a:xfrm>
-            <a:off x="11492908" y="3219853"/>
-            <a:ext cx="629653" cy="429830"/>
+            <a:off x="8610600" y="6356350"/>
+            <a:ext cx="2743200" cy="365125"/>
           </a:xfrm>
           <a:prstGeom prst="rect">
             <a:avLst/>
@@ -3642,14 +3685,13 @@
         <p:txBody>
           <a:bodyPr vert="horz" lIns="91440" tIns="45720" rIns="91440" bIns="45720" rtlCol="0" anchor="ctr"/>
           <a:lstStyle>
-            <a:lvl1pPr algn="ctr">
-              <a:defRPr sz="1600" b="1">
+            <a:lvl1pPr algn="r">
+              <a:defRPr sz="1200">
                 <a:solidFill>
                   <a:schemeClr val="tx1">
                     <a:tint val="75000"/>
                   </a:schemeClr>
                 </a:solidFill>
-                <a:latin typeface="+mj-lt"/>
               </a:defRPr>
             </a:lvl1pPr>
           </a:lstStyle>
@@ -3666,35 +3708,35 @@
     </p:spTree>
     <p:extLst>
       <p:ext uri="{BB962C8B-B14F-4D97-AF65-F5344CB8AC3E}">
-        <p14:creationId xmlns:p14="http://schemas.microsoft.com/office/powerpoint/2010/main" val="3595816987"/>
+        <p14:creationId xmlns:p14="http://schemas.microsoft.com/office/powerpoint/2010/main" val="4125117449"/>
       </p:ext>
     </p:extLst>
   </p:cSld>
-  <p:clrMap bg1="dk1" tx1="lt1" bg2="dk2" tx2="lt2" accent1="accent1" accent2="accent2" accent3="accent3" accent4="accent4" accent5="accent5" accent6="accent6" hlink="hlink" folHlink="folHlink"/>
+  <p:clrMap bg1="lt1" tx1="dk1" bg2="lt2" tx2="dk2" accent1="accent1" accent2="accent2" accent3="accent3" accent4="accent4" accent5="accent5" accent6="accent6" hlink="hlink" folHlink="folHlink"/>
   <p:sldLayoutIdLst>
-    <p:sldLayoutId id="2147483662" r:id="rId1"/>
-    <p:sldLayoutId id="2147483663" r:id="rId2"/>
-    <p:sldLayoutId id="2147483664" r:id="rId3"/>
-    <p:sldLayoutId id="2147483665" r:id="rId4"/>
-    <p:sldLayoutId id="2147483666" r:id="rId5"/>
-    <p:sldLayoutId id="2147483672" r:id="rId6"/>
-    <p:sldLayoutId id="2147483667" r:id="rId7"/>
-    <p:sldLayoutId id="2147483668" r:id="rId8"/>
-    <p:sldLayoutId id="2147483669" r:id="rId9"/>
-    <p:sldLayoutId id="2147483671" r:id="rId10"/>
-    <p:sldLayoutId id="2147483670" r:id="rId11"/>
+    <p:sldLayoutId id="2147483675" r:id="rId1"/>
+    <p:sldLayoutId id="2147483676" r:id="rId2"/>
+    <p:sldLayoutId id="2147483677" r:id="rId3"/>
+    <p:sldLayoutId id="2147483678" r:id="rId4"/>
+    <p:sldLayoutId id="2147483679" r:id="rId5"/>
+    <p:sldLayoutId id="2147483680" r:id="rId6"/>
+    <p:sldLayoutId id="2147483681" r:id="rId7"/>
+    <p:sldLayoutId id="2147483682" r:id="rId8"/>
+    <p:sldLayoutId id="2147483683" r:id="rId9"/>
+    <p:sldLayoutId id="2147483684" r:id="rId10"/>
+    <p:sldLayoutId id="2147483685" r:id="rId11"/>
   </p:sldLayoutIdLst>
   <p:txStyles>
     <p:titleStyle>
       <a:lvl1pPr algn="l" defTabSz="914400" rtl="0" eaLnBrk="1" latinLnBrk="0" hangingPunct="1">
         <a:lnSpc>
-          <a:spcPct val="120000"/>
+          <a:spcPct val="90000"/>
         </a:lnSpc>
         <a:spcBef>
           <a:spcPct val="0"/>
         </a:spcBef>
         <a:buNone/>
-        <a:defRPr sz="2800" b="1" kern="1200" cap="all" spc="600" baseline="0">
+        <a:defRPr sz="4400" kern="1200">
           <a:solidFill>
             <a:schemeClr val="tx1"/>
           </a:solidFill>
@@ -3705,14 +3747,67 @@
       </a:lvl1pPr>
     </p:titleStyle>
     <p:bodyStyle>
-      <a:lvl1pPr marL="274320" indent="-274320" algn="l" defTabSz="914400" rtl="0" eaLnBrk="1" latinLnBrk="0" hangingPunct="1">
+      <a:lvl1pPr marL="228600" indent="-228600" algn="l" defTabSz="914400" rtl="0" eaLnBrk="1" latinLnBrk="0" hangingPunct="1">
         <a:lnSpc>
-          <a:spcPct val="130000"/>
+          <a:spcPct val="90000"/>
         </a:lnSpc>
         <a:spcBef>
           <a:spcPts val="1000"/>
         </a:spcBef>
-        <a:buSzPct val="85000"/>
+        <a:buFont typeface="Arial" panose="020B0604020202020204" pitchFamily="34" charset="0"/>
+        <a:buChar char="•"/>
+        <a:defRPr sz="2800" kern="1200">
+          <a:solidFill>
+            <a:schemeClr val="tx1"/>
+          </a:solidFill>
+          <a:latin typeface="+mn-lt"/>
+          <a:ea typeface="+mn-ea"/>
+          <a:cs typeface="+mn-cs"/>
+        </a:defRPr>
+      </a:lvl1pPr>
+      <a:lvl2pPr marL="685800" indent="-228600" algn="l" defTabSz="914400" rtl="0" eaLnBrk="1" latinLnBrk="0" hangingPunct="1">
+        <a:lnSpc>
+          <a:spcPct val="90000"/>
+        </a:lnSpc>
+        <a:spcBef>
+          <a:spcPts val="500"/>
+        </a:spcBef>
+        <a:buFont typeface="Arial" panose="020B0604020202020204" pitchFamily="34" charset="0"/>
+        <a:buChar char="•"/>
+        <a:defRPr sz="2400" kern="1200">
+          <a:solidFill>
+            <a:schemeClr val="tx1"/>
+          </a:solidFill>
+          <a:latin typeface="+mn-lt"/>
+          <a:ea typeface="+mn-ea"/>
+          <a:cs typeface="+mn-cs"/>
+        </a:defRPr>
+      </a:lvl2pPr>
+      <a:lvl3pPr marL="1143000" indent="-228600" algn="l" defTabSz="914400" rtl="0" eaLnBrk="1" latinLnBrk="0" hangingPunct="1">
+        <a:lnSpc>
+          <a:spcPct val="90000"/>
+        </a:lnSpc>
+        <a:spcBef>
+          <a:spcPts val="500"/>
+        </a:spcBef>
+        <a:buFont typeface="Arial" panose="020B0604020202020204" pitchFamily="34" charset="0"/>
+        <a:buChar char="•"/>
+        <a:defRPr sz="2000" kern="1200">
+          <a:solidFill>
+            <a:schemeClr val="tx1"/>
+          </a:solidFill>
+          <a:latin typeface="+mn-lt"/>
+          <a:ea typeface="+mn-ea"/>
+          <a:cs typeface="+mn-cs"/>
+        </a:defRPr>
+      </a:lvl3pPr>
+      <a:lvl4pPr marL="1600200" indent="-228600" algn="l" defTabSz="914400" rtl="0" eaLnBrk="1" latinLnBrk="0" hangingPunct="1">
+        <a:lnSpc>
+          <a:spcPct val="90000"/>
+        </a:lnSpc>
+        <a:spcBef>
+          <a:spcPts val="500"/>
+        </a:spcBef>
         <a:buFont typeface="Arial" panose="020B0604020202020204" pitchFamily="34" charset="0"/>
         <a:buChar char="•"/>
         <a:defRPr sz="1800" kern="1200">
@@ -3723,75 +3818,17 @@
           <a:ea typeface="+mn-ea"/>
           <a:cs typeface="+mn-cs"/>
         </a:defRPr>
-      </a:lvl1pPr>
-      <a:lvl2pPr marL="274320" indent="0" algn="l" defTabSz="914400" rtl="0" eaLnBrk="1" latinLnBrk="0" hangingPunct="1">
+      </a:lvl4pPr>
+      <a:lvl5pPr marL="2057400" indent="-228600" algn="l" defTabSz="914400" rtl="0" eaLnBrk="1" latinLnBrk="0" hangingPunct="1">
         <a:lnSpc>
-          <a:spcPct val="130000"/>
+          <a:spcPct val="90000"/>
         </a:lnSpc>
         <a:spcBef>
           <a:spcPts val="500"/>
         </a:spcBef>
-        <a:buSzPct val="85000"/>
-        <a:buFontTx/>
-        <a:buNone/>
-        <a:defRPr sz="1600" b="1" kern="1200">
-          <a:solidFill>
-            <a:schemeClr val="tx1"/>
-          </a:solidFill>
-          <a:latin typeface="+mn-lt"/>
-          <a:ea typeface="+mn-ea"/>
-          <a:cs typeface="+mn-cs"/>
-        </a:defRPr>
-      </a:lvl2pPr>
-      <a:lvl3pPr marL="457200" indent="-182880" algn="l" defTabSz="914400" rtl="0" eaLnBrk="1" latinLnBrk="0" hangingPunct="1">
-        <a:lnSpc>
-          <a:spcPct val="130000"/>
-        </a:lnSpc>
-        <a:spcBef>
-          <a:spcPts val="500"/>
-        </a:spcBef>
-        <a:buSzPct val="85000"/>
         <a:buFont typeface="Arial" panose="020B0604020202020204" pitchFamily="34" charset="0"/>
         <a:buChar char="•"/>
-        <a:defRPr sz="1400" kern="1200">
-          <a:solidFill>
-            <a:schemeClr val="tx1"/>
-          </a:solidFill>
-          <a:latin typeface="+mn-lt"/>
-          <a:ea typeface="+mn-ea"/>
-          <a:cs typeface="+mn-cs"/>
-        </a:defRPr>
-      </a:lvl3pPr>
-      <a:lvl4pPr marL="466344" indent="0" algn="l" defTabSz="914400" rtl="0" eaLnBrk="1" latinLnBrk="0" hangingPunct="1">
-        <a:lnSpc>
-          <a:spcPct val="130000"/>
-        </a:lnSpc>
-        <a:spcBef>
-          <a:spcPts val="500"/>
-        </a:spcBef>
-        <a:buSzPct val="85000"/>
-        <a:buFontTx/>
-        <a:buNone/>
-        <a:defRPr sz="1200" b="1" kern="1200">
-          <a:solidFill>
-            <a:schemeClr val="tx1"/>
-          </a:solidFill>
-          <a:latin typeface="+mn-lt"/>
-          <a:ea typeface="+mn-ea"/>
-          <a:cs typeface="+mn-cs"/>
-        </a:defRPr>
-      </a:lvl4pPr>
-      <a:lvl5pPr marL="640080" indent="-182880" algn="l" defTabSz="914400" rtl="0" eaLnBrk="1" latinLnBrk="0" hangingPunct="1">
-        <a:lnSpc>
-          <a:spcPct val="130000"/>
-        </a:lnSpc>
-        <a:spcBef>
-          <a:spcPts val="500"/>
-        </a:spcBef>
-        <a:buSzPct val="85000"/>
-        <a:buFont typeface="Arial" panose="020B0604020202020204" pitchFamily="34" charset="0"/>
-        <a:buChar char="•"/>
-        <a:defRPr sz="1200" kern="1200">
+        <a:defRPr sz="1800" kern="1200">
           <a:solidFill>
             <a:schemeClr val="tx1"/>
           </a:solidFill>
@@ -3999,10 +4036,10 @@
       </p:grpSpPr>
       <p:sp useBgFill="1">
         <p:nvSpPr>
-          <p:cNvPr id="18" name="Rectangle 17">
-            <a:extLst>
-              <a:ext uri="{FF2B5EF4-FFF2-40B4-BE49-F238E27FC236}">
-                <a16:creationId xmlns:a16="http://schemas.microsoft.com/office/drawing/2014/main" id="{0760E4C7-47B8-4356-ABCA-CC9C79E2D2B6}"/>
+          <p:cNvPr id="9" name="Rectangle 8">
+            <a:extLst>
+              <a:ext uri="{FF2B5EF4-FFF2-40B4-BE49-F238E27FC236}">
+                <a16:creationId xmlns:a16="http://schemas.microsoft.com/office/drawing/2014/main" id="{8A95209C-5275-4E15-8EA7-7F42980ABF2D}"/>
               </a:ext>
               <a:ext uri="{C183D7F6-B498-43B3-948B-1728B52AA6E4}">
                 <adec:decorative xmlns:adec="http://schemas.microsoft.com/office/drawing/2017/decorative" val="1"/>
@@ -4023,114 +4060,7 @@
         <p:spPr>
           <a:xfrm>
             <a:off x="0" y="0"/>
-            <a:ext cx="12192000" cy="6858000"/>
-          </a:xfrm>
-          <a:prstGeom prst="rect">
-            <a:avLst/>
-          </a:prstGeom>
-          <a:ln w="12700" cap="flat" cmpd="sng" algn="ctr">
-            <a:noFill/>
-            <a:prstDash val="solid"/>
-            <a:miter lim="800000"/>
-          </a:ln>
-          <a:effectLst/>
-          <a:extLst>
-            <a:ext uri="{91240B29-F687-4F45-9708-019B960494DF}">
-              <a14:hiddenLine xmlns:a14="http://schemas.microsoft.com/office/drawing/2010/main" w="12700" cap="flat" cmpd="sng" algn="ctr">
-                <a:solidFill>
-                  <a:schemeClr val="accent1">
-                    <a:shade val="50000"/>
-                  </a:schemeClr>
-                </a:solidFill>
-                <a:prstDash val="solid"/>
-                <a:miter lim="800000"/>
-              </a14:hiddenLine>
-            </a:ext>
-          </a:extLst>
-        </p:spPr>
-        <p:style>
-          <a:lnRef idx="2">
-            <a:schemeClr val="accent1">
-              <a:shade val="50000"/>
-            </a:schemeClr>
-          </a:lnRef>
-          <a:fillRef idx="1">
-            <a:schemeClr val="accent1"/>
-          </a:fillRef>
-          <a:effectRef idx="0">
-            <a:schemeClr val="accent1"/>
-          </a:effectRef>
-          <a:fontRef idx="minor">
-            <a:schemeClr val="lt1"/>
-          </a:fontRef>
-        </p:style>
-        <p:txBody>
-          <a:bodyPr rtlCol="0" anchor="ctr"/>
-          <a:lstStyle/>
-          <a:p>
-            <a:pPr algn="ctr"/>
-            <a:endParaRPr lang="en-US"/>
-          </a:p>
-        </p:txBody>
-      </p:sp>
-      <p:pic>
-        <p:nvPicPr>
-          <p:cNvPr id="4" name="Picture 3" descr="Background pattern&#10;&#10;Description automatically generated">
-            <a:extLst>
-              <a:ext uri="{FF2B5EF4-FFF2-40B4-BE49-F238E27FC236}">
-                <a16:creationId xmlns:a16="http://schemas.microsoft.com/office/drawing/2014/main" id="{0DC2244C-DE48-91E5-0F00-F4E5A8836B0D}"/>
-              </a:ext>
-            </a:extLst>
-          </p:cNvPr>
-          <p:cNvPicPr>
-            <a:picLocks noChangeAspect="1"/>
-          </p:cNvPicPr>
-          <p:nvPr/>
-        </p:nvPicPr>
-        <p:blipFill rotWithShape="1">
-          <a:blip r:embed="rId2">
-            <a:alphaModFix/>
-          </a:blip>
-          <a:srcRect l="3089" r="2" b="2"/>
-          <a:stretch/>
-        </p:blipFill>
-        <p:spPr>
-          <a:xfrm>
-            <a:off x="20" y="10"/>
-            <a:ext cx="12191980" cy="6857990"/>
-          </a:xfrm>
-          <a:prstGeom prst="rect">
-            <a:avLst/>
-          </a:prstGeom>
-        </p:spPr>
-      </p:pic>
-      <p:sp useBgFill="1">
-        <p:nvSpPr>
-          <p:cNvPr id="20" name="Rectangle 19">
-            <a:extLst>
-              <a:ext uri="{FF2B5EF4-FFF2-40B4-BE49-F238E27FC236}">
-                <a16:creationId xmlns:a16="http://schemas.microsoft.com/office/drawing/2014/main" id="{3898FA35-B55D-44B7-9A7D-57C57A4A6435}"/>
-              </a:ext>
-              <a:ext uri="{C183D7F6-B498-43B3-948B-1728B52AA6E4}">
-                <adec:decorative xmlns:adec="http://schemas.microsoft.com/office/drawing/2017/decorative" val="1"/>
-              </a:ext>
-            </a:extLst>
-          </p:cNvPr>
-          <p:cNvSpPr>
-            <a:spLocks noGrp="1" noRot="1" noChangeAspect="1" noMove="1" noResize="1" noEditPoints="1" noAdjustHandles="1" noChangeArrowheads="1" noChangeShapeType="1" noTextEdit="1"/>
-          </p:cNvSpPr>
-          <p:nvPr>
-            <p:extLst>
-              <p:ext uri="{386F3935-93C4-4BCD-93E2-E3B085C9AB24}">
-                <p16:designElem xmlns:p16="http://schemas.microsoft.com/office/powerpoint/2015/main" val="1"/>
-              </p:ext>
-            </p:extLst>
-          </p:nvPr>
-        </p:nvSpPr>
-        <p:spPr>
-          <a:xfrm>
-            <a:off x="1524000" y="1524000"/>
-            <a:ext cx="9144000" cy="3810000"/>
+            <a:ext cx="12188952" cy="6858000"/>
           </a:xfrm>
           <a:prstGeom prst="rect">
             <a:avLst/>
@@ -4164,51 +4094,93 @@
           </a:p>
         </p:txBody>
       </p:sp>
-      <p:sp>
-        <p:nvSpPr>
-          <p:cNvPr id="2" name="Title 1">
-            <a:extLst>
-              <a:ext uri="{FF2B5EF4-FFF2-40B4-BE49-F238E27FC236}">
-                <a16:creationId xmlns:a16="http://schemas.microsoft.com/office/drawing/2014/main" id="{445F73DC-D485-1A37-61E0-E4442F254A8C}"/>
-              </a:ext>
-            </a:extLst>
-          </p:cNvPr>
-          <p:cNvSpPr>
-            <a:spLocks noGrp="1"/>
-          </p:cNvSpPr>
-          <p:nvPr>
-            <p:ph type="ctrTitle"/>
-          </p:nvPr>
-        </p:nvSpPr>
+      <p:pic>
+        <p:nvPicPr>
+          <p:cNvPr id="4" name="Picture 3" descr="Background pattern&#10;&#10;Description automatically generated">
+            <a:extLst>
+              <a:ext uri="{FF2B5EF4-FFF2-40B4-BE49-F238E27FC236}">
+                <a16:creationId xmlns:a16="http://schemas.microsoft.com/office/drawing/2014/main" id="{0DC2244C-DE48-91E5-0F00-F4E5A8836B0D}"/>
+              </a:ext>
+            </a:extLst>
+          </p:cNvPr>
+          <p:cNvPicPr>
+            <a:picLocks noChangeAspect="1"/>
+          </p:cNvPicPr>
+          <p:nvPr/>
+        </p:nvPicPr>
+        <p:blipFill rotWithShape="1">
+          <a:blip r:embed="rId2">
+            <a:alphaModFix amt="50000"/>
+          </a:blip>
+          <a:srcRect l="3135" r="1" b="1"/>
+          <a:stretch/>
+        </p:blipFill>
         <p:spPr>
           <a:xfrm>
-            <a:off x="1935479" y="2436586"/>
-            <a:ext cx="8321040" cy="1317493"/>
+            <a:off x="20" y="10"/>
+            <a:ext cx="12188931" cy="6857990"/>
+          </a:xfrm>
+          <a:prstGeom prst="rect">
+            <a:avLst/>
+          </a:prstGeom>
+        </p:spPr>
+      </p:pic>
+      <p:sp>
+        <p:nvSpPr>
+          <p:cNvPr id="2" name="Title 1">
+            <a:extLst>
+              <a:ext uri="{FF2B5EF4-FFF2-40B4-BE49-F238E27FC236}">
+                <a16:creationId xmlns:a16="http://schemas.microsoft.com/office/drawing/2014/main" id="{445F73DC-D485-1A37-61E0-E4442F254A8C}"/>
+              </a:ext>
+            </a:extLst>
+          </p:cNvPr>
+          <p:cNvSpPr>
+            <a:spLocks noGrp="1"/>
+          </p:cNvSpPr>
+          <p:nvPr>
+            <p:ph type="ctrTitle"/>
+          </p:nvPr>
+        </p:nvSpPr>
+        <p:spPr>
+          <a:xfrm>
+            <a:off x="1527048" y="1124712"/>
+            <a:ext cx="9144000" cy="3063240"/>
           </a:xfrm>
         </p:spPr>
         <p:txBody>
-          <a:bodyPr anchor="b">
-            <a:noAutofit/>
+          <a:bodyPr>
+            <a:normAutofit/>
           </a:bodyPr>
           <a:lstStyle/>
           <a:p>
-            <a:pPr algn="ctr">
-              <a:lnSpc>
-                <a:spcPct val="110000"/>
-              </a:lnSpc>
-            </a:pPr>
-            <a:r>
-              <a:rPr lang="en-US" sz="4000" dirty="0"/>
+            <a:r>
+              <a:rPr lang="en-US" sz="6600">
+                <a:solidFill>
+                  <a:srgbClr val="FFFFFF"/>
+                </a:solidFill>
+              </a:rPr>
               <a:t>SoftDes Midterm Project</a:t>
             </a:r>
             <a:br>
-              <a:rPr lang="en-US" sz="4000" dirty="0"/>
+              <a:rPr lang="en-US" sz="6600">
+                <a:solidFill>
+                  <a:srgbClr val="FFFFFF"/>
+                </a:solidFill>
+              </a:rPr>
             </a:br>
             <a:br>
-              <a:rPr lang="en-US" sz="4000" dirty="0"/>
+              <a:rPr lang="en-US" sz="6600">
+                <a:solidFill>
+                  <a:srgbClr val="FFFFFF"/>
+                </a:solidFill>
+              </a:rPr>
             </a:br>
             <a:r>
-              <a:rPr lang="en-US" sz="4000" dirty="0"/>
+              <a:rPr lang="en-US" sz="6600">
+                <a:solidFill>
+                  <a:srgbClr val="FFFFFF"/>
+                </a:solidFill>
+              </a:rPr>
               <a:t>Spotify Hit Songs</a:t>
             </a:r>
           </a:p>
@@ -4232,54 +4204,81 @@
         </p:nvSpPr>
         <p:spPr>
           <a:xfrm>
-            <a:off x="3102654" y="4249360"/>
-            <a:ext cx="6041346" cy="688369"/>
+            <a:off x="1527048" y="4599432"/>
+            <a:ext cx="9144000" cy="1227520"/>
           </a:xfrm>
         </p:spPr>
         <p:txBody>
           <a:bodyPr>
-            <a:noAutofit/>
+            <a:normAutofit/>
           </a:bodyPr>
           <a:lstStyle/>
           <a:p>
-            <a:pPr algn="ctr">
-              <a:lnSpc>
-                <a:spcPct val="120000"/>
-              </a:lnSpc>
-            </a:pPr>
-            <a:r>
-              <a:rPr lang="en-US" sz="2000" dirty="0"/>
-              <a:t>Sparsh Gupta and Sohum Kothavade</a:t>
-            </a:r>
-          </a:p>
-          <a:p>
-            <a:pPr algn="ctr">
-              <a:lnSpc>
-                <a:spcPct val="120000"/>
-              </a:lnSpc>
-            </a:pPr>
-            <a:r>
-              <a:rPr lang="en-US" sz="2000" dirty="0"/>
+            <a:r>
+              <a:rPr lang="en-US" dirty="0">
+                <a:solidFill>
+                  <a:srgbClr val="FFFFFF"/>
+                </a:solidFill>
+              </a:rPr>
+              <a:t>Sparsh Gupta and </a:t>
+            </a:r>
+            <a:r>
+              <a:rPr lang="en-US" dirty="0" err="1">
+                <a:solidFill>
+                  <a:srgbClr val="FFFFFF"/>
+                </a:solidFill>
+              </a:rPr>
+              <a:t>Sohum</a:t>
+            </a:r>
+            <a:r>
+              <a:rPr lang="en-US" dirty="0">
+                <a:solidFill>
+                  <a:srgbClr val="FFFFFF"/>
+                </a:solidFill>
+              </a:rPr>
+              <a:t> </a:t>
+            </a:r>
+            <a:r>
+              <a:rPr lang="en-US" dirty="0" err="1">
+                <a:solidFill>
+                  <a:srgbClr val="FFFFFF"/>
+                </a:solidFill>
+              </a:rPr>
+              <a:t>Kothavade</a:t>
+            </a:r>
+            <a:endParaRPr lang="en-US" dirty="0">
+              <a:solidFill>
+                <a:srgbClr val="FFFFFF"/>
+              </a:solidFill>
+            </a:endParaRPr>
+          </a:p>
+          <a:p>
+            <a:r>
+              <a:rPr lang="en-US" dirty="0">
+                <a:solidFill>
+                  <a:srgbClr val="FFFFFF"/>
+                </a:solidFill>
+              </a:rPr>
               <a:t>Team Blueberries</a:t>
             </a:r>
           </a:p>
         </p:txBody>
       </p:sp>
-      <p:cxnSp>
-        <p:nvCxnSpPr>
-          <p:cNvPr id="22" name="Straight Connector 21">
-            <a:extLst>
-              <a:ext uri="{FF2B5EF4-FFF2-40B4-BE49-F238E27FC236}">
-                <a16:creationId xmlns:a16="http://schemas.microsoft.com/office/drawing/2014/main" id="{414C5C93-B9E9-4392-ADCF-ABF21209DD56}"/>
+      <p:sp>
+        <p:nvSpPr>
+          <p:cNvPr id="11" name="sketchy box">
+            <a:extLst>
+              <a:ext uri="{FF2B5EF4-FFF2-40B4-BE49-F238E27FC236}">
+                <a16:creationId xmlns:a16="http://schemas.microsoft.com/office/drawing/2014/main" id="{4F2ED431-E304-4FF0-9F4E-032783C9D612}"/>
               </a:ext>
               <a:ext uri="{C183D7F6-B498-43B3-948B-1728B52AA6E4}">
                 <adec:decorative xmlns:adec="http://schemas.microsoft.com/office/drawing/2017/decorative" val="1"/>
               </a:ext>
             </a:extLst>
           </p:cNvPr>
-          <p:cNvCxnSpPr>
-            <a:cxnSpLocks noGrp="1" noRot="1" noChangeAspect="1" noMove="1" noResize="1" noEditPoints="1" noAdjustHandles="1" noChangeArrowheads="1" noChangeShapeType="1"/>
-          </p:cNvCxnSpPr>
+          <p:cNvSpPr>
+            <a:spLocks noGrp="1" noRot="1" noChangeAspect="1" noMove="1" noResize="1" noEditPoints="1" noAdjustHandles="1" noChangeArrowheads="1" noChangeShapeType="1" noTextEdit="1"/>
+          </p:cNvSpPr>
           <p:nvPr>
             <p:extLst>
               <p:ext uri="{386F3935-93C4-4BCD-93E2-E3B085C9AB24}">
@@ -4287,36 +4286,928 @@
               </p:ext>
             </p:extLst>
           </p:nvPr>
-        </p:nvCxnSpPr>
+        </p:nvSpPr>
         <p:spPr>
-          <a:xfrm>
-            <a:off x="5610422" y="3960586"/>
-            <a:ext cx="971155" cy="0"/>
+          <a:xfrm flipV="1">
+            <a:off x="838200" y="720953"/>
+            <a:ext cx="10515600" cy="5416094"/>
           </a:xfrm>
-          <a:prstGeom prst="line">
+          <a:custGeom>
             <a:avLst/>
-          </a:prstGeom>
-          <a:ln w="31750">
+            <a:gdLst>
+              <a:gd name="connsiteX0" fmla="*/ 0 w 10515600"/>
+              <a:gd name="connsiteY0" fmla="*/ 0 h 5416094"/>
+              <a:gd name="connsiteX1" fmla="*/ 552069 w 10515600"/>
+              <a:gd name="connsiteY1" fmla="*/ 0 h 5416094"/>
+              <a:gd name="connsiteX2" fmla="*/ 893826 w 10515600"/>
+              <a:gd name="connsiteY2" fmla="*/ 0 h 5416094"/>
+              <a:gd name="connsiteX3" fmla="*/ 1761363 w 10515600"/>
+              <a:gd name="connsiteY3" fmla="*/ 0 h 5416094"/>
+              <a:gd name="connsiteX4" fmla="*/ 2313432 w 10515600"/>
+              <a:gd name="connsiteY4" fmla="*/ 0 h 5416094"/>
+              <a:gd name="connsiteX5" fmla="*/ 2865501 w 10515600"/>
+              <a:gd name="connsiteY5" fmla="*/ 0 h 5416094"/>
+              <a:gd name="connsiteX6" fmla="*/ 3733038 w 10515600"/>
+              <a:gd name="connsiteY6" fmla="*/ 0 h 5416094"/>
+              <a:gd name="connsiteX7" fmla="*/ 4179951 w 10515600"/>
+              <a:gd name="connsiteY7" fmla="*/ 0 h 5416094"/>
+              <a:gd name="connsiteX8" fmla="*/ 5047488 w 10515600"/>
+              <a:gd name="connsiteY8" fmla="*/ 0 h 5416094"/>
+              <a:gd name="connsiteX9" fmla="*/ 5915025 w 10515600"/>
+              <a:gd name="connsiteY9" fmla="*/ 0 h 5416094"/>
+              <a:gd name="connsiteX10" fmla="*/ 6572250 w 10515600"/>
+              <a:gd name="connsiteY10" fmla="*/ 0 h 5416094"/>
+              <a:gd name="connsiteX11" fmla="*/ 7439787 w 10515600"/>
+              <a:gd name="connsiteY11" fmla="*/ 0 h 5416094"/>
+              <a:gd name="connsiteX12" fmla="*/ 7991856 w 10515600"/>
+              <a:gd name="connsiteY12" fmla="*/ 0 h 5416094"/>
+              <a:gd name="connsiteX13" fmla="*/ 8543925 w 10515600"/>
+              <a:gd name="connsiteY13" fmla="*/ 0 h 5416094"/>
+              <a:gd name="connsiteX14" fmla="*/ 9306306 w 10515600"/>
+              <a:gd name="connsiteY14" fmla="*/ 0 h 5416094"/>
+              <a:gd name="connsiteX15" fmla="*/ 9858375 w 10515600"/>
+              <a:gd name="connsiteY15" fmla="*/ 0 h 5416094"/>
+              <a:gd name="connsiteX16" fmla="*/ 10515600 w 10515600"/>
+              <a:gd name="connsiteY16" fmla="*/ 0 h 5416094"/>
+              <a:gd name="connsiteX17" fmla="*/ 10515600 w 10515600"/>
+              <a:gd name="connsiteY17" fmla="*/ 785334 h 5416094"/>
+              <a:gd name="connsiteX18" fmla="*/ 10515600 w 10515600"/>
+              <a:gd name="connsiteY18" fmla="*/ 1516506 h 5416094"/>
+              <a:gd name="connsiteX19" fmla="*/ 10515600 w 10515600"/>
+              <a:gd name="connsiteY19" fmla="*/ 2247679 h 5416094"/>
+              <a:gd name="connsiteX20" fmla="*/ 10515600 w 10515600"/>
+              <a:gd name="connsiteY20" fmla="*/ 2762208 h 5416094"/>
+              <a:gd name="connsiteX21" fmla="*/ 10515600 w 10515600"/>
+              <a:gd name="connsiteY21" fmla="*/ 3330898 h 5416094"/>
+              <a:gd name="connsiteX22" fmla="*/ 10515600 w 10515600"/>
+              <a:gd name="connsiteY22" fmla="*/ 4062071 h 5416094"/>
+              <a:gd name="connsiteX23" fmla="*/ 10515600 w 10515600"/>
+              <a:gd name="connsiteY23" fmla="*/ 4684921 h 5416094"/>
+              <a:gd name="connsiteX24" fmla="*/ 10515600 w 10515600"/>
+              <a:gd name="connsiteY24" fmla="*/ 5416094 h 5416094"/>
+              <a:gd name="connsiteX25" fmla="*/ 9753219 w 10515600"/>
+              <a:gd name="connsiteY25" fmla="*/ 5416094 h 5416094"/>
+              <a:gd name="connsiteX26" fmla="*/ 9411462 w 10515600"/>
+              <a:gd name="connsiteY26" fmla="*/ 5416094 h 5416094"/>
+              <a:gd name="connsiteX27" fmla="*/ 8754237 w 10515600"/>
+              <a:gd name="connsiteY27" fmla="*/ 5416094 h 5416094"/>
+              <a:gd name="connsiteX28" fmla="*/ 8307324 w 10515600"/>
+              <a:gd name="connsiteY28" fmla="*/ 5416094 h 5416094"/>
+              <a:gd name="connsiteX29" fmla="*/ 7544943 w 10515600"/>
+              <a:gd name="connsiteY29" fmla="*/ 5416094 h 5416094"/>
+              <a:gd name="connsiteX30" fmla="*/ 7098030 w 10515600"/>
+              <a:gd name="connsiteY30" fmla="*/ 5416094 h 5416094"/>
+              <a:gd name="connsiteX31" fmla="*/ 6335649 w 10515600"/>
+              <a:gd name="connsiteY31" fmla="*/ 5416094 h 5416094"/>
+              <a:gd name="connsiteX32" fmla="*/ 5993892 w 10515600"/>
+              <a:gd name="connsiteY32" fmla="*/ 5416094 h 5416094"/>
+              <a:gd name="connsiteX33" fmla="*/ 5231511 w 10515600"/>
+              <a:gd name="connsiteY33" fmla="*/ 5416094 h 5416094"/>
+              <a:gd name="connsiteX34" fmla="*/ 4784598 w 10515600"/>
+              <a:gd name="connsiteY34" fmla="*/ 5416094 h 5416094"/>
+              <a:gd name="connsiteX35" fmla="*/ 4442841 w 10515600"/>
+              <a:gd name="connsiteY35" fmla="*/ 5416094 h 5416094"/>
+              <a:gd name="connsiteX36" fmla="*/ 3995928 w 10515600"/>
+              <a:gd name="connsiteY36" fmla="*/ 5416094 h 5416094"/>
+              <a:gd name="connsiteX37" fmla="*/ 3233547 w 10515600"/>
+              <a:gd name="connsiteY37" fmla="*/ 5416094 h 5416094"/>
+              <a:gd name="connsiteX38" fmla="*/ 2786634 w 10515600"/>
+              <a:gd name="connsiteY38" fmla="*/ 5416094 h 5416094"/>
+              <a:gd name="connsiteX39" fmla="*/ 2444877 w 10515600"/>
+              <a:gd name="connsiteY39" fmla="*/ 5416094 h 5416094"/>
+              <a:gd name="connsiteX40" fmla="*/ 1997964 w 10515600"/>
+              <a:gd name="connsiteY40" fmla="*/ 5416094 h 5416094"/>
+              <a:gd name="connsiteX41" fmla="*/ 1445895 w 10515600"/>
+              <a:gd name="connsiteY41" fmla="*/ 5416094 h 5416094"/>
+              <a:gd name="connsiteX42" fmla="*/ 788670 w 10515600"/>
+              <a:gd name="connsiteY42" fmla="*/ 5416094 h 5416094"/>
+              <a:gd name="connsiteX43" fmla="*/ 0 w 10515600"/>
+              <a:gd name="connsiteY43" fmla="*/ 5416094 h 5416094"/>
+              <a:gd name="connsiteX44" fmla="*/ 0 w 10515600"/>
+              <a:gd name="connsiteY44" fmla="*/ 4630760 h 5416094"/>
+              <a:gd name="connsiteX45" fmla="*/ 0 w 10515600"/>
+              <a:gd name="connsiteY45" fmla="*/ 3953749 h 5416094"/>
+              <a:gd name="connsiteX46" fmla="*/ 0 w 10515600"/>
+              <a:gd name="connsiteY46" fmla="*/ 3276737 h 5416094"/>
+              <a:gd name="connsiteX47" fmla="*/ 0 w 10515600"/>
+              <a:gd name="connsiteY47" fmla="*/ 2599725 h 5416094"/>
+              <a:gd name="connsiteX48" fmla="*/ 0 w 10515600"/>
+              <a:gd name="connsiteY48" fmla="*/ 1922713 h 5416094"/>
+              <a:gd name="connsiteX49" fmla="*/ 0 w 10515600"/>
+              <a:gd name="connsiteY49" fmla="*/ 1299863 h 5416094"/>
+              <a:gd name="connsiteX50" fmla="*/ 0 w 10515600"/>
+              <a:gd name="connsiteY50" fmla="*/ 0 h 5416094"/>
+            </a:gdLst>
+            <a:ahLst/>
+            <a:cxnLst>
+              <a:cxn ang="0">
+                <a:pos x="connsiteX0" y="connsiteY0"/>
+              </a:cxn>
+              <a:cxn ang="0">
+                <a:pos x="connsiteX1" y="connsiteY1"/>
+              </a:cxn>
+              <a:cxn ang="0">
+                <a:pos x="connsiteX2" y="connsiteY2"/>
+              </a:cxn>
+              <a:cxn ang="0">
+                <a:pos x="connsiteX3" y="connsiteY3"/>
+              </a:cxn>
+              <a:cxn ang="0">
+                <a:pos x="connsiteX4" y="connsiteY4"/>
+              </a:cxn>
+              <a:cxn ang="0">
+                <a:pos x="connsiteX5" y="connsiteY5"/>
+              </a:cxn>
+              <a:cxn ang="0">
+                <a:pos x="connsiteX6" y="connsiteY6"/>
+              </a:cxn>
+              <a:cxn ang="0">
+                <a:pos x="connsiteX7" y="connsiteY7"/>
+              </a:cxn>
+              <a:cxn ang="0">
+                <a:pos x="connsiteX8" y="connsiteY8"/>
+              </a:cxn>
+              <a:cxn ang="0">
+                <a:pos x="connsiteX9" y="connsiteY9"/>
+              </a:cxn>
+              <a:cxn ang="0">
+                <a:pos x="connsiteX10" y="connsiteY10"/>
+              </a:cxn>
+              <a:cxn ang="0">
+                <a:pos x="connsiteX11" y="connsiteY11"/>
+              </a:cxn>
+              <a:cxn ang="0">
+                <a:pos x="connsiteX12" y="connsiteY12"/>
+              </a:cxn>
+              <a:cxn ang="0">
+                <a:pos x="connsiteX13" y="connsiteY13"/>
+              </a:cxn>
+              <a:cxn ang="0">
+                <a:pos x="connsiteX14" y="connsiteY14"/>
+              </a:cxn>
+              <a:cxn ang="0">
+                <a:pos x="connsiteX15" y="connsiteY15"/>
+              </a:cxn>
+              <a:cxn ang="0">
+                <a:pos x="connsiteX16" y="connsiteY16"/>
+              </a:cxn>
+              <a:cxn ang="0">
+                <a:pos x="connsiteX17" y="connsiteY17"/>
+              </a:cxn>
+              <a:cxn ang="0">
+                <a:pos x="connsiteX18" y="connsiteY18"/>
+              </a:cxn>
+              <a:cxn ang="0">
+                <a:pos x="connsiteX19" y="connsiteY19"/>
+              </a:cxn>
+              <a:cxn ang="0">
+                <a:pos x="connsiteX20" y="connsiteY20"/>
+              </a:cxn>
+              <a:cxn ang="0">
+                <a:pos x="connsiteX21" y="connsiteY21"/>
+              </a:cxn>
+              <a:cxn ang="0">
+                <a:pos x="connsiteX22" y="connsiteY22"/>
+              </a:cxn>
+              <a:cxn ang="0">
+                <a:pos x="connsiteX23" y="connsiteY23"/>
+              </a:cxn>
+              <a:cxn ang="0">
+                <a:pos x="connsiteX24" y="connsiteY24"/>
+              </a:cxn>
+              <a:cxn ang="0">
+                <a:pos x="connsiteX25" y="connsiteY25"/>
+              </a:cxn>
+              <a:cxn ang="0">
+                <a:pos x="connsiteX26" y="connsiteY26"/>
+              </a:cxn>
+              <a:cxn ang="0">
+                <a:pos x="connsiteX27" y="connsiteY27"/>
+              </a:cxn>
+              <a:cxn ang="0">
+                <a:pos x="connsiteX28" y="connsiteY28"/>
+              </a:cxn>
+              <a:cxn ang="0">
+                <a:pos x="connsiteX29" y="connsiteY29"/>
+              </a:cxn>
+              <a:cxn ang="0">
+                <a:pos x="connsiteX30" y="connsiteY30"/>
+              </a:cxn>
+              <a:cxn ang="0">
+                <a:pos x="connsiteX31" y="connsiteY31"/>
+              </a:cxn>
+              <a:cxn ang="0">
+                <a:pos x="connsiteX32" y="connsiteY32"/>
+              </a:cxn>
+              <a:cxn ang="0">
+                <a:pos x="connsiteX33" y="connsiteY33"/>
+              </a:cxn>
+              <a:cxn ang="0">
+                <a:pos x="connsiteX34" y="connsiteY34"/>
+              </a:cxn>
+              <a:cxn ang="0">
+                <a:pos x="connsiteX35" y="connsiteY35"/>
+              </a:cxn>
+              <a:cxn ang="0">
+                <a:pos x="connsiteX36" y="connsiteY36"/>
+              </a:cxn>
+              <a:cxn ang="0">
+                <a:pos x="connsiteX37" y="connsiteY37"/>
+              </a:cxn>
+              <a:cxn ang="0">
+                <a:pos x="connsiteX38" y="connsiteY38"/>
+              </a:cxn>
+              <a:cxn ang="0">
+                <a:pos x="connsiteX39" y="connsiteY39"/>
+              </a:cxn>
+              <a:cxn ang="0">
+                <a:pos x="connsiteX40" y="connsiteY40"/>
+              </a:cxn>
+              <a:cxn ang="0">
+                <a:pos x="connsiteX41" y="connsiteY41"/>
+              </a:cxn>
+              <a:cxn ang="0">
+                <a:pos x="connsiteX42" y="connsiteY42"/>
+              </a:cxn>
+              <a:cxn ang="0">
+                <a:pos x="connsiteX43" y="connsiteY43"/>
+              </a:cxn>
+              <a:cxn ang="0">
+                <a:pos x="connsiteX44" y="connsiteY44"/>
+              </a:cxn>
+              <a:cxn ang="0">
+                <a:pos x="connsiteX45" y="connsiteY45"/>
+              </a:cxn>
+              <a:cxn ang="0">
+                <a:pos x="connsiteX46" y="connsiteY46"/>
+              </a:cxn>
+              <a:cxn ang="0">
+                <a:pos x="connsiteX47" y="connsiteY47"/>
+              </a:cxn>
+              <a:cxn ang="0">
+                <a:pos x="connsiteX48" y="connsiteY48"/>
+              </a:cxn>
+              <a:cxn ang="0">
+                <a:pos x="connsiteX49" y="connsiteY49"/>
+              </a:cxn>
+              <a:cxn ang="0">
+                <a:pos x="connsiteX50" y="connsiteY50"/>
+              </a:cxn>
+            </a:cxnLst>
+            <a:rect l="l" t="t" r="r" b="b"/>
+            <a:pathLst>
+              <a:path w="10515600" h="5416094" extrusionOk="0">
+                <a:moveTo>
+                  <a:pt x="0" y="0"/>
+                </a:moveTo>
+                <a:cubicBezTo>
+                  <a:pt x="230793" y="14353"/>
+                  <a:pt x="332416" y="21392"/>
+                  <a:pt x="552069" y="0"/>
+                </a:cubicBezTo>
+                <a:cubicBezTo>
+                  <a:pt x="771722" y="-21392"/>
+                  <a:pt x="761737" y="-14337"/>
+                  <a:pt x="893826" y="0"/>
+                </a:cubicBezTo>
+                <a:cubicBezTo>
+                  <a:pt x="1025915" y="14337"/>
+                  <a:pt x="1441584" y="-15498"/>
+                  <a:pt x="1761363" y="0"/>
+                </a:cubicBezTo>
+                <a:cubicBezTo>
+                  <a:pt x="2081142" y="15498"/>
+                  <a:pt x="2111503" y="7278"/>
+                  <a:pt x="2313432" y="0"/>
+                </a:cubicBezTo>
+                <a:cubicBezTo>
+                  <a:pt x="2515361" y="-7278"/>
+                  <a:pt x="2743584" y="-17845"/>
+                  <a:pt x="2865501" y="0"/>
+                </a:cubicBezTo>
+                <a:cubicBezTo>
+                  <a:pt x="2987418" y="17845"/>
+                  <a:pt x="3345183" y="8208"/>
+                  <a:pt x="3733038" y="0"/>
+                </a:cubicBezTo>
+                <a:cubicBezTo>
+                  <a:pt x="4120893" y="-8208"/>
+                  <a:pt x="4009066" y="-3159"/>
+                  <a:pt x="4179951" y="0"/>
+                </a:cubicBezTo>
+                <a:cubicBezTo>
+                  <a:pt x="4350836" y="3159"/>
+                  <a:pt x="4735020" y="17517"/>
+                  <a:pt x="5047488" y="0"/>
+                </a:cubicBezTo>
+                <a:cubicBezTo>
+                  <a:pt x="5359956" y="-17517"/>
+                  <a:pt x="5662148" y="-17777"/>
+                  <a:pt x="5915025" y="0"/>
+                </a:cubicBezTo>
+                <a:cubicBezTo>
+                  <a:pt x="6167902" y="17777"/>
+                  <a:pt x="6308797" y="30350"/>
+                  <a:pt x="6572250" y="0"/>
+                </a:cubicBezTo>
+                <a:cubicBezTo>
+                  <a:pt x="6835703" y="-30350"/>
+                  <a:pt x="7107419" y="-9627"/>
+                  <a:pt x="7439787" y="0"/>
+                </a:cubicBezTo>
+                <a:cubicBezTo>
+                  <a:pt x="7772155" y="9627"/>
+                  <a:pt x="7844034" y="-9098"/>
+                  <a:pt x="7991856" y="0"/>
+                </a:cubicBezTo>
+                <a:cubicBezTo>
+                  <a:pt x="8139678" y="9098"/>
+                  <a:pt x="8289889" y="-20239"/>
+                  <a:pt x="8543925" y="0"/>
+                </a:cubicBezTo>
+                <a:cubicBezTo>
+                  <a:pt x="8797961" y="20239"/>
+                  <a:pt x="8994198" y="29575"/>
+                  <a:pt x="9306306" y="0"/>
+                </a:cubicBezTo>
+                <a:cubicBezTo>
+                  <a:pt x="9618414" y="-29575"/>
+                  <a:pt x="9739118" y="-23835"/>
+                  <a:pt x="9858375" y="0"/>
+                </a:cubicBezTo>
+                <a:cubicBezTo>
+                  <a:pt x="9977632" y="23835"/>
+                  <a:pt x="10370488" y="-4069"/>
+                  <a:pt x="10515600" y="0"/>
+                </a:cubicBezTo>
+                <a:cubicBezTo>
+                  <a:pt x="10524919" y="196329"/>
+                  <a:pt x="10549062" y="488432"/>
+                  <a:pt x="10515600" y="785334"/>
+                </a:cubicBezTo>
+                <a:cubicBezTo>
+                  <a:pt x="10482138" y="1082236"/>
+                  <a:pt x="10536385" y="1323726"/>
+                  <a:pt x="10515600" y="1516506"/>
+                </a:cubicBezTo>
+                <a:cubicBezTo>
+                  <a:pt x="10494815" y="1709286"/>
+                  <a:pt x="10546328" y="2097632"/>
+                  <a:pt x="10515600" y="2247679"/>
+                </a:cubicBezTo>
+                <a:cubicBezTo>
+                  <a:pt x="10484872" y="2397726"/>
+                  <a:pt x="10491771" y="2577292"/>
+                  <a:pt x="10515600" y="2762208"/>
+                </a:cubicBezTo>
+                <a:cubicBezTo>
+                  <a:pt x="10539429" y="2947124"/>
+                  <a:pt x="10511007" y="3105736"/>
+                  <a:pt x="10515600" y="3330898"/>
+                </a:cubicBezTo>
+                <a:cubicBezTo>
+                  <a:pt x="10520194" y="3556060"/>
+                  <a:pt x="10497393" y="3882611"/>
+                  <a:pt x="10515600" y="4062071"/>
+                </a:cubicBezTo>
+                <a:cubicBezTo>
+                  <a:pt x="10533807" y="4241531"/>
+                  <a:pt x="10544791" y="4505155"/>
+                  <a:pt x="10515600" y="4684921"/>
+                </a:cubicBezTo>
+                <a:cubicBezTo>
+                  <a:pt x="10486410" y="4864687"/>
+                  <a:pt x="10497356" y="5246484"/>
+                  <a:pt x="10515600" y="5416094"/>
+                </a:cubicBezTo>
+                <a:cubicBezTo>
+                  <a:pt x="10245623" y="5445692"/>
+                  <a:pt x="10029676" y="5415505"/>
+                  <a:pt x="9753219" y="5416094"/>
+                </a:cubicBezTo>
+                <a:cubicBezTo>
+                  <a:pt x="9476762" y="5416683"/>
+                  <a:pt x="9553148" y="5422760"/>
+                  <a:pt x="9411462" y="5416094"/>
+                </a:cubicBezTo>
+                <a:cubicBezTo>
+                  <a:pt x="9269776" y="5409428"/>
+                  <a:pt x="8927709" y="5385012"/>
+                  <a:pt x="8754237" y="5416094"/>
+                </a:cubicBezTo>
+                <a:cubicBezTo>
+                  <a:pt x="8580766" y="5447176"/>
+                  <a:pt x="8413264" y="5410024"/>
+                  <a:pt x="8307324" y="5416094"/>
+                </a:cubicBezTo>
+                <a:cubicBezTo>
+                  <a:pt x="8201384" y="5422164"/>
+                  <a:pt x="7912690" y="5421686"/>
+                  <a:pt x="7544943" y="5416094"/>
+                </a:cubicBezTo>
+                <a:cubicBezTo>
+                  <a:pt x="7177196" y="5410502"/>
+                  <a:pt x="7304235" y="5418502"/>
+                  <a:pt x="7098030" y="5416094"/>
+                </a:cubicBezTo>
+                <a:cubicBezTo>
+                  <a:pt x="6891825" y="5413686"/>
+                  <a:pt x="6541479" y="5434609"/>
+                  <a:pt x="6335649" y="5416094"/>
+                </a:cubicBezTo>
+                <a:cubicBezTo>
+                  <a:pt x="6129819" y="5397579"/>
+                  <a:pt x="6106541" y="5402791"/>
+                  <a:pt x="5993892" y="5416094"/>
+                </a:cubicBezTo>
+                <a:cubicBezTo>
+                  <a:pt x="5881243" y="5429397"/>
+                  <a:pt x="5545248" y="5437743"/>
+                  <a:pt x="5231511" y="5416094"/>
+                </a:cubicBezTo>
+                <a:cubicBezTo>
+                  <a:pt x="4917774" y="5394445"/>
+                  <a:pt x="4963237" y="5426599"/>
+                  <a:pt x="4784598" y="5416094"/>
+                </a:cubicBezTo>
+                <a:cubicBezTo>
+                  <a:pt x="4605959" y="5405589"/>
+                  <a:pt x="4605904" y="5406658"/>
+                  <a:pt x="4442841" y="5416094"/>
+                </a:cubicBezTo>
+                <a:cubicBezTo>
+                  <a:pt x="4279778" y="5425530"/>
+                  <a:pt x="4177180" y="5426138"/>
+                  <a:pt x="3995928" y="5416094"/>
+                </a:cubicBezTo>
+                <a:cubicBezTo>
+                  <a:pt x="3814676" y="5406050"/>
+                  <a:pt x="3516440" y="5429234"/>
+                  <a:pt x="3233547" y="5416094"/>
+                </a:cubicBezTo>
+                <a:cubicBezTo>
+                  <a:pt x="2950654" y="5402954"/>
+                  <a:pt x="2884354" y="5436103"/>
+                  <a:pt x="2786634" y="5416094"/>
+                </a:cubicBezTo>
+                <a:cubicBezTo>
+                  <a:pt x="2688914" y="5396085"/>
+                  <a:pt x="2522958" y="5423232"/>
+                  <a:pt x="2444877" y="5416094"/>
+                </a:cubicBezTo>
+                <a:cubicBezTo>
+                  <a:pt x="2366796" y="5408956"/>
+                  <a:pt x="2104768" y="5395479"/>
+                  <a:pt x="1997964" y="5416094"/>
+                </a:cubicBezTo>
+                <a:cubicBezTo>
+                  <a:pt x="1891160" y="5436709"/>
+                  <a:pt x="1573016" y="5412376"/>
+                  <a:pt x="1445895" y="5416094"/>
+                </a:cubicBezTo>
+                <a:cubicBezTo>
+                  <a:pt x="1318774" y="5419812"/>
+                  <a:pt x="986443" y="5400529"/>
+                  <a:pt x="788670" y="5416094"/>
+                </a:cubicBezTo>
+                <a:cubicBezTo>
+                  <a:pt x="590897" y="5431659"/>
+                  <a:pt x="363709" y="5381266"/>
+                  <a:pt x="0" y="5416094"/>
+                </a:cubicBezTo>
+                <a:cubicBezTo>
+                  <a:pt x="-22973" y="5218643"/>
+                  <a:pt x="-26699" y="5010779"/>
+                  <a:pt x="0" y="4630760"/>
+                </a:cubicBezTo>
+                <a:cubicBezTo>
+                  <a:pt x="26699" y="4250741"/>
+                  <a:pt x="-15389" y="4196664"/>
+                  <a:pt x="0" y="3953749"/>
+                </a:cubicBezTo>
+                <a:cubicBezTo>
+                  <a:pt x="15389" y="3710834"/>
+                  <a:pt x="468" y="3611311"/>
+                  <a:pt x="0" y="3276737"/>
+                </a:cubicBezTo>
+                <a:cubicBezTo>
+                  <a:pt x="-468" y="2942163"/>
+                  <a:pt x="15360" y="2781998"/>
+                  <a:pt x="0" y="2599725"/>
+                </a:cubicBezTo>
+                <a:cubicBezTo>
+                  <a:pt x="-15360" y="2417452"/>
+                  <a:pt x="14816" y="2100232"/>
+                  <a:pt x="0" y="1922713"/>
+                </a:cubicBezTo>
+                <a:cubicBezTo>
+                  <a:pt x="-14816" y="1745194"/>
+                  <a:pt x="-24648" y="1604167"/>
+                  <a:pt x="0" y="1299863"/>
+                </a:cubicBezTo>
+                <a:cubicBezTo>
+                  <a:pt x="24648" y="995559"/>
+                  <a:pt x="2182" y="279525"/>
+                  <a:pt x="0" y="0"/>
+                </a:cubicBezTo>
+                <a:close/>
+              </a:path>
+            </a:pathLst>
+          </a:custGeom>
+          <a:noFill/>
+          <a:ln w="47625" cap="rnd">
             <a:solidFill>
-              <a:schemeClr val="tx1"/>
+              <a:srgbClr val="FFFFFF">
+                <a:alpha val="75000"/>
+              </a:srgbClr>
             </a:solidFill>
+            <a:round/>
+            <a:extLst>
+              <a:ext uri="{C807C97D-BFC1-408E-A445-0C87EB9F89A2}">
+                <ask:lineSketchStyleProps xmlns:ask="http://schemas.microsoft.com/office/drawing/2018/sketchyshapes" sd="1219033472">
+                  <a:prstGeom prst="rect">
+                    <a:avLst/>
+                  </a:prstGeom>
+                  <ask:type>
+                    <ask:lineSketchFreehand/>
+                  </ask:type>
+                </ask:lineSketchStyleProps>
+              </a:ext>
+            </a:extLst>
           </a:ln>
         </p:spPr>
         <p:style>
-          <a:lnRef idx="1">
-            <a:schemeClr val="accent1"/>
+          <a:lnRef idx="2">
+            <a:schemeClr val="accent1">
+              <a:shade val="50000"/>
+            </a:schemeClr>
           </a:lnRef>
-          <a:fillRef idx="0">
+          <a:fillRef idx="1">
             <a:schemeClr val="accent1"/>
           </a:fillRef>
           <a:effectRef idx="0">
             <a:schemeClr val="accent1"/>
           </a:effectRef>
           <a:fontRef idx="minor">
-            <a:schemeClr val="tx1"/>
+            <a:schemeClr val="lt1"/>
           </a:fontRef>
         </p:style>
-      </p:cxnSp>
+        <p:txBody>
+          <a:bodyPr rtlCol="0" anchor="ctr"/>
+          <a:lstStyle/>
+          <a:p>
+            <a:pPr algn="ctr"/>
+            <a:endParaRPr lang="en-US"/>
+          </a:p>
+        </p:txBody>
+      </p:sp>
+      <p:sp>
+        <p:nvSpPr>
+          <p:cNvPr id="13" name="sketchy line">
+            <a:extLst>
+              <a:ext uri="{FF2B5EF4-FFF2-40B4-BE49-F238E27FC236}">
+                <a16:creationId xmlns:a16="http://schemas.microsoft.com/office/drawing/2014/main" id="{4E87FCFB-2CCE-460D-B3DD-557C8BD1B94A}"/>
+              </a:ext>
+              <a:ext uri="{C183D7F6-B498-43B3-948B-1728B52AA6E4}">
+                <adec:decorative xmlns:adec="http://schemas.microsoft.com/office/drawing/2017/decorative" val="1"/>
+              </a:ext>
+            </a:extLst>
+          </p:cNvPr>
+          <p:cNvSpPr>
+            <a:spLocks noGrp="1" noRot="1" noChangeAspect="1" noMove="1" noResize="1" noEditPoints="1" noAdjustHandles="1" noChangeArrowheads="1" noChangeShapeType="1" noTextEdit="1"/>
+          </p:cNvSpPr>
+          <p:nvPr>
+            <p:extLst>
+              <p:ext uri="{386F3935-93C4-4BCD-93E2-E3B085C9AB24}">
+                <p16:designElem xmlns:p16="http://schemas.microsoft.com/office/powerpoint/2015/main" val="1"/>
+              </p:ext>
+            </p:extLst>
+          </p:nvPr>
+        </p:nvSpPr>
+        <p:spPr>
+          <a:xfrm>
+            <a:off x="3974206" y="4419423"/>
+            <a:ext cx="4243589" cy="18288"/>
+          </a:xfrm>
+          <a:custGeom>
+            <a:avLst/>
+            <a:gdLst>
+              <a:gd name="connsiteX0" fmla="*/ 0 w 4243589"/>
+              <a:gd name="connsiteY0" fmla="*/ 0 h 18288"/>
+              <a:gd name="connsiteX1" fmla="*/ 563791 w 4243589"/>
+              <a:gd name="connsiteY1" fmla="*/ 0 h 18288"/>
+              <a:gd name="connsiteX2" fmla="*/ 1042710 w 4243589"/>
+              <a:gd name="connsiteY2" fmla="*/ 0 h 18288"/>
+              <a:gd name="connsiteX3" fmla="*/ 1564066 w 4243589"/>
+              <a:gd name="connsiteY3" fmla="*/ 0 h 18288"/>
+              <a:gd name="connsiteX4" fmla="*/ 2212729 w 4243589"/>
+              <a:gd name="connsiteY4" fmla="*/ 0 h 18288"/>
+              <a:gd name="connsiteX5" fmla="*/ 2776520 w 4243589"/>
+              <a:gd name="connsiteY5" fmla="*/ 0 h 18288"/>
+              <a:gd name="connsiteX6" fmla="*/ 3297875 w 4243589"/>
+              <a:gd name="connsiteY6" fmla="*/ 0 h 18288"/>
+              <a:gd name="connsiteX7" fmla="*/ 4243589 w 4243589"/>
+              <a:gd name="connsiteY7" fmla="*/ 0 h 18288"/>
+              <a:gd name="connsiteX8" fmla="*/ 4243589 w 4243589"/>
+              <a:gd name="connsiteY8" fmla="*/ 18288 h 18288"/>
+              <a:gd name="connsiteX9" fmla="*/ 3637362 w 4243589"/>
+              <a:gd name="connsiteY9" fmla="*/ 18288 h 18288"/>
+              <a:gd name="connsiteX10" fmla="*/ 3116007 w 4243589"/>
+              <a:gd name="connsiteY10" fmla="*/ 18288 h 18288"/>
+              <a:gd name="connsiteX11" fmla="*/ 2424908 w 4243589"/>
+              <a:gd name="connsiteY11" fmla="*/ 18288 h 18288"/>
+              <a:gd name="connsiteX12" fmla="*/ 1861117 w 4243589"/>
+              <a:gd name="connsiteY12" fmla="*/ 18288 h 18288"/>
+              <a:gd name="connsiteX13" fmla="*/ 1382198 w 4243589"/>
+              <a:gd name="connsiteY13" fmla="*/ 18288 h 18288"/>
+              <a:gd name="connsiteX14" fmla="*/ 733535 w 4243589"/>
+              <a:gd name="connsiteY14" fmla="*/ 18288 h 18288"/>
+              <a:gd name="connsiteX15" fmla="*/ 0 w 4243589"/>
+              <a:gd name="connsiteY15" fmla="*/ 18288 h 18288"/>
+              <a:gd name="connsiteX16" fmla="*/ 0 w 4243589"/>
+              <a:gd name="connsiteY16" fmla="*/ 0 h 18288"/>
+            </a:gdLst>
+            <a:ahLst/>
+            <a:cxnLst>
+              <a:cxn ang="0">
+                <a:pos x="connsiteX0" y="connsiteY0"/>
+              </a:cxn>
+              <a:cxn ang="0">
+                <a:pos x="connsiteX1" y="connsiteY1"/>
+              </a:cxn>
+              <a:cxn ang="0">
+                <a:pos x="connsiteX2" y="connsiteY2"/>
+              </a:cxn>
+              <a:cxn ang="0">
+                <a:pos x="connsiteX3" y="connsiteY3"/>
+              </a:cxn>
+              <a:cxn ang="0">
+                <a:pos x="connsiteX4" y="connsiteY4"/>
+              </a:cxn>
+              <a:cxn ang="0">
+                <a:pos x="connsiteX5" y="connsiteY5"/>
+              </a:cxn>
+              <a:cxn ang="0">
+                <a:pos x="connsiteX6" y="connsiteY6"/>
+              </a:cxn>
+              <a:cxn ang="0">
+                <a:pos x="connsiteX7" y="connsiteY7"/>
+              </a:cxn>
+              <a:cxn ang="0">
+                <a:pos x="connsiteX8" y="connsiteY8"/>
+              </a:cxn>
+              <a:cxn ang="0">
+                <a:pos x="connsiteX9" y="connsiteY9"/>
+              </a:cxn>
+              <a:cxn ang="0">
+                <a:pos x="connsiteX10" y="connsiteY10"/>
+              </a:cxn>
+              <a:cxn ang="0">
+                <a:pos x="connsiteX11" y="connsiteY11"/>
+              </a:cxn>
+              <a:cxn ang="0">
+                <a:pos x="connsiteX12" y="connsiteY12"/>
+              </a:cxn>
+              <a:cxn ang="0">
+                <a:pos x="connsiteX13" y="connsiteY13"/>
+              </a:cxn>
+              <a:cxn ang="0">
+                <a:pos x="connsiteX14" y="connsiteY14"/>
+              </a:cxn>
+              <a:cxn ang="0">
+                <a:pos x="connsiteX15" y="connsiteY15"/>
+              </a:cxn>
+              <a:cxn ang="0">
+                <a:pos x="connsiteX16" y="connsiteY16"/>
+              </a:cxn>
+            </a:cxnLst>
+            <a:rect l="l" t="t" r="r" b="b"/>
+            <a:pathLst>
+              <a:path w="4243589" h="18288" fill="none" extrusionOk="0">
+                <a:moveTo>
+                  <a:pt x="0" y="0"/>
+                </a:moveTo>
+                <a:cubicBezTo>
+                  <a:pt x="157351" y="-15653"/>
+                  <a:pt x="378877" y="-5828"/>
+                  <a:pt x="563791" y="0"/>
+                </a:cubicBezTo>
+                <a:cubicBezTo>
+                  <a:pt x="748705" y="5828"/>
+                  <a:pt x="905659" y="-5525"/>
+                  <a:pt x="1042710" y="0"/>
+                </a:cubicBezTo>
+                <a:cubicBezTo>
+                  <a:pt x="1179761" y="5525"/>
+                  <a:pt x="1356845" y="-21288"/>
+                  <a:pt x="1564066" y="0"/>
+                </a:cubicBezTo>
+                <a:cubicBezTo>
+                  <a:pt x="1771287" y="21288"/>
+                  <a:pt x="1912099" y="25135"/>
+                  <a:pt x="2212729" y="0"/>
+                </a:cubicBezTo>
+                <a:cubicBezTo>
+                  <a:pt x="2513359" y="-25135"/>
+                  <a:pt x="2514918" y="-27119"/>
+                  <a:pt x="2776520" y="0"/>
+                </a:cubicBezTo>
+                <a:cubicBezTo>
+                  <a:pt x="3038122" y="27119"/>
+                  <a:pt x="3178771" y="18116"/>
+                  <a:pt x="3297875" y="0"/>
+                </a:cubicBezTo>
+                <a:cubicBezTo>
+                  <a:pt x="3416980" y="-18116"/>
+                  <a:pt x="4012240" y="-40869"/>
+                  <a:pt x="4243589" y="0"/>
+                </a:cubicBezTo>
+                <a:cubicBezTo>
+                  <a:pt x="4243987" y="7429"/>
+                  <a:pt x="4243569" y="10822"/>
+                  <a:pt x="4243589" y="18288"/>
+                </a:cubicBezTo>
+                <a:cubicBezTo>
+                  <a:pt x="4112949" y="-2855"/>
+                  <a:pt x="3928037" y="1831"/>
+                  <a:pt x="3637362" y="18288"/>
+                </a:cubicBezTo>
+                <a:cubicBezTo>
+                  <a:pt x="3346687" y="34745"/>
+                  <a:pt x="3254446" y="26669"/>
+                  <a:pt x="3116007" y="18288"/>
+                </a:cubicBezTo>
+                <a:cubicBezTo>
+                  <a:pt x="2977569" y="9907"/>
+                  <a:pt x="2620228" y="28873"/>
+                  <a:pt x="2424908" y="18288"/>
+                </a:cubicBezTo>
+                <a:cubicBezTo>
+                  <a:pt x="2229588" y="7703"/>
+                  <a:pt x="2088287" y="-3854"/>
+                  <a:pt x="1861117" y="18288"/>
+                </a:cubicBezTo>
+                <a:cubicBezTo>
+                  <a:pt x="1633947" y="40430"/>
+                  <a:pt x="1502447" y="-871"/>
+                  <a:pt x="1382198" y="18288"/>
+                </a:cubicBezTo>
+                <a:cubicBezTo>
+                  <a:pt x="1261949" y="37447"/>
+                  <a:pt x="1045440" y="28353"/>
+                  <a:pt x="733535" y="18288"/>
+                </a:cubicBezTo>
+                <a:cubicBezTo>
+                  <a:pt x="421630" y="8223"/>
+                  <a:pt x="341257" y="-18359"/>
+                  <a:pt x="0" y="18288"/>
+                </a:cubicBezTo>
+                <a:cubicBezTo>
+                  <a:pt x="-591" y="13205"/>
+                  <a:pt x="-663" y="6329"/>
+                  <a:pt x="0" y="0"/>
+                </a:cubicBezTo>
+                <a:close/>
+              </a:path>
+              <a:path w="4243589" h="18288" stroke="0" extrusionOk="0">
+                <a:moveTo>
+                  <a:pt x="0" y="0"/>
+                </a:moveTo>
+                <a:cubicBezTo>
+                  <a:pt x="128164" y="17204"/>
+                  <a:pt x="312653" y="1129"/>
+                  <a:pt x="563791" y="0"/>
+                </a:cubicBezTo>
+                <a:cubicBezTo>
+                  <a:pt x="814929" y="-1129"/>
+                  <a:pt x="837271" y="8503"/>
+                  <a:pt x="1042710" y="0"/>
+                </a:cubicBezTo>
+                <a:cubicBezTo>
+                  <a:pt x="1248149" y="-8503"/>
+                  <a:pt x="1588432" y="-28862"/>
+                  <a:pt x="1733809" y="0"/>
+                </a:cubicBezTo>
+                <a:cubicBezTo>
+                  <a:pt x="1879186" y="28862"/>
+                  <a:pt x="2052815" y="5974"/>
+                  <a:pt x="2297600" y="0"/>
+                </a:cubicBezTo>
+                <a:cubicBezTo>
+                  <a:pt x="2542385" y="-5974"/>
+                  <a:pt x="2699960" y="-23550"/>
+                  <a:pt x="2861391" y="0"/>
+                </a:cubicBezTo>
+                <a:cubicBezTo>
+                  <a:pt x="3022822" y="23550"/>
+                  <a:pt x="3390411" y="25272"/>
+                  <a:pt x="3552490" y="0"/>
+                </a:cubicBezTo>
+                <a:cubicBezTo>
+                  <a:pt x="3714569" y="-25272"/>
+                  <a:pt x="3950585" y="-31327"/>
+                  <a:pt x="4243589" y="0"/>
+                </a:cubicBezTo>
+                <a:cubicBezTo>
+                  <a:pt x="4242703" y="5429"/>
+                  <a:pt x="4244410" y="14046"/>
+                  <a:pt x="4243589" y="18288"/>
+                </a:cubicBezTo>
+                <a:cubicBezTo>
+                  <a:pt x="4130424" y="-1240"/>
+                  <a:pt x="3932803" y="42249"/>
+                  <a:pt x="3722234" y="18288"/>
+                </a:cubicBezTo>
+                <a:cubicBezTo>
+                  <a:pt x="3511665" y="-5673"/>
+                  <a:pt x="3269903" y="45994"/>
+                  <a:pt x="3116007" y="18288"/>
+                </a:cubicBezTo>
+                <a:cubicBezTo>
+                  <a:pt x="2962111" y="-9418"/>
+                  <a:pt x="2744280" y="23224"/>
+                  <a:pt x="2509780" y="18288"/>
+                </a:cubicBezTo>
+                <a:cubicBezTo>
+                  <a:pt x="2275280" y="13352"/>
+                  <a:pt x="2066059" y="43664"/>
+                  <a:pt x="1945989" y="18288"/>
+                </a:cubicBezTo>
+                <a:cubicBezTo>
+                  <a:pt x="1825919" y="-7088"/>
+                  <a:pt x="1407329" y="12616"/>
+                  <a:pt x="1254890" y="18288"/>
+                </a:cubicBezTo>
+                <a:cubicBezTo>
+                  <a:pt x="1102451" y="23960"/>
+                  <a:pt x="837950" y="31673"/>
+                  <a:pt x="563791" y="18288"/>
+                </a:cubicBezTo>
+                <a:cubicBezTo>
+                  <a:pt x="289632" y="4903"/>
+                  <a:pt x="132768" y="7105"/>
+                  <a:pt x="0" y="18288"/>
+                </a:cubicBezTo>
+                <a:cubicBezTo>
+                  <a:pt x="668" y="13665"/>
+                  <a:pt x="578" y="5675"/>
+                  <a:pt x="0" y="0"/>
+                </a:cubicBezTo>
+                <a:close/>
+              </a:path>
+            </a:pathLst>
+          </a:custGeom>
+          <a:solidFill>
+            <a:srgbClr val="FFFFFF">
+              <a:alpha val="75000"/>
+            </a:srgbClr>
+          </a:solidFill>
+          <a:ln w="41275" cap="rnd">
+            <a:solidFill>
+              <a:srgbClr val="FFFFFF">
+                <a:alpha val="75000"/>
+              </a:srgbClr>
+            </a:solidFill>
+            <a:round/>
+            <a:extLst>
+              <a:ext uri="{C807C97D-BFC1-408E-A445-0C87EB9F89A2}">
+                <ask:lineSketchStyleProps xmlns:ask="http://schemas.microsoft.com/office/drawing/2018/sketchyshapes" sd="1219033472">
+                  <a:prstGeom prst="rect">
+                    <a:avLst/>
+                  </a:prstGeom>
+                  <ask:type>
+                    <ask:lineSketchFreehand/>
+                  </ask:type>
+                </ask:lineSketchStyleProps>
+              </a:ext>
+            </a:extLst>
+          </a:ln>
+        </p:spPr>
+        <p:style>
+          <a:lnRef idx="2">
+            <a:schemeClr val="accent1">
+              <a:shade val="50000"/>
+            </a:schemeClr>
+          </a:lnRef>
+          <a:fillRef idx="1">
+            <a:schemeClr val="accent1"/>
+          </a:fillRef>
+          <a:effectRef idx="0">
+            <a:schemeClr val="accent1"/>
+          </a:effectRef>
+          <a:fontRef idx="minor">
+            <a:schemeClr val="lt1"/>
+          </a:fontRef>
+        </p:style>
+        <p:txBody>
+          <a:bodyPr rtlCol="0" anchor="ctr"/>
+          <a:lstStyle/>
+          <a:p>
+            <a:pPr algn="ctr"/>
+            <a:endParaRPr lang="en-US"/>
+          </a:p>
+        </p:txBody>
+      </p:sp>
     </p:spTree>
     <p:extLst>
       <p:ext uri="{BB962C8B-B14F-4D97-AF65-F5344CB8AC3E}">
@@ -4325,7 +5216,7 @@
     </p:extLst>
   </p:cSld>
   <p:clrMapOvr>
-    <a:overrideClrMapping bg1="lt1" tx1="dk1" bg2="lt2" tx2="dk2" accent1="accent1" accent2="accent2" accent3="accent3" accent4="accent4" accent5="accent5" accent6="accent6" hlink="hlink" folHlink="folHlink"/>
+    <a:overrideClrMapping bg1="dk1" tx1="lt1" bg2="dk2" tx2="lt2" accent1="accent1" accent2="accent2" accent3="accent3" accent4="accent4" accent5="accent5" accent6="accent6" hlink="hlink" folHlink="folHlink"/>
   </p:clrMapOvr>
 </p:sld>
 </file>
@@ -4355,185 +5246,188 @@
           <a:chExt cx="0" cy="0"/>
         </a:xfrm>
       </p:grpSpPr>
-      <p:sp useBgFill="1">
-        <p:nvSpPr>
-          <p:cNvPr id="8" name="Rectangle 7">
-            <a:extLst>
-              <a:ext uri="{FF2B5EF4-FFF2-40B4-BE49-F238E27FC236}">
-                <a16:creationId xmlns:a16="http://schemas.microsoft.com/office/drawing/2014/main" id="{A4E9F8B3-8282-4A93-BBF8-3342538A70FB}"/>
-              </a:ext>
-              <a:ext uri="{C183D7F6-B498-43B3-948B-1728B52AA6E4}">
-                <adec:decorative xmlns:adec="http://schemas.microsoft.com/office/drawing/2017/decorative" val="1"/>
-              </a:ext>
-            </a:extLst>
-          </p:cNvPr>
-          <p:cNvSpPr>
-            <a:spLocks noGrp="1" noRot="1" noChangeAspect="1" noMove="1" noResize="1" noEditPoints="1" noAdjustHandles="1" noChangeArrowheads="1" noChangeShapeType="1" noTextEdit="1"/>
-          </p:cNvSpPr>
-          <p:nvPr>
-            <p:extLst>
-              <p:ext uri="{386F3935-93C4-4BCD-93E2-E3B085C9AB24}">
-                <p16:designElem xmlns:p16="http://schemas.microsoft.com/office/powerpoint/2015/main" val="1"/>
-              </p:ext>
-            </p:extLst>
+      <p:sp>
+        <p:nvSpPr>
+          <p:cNvPr id="2" name="Title 1">
+            <a:extLst>
+              <a:ext uri="{FF2B5EF4-FFF2-40B4-BE49-F238E27FC236}">
+                <a16:creationId xmlns:a16="http://schemas.microsoft.com/office/drawing/2014/main" id="{3C47ABE1-2CBB-FE01-6A60-033224DDA651}"/>
+              </a:ext>
+            </a:extLst>
+          </p:cNvPr>
+          <p:cNvSpPr>
+            <a:spLocks noGrp="1"/>
+          </p:cNvSpPr>
+          <p:nvPr>
+            <p:ph type="title"/>
           </p:nvPr>
         </p:nvSpPr>
         <p:spPr>
           <a:xfrm>
-            <a:off x="0" y="0"/>
-            <a:ext cx="12192000" cy="6858000"/>
+            <a:off x="838200" y="0"/>
+            <a:ext cx="10515600" cy="1072055"/>
+          </a:xfrm>
+        </p:spPr>
+        <p:txBody>
+          <a:bodyPr>
+            <a:normAutofit/>
+          </a:bodyPr>
+          <a:lstStyle/>
+          <a:p>
+            <a:pPr algn="ctr"/>
+            <a:r>
+              <a:rPr lang="en-US" dirty="0">
+                <a:latin typeface="Times New Roman" panose="02020603050405020304" pitchFamily="18" charset="0"/>
+                <a:cs typeface="Times New Roman" panose="02020603050405020304" pitchFamily="18" charset="0"/>
+              </a:rPr>
+              <a:t>Introduction</a:t>
+            </a:r>
+          </a:p>
+        </p:txBody>
+      </p:sp>
+      <p:sp>
+        <p:nvSpPr>
+          <p:cNvPr id="3" name="Content Placeholder 2">
+            <a:extLst>
+              <a:ext uri="{FF2B5EF4-FFF2-40B4-BE49-F238E27FC236}">
+                <a16:creationId xmlns:a16="http://schemas.microsoft.com/office/drawing/2014/main" id="{B5C29EC2-14E6-C28F-8985-DEF56C90D4F0}"/>
+              </a:ext>
+            </a:extLst>
+          </p:cNvPr>
+          <p:cNvSpPr>
+            <a:spLocks noGrp="1"/>
+          </p:cNvSpPr>
+          <p:nvPr>
+            <p:ph idx="1"/>
+          </p:nvPr>
+        </p:nvSpPr>
+        <p:spPr>
+          <a:xfrm>
+            <a:off x="540625" y="2144110"/>
+            <a:ext cx="11110750" cy="4493173"/>
+          </a:xfrm>
+        </p:spPr>
+        <p:txBody>
+          <a:bodyPr>
+            <a:normAutofit lnSpcReduction="10000"/>
+          </a:bodyPr>
+          <a:lstStyle/>
+          <a:p>
+            <a:r>
+              <a:rPr lang="en-IN" sz="2400" dirty="0">
+                <a:latin typeface="Times New Roman" panose="02020603050405020304" pitchFamily="18" charset="0"/>
+                <a:cs typeface="Times New Roman" panose="02020603050405020304" pitchFamily="18" charset="0"/>
+              </a:rPr>
+              <a:t>Music industry has become extremely competitive.</a:t>
+            </a:r>
+          </a:p>
+          <a:p>
+            <a:r>
+              <a:rPr lang="en-IN" sz="2400" dirty="0">
+                <a:latin typeface="Times New Roman" panose="02020603050405020304" pitchFamily="18" charset="0"/>
+                <a:cs typeface="Times New Roman" panose="02020603050405020304" pitchFamily="18" charset="0"/>
+              </a:rPr>
+              <a:t>Identifying factors which can make artists successful by creating ‘hit’ songs is important.</a:t>
+            </a:r>
+          </a:p>
+          <a:p>
+            <a:r>
+              <a:rPr lang="en-IN" sz="2400" dirty="0">
+                <a:latin typeface="Times New Roman" panose="02020603050405020304" pitchFamily="18" charset="0"/>
+                <a:cs typeface="Times New Roman" panose="02020603050405020304" pitchFamily="18" charset="0"/>
+              </a:rPr>
+              <a:t>Spotify has become the world’s largest music provider having 433 million total users as of 2022 in 184 markets/regions across the world. </a:t>
+            </a:r>
+          </a:p>
+          <a:p>
+            <a:pPr marL="0" indent="0">
+              <a:buNone/>
+            </a:pPr>
+            <a:endParaRPr lang="en-IN" sz="2400" dirty="0">
+              <a:latin typeface="Times New Roman" panose="02020603050405020304" pitchFamily="18" charset="0"/>
+              <a:cs typeface="Times New Roman" panose="02020603050405020304" pitchFamily="18" charset="0"/>
+            </a:endParaRPr>
+          </a:p>
+          <a:p>
+            <a:pPr marL="0" indent="0" algn="ctr">
+              <a:buNone/>
+            </a:pPr>
+            <a:r>
+              <a:rPr lang="en-IN" sz="2400" b="1" dirty="0">
+                <a:latin typeface="Times New Roman" panose="02020603050405020304" pitchFamily="18" charset="0"/>
+                <a:cs typeface="Times New Roman" panose="02020603050405020304" pitchFamily="18" charset="0"/>
+              </a:rPr>
+              <a:t>How do we define a ‘hit’ song? </a:t>
+            </a:r>
+          </a:p>
+          <a:p>
+            <a:r>
+              <a:rPr lang="en-IN" sz="2400" dirty="0">
+                <a:latin typeface="Times New Roman" panose="02020603050405020304" pitchFamily="18" charset="0"/>
+                <a:cs typeface="Times New Roman" panose="02020603050405020304" pitchFamily="18" charset="0"/>
+              </a:rPr>
+              <a:t>Spotify’s data includes a parameter for every music/song track called the ‘popularity’.</a:t>
+            </a:r>
+          </a:p>
+          <a:p>
+            <a:r>
+              <a:rPr lang="en-IN" sz="2400" dirty="0">
+                <a:latin typeface="Times New Roman" panose="02020603050405020304" pitchFamily="18" charset="0"/>
+                <a:cs typeface="Times New Roman" panose="02020603050405020304" pitchFamily="18" charset="0"/>
+              </a:rPr>
+              <a:t>A value between 0 and 100, with 100 being the most popular.</a:t>
+            </a:r>
+          </a:p>
+          <a:p>
+            <a:r>
+              <a:rPr lang="en-IN" sz="2400" dirty="0">
+                <a:latin typeface="Times New Roman" panose="02020603050405020304" pitchFamily="18" charset="0"/>
+                <a:cs typeface="Times New Roman" panose="02020603050405020304" pitchFamily="18" charset="0"/>
+              </a:rPr>
+              <a:t>Based on algorithm which uses total number of plays of the track &amp; how recent they are. </a:t>
+            </a:r>
+          </a:p>
+          <a:p>
+            <a:endParaRPr lang="en-IN" dirty="0"/>
+          </a:p>
+        </p:txBody>
+      </p:sp>
+      <p:sp>
+        <p:nvSpPr>
+          <p:cNvPr id="4" name="TextBox 3">
+            <a:extLst>
+              <a:ext uri="{FF2B5EF4-FFF2-40B4-BE49-F238E27FC236}">
+                <a16:creationId xmlns:a16="http://schemas.microsoft.com/office/drawing/2014/main" id="{6D84B2CB-E5E0-907E-4A08-8157CB490B68}"/>
+              </a:ext>
+            </a:extLst>
+          </p:cNvPr>
+          <p:cNvSpPr txBox="1"/>
+          <p:nvPr/>
+        </p:nvSpPr>
+        <p:spPr>
+          <a:xfrm>
+            <a:off x="1370285" y="1072055"/>
+            <a:ext cx="9451428" cy="461665"/>
           </a:xfrm>
           <a:prstGeom prst="rect">
             <a:avLst/>
           </a:prstGeom>
-          <a:ln w="12700" cap="flat" cmpd="sng" algn="ctr">
-            <a:noFill/>
-            <a:prstDash val="solid"/>
-            <a:miter lim="800000"/>
-          </a:ln>
-          <a:effectLst/>
+          <a:noFill/>
         </p:spPr>
-        <p:style>
-          <a:lnRef idx="2">
-            <a:schemeClr val="accent1">
-              <a:shade val="50000"/>
-            </a:schemeClr>
-          </a:lnRef>
-          <a:fillRef idx="1">
-            <a:schemeClr val="accent1"/>
-          </a:fillRef>
-          <a:effectRef idx="0">
-            <a:schemeClr val="accent1"/>
-          </a:effectRef>
-          <a:fontRef idx="minor">
-            <a:schemeClr val="lt1"/>
-          </a:fontRef>
-        </p:style>
-        <p:txBody>
-          <a:bodyPr rtlCol="0" anchor="ctr"/>
+        <p:txBody>
+          <a:bodyPr wrap="square" rtlCol="0">
+            <a:spAutoFit/>
+          </a:bodyPr>
           <a:lstStyle/>
           <a:p>
             <a:pPr algn="ctr"/>
-            <a:endParaRPr lang="en-US"/>
-          </a:p>
-        </p:txBody>
-      </p:sp>
-      <p:sp>
-        <p:nvSpPr>
-          <p:cNvPr id="2" name="Title 1">
-            <a:extLst>
-              <a:ext uri="{FF2B5EF4-FFF2-40B4-BE49-F238E27FC236}">
-                <a16:creationId xmlns:a16="http://schemas.microsoft.com/office/drawing/2014/main" id="{3C47ABE1-2CBB-FE01-6A60-033224DDA651}"/>
-              </a:ext>
-            </a:extLst>
-          </p:cNvPr>
-          <p:cNvSpPr>
-            <a:spLocks noGrp="1"/>
-          </p:cNvSpPr>
-          <p:nvPr>
-            <p:ph type="title"/>
-          </p:nvPr>
-        </p:nvSpPr>
-        <p:spPr>
-          <a:xfrm>
-            <a:off x="1429566" y="1045445"/>
-            <a:ext cx="9238434" cy="857559"/>
-          </a:xfrm>
-        </p:spPr>
-        <p:txBody>
-          <a:bodyPr>
-            <a:normAutofit/>
-          </a:bodyPr>
-          <a:lstStyle/>
-          <a:p>
-            <a:r>
-              <a:rPr lang="en-US" dirty="0"/>
-              <a:t>Introduction</a:t>
-            </a:r>
-          </a:p>
-        </p:txBody>
-      </p:sp>
-      <p:cxnSp>
-        <p:nvCxnSpPr>
-          <p:cNvPr id="10" name="Straight Connector 9">
-            <a:extLst>
-              <a:ext uri="{FF2B5EF4-FFF2-40B4-BE49-F238E27FC236}">
-                <a16:creationId xmlns:a16="http://schemas.microsoft.com/office/drawing/2014/main" id="{58EFA797-975B-41D8-BC96-56CDC2CFA3E4}"/>
-              </a:ext>
-              <a:ext uri="{C183D7F6-B498-43B3-948B-1728B52AA6E4}">
-                <adec:decorative xmlns:adec="http://schemas.microsoft.com/office/drawing/2017/decorative" val="1"/>
-              </a:ext>
-            </a:extLst>
-          </p:cNvPr>
-          <p:cNvCxnSpPr>
-            <a:cxnSpLocks noGrp="1" noRot="1" noChangeAspect="1" noMove="1" noResize="1" noEditPoints="1" noAdjustHandles="1" noChangeArrowheads="1" noChangeShapeType="1"/>
-          </p:cNvCxnSpPr>
-          <p:nvPr>
-            <p:extLst>
-              <p:ext uri="{386F3935-93C4-4BCD-93E2-E3B085C9AB24}">
-                <p16:designElem xmlns:p16="http://schemas.microsoft.com/office/powerpoint/2015/main" val="1"/>
-              </p:ext>
-            </p:extLst>
-          </p:nvPr>
-        </p:nvCxnSpPr>
-        <p:spPr>
-          <a:xfrm>
-            <a:off x="1524000" y="2286000"/>
-            <a:ext cx="971155" cy="0"/>
-          </a:xfrm>
-          <a:prstGeom prst="line">
-            <a:avLst/>
-          </a:prstGeom>
-          <a:ln w="31750">
-            <a:solidFill>
-              <a:schemeClr val="tx1"/>
-            </a:solidFill>
-          </a:ln>
-        </p:spPr>
-        <p:style>
-          <a:lnRef idx="1">
-            <a:schemeClr val="accent1"/>
-          </a:lnRef>
-          <a:fillRef idx="0">
-            <a:schemeClr val="accent1"/>
-          </a:fillRef>
-          <a:effectRef idx="0">
-            <a:schemeClr val="accent1"/>
-          </a:effectRef>
-          <a:fontRef idx="minor">
-            <a:schemeClr val="tx1"/>
-          </a:fontRef>
-        </p:style>
-      </p:cxnSp>
-      <p:sp>
-        <p:nvSpPr>
-          <p:cNvPr id="3" name="Content Placeholder 2">
-            <a:extLst>
-              <a:ext uri="{FF2B5EF4-FFF2-40B4-BE49-F238E27FC236}">
-                <a16:creationId xmlns:a16="http://schemas.microsoft.com/office/drawing/2014/main" id="{B5C29EC2-14E6-C28F-8985-DEF56C90D4F0}"/>
-              </a:ext>
-            </a:extLst>
-          </p:cNvPr>
-          <p:cNvSpPr>
-            <a:spLocks noGrp="1"/>
-          </p:cNvSpPr>
-          <p:nvPr>
-            <p:ph idx="1"/>
-          </p:nvPr>
-        </p:nvSpPr>
-        <p:spPr>
-          <a:xfrm>
-            <a:off x="1429566" y="2729554"/>
-            <a:ext cx="8476434" cy="3359621"/>
-          </a:xfrm>
-        </p:spPr>
-        <p:txBody>
-          <a:bodyPr>
-            <a:normAutofit/>
-          </a:bodyPr>
-          <a:lstStyle/>
-          <a:p>
-            <a:endParaRPr lang="en-US" dirty="0"/>
+            <a:r>
+              <a:rPr lang="en-US" sz="2400" b="1" dirty="0">
+                <a:latin typeface="Times New Roman" panose="02020603050405020304" pitchFamily="18" charset="0"/>
+                <a:cs typeface="Times New Roman" panose="02020603050405020304" pitchFamily="18" charset="0"/>
+              </a:rPr>
+              <a:t>Research Question: How non-musical factors make a song successful?</a:t>
+            </a:r>
           </a:p>
         </p:txBody>
       </p:sp>
@@ -4577,10 +5471,10 @@
       </p:grpSpPr>
       <p:sp useBgFill="1">
         <p:nvSpPr>
-          <p:cNvPr id="8" name="Rectangle 7">
-            <a:extLst>
-              <a:ext uri="{FF2B5EF4-FFF2-40B4-BE49-F238E27FC236}">
-                <a16:creationId xmlns:a16="http://schemas.microsoft.com/office/drawing/2014/main" id="{A4E9F8B3-8282-4A93-BBF8-3342538A70FB}"/>
+          <p:cNvPr id="1033" name="Rectangle 1032">
+            <a:extLst>
+              <a:ext uri="{FF2B5EF4-FFF2-40B4-BE49-F238E27FC236}">
+                <a16:creationId xmlns:a16="http://schemas.microsoft.com/office/drawing/2014/main" id="{6ECA6DCB-B7E1-40A9-9524-540C6DA40B1B}"/>
               </a:ext>
               <a:ext uri="{C183D7F6-B498-43B3-948B-1728B52AA6E4}">
                 <adec:decorative xmlns:adec="http://schemas.microsoft.com/office/drawing/2017/decorative" val="1"/>
@@ -4601,17 +5495,14 @@
         <p:spPr>
           <a:xfrm>
             <a:off x="0" y="0"/>
-            <a:ext cx="12192000" cy="6858000"/>
+            <a:ext cx="12191999" cy="6857365"/>
           </a:xfrm>
           <a:prstGeom prst="rect">
             <a:avLst/>
           </a:prstGeom>
-          <a:ln w="12700" cap="flat" cmpd="sng" algn="ctr">
+          <a:ln>
             <a:noFill/>
-            <a:prstDash val="solid"/>
-            <a:miter lim="800000"/>
           </a:ln>
-          <a:effectLst/>
         </p:spPr>
         <p:style>
           <a:lnRef idx="2">
@@ -4656,38 +5547,41 @@
         </p:nvSpPr>
         <p:spPr>
           <a:xfrm>
-            <a:off x="1429566" y="1045445"/>
-            <a:ext cx="9238434" cy="857559"/>
+            <a:off x="589560" y="856180"/>
+            <a:ext cx="5279408" cy="1128068"/>
           </a:xfrm>
         </p:spPr>
         <p:txBody>
-          <a:bodyPr>
+          <a:bodyPr anchor="ctr">
             <a:normAutofit/>
           </a:bodyPr>
           <a:lstStyle/>
           <a:p>
             <a:r>
-              <a:rPr lang="en-US" dirty="0"/>
+              <a:rPr lang="en-US" sz="4000">
+                <a:latin typeface="Times New Roman" panose="02020603050405020304" pitchFamily="18" charset="0"/>
+                <a:cs typeface="Times New Roman" panose="02020603050405020304" pitchFamily="18" charset="0"/>
+              </a:rPr>
               <a:t>Methodology</a:t>
             </a:r>
           </a:p>
         </p:txBody>
       </p:sp>
-      <p:cxnSp>
-        <p:nvCxnSpPr>
-          <p:cNvPr id="10" name="Straight Connector 9">
-            <a:extLst>
-              <a:ext uri="{FF2B5EF4-FFF2-40B4-BE49-F238E27FC236}">
-                <a16:creationId xmlns:a16="http://schemas.microsoft.com/office/drawing/2014/main" id="{58EFA797-975B-41D8-BC96-56CDC2CFA3E4}"/>
+      <p:grpSp>
+        <p:nvGrpSpPr>
+          <p:cNvPr id="1035" name="Group 1034">
+            <a:extLst>
+              <a:ext uri="{FF2B5EF4-FFF2-40B4-BE49-F238E27FC236}">
+                <a16:creationId xmlns:a16="http://schemas.microsoft.com/office/drawing/2014/main" id="{1DE889C7-FAD6-4397-98E2-05D503484459}"/>
               </a:ext>
               <a:ext uri="{C183D7F6-B498-43B3-948B-1728B52AA6E4}">
                 <adec:decorative xmlns:adec="http://schemas.microsoft.com/office/drawing/2017/decorative" val="1"/>
               </a:ext>
             </a:extLst>
           </p:cNvPr>
-          <p:cNvCxnSpPr>
-            <a:cxnSpLocks noGrp="1" noRot="1" noChangeAspect="1" noMove="1" noResize="1" noEditPoints="1" noAdjustHandles="1" noChangeArrowheads="1" noChangeShapeType="1"/>
-          </p:cNvCxnSpPr>
+          <p:cNvGrpSpPr>
+            <a:grpSpLocks noGrp="1" noUngrp="1" noRot="1" noChangeAspect="1" noMove="1" noResize="1"/>
+          </p:cNvGrpSpPr>
           <p:nvPr>
             <p:extLst>
               <p:ext uri="{386F3935-93C4-4BCD-93E2-E3B085C9AB24}">
@@ -4695,36 +5589,201 @@
               </p:ext>
             </p:extLst>
           </p:nvPr>
-        </p:nvCxnSpPr>
+        </p:nvGrpSpPr>
+        <p:grpSpPr>
+          <a:xfrm>
+            <a:off x="0" y="1083484"/>
+            <a:ext cx="355196" cy="673460"/>
+            <a:chOff x="0" y="823811"/>
+            <a:chExt cx="355196" cy="673460"/>
+          </a:xfrm>
+        </p:grpSpPr>
+        <p:sp>
+          <p:nvSpPr>
+            <p:cNvPr id="1036" name="Rectangle 1035">
+              <a:extLst>
+                <a:ext uri="{FF2B5EF4-FFF2-40B4-BE49-F238E27FC236}">
+                  <a16:creationId xmlns:a16="http://schemas.microsoft.com/office/drawing/2014/main" id="{F399A70F-F8CD-4992-9EF5-6CF15472E73F}"/>
+                </a:ext>
+                <a:ext uri="{C183D7F6-B498-43B3-948B-1728B52AA6E4}">
+                  <adec:decorative xmlns:adec="http://schemas.microsoft.com/office/drawing/2017/decorative" val="1"/>
+                </a:ext>
+              </a:extLst>
+            </p:cNvPr>
+            <p:cNvSpPr/>
+            <p:nvPr>
+              <p:extLst>
+                <p:ext uri="{386F3935-93C4-4BCD-93E2-E3B085C9AB24}">
+                  <p16:designElem xmlns:p16="http://schemas.microsoft.com/office/powerpoint/2015/main" val="1"/>
+                </p:ext>
+              </p:extLst>
+            </p:nvPr>
+          </p:nvSpPr>
+          <p:spPr>
+            <a:xfrm>
+              <a:off x="0" y="823811"/>
+              <a:ext cx="87363" cy="673460"/>
+            </a:xfrm>
+            <a:prstGeom prst="rect">
+              <a:avLst/>
+            </a:prstGeom>
+            <a:solidFill>
+              <a:schemeClr val="accent4"/>
+            </a:solidFill>
+            <a:ln>
+              <a:noFill/>
+            </a:ln>
+          </p:spPr>
+          <p:style>
+            <a:lnRef idx="2">
+              <a:schemeClr val="accent1">
+                <a:shade val="50000"/>
+              </a:schemeClr>
+            </a:lnRef>
+            <a:fillRef idx="1">
+              <a:schemeClr val="accent1"/>
+            </a:fillRef>
+            <a:effectRef idx="0">
+              <a:schemeClr val="accent1"/>
+            </a:effectRef>
+            <a:fontRef idx="minor">
+              <a:schemeClr val="lt1"/>
+            </a:fontRef>
+          </p:style>
+          <p:txBody>
+            <a:bodyPr rtlCol="0" anchor="ctr"/>
+            <a:lstStyle/>
+            <a:p>
+              <a:pPr algn="ctr"/>
+              <a:endParaRPr lang="en-US"/>
+            </a:p>
+          </p:txBody>
+        </p:sp>
+        <p:sp>
+          <p:nvSpPr>
+            <p:cNvPr id="1037" name="Rectangle 1036">
+              <a:extLst>
+                <a:ext uri="{FF2B5EF4-FFF2-40B4-BE49-F238E27FC236}">
+                  <a16:creationId xmlns:a16="http://schemas.microsoft.com/office/drawing/2014/main" id="{48F4FEDC-6D80-458C-A665-075D9B9500FD}"/>
+                </a:ext>
+                <a:ext uri="{C183D7F6-B498-43B3-948B-1728B52AA6E4}">
+                  <adec:decorative xmlns:adec="http://schemas.microsoft.com/office/drawing/2017/decorative" val="1"/>
+                </a:ext>
+              </a:extLst>
+            </p:cNvPr>
+            <p:cNvSpPr/>
+            <p:nvPr>
+              <p:extLst>
+                <p:ext uri="{386F3935-93C4-4BCD-93E2-E3B085C9AB24}">
+                  <p16:designElem xmlns:p16="http://schemas.microsoft.com/office/powerpoint/2015/main" val="1"/>
+                </p:ext>
+              </p:extLst>
+            </p:nvPr>
+          </p:nvSpPr>
+          <p:spPr>
+            <a:xfrm>
+              <a:off x="159341" y="823811"/>
+              <a:ext cx="195855" cy="673460"/>
+            </a:xfrm>
+            <a:prstGeom prst="rect">
+              <a:avLst/>
+            </a:prstGeom>
+            <a:solidFill>
+              <a:schemeClr val="accent4"/>
+            </a:solidFill>
+            <a:ln>
+              <a:noFill/>
+            </a:ln>
+          </p:spPr>
+          <p:style>
+            <a:lnRef idx="2">
+              <a:schemeClr val="accent1">
+                <a:shade val="50000"/>
+              </a:schemeClr>
+            </a:lnRef>
+            <a:fillRef idx="1">
+              <a:schemeClr val="accent1"/>
+            </a:fillRef>
+            <a:effectRef idx="0">
+              <a:schemeClr val="accent1"/>
+            </a:effectRef>
+            <a:fontRef idx="minor">
+              <a:schemeClr val="lt1"/>
+            </a:fontRef>
+          </p:style>
+          <p:txBody>
+            <a:bodyPr rtlCol="0" anchor="ctr"/>
+            <a:lstStyle/>
+            <a:p>
+              <a:pPr algn="ctr"/>
+              <a:endParaRPr lang="en-US"/>
+            </a:p>
+          </p:txBody>
+        </p:sp>
+      </p:grpSp>
+      <p:sp>
+        <p:nvSpPr>
+          <p:cNvPr id="1039" name="Rectangle 1038">
+            <a:extLst>
+              <a:ext uri="{FF2B5EF4-FFF2-40B4-BE49-F238E27FC236}">
+                <a16:creationId xmlns:a16="http://schemas.microsoft.com/office/drawing/2014/main" id="{3873B707-463F-40B0-8227-E8CC6C67EB25}"/>
+              </a:ext>
+              <a:ext uri="{C183D7F6-B498-43B3-948B-1728B52AA6E4}">
+                <adec:decorative xmlns:adec="http://schemas.microsoft.com/office/drawing/2017/decorative" val="1"/>
+              </a:ext>
+            </a:extLst>
+          </p:cNvPr>
+          <p:cNvSpPr>
+            <a:spLocks noGrp="1" noRot="1" noChangeAspect="1" noMove="1" noResize="1" noEditPoints="1" noAdjustHandles="1" noChangeArrowheads="1" noChangeShapeType="1" noTextEdit="1"/>
+          </p:cNvSpPr>
+          <p:nvPr>
+            <p:extLst>
+              <p:ext uri="{386F3935-93C4-4BCD-93E2-E3B085C9AB24}">
+                <p16:designElem xmlns:p16="http://schemas.microsoft.com/office/powerpoint/2015/main" val="1"/>
+              </p:ext>
+            </p:extLst>
+          </p:nvPr>
+        </p:nvSpPr>
         <p:spPr>
-          <a:xfrm>
-            <a:off x="1524000" y="2286000"/>
-            <a:ext cx="971155" cy="0"/>
+          <a:xfrm flipH="1">
+            <a:off x="665085" y="2123821"/>
+            <a:ext cx="4975066" cy="27432"/>
           </a:xfrm>
-          <a:prstGeom prst="line">
+          <a:prstGeom prst="rect">
             <a:avLst/>
           </a:prstGeom>
-          <a:ln w="31750">
-            <a:solidFill>
-              <a:schemeClr val="tx1"/>
-            </a:solidFill>
+          <a:solidFill>
+            <a:schemeClr val="accent4"/>
+          </a:solidFill>
+          <a:ln>
+            <a:noFill/>
           </a:ln>
         </p:spPr>
         <p:style>
-          <a:lnRef idx="1">
-            <a:schemeClr val="accent1"/>
+          <a:lnRef idx="2">
+            <a:schemeClr val="accent1">
+              <a:shade val="50000"/>
+            </a:schemeClr>
           </a:lnRef>
-          <a:fillRef idx="0">
+          <a:fillRef idx="1">
             <a:schemeClr val="accent1"/>
           </a:fillRef>
           <a:effectRef idx="0">
             <a:schemeClr val="accent1"/>
           </a:effectRef>
           <a:fontRef idx="minor">
-            <a:schemeClr val="tx1"/>
+            <a:schemeClr val="lt1"/>
           </a:fontRef>
         </p:style>
-      </p:cxnSp>
+        <p:txBody>
+          <a:bodyPr rtlCol="0" anchor="ctr"/>
+          <a:lstStyle/>
+          <a:p>
+            <a:pPr algn="ctr"/>
+            <a:endParaRPr lang="en-US"/>
+          </a:p>
+        </p:txBody>
+      </p:sp>
       <p:sp>
         <p:nvSpPr>
           <p:cNvPr id="3" name="Content Placeholder 2">
@@ -4743,29 +5802,364 @@
         </p:nvSpPr>
         <p:spPr>
           <a:xfrm>
-            <a:off x="1429566" y="2729554"/>
-            <a:ext cx="8476434" cy="3359621"/>
+            <a:off x="590719" y="2151253"/>
+            <a:ext cx="5896412" cy="4623816"/>
           </a:xfrm>
         </p:spPr>
         <p:txBody>
-          <a:bodyPr>
-            <a:normAutofit/>
+          <a:bodyPr anchor="ctr">
+            <a:noAutofit/>
           </a:bodyPr>
           <a:lstStyle/>
           <a:p>
-            <a:endParaRPr lang="en-US" dirty="0"/>
-          </a:p>
-        </p:txBody>
-      </p:sp>
+            <a:r>
+              <a:rPr lang="en-IN" sz="2000" b="0" i="0" u="none" strike="noStrike" dirty="0">
+                <a:effectLst/>
+                <a:latin typeface="Times New Roman" panose="02020603050405020304" pitchFamily="18" charset="0"/>
+                <a:cs typeface="Times New Roman" panose="02020603050405020304" pitchFamily="18" charset="0"/>
+              </a:rPr>
+              <a:t>We collected our data from Spotify's 'The Million Playlist' dataset, which contains over a hundred million songs across a million playlists. </a:t>
+            </a:r>
+          </a:p>
+          <a:p>
+            <a:r>
+              <a:rPr lang="en-IN" sz="2000" b="0" i="0" u="none" strike="noStrike" dirty="0">
+                <a:effectLst/>
+                <a:latin typeface="Times New Roman" panose="02020603050405020304" pitchFamily="18" charset="0"/>
+                <a:cs typeface="Times New Roman" panose="02020603050405020304" pitchFamily="18" charset="0"/>
+              </a:rPr>
+              <a:t>To access this data, we utilized Spotify's Web API through standard HTTPS requests from Python, and authorized our access using valid API tokens. </a:t>
+            </a:r>
+          </a:p>
+          <a:p>
+            <a:r>
+              <a:rPr lang="en-IN" sz="2000" b="0" i="0" u="none" strike="noStrike" dirty="0">
+                <a:effectLst/>
+                <a:latin typeface="Times New Roman" panose="02020603050405020304" pitchFamily="18" charset="0"/>
+                <a:cs typeface="Times New Roman" panose="02020603050405020304" pitchFamily="18" charset="0"/>
+              </a:rPr>
+              <a:t>We also used the </a:t>
+            </a:r>
+            <a:r>
+              <a:rPr lang="en-IN" sz="2000" b="0" i="0" u="none" strike="noStrike" dirty="0" err="1">
+                <a:effectLst/>
+                <a:latin typeface="Times New Roman" panose="02020603050405020304" pitchFamily="18" charset="0"/>
+                <a:cs typeface="Times New Roman" panose="02020603050405020304" pitchFamily="18" charset="0"/>
+              </a:rPr>
+              <a:t>SpotiPy</a:t>
+            </a:r>
+            <a:r>
+              <a:rPr lang="en-IN" sz="2000" b="0" i="0" u="none" strike="noStrike" dirty="0">
+                <a:effectLst/>
+                <a:latin typeface="Times New Roman" panose="02020603050405020304" pitchFamily="18" charset="0"/>
+                <a:cs typeface="Times New Roman" panose="02020603050405020304" pitchFamily="18" charset="0"/>
+              </a:rPr>
+              <a:t> package to extract data from unique song identifiers.</a:t>
+            </a:r>
+          </a:p>
+          <a:p>
+            <a:r>
+              <a:rPr lang="en-IN" sz="2000" b="0" i="0" u="none" strike="noStrike" dirty="0">
+                <a:effectLst/>
+                <a:latin typeface="Times New Roman" panose="02020603050405020304" pitchFamily="18" charset="0"/>
+                <a:cs typeface="Times New Roman" panose="02020603050405020304" pitchFamily="18" charset="0"/>
+              </a:rPr>
+              <a:t>We use a function which authenticates our API token and reads the data into a list, which includes statistics for several non-musical factors of interest.</a:t>
+            </a:r>
+            <a:endParaRPr lang="en-IN" sz="2000" dirty="0">
+              <a:latin typeface="Times New Roman" panose="02020603050405020304" pitchFamily="18" charset="0"/>
+              <a:cs typeface="Times New Roman" panose="02020603050405020304" pitchFamily="18" charset="0"/>
+            </a:endParaRPr>
+          </a:p>
+        </p:txBody>
+      </p:sp>
+      <p:sp>
+        <p:nvSpPr>
+          <p:cNvPr id="1041" name="Rectangle 1040">
+            <a:extLst>
+              <a:ext uri="{FF2B5EF4-FFF2-40B4-BE49-F238E27FC236}">
+                <a16:creationId xmlns:a16="http://schemas.microsoft.com/office/drawing/2014/main" id="{C13237C8-E62C-4F0D-A318-BD6FB6C2D138}"/>
+              </a:ext>
+              <a:ext uri="{C183D7F6-B498-43B3-948B-1728B52AA6E4}">
+                <adec:decorative xmlns:adec="http://schemas.microsoft.com/office/drawing/2017/decorative" val="1"/>
+              </a:ext>
+            </a:extLst>
+          </p:cNvPr>
+          <p:cNvSpPr>
+            <a:spLocks noGrp="1" noRot="1" noChangeAspect="1" noMove="1" noResize="1" noEditPoints="1" noAdjustHandles="1" noChangeArrowheads="1" noChangeShapeType="1" noTextEdit="1"/>
+          </p:cNvSpPr>
+          <p:nvPr>
+            <p:extLst>
+              <p:ext uri="{386F3935-93C4-4BCD-93E2-E3B085C9AB24}">
+                <p16:designElem xmlns:p16="http://schemas.microsoft.com/office/powerpoint/2015/main" val="1"/>
+              </p:ext>
+            </p:extLst>
+          </p:nvPr>
+        </p:nvSpPr>
+        <p:spPr>
+          <a:xfrm flipH="1">
+            <a:off x="10697670" y="0"/>
+            <a:ext cx="1494330" cy="6858000"/>
+          </a:xfrm>
+          <a:prstGeom prst="rect">
+            <a:avLst/>
+          </a:prstGeom>
+          <a:solidFill>
+            <a:schemeClr val="accent4"/>
+          </a:solidFill>
+          <a:ln>
+            <a:noFill/>
+          </a:ln>
+        </p:spPr>
+        <p:style>
+          <a:lnRef idx="2">
+            <a:schemeClr val="accent1">
+              <a:shade val="50000"/>
+            </a:schemeClr>
+          </a:lnRef>
+          <a:fillRef idx="1">
+            <a:schemeClr val="accent1"/>
+          </a:fillRef>
+          <a:effectRef idx="0">
+            <a:schemeClr val="accent1"/>
+          </a:effectRef>
+          <a:fontRef idx="minor">
+            <a:schemeClr val="lt1"/>
+          </a:fontRef>
+        </p:style>
+        <p:txBody>
+          <a:bodyPr rtlCol="0" anchor="ctr"/>
+          <a:lstStyle/>
+          <a:p>
+            <a:pPr algn="ctr"/>
+            <a:endParaRPr lang="en-US"/>
+          </a:p>
+        </p:txBody>
+      </p:sp>
+      <p:sp>
+        <p:nvSpPr>
+          <p:cNvPr id="1043" name="Rectangle 1042">
+            <a:extLst>
+              <a:ext uri="{FF2B5EF4-FFF2-40B4-BE49-F238E27FC236}">
+                <a16:creationId xmlns:a16="http://schemas.microsoft.com/office/drawing/2014/main" id="{19C9EAEA-39D0-4B0E-A0EB-51E7B26740B1}"/>
+              </a:ext>
+              <a:ext uri="{C183D7F6-B498-43B3-948B-1728B52AA6E4}">
+                <adec:decorative xmlns:adec="http://schemas.microsoft.com/office/drawing/2017/decorative" val="1"/>
+              </a:ext>
+            </a:extLst>
+          </p:cNvPr>
+          <p:cNvSpPr>
+            <a:spLocks noGrp="1" noRot="1" noChangeAspect="1" noMove="1" noResize="1" noEditPoints="1" noAdjustHandles="1" noChangeArrowheads="1" noChangeShapeType="1" noTextEdit="1"/>
+          </p:cNvSpPr>
+          <p:nvPr>
+            <p:extLst>
+              <p:ext uri="{386F3935-93C4-4BCD-93E2-E3B085C9AB24}">
+                <p16:designElem xmlns:p16="http://schemas.microsoft.com/office/powerpoint/2015/main" val="1"/>
+              </p:ext>
+            </p:extLst>
+          </p:nvPr>
+        </p:nvSpPr>
+        <p:spPr>
+          <a:xfrm>
+            <a:off x="6849687" y="357447"/>
+            <a:ext cx="4845488" cy="2923587"/>
+          </a:xfrm>
+          <a:prstGeom prst="rect">
+            <a:avLst/>
+          </a:prstGeom>
+          <a:solidFill>
+            <a:schemeClr val="bg1"/>
+          </a:solidFill>
+          <a:ln>
+            <a:noFill/>
+          </a:ln>
+          <a:effectLst>
+            <a:outerShdw blurRad="139700" dist="127000" dir="5400000" algn="t" rotWithShape="0">
+              <a:prstClr val="black">
+                <a:alpha val="15000"/>
+              </a:prstClr>
+            </a:outerShdw>
+          </a:effectLst>
+        </p:spPr>
+        <p:style>
+          <a:lnRef idx="2">
+            <a:schemeClr val="accent1">
+              <a:shade val="50000"/>
+            </a:schemeClr>
+          </a:lnRef>
+          <a:fillRef idx="1">
+            <a:schemeClr val="accent1"/>
+          </a:fillRef>
+          <a:effectRef idx="0">
+            <a:schemeClr val="accent1"/>
+          </a:effectRef>
+          <a:fontRef idx="minor">
+            <a:schemeClr val="lt1"/>
+          </a:fontRef>
+        </p:style>
+        <p:txBody>
+          <a:bodyPr rtlCol="0" anchor="ctr"/>
+          <a:lstStyle/>
+          <a:p>
+            <a:pPr algn="ctr"/>
+            <a:endParaRPr lang="en-US"/>
+          </a:p>
+        </p:txBody>
+      </p:sp>
+      <p:sp>
+        <p:nvSpPr>
+          <p:cNvPr id="1045" name="Rectangle 1044">
+            <a:extLst>
+              <a:ext uri="{FF2B5EF4-FFF2-40B4-BE49-F238E27FC236}">
+                <a16:creationId xmlns:a16="http://schemas.microsoft.com/office/drawing/2014/main" id="{8CB5D2D7-DF65-4E86-BFBA-FFB9B5ACEB64}"/>
+              </a:ext>
+              <a:ext uri="{C183D7F6-B498-43B3-948B-1728B52AA6E4}">
+                <adec:decorative xmlns:adec="http://schemas.microsoft.com/office/drawing/2017/decorative" val="1"/>
+              </a:ext>
+            </a:extLst>
+          </p:cNvPr>
+          <p:cNvSpPr>
+            <a:spLocks noGrp="1" noRot="1" noChangeAspect="1" noMove="1" noResize="1" noEditPoints="1" noAdjustHandles="1" noChangeArrowheads="1" noChangeShapeType="1" noTextEdit="1"/>
+          </p:cNvSpPr>
+          <p:nvPr>
+            <p:extLst>
+              <p:ext uri="{386F3935-93C4-4BCD-93E2-E3B085C9AB24}">
+                <p16:designElem xmlns:p16="http://schemas.microsoft.com/office/powerpoint/2015/main" val="1"/>
+              </p:ext>
+            </p:extLst>
+          </p:nvPr>
+        </p:nvSpPr>
+        <p:spPr>
+          <a:xfrm>
+            <a:off x="6849687" y="3505479"/>
+            <a:ext cx="4845488" cy="2923587"/>
+          </a:xfrm>
+          <a:prstGeom prst="rect">
+            <a:avLst/>
+          </a:prstGeom>
+          <a:solidFill>
+            <a:schemeClr val="bg1"/>
+          </a:solidFill>
+          <a:ln>
+            <a:noFill/>
+          </a:ln>
+          <a:effectLst>
+            <a:outerShdw blurRad="139700" dist="127000" dir="5400000" algn="t" rotWithShape="0">
+              <a:prstClr val="black">
+                <a:alpha val="15000"/>
+              </a:prstClr>
+            </a:outerShdw>
+          </a:effectLst>
+        </p:spPr>
+        <p:style>
+          <a:lnRef idx="2">
+            <a:schemeClr val="accent1">
+              <a:shade val="50000"/>
+            </a:schemeClr>
+          </a:lnRef>
+          <a:fillRef idx="1">
+            <a:schemeClr val="accent1"/>
+          </a:fillRef>
+          <a:effectRef idx="0">
+            <a:schemeClr val="accent1"/>
+          </a:effectRef>
+          <a:fontRef idx="minor">
+            <a:schemeClr val="lt1"/>
+          </a:fontRef>
+        </p:style>
+        <p:txBody>
+          <a:bodyPr rtlCol="0" anchor="ctr"/>
+          <a:lstStyle/>
+          <a:p>
+            <a:pPr algn="ctr"/>
+            <a:endParaRPr lang="en-US"/>
+          </a:p>
+        </p:txBody>
+      </p:sp>
+      <p:pic>
+        <p:nvPicPr>
+          <p:cNvPr id="1028" name="Picture 4" descr="The Million Playlist Dataset">
+            <a:extLst>
+              <a:ext uri="{FF2B5EF4-FFF2-40B4-BE49-F238E27FC236}">
+                <a16:creationId xmlns:a16="http://schemas.microsoft.com/office/drawing/2014/main" id="{67B4B9BE-F9D3-472E-49FA-AE82611F5306}"/>
+              </a:ext>
+            </a:extLst>
+          </p:cNvPr>
+          <p:cNvPicPr>
+            <a:picLocks noChangeAspect="1" noChangeArrowheads="1"/>
+          </p:cNvPicPr>
+          <p:nvPr/>
+        </p:nvPicPr>
+        <p:blipFill rotWithShape="1">
+          <a:blip r:embed="rId2">
+            <a:extLst>
+              <a:ext uri="{28A0092B-C50C-407E-A947-70E740481C1C}">
+                <a14:useLocalDpi xmlns:a14="http://schemas.microsoft.com/office/drawing/2010/main" val="0"/>
+              </a:ext>
+            </a:extLst>
+          </a:blip>
+          <a:srcRect t="3411" r="1" b="1086"/>
+          <a:stretch/>
+        </p:blipFill>
+        <p:spPr bwMode="auto">
+          <a:xfrm>
+            <a:off x="6937050" y="497566"/>
+            <a:ext cx="4395569" cy="2518756"/>
+          </a:xfrm>
+          <a:prstGeom prst="rect">
+            <a:avLst/>
+          </a:prstGeom>
+          <a:noFill/>
+          <a:extLst>
+            <a:ext uri="{909E8E84-426E-40DD-AFC4-6F175D3DCCD1}">
+              <a14:hiddenFill xmlns:a14="http://schemas.microsoft.com/office/drawing/2010/main">
+                <a:solidFill>
+                  <a:srgbClr val="FFFFFF"/>
+                </a:solidFill>
+              </a14:hiddenFill>
+            </a:ext>
+          </a:extLst>
+        </p:spPr>
+      </p:pic>
+      <p:pic>
+        <p:nvPicPr>
+          <p:cNvPr id="6" name="Picture 5">
+            <a:extLst>
+              <a:ext uri="{FF2B5EF4-FFF2-40B4-BE49-F238E27FC236}">
+                <a16:creationId xmlns:a16="http://schemas.microsoft.com/office/drawing/2014/main" id="{5DFFA712-CA36-84C5-6FF8-96E2474B0809}"/>
+              </a:ext>
+            </a:extLst>
+          </p:cNvPr>
+          <p:cNvPicPr>
+            <a:picLocks noChangeAspect="1"/>
+          </p:cNvPicPr>
+          <p:nvPr/>
+        </p:nvPicPr>
+        <p:blipFill>
+          <a:blip r:embed="rId3"/>
+          <a:stretch>
+            <a:fillRect/>
+          </a:stretch>
+        </p:blipFill>
+        <p:spPr>
+          <a:xfrm>
+            <a:off x="6874703" y="3888294"/>
+            <a:ext cx="4795455" cy="2157955"/>
+          </a:xfrm>
+          <a:prstGeom prst="rect">
+            <a:avLst/>
+          </a:prstGeom>
+        </p:spPr>
+      </p:pic>
     </p:spTree>
     <p:extLst>
       <p:ext uri="{BB962C8B-B14F-4D97-AF65-F5344CB8AC3E}">
-        <p14:creationId xmlns:p14="http://schemas.microsoft.com/office/powerpoint/2010/main" val="2398416263"/>
+        <p14:creationId xmlns:p14="http://schemas.microsoft.com/office/powerpoint/2010/main" val="3405098331"/>
       </p:ext>
     </p:extLst>
   </p:cSld>
   <p:clrMapOvr>
-    <a:overrideClrMapping bg1="lt1" tx1="dk1" bg2="lt2" tx2="dk2" accent1="accent1" accent2="accent2" accent3="accent3" accent4="accent4" accent5="accent5" accent6="accent6" hlink="hlink" folHlink="folHlink"/>
+    <a:masterClrMapping/>
   </p:clrMapOvr>
 </p:sld>
 </file>
@@ -4800,7 +6194,7 @@
           <p:cNvPr id="8" name="Rectangle 7">
             <a:extLst>
               <a:ext uri="{FF2B5EF4-FFF2-40B4-BE49-F238E27FC236}">
-                <a16:creationId xmlns:a16="http://schemas.microsoft.com/office/drawing/2014/main" id="{A4E9F8B3-8282-4A93-BBF8-3342538A70FB}"/>
+                <a16:creationId xmlns:a16="http://schemas.microsoft.com/office/drawing/2014/main" id="{B6CDA21F-E7AF-4C75-8395-33F58D5B0E45}"/>
               </a:ext>
               <a:ext uri="{C183D7F6-B498-43B3-948B-1728B52AA6E4}">
                 <adec:decorative xmlns:adec="http://schemas.microsoft.com/office/drawing/2017/decorative" val="1"/>
@@ -4821,17 +6215,14 @@
         <p:spPr>
           <a:xfrm>
             <a:off x="0" y="0"/>
-            <a:ext cx="12192000" cy="6858000"/>
+            <a:ext cx="12191999" cy="6857365"/>
           </a:xfrm>
           <a:prstGeom prst="rect">
             <a:avLst/>
           </a:prstGeom>
-          <a:ln w="12700" cap="flat" cmpd="sng" algn="ctr">
+          <a:ln>
             <a:noFill/>
-            <a:prstDash val="solid"/>
-            <a:miter lim="800000"/>
           </a:ln>
-          <a:effectLst/>
         </p:spPr>
         <p:style>
           <a:lnRef idx="2">
@@ -4858,56 +6249,21 @@
           </a:p>
         </p:txBody>
       </p:sp>
-      <p:sp>
-        <p:nvSpPr>
-          <p:cNvPr id="2" name="Title 1">
-            <a:extLst>
-              <a:ext uri="{FF2B5EF4-FFF2-40B4-BE49-F238E27FC236}">
-                <a16:creationId xmlns:a16="http://schemas.microsoft.com/office/drawing/2014/main" id="{3C47ABE1-2CBB-FE01-6A60-033224DDA651}"/>
-              </a:ext>
-            </a:extLst>
-          </p:cNvPr>
-          <p:cNvSpPr>
-            <a:spLocks noGrp="1"/>
-          </p:cNvSpPr>
-          <p:nvPr>
-            <p:ph type="title"/>
-          </p:nvPr>
-        </p:nvSpPr>
-        <p:spPr>
-          <a:xfrm>
-            <a:off x="1429566" y="1045445"/>
-            <a:ext cx="9238434" cy="857559"/>
-          </a:xfrm>
-        </p:spPr>
-        <p:txBody>
-          <a:bodyPr>
-            <a:normAutofit/>
-          </a:bodyPr>
-          <a:lstStyle/>
-          <a:p>
-            <a:r>
-              <a:rPr lang="en-US" dirty="0"/>
-              <a:t>Results</a:t>
-            </a:r>
-          </a:p>
-        </p:txBody>
-      </p:sp>
-      <p:cxnSp>
-        <p:nvCxnSpPr>
-          <p:cNvPr id="10" name="Straight Connector 9">
-            <a:extLst>
-              <a:ext uri="{FF2B5EF4-FFF2-40B4-BE49-F238E27FC236}">
-                <a16:creationId xmlns:a16="http://schemas.microsoft.com/office/drawing/2014/main" id="{58EFA797-975B-41D8-BC96-56CDC2CFA3E4}"/>
+      <p:grpSp>
+        <p:nvGrpSpPr>
+          <p:cNvPr id="10" name="Group 9">
+            <a:extLst>
+              <a:ext uri="{FF2B5EF4-FFF2-40B4-BE49-F238E27FC236}">
+                <a16:creationId xmlns:a16="http://schemas.microsoft.com/office/drawing/2014/main" id="{AE1C45F0-260A-458C-96ED-C1F6D2151219}"/>
               </a:ext>
               <a:ext uri="{C183D7F6-B498-43B3-948B-1728B52AA6E4}">
                 <adec:decorative xmlns:adec="http://schemas.microsoft.com/office/drawing/2017/decorative" val="1"/>
               </a:ext>
             </a:extLst>
           </p:cNvPr>
-          <p:cNvCxnSpPr>
-            <a:cxnSpLocks noGrp="1" noRot="1" noChangeAspect="1" noMove="1" noResize="1" noEditPoints="1" noAdjustHandles="1" noChangeArrowheads="1" noChangeShapeType="1"/>
-          </p:cNvCxnSpPr>
+          <p:cNvGrpSpPr>
+            <a:grpSpLocks noGrp="1" noUngrp="1" noRot="1" noChangeAspect="1" noMove="1" noResize="1"/>
+          </p:cNvGrpSpPr>
           <p:nvPr>
             <p:extLst>
               <p:ext uri="{386F3935-93C4-4BCD-93E2-E3B085C9AB24}">
@@ -4915,18 +6271,423 @@
               </p:ext>
             </p:extLst>
           </p:nvPr>
+        </p:nvGrpSpPr>
+        <p:grpSpPr>
+          <a:xfrm>
+            <a:off x="4" y="1216597"/>
+            <a:ext cx="731521" cy="673460"/>
+            <a:chOff x="3940602" y="308034"/>
+            <a:chExt cx="2116791" cy="3428999"/>
+          </a:xfrm>
+          <a:solidFill>
+            <a:schemeClr val="accent4"/>
+          </a:solidFill>
+        </p:grpSpPr>
+        <p:sp>
+          <p:nvSpPr>
+            <p:cNvPr id="11" name="Rectangle 10">
+              <a:extLst>
+                <a:ext uri="{FF2B5EF4-FFF2-40B4-BE49-F238E27FC236}">
+                  <a16:creationId xmlns:a16="http://schemas.microsoft.com/office/drawing/2014/main" id="{A6604B49-AD5C-4590-B051-06C8222ECD99}"/>
+                </a:ext>
+                <a:ext uri="{C183D7F6-B498-43B3-948B-1728B52AA6E4}">
+                  <adec:decorative xmlns:adec="http://schemas.microsoft.com/office/drawing/2017/decorative" val="1"/>
+                </a:ext>
+              </a:extLst>
+            </p:cNvPr>
+            <p:cNvSpPr/>
+            <p:nvPr>
+              <p:extLst>
+                <p:ext uri="{386F3935-93C4-4BCD-93E2-E3B085C9AB24}">
+                  <p16:designElem xmlns:p16="http://schemas.microsoft.com/office/powerpoint/2015/main" val="1"/>
+                </p:ext>
+              </p:extLst>
+            </p:nvPr>
+          </p:nvSpPr>
+          <p:spPr>
+            <a:xfrm>
+              <a:off x="3940602" y="308034"/>
+              <a:ext cx="566743" cy="3428999"/>
+            </a:xfrm>
+            <a:prstGeom prst="rect">
+              <a:avLst/>
+            </a:prstGeom>
+            <a:grpFill/>
+            <a:ln>
+              <a:noFill/>
+            </a:ln>
+          </p:spPr>
+          <p:style>
+            <a:lnRef idx="2">
+              <a:schemeClr val="accent1">
+                <a:shade val="50000"/>
+              </a:schemeClr>
+            </a:lnRef>
+            <a:fillRef idx="1">
+              <a:schemeClr val="accent1"/>
+            </a:fillRef>
+            <a:effectRef idx="0">
+              <a:schemeClr val="accent1"/>
+            </a:effectRef>
+            <a:fontRef idx="minor">
+              <a:schemeClr val="lt1"/>
+            </a:fontRef>
+          </p:style>
+          <p:txBody>
+            <a:bodyPr rtlCol="0" anchor="ctr"/>
+            <a:lstStyle/>
+            <a:p>
+              <a:pPr algn="ctr"/>
+              <a:endParaRPr lang="en-US"/>
+            </a:p>
+          </p:txBody>
+        </p:sp>
+        <p:sp>
+          <p:nvSpPr>
+            <p:cNvPr id="12" name="Rectangle 11">
+              <a:extLst>
+                <a:ext uri="{FF2B5EF4-FFF2-40B4-BE49-F238E27FC236}">
+                  <a16:creationId xmlns:a16="http://schemas.microsoft.com/office/drawing/2014/main" id="{743ECCAF-29C5-4537-947C-7EA1292463DB}"/>
+                </a:ext>
+                <a:ext uri="{C183D7F6-B498-43B3-948B-1728B52AA6E4}">
+                  <adec:decorative xmlns:adec="http://schemas.microsoft.com/office/drawing/2017/decorative" val="1"/>
+                </a:ext>
+              </a:extLst>
+            </p:cNvPr>
+            <p:cNvSpPr/>
+            <p:nvPr>
+              <p:extLst>
+                <p:ext uri="{386F3935-93C4-4BCD-93E2-E3B085C9AB24}">
+                  <p16:designElem xmlns:p16="http://schemas.microsoft.com/office/powerpoint/2015/main" val="1"/>
+                </p:ext>
+              </p:extLst>
+            </p:nvPr>
+          </p:nvSpPr>
+          <p:spPr>
+            <a:xfrm>
+              <a:off x="4715626" y="308034"/>
+              <a:ext cx="566743" cy="3428999"/>
+            </a:xfrm>
+            <a:prstGeom prst="rect">
+              <a:avLst/>
+            </a:prstGeom>
+            <a:grpFill/>
+            <a:ln>
+              <a:noFill/>
+            </a:ln>
+          </p:spPr>
+          <p:style>
+            <a:lnRef idx="2">
+              <a:schemeClr val="accent1">
+                <a:shade val="50000"/>
+              </a:schemeClr>
+            </a:lnRef>
+            <a:fillRef idx="1">
+              <a:schemeClr val="accent1"/>
+            </a:fillRef>
+            <a:effectRef idx="0">
+              <a:schemeClr val="accent1"/>
+            </a:effectRef>
+            <a:fontRef idx="minor">
+              <a:schemeClr val="lt1"/>
+            </a:fontRef>
+          </p:style>
+          <p:txBody>
+            <a:bodyPr rtlCol="0" anchor="ctr"/>
+            <a:lstStyle/>
+            <a:p>
+              <a:pPr algn="ctr"/>
+              <a:endParaRPr lang="en-US"/>
+            </a:p>
+          </p:txBody>
+        </p:sp>
+        <p:sp>
+          <p:nvSpPr>
+            <p:cNvPr id="13" name="Rectangle 12">
+              <a:extLst>
+                <a:ext uri="{FF2B5EF4-FFF2-40B4-BE49-F238E27FC236}">
+                  <a16:creationId xmlns:a16="http://schemas.microsoft.com/office/drawing/2014/main" id="{ED49787B-8DE6-4467-AD0A-8DECC6E0C2D6}"/>
+                </a:ext>
+                <a:ext uri="{C183D7F6-B498-43B3-948B-1728B52AA6E4}">
+                  <adec:decorative xmlns:adec="http://schemas.microsoft.com/office/drawing/2017/decorative" val="1"/>
+                </a:ext>
+              </a:extLst>
+            </p:cNvPr>
+            <p:cNvSpPr/>
+            <p:nvPr>
+              <p:extLst>
+                <p:ext uri="{386F3935-93C4-4BCD-93E2-E3B085C9AB24}">
+                  <p16:designElem xmlns:p16="http://schemas.microsoft.com/office/powerpoint/2015/main" val="1"/>
+                </p:ext>
+              </p:extLst>
+            </p:nvPr>
+          </p:nvSpPr>
+          <p:spPr>
+            <a:xfrm>
+              <a:off x="5490650" y="308034"/>
+              <a:ext cx="566743" cy="3428999"/>
+            </a:xfrm>
+            <a:prstGeom prst="rect">
+              <a:avLst/>
+            </a:prstGeom>
+            <a:grpFill/>
+            <a:ln>
+              <a:noFill/>
+            </a:ln>
+          </p:spPr>
+          <p:style>
+            <a:lnRef idx="2">
+              <a:schemeClr val="accent1">
+                <a:shade val="50000"/>
+              </a:schemeClr>
+            </a:lnRef>
+            <a:fillRef idx="1">
+              <a:schemeClr val="accent1"/>
+            </a:fillRef>
+            <a:effectRef idx="0">
+              <a:schemeClr val="accent1"/>
+            </a:effectRef>
+            <a:fontRef idx="minor">
+              <a:schemeClr val="lt1"/>
+            </a:fontRef>
+          </p:style>
+          <p:txBody>
+            <a:bodyPr rtlCol="0" anchor="ctr"/>
+            <a:lstStyle/>
+            <a:p>
+              <a:pPr algn="ctr"/>
+              <a:endParaRPr lang="en-US"/>
+            </a:p>
+          </p:txBody>
+        </p:sp>
+      </p:grpSp>
+      <p:sp>
+        <p:nvSpPr>
+          <p:cNvPr id="15" name="Rectangle 14">
+            <a:extLst>
+              <a:ext uri="{FF2B5EF4-FFF2-40B4-BE49-F238E27FC236}">
+                <a16:creationId xmlns:a16="http://schemas.microsoft.com/office/drawing/2014/main" id="{D5B0017B-2ECA-49AF-B397-DC140825DF8D}"/>
+              </a:ext>
+              <a:ext uri="{C183D7F6-B498-43B3-948B-1728B52AA6E4}">
+                <adec:decorative xmlns:adec="http://schemas.microsoft.com/office/drawing/2017/decorative" val="1"/>
+              </a:ext>
+            </a:extLst>
+          </p:cNvPr>
+          <p:cNvSpPr>
+            <a:spLocks noGrp="1" noRot="1" noChangeAspect="1" noMove="1" noResize="1" noEditPoints="1" noAdjustHandles="1" noChangeArrowheads="1" noChangeShapeType="1" noTextEdit="1"/>
+          </p:cNvSpPr>
+          <p:nvPr>
+            <p:extLst>
+              <p:ext uri="{386F3935-93C4-4BCD-93E2-E3B085C9AB24}">
+                <p16:designElem xmlns:p16="http://schemas.microsoft.com/office/powerpoint/2015/main" val="1"/>
+              </p:ext>
+            </p:extLst>
+          </p:nvPr>
+        </p:nvSpPr>
+        <p:spPr>
+          <a:xfrm>
+            <a:off x="640079" y="613954"/>
+            <a:ext cx="10907487" cy="1894116"/>
+          </a:xfrm>
+          <a:prstGeom prst="rect">
+            <a:avLst/>
+          </a:prstGeom>
+          <a:solidFill>
+            <a:schemeClr val="bg1"/>
+          </a:solidFill>
+          <a:ln>
+            <a:noFill/>
+          </a:ln>
+          <a:effectLst>
+            <a:outerShdw blurRad="139700" dist="127000" dir="5400000" algn="t" rotWithShape="0">
+              <a:prstClr val="black">
+                <a:alpha val="15000"/>
+              </a:prstClr>
+            </a:outerShdw>
+          </a:effectLst>
+        </p:spPr>
+        <p:style>
+          <a:lnRef idx="2">
+            <a:schemeClr val="accent1">
+              <a:shade val="50000"/>
+            </a:schemeClr>
+          </a:lnRef>
+          <a:fillRef idx="1">
+            <a:schemeClr val="accent1"/>
+          </a:fillRef>
+          <a:effectRef idx="0">
+            <a:schemeClr val="accent1"/>
+          </a:effectRef>
+          <a:fontRef idx="minor">
+            <a:schemeClr val="lt1"/>
+          </a:fontRef>
+        </p:style>
+        <p:txBody>
+          <a:bodyPr rtlCol="0" anchor="ctr"/>
+          <a:lstStyle/>
+          <a:p>
+            <a:pPr algn="ctr"/>
+            <a:endParaRPr lang="en-US"/>
+          </a:p>
+        </p:txBody>
+      </p:sp>
+      <p:sp>
+        <p:nvSpPr>
+          <p:cNvPr id="2" name="Title 1">
+            <a:extLst>
+              <a:ext uri="{FF2B5EF4-FFF2-40B4-BE49-F238E27FC236}">
+                <a16:creationId xmlns:a16="http://schemas.microsoft.com/office/drawing/2014/main" id="{3C47ABE1-2CBB-FE01-6A60-033224DDA651}"/>
+              </a:ext>
+            </a:extLst>
+          </p:cNvPr>
+          <p:cNvSpPr>
+            <a:spLocks noGrp="1"/>
+          </p:cNvSpPr>
+          <p:nvPr>
+            <p:ph type="title"/>
+          </p:nvPr>
+        </p:nvSpPr>
+        <p:spPr>
+          <a:xfrm>
+            <a:off x="1045028" y="732938"/>
+            <a:ext cx="9942716" cy="1554480"/>
+          </a:xfrm>
+        </p:spPr>
+        <p:txBody>
+          <a:bodyPr anchor="ctr">
+            <a:normAutofit/>
+          </a:bodyPr>
+          <a:lstStyle/>
+          <a:p>
+            <a:r>
+              <a:rPr lang="en-US" sz="4800" dirty="0">
+                <a:latin typeface="Times New Roman" panose="02020603050405020304" pitchFamily="18" charset="0"/>
+                <a:cs typeface="Times New Roman" panose="02020603050405020304" pitchFamily="18" charset="0"/>
+              </a:rPr>
+              <a:t>Methodology (contd.)</a:t>
+            </a:r>
+          </a:p>
+        </p:txBody>
+      </p:sp>
+      <p:sp>
+        <p:nvSpPr>
+          <p:cNvPr id="3" name="Content Placeholder 2">
+            <a:extLst>
+              <a:ext uri="{FF2B5EF4-FFF2-40B4-BE49-F238E27FC236}">
+                <a16:creationId xmlns:a16="http://schemas.microsoft.com/office/drawing/2014/main" id="{B5C29EC2-14E6-C28F-8985-DEF56C90D4F0}"/>
+              </a:ext>
+            </a:extLst>
+          </p:cNvPr>
+          <p:cNvSpPr>
+            <a:spLocks noGrp="1"/>
+          </p:cNvSpPr>
+          <p:nvPr>
+            <p:ph idx="1"/>
+          </p:nvPr>
+        </p:nvSpPr>
+        <p:spPr>
+          <a:xfrm>
+            <a:off x="640079" y="2787602"/>
+            <a:ext cx="6617013" cy="3456444"/>
+          </a:xfrm>
+        </p:spPr>
+        <p:txBody>
+          <a:bodyPr anchor="ctr">
+            <a:normAutofit fontScale="92500" lnSpcReduction="10000"/>
+          </a:bodyPr>
+          <a:lstStyle/>
+          <a:p>
+            <a:r>
+              <a:rPr lang="en-IN" sz="2400" b="0" i="0" u="none" strike="noStrike" dirty="0">
+                <a:effectLst/>
+                <a:latin typeface="Times New Roman" panose="02020603050405020304" pitchFamily="18" charset="0"/>
+                <a:cs typeface="Times New Roman" panose="02020603050405020304" pitchFamily="18" charset="0"/>
+              </a:rPr>
+              <a:t>We use </a:t>
+            </a:r>
+            <a:r>
+              <a:rPr lang="en-IN" sz="2400" b="0" i="0" u="none" strike="noStrike" dirty="0" err="1">
+                <a:effectLst/>
+                <a:latin typeface="Times New Roman" panose="02020603050405020304" pitchFamily="18" charset="0"/>
+                <a:cs typeface="Times New Roman" panose="02020603050405020304" pitchFamily="18" charset="0"/>
+              </a:rPr>
+              <a:t>SpotiPy</a:t>
+            </a:r>
+            <a:r>
+              <a:rPr lang="en-IN" sz="2400" b="0" i="0" u="none" strike="noStrike" dirty="0">
+                <a:effectLst/>
+                <a:latin typeface="Times New Roman" panose="02020603050405020304" pitchFamily="18" charset="0"/>
+                <a:cs typeface="Times New Roman" panose="02020603050405020304" pitchFamily="18" charset="0"/>
+              </a:rPr>
+              <a:t> to get 50 playlists and obtain around 3833 song tracks data from Spotify's dataset. </a:t>
+            </a:r>
+          </a:p>
+          <a:p>
+            <a:r>
+              <a:rPr lang="en-IN" sz="2400" b="0" i="0" u="none" strike="noStrike" dirty="0">
+                <a:effectLst/>
+                <a:latin typeface="Times New Roman" panose="02020603050405020304" pitchFamily="18" charset="0"/>
+                <a:cs typeface="Times New Roman" panose="02020603050405020304" pitchFamily="18" charset="0"/>
+              </a:rPr>
+              <a:t>We export this data to a csv file including ten data columns, such as track popularity and non-musical factors. </a:t>
+            </a:r>
+          </a:p>
+          <a:p>
+            <a:r>
+              <a:rPr lang="en-IN" sz="2400" b="0" i="0" u="none" strike="noStrike" dirty="0">
+                <a:effectLst/>
+                <a:latin typeface="Times New Roman" panose="02020603050405020304" pitchFamily="18" charset="0"/>
+                <a:cs typeface="Times New Roman" panose="02020603050405020304" pitchFamily="18" charset="0"/>
+              </a:rPr>
+              <a:t>We import Pandas and Matplotlib for data processing and plotting. </a:t>
+            </a:r>
+          </a:p>
+          <a:p>
+            <a:r>
+              <a:rPr lang="en-IN" sz="2400" b="0" i="0" u="none" strike="noStrike" dirty="0">
+                <a:effectLst/>
+                <a:latin typeface="Times New Roman" panose="02020603050405020304" pitchFamily="18" charset="0"/>
+                <a:cs typeface="Times New Roman" panose="02020603050405020304" pitchFamily="18" charset="0"/>
+              </a:rPr>
+              <a:t>We then generate visualizations such as histograms, scatter plots, line charts, and bar charts based on this data. </a:t>
+            </a:r>
+          </a:p>
+        </p:txBody>
+      </p:sp>
+      <p:cxnSp>
+        <p:nvCxnSpPr>
+          <p:cNvPr id="17" name="Straight Connector 16">
+            <a:extLst>
+              <a:ext uri="{FF2B5EF4-FFF2-40B4-BE49-F238E27FC236}">
+                <a16:creationId xmlns:a16="http://schemas.microsoft.com/office/drawing/2014/main" id="{6CF1BAF6-AD41-4082-B212-8A1F9A2E8779}"/>
+              </a:ext>
+              <a:ext uri="{C183D7F6-B498-43B3-948B-1728B52AA6E4}">
+                <adec:decorative xmlns:adec="http://schemas.microsoft.com/office/drawing/2017/decorative" val="1"/>
+              </a:ext>
+            </a:extLst>
+          </p:cNvPr>
+          <p:cNvCxnSpPr>
+            <a:cxnSpLocks noGrp="1" noRot="1" noChangeAspect="1" noMove="1" noResize="1" noEditPoints="1" noAdjustHandles="1" noChangeArrowheads="1" noChangeShapeType="1"/>
+          </p:cNvCxnSpPr>
+          <p:nvPr>
+            <p:extLst>
+              <p:ext uri="{386F3935-93C4-4BCD-93E2-E3B085C9AB24}">
+                <p16:designElem xmlns:p16="http://schemas.microsoft.com/office/powerpoint/2015/main" val="1"/>
+              </p:ext>
+            </p:extLst>
+          </p:nvPr>
         </p:nvCxnSpPr>
         <p:spPr>
-          <a:xfrm>
-            <a:off x="1524000" y="2286000"/>
-            <a:ext cx="971155" cy="0"/>
+          <a:xfrm flipH="1">
+            <a:off x="838200" y="6485313"/>
+            <a:ext cx="10515600" cy="0"/>
           </a:xfrm>
           <a:prstGeom prst="line">
             <a:avLst/>
           </a:prstGeom>
-          <a:ln w="31750">
+          <a:ln w="57150">
             <a:solidFill>
-              <a:schemeClr val="tx1"/>
+              <a:schemeClr val="accent4"/>
             </a:solidFill>
           </a:ln>
         </p:spPr>
@@ -4947,36 +6708,88 @@
       </p:cxnSp>
       <p:sp>
         <p:nvSpPr>
-          <p:cNvPr id="3" name="Content Placeholder 2">
-            <a:extLst>
-              <a:ext uri="{FF2B5EF4-FFF2-40B4-BE49-F238E27FC236}">
-                <a16:creationId xmlns:a16="http://schemas.microsoft.com/office/drawing/2014/main" id="{B5C29EC2-14E6-C28F-8985-DEF56C90D4F0}"/>
-              </a:ext>
-            </a:extLst>
-          </p:cNvPr>
-          <p:cNvSpPr>
-            <a:spLocks noGrp="1"/>
-          </p:cNvSpPr>
-          <p:nvPr>
-            <p:ph idx="1"/>
-          </p:nvPr>
+          <p:cNvPr id="4" name="TextBox 3">
+            <a:extLst>
+              <a:ext uri="{FF2B5EF4-FFF2-40B4-BE49-F238E27FC236}">
+                <a16:creationId xmlns:a16="http://schemas.microsoft.com/office/drawing/2014/main" id="{3E1D2782-6015-D674-66DF-4A1D5E97B3F9}"/>
+              </a:ext>
+            </a:extLst>
+          </p:cNvPr>
+          <p:cNvSpPr txBox="1"/>
+          <p:nvPr/>
         </p:nvSpPr>
         <p:spPr>
           <a:xfrm>
-            <a:off x="1429566" y="2729554"/>
-            <a:ext cx="8476434" cy="3359621"/>
+            <a:off x="7832683" y="2899690"/>
+            <a:ext cx="3783724" cy="338554"/>
           </a:xfrm>
+          <a:prstGeom prst="rect">
+            <a:avLst/>
+          </a:prstGeom>
+          <a:noFill/>
         </p:spPr>
         <p:txBody>
-          <a:bodyPr>
-            <a:normAutofit/>
+          <a:bodyPr wrap="square" rtlCol="0">
+            <a:spAutoFit/>
           </a:bodyPr>
           <a:lstStyle/>
           <a:p>
-            <a:endParaRPr lang="en-US" dirty="0"/>
-          </a:p>
-        </p:txBody>
-      </p:sp>
+            <a:pPr algn="ctr"/>
+            <a:r>
+              <a:rPr lang="en-US" sz="1600" dirty="0">
+                <a:latin typeface="Times New Roman" panose="02020603050405020304" pitchFamily="18" charset="0"/>
+                <a:cs typeface="Times New Roman" panose="02020603050405020304" pitchFamily="18" charset="0"/>
+              </a:rPr>
+              <a:t>Sample of Extracted Data</a:t>
+            </a:r>
+          </a:p>
+        </p:txBody>
+      </p:sp>
+      <p:pic>
+        <p:nvPicPr>
+          <p:cNvPr id="5" name="Picture 2" descr="Text&#10;&#10;Description automatically generated">
+            <a:extLst>
+              <a:ext uri="{FF2B5EF4-FFF2-40B4-BE49-F238E27FC236}">
+                <a16:creationId xmlns:a16="http://schemas.microsoft.com/office/drawing/2014/main" id="{31675A7B-0CDE-4EB3-2931-7D47E5D53D69}"/>
+              </a:ext>
+            </a:extLst>
+          </p:cNvPr>
+          <p:cNvPicPr>
+            <a:picLocks noChangeAspect="1" noChangeArrowheads="1"/>
+          </p:cNvPicPr>
+          <p:nvPr/>
+        </p:nvPicPr>
+        <p:blipFill rotWithShape="1">
+          <a:blip r:embed="rId2">
+            <a:extLst>
+              <a:ext uri="{28A0092B-C50C-407E-A947-70E740481C1C}">
+                <a14:useLocalDpi xmlns:a14="http://schemas.microsoft.com/office/drawing/2010/main" val="0"/>
+              </a:ext>
+            </a:extLst>
+          </a:blip>
+          <a:srcRect t="5134" r="4" b="3953"/>
+          <a:stretch/>
+        </p:blipFill>
+        <p:spPr bwMode="auto">
+          <a:xfrm>
+            <a:off x="7525828" y="3428682"/>
+            <a:ext cx="4397433" cy="2518756"/>
+          </a:xfrm>
+          <a:prstGeom prst="rect">
+            <a:avLst/>
+          </a:prstGeom>
+          <a:noFill/>
+          <a:extLst>
+            <a:ext uri="{909E8E84-426E-40DD-AFC4-6F175D3DCCD1}">
+              <a14:hiddenFill xmlns:a14="http://schemas.microsoft.com/office/drawing/2010/main">
+                <a:solidFill>
+                  <a:srgbClr val="FFFFFF"/>
+                </a:solidFill>
+              </a14:hiddenFill>
+            </a:ext>
+          </a:extLst>
+        </p:spPr>
+      </p:pic>
     </p:spTree>
     <p:extLst>
       <p:ext uri="{BB962C8B-B14F-4D97-AF65-F5344CB8AC3E}">
@@ -4985,7 +6798,7 @@
     </p:extLst>
   </p:cSld>
   <p:clrMapOvr>
-    <a:overrideClrMapping bg1="lt1" tx1="dk1" bg2="lt2" tx2="dk2" accent1="accent1" accent2="accent2" accent3="accent3" accent4="accent4" accent5="accent5" accent6="accent6" hlink="hlink" folHlink="folHlink"/>
+    <a:masterClrMapping/>
   </p:clrMapOvr>
 </p:sld>
 </file>
@@ -5017,10 +6830,10 @@
       </p:grpSpPr>
       <p:sp useBgFill="1">
         <p:nvSpPr>
-          <p:cNvPr id="8" name="Rectangle 7">
-            <a:extLst>
-              <a:ext uri="{FF2B5EF4-FFF2-40B4-BE49-F238E27FC236}">
-                <a16:creationId xmlns:a16="http://schemas.microsoft.com/office/drawing/2014/main" id="{A4E9F8B3-8282-4A93-BBF8-3342538A70FB}"/>
+          <p:cNvPr id="2074" name="Rectangle 2065">
+            <a:extLst>
+              <a:ext uri="{FF2B5EF4-FFF2-40B4-BE49-F238E27FC236}">
+                <a16:creationId xmlns:a16="http://schemas.microsoft.com/office/drawing/2014/main" id="{28D31E1B-0407-4223-9642-0B642CBF57D9}"/>
               </a:ext>
               <a:ext uri="{C183D7F6-B498-43B3-948B-1728B52AA6E4}">
                 <adec:decorative xmlns:adec="http://schemas.microsoft.com/office/drawing/2017/decorative" val="1"/>
@@ -5041,17 +6854,14 @@
         <p:spPr>
           <a:xfrm>
             <a:off x="0" y="0"/>
-            <a:ext cx="12192000" cy="6858000"/>
+            <a:ext cx="12191999" cy="6857365"/>
           </a:xfrm>
           <a:prstGeom prst="rect">
             <a:avLst/>
           </a:prstGeom>
-          <a:ln w="12700" cap="flat" cmpd="sng" algn="ctr">
+          <a:ln>
             <a:noFill/>
-            <a:prstDash val="solid"/>
-            <a:miter lim="800000"/>
           </a:ln>
-          <a:effectLst/>
         </p:spPr>
         <p:style>
           <a:lnRef idx="2">
@@ -5078,56 +6888,21 @@
           </a:p>
         </p:txBody>
       </p:sp>
-      <p:sp>
-        <p:nvSpPr>
-          <p:cNvPr id="2" name="Title 1">
-            <a:extLst>
-              <a:ext uri="{FF2B5EF4-FFF2-40B4-BE49-F238E27FC236}">
-                <a16:creationId xmlns:a16="http://schemas.microsoft.com/office/drawing/2014/main" id="{3C47ABE1-2CBB-FE01-6A60-033224DDA651}"/>
-              </a:ext>
-            </a:extLst>
-          </p:cNvPr>
-          <p:cNvSpPr>
-            <a:spLocks noGrp="1"/>
-          </p:cNvSpPr>
-          <p:nvPr>
-            <p:ph type="title"/>
-          </p:nvPr>
-        </p:nvSpPr>
-        <p:spPr>
-          <a:xfrm>
-            <a:off x="1429566" y="1045445"/>
-            <a:ext cx="9238434" cy="857559"/>
-          </a:xfrm>
-        </p:spPr>
-        <p:txBody>
-          <a:bodyPr>
-            <a:normAutofit/>
-          </a:bodyPr>
-          <a:lstStyle/>
-          <a:p>
-            <a:r>
-              <a:rPr lang="en-US" dirty="0"/>
-              <a:t>Conclusion</a:t>
-            </a:r>
-          </a:p>
-        </p:txBody>
-      </p:sp>
-      <p:cxnSp>
-        <p:nvCxnSpPr>
-          <p:cNvPr id="10" name="Straight Connector 9">
-            <a:extLst>
-              <a:ext uri="{FF2B5EF4-FFF2-40B4-BE49-F238E27FC236}">
-                <a16:creationId xmlns:a16="http://schemas.microsoft.com/office/drawing/2014/main" id="{58EFA797-975B-41D8-BC96-56CDC2CFA3E4}"/>
+      <p:grpSp>
+        <p:nvGrpSpPr>
+          <p:cNvPr id="2076" name="Group 2067">
+            <a:extLst>
+              <a:ext uri="{FF2B5EF4-FFF2-40B4-BE49-F238E27FC236}">
+                <a16:creationId xmlns:a16="http://schemas.microsoft.com/office/drawing/2014/main" id="{AE1C45F0-260A-458C-96ED-C1F6D2151219}"/>
               </a:ext>
               <a:ext uri="{C183D7F6-B498-43B3-948B-1728B52AA6E4}">
                 <adec:decorative xmlns:adec="http://schemas.microsoft.com/office/drawing/2017/decorative" val="1"/>
               </a:ext>
             </a:extLst>
           </p:cNvPr>
-          <p:cNvCxnSpPr>
-            <a:cxnSpLocks noGrp="1" noRot="1" noChangeAspect="1" noMove="1" noResize="1" noEditPoints="1" noAdjustHandles="1" noChangeArrowheads="1" noChangeShapeType="1"/>
-          </p:cNvCxnSpPr>
+          <p:cNvGrpSpPr>
+            <a:grpSpLocks noGrp="1" noUngrp="1" noRot="1" noChangeAspect="1" noMove="1" noResize="1"/>
+          </p:cNvGrpSpPr>
           <p:nvPr>
             <p:extLst>
               <p:ext uri="{386F3935-93C4-4BCD-93E2-E3B085C9AB24}">
@@ -5135,18 +6910,497 @@
               </p:ext>
             </p:extLst>
           </p:nvPr>
+        </p:nvGrpSpPr>
+        <p:grpSpPr>
+          <a:xfrm>
+            <a:off x="4" y="1062849"/>
+            <a:ext cx="731521" cy="673460"/>
+            <a:chOff x="3940602" y="308034"/>
+            <a:chExt cx="2116791" cy="3428999"/>
+          </a:xfrm>
+          <a:solidFill>
+            <a:schemeClr val="accent4"/>
+          </a:solidFill>
+        </p:grpSpPr>
+        <p:sp>
+          <p:nvSpPr>
+            <p:cNvPr id="2069" name="Rectangle 2068">
+              <a:extLst>
+                <a:ext uri="{FF2B5EF4-FFF2-40B4-BE49-F238E27FC236}">
+                  <a16:creationId xmlns:a16="http://schemas.microsoft.com/office/drawing/2014/main" id="{A6604B49-AD5C-4590-B051-06C8222ECD99}"/>
+                </a:ext>
+                <a:ext uri="{C183D7F6-B498-43B3-948B-1728B52AA6E4}">
+                  <adec:decorative xmlns:adec="http://schemas.microsoft.com/office/drawing/2017/decorative" val="1"/>
+                </a:ext>
+              </a:extLst>
+            </p:cNvPr>
+            <p:cNvSpPr/>
+            <p:nvPr>
+              <p:extLst>
+                <p:ext uri="{386F3935-93C4-4BCD-93E2-E3B085C9AB24}">
+                  <p16:designElem xmlns:p16="http://schemas.microsoft.com/office/powerpoint/2015/main" val="1"/>
+                </p:ext>
+              </p:extLst>
+            </p:nvPr>
+          </p:nvSpPr>
+          <p:spPr>
+            <a:xfrm>
+              <a:off x="3940602" y="308034"/>
+              <a:ext cx="566743" cy="3428999"/>
+            </a:xfrm>
+            <a:prstGeom prst="rect">
+              <a:avLst/>
+            </a:prstGeom>
+            <a:grpFill/>
+            <a:ln>
+              <a:noFill/>
+            </a:ln>
+          </p:spPr>
+          <p:style>
+            <a:lnRef idx="2">
+              <a:schemeClr val="accent1">
+                <a:shade val="50000"/>
+              </a:schemeClr>
+            </a:lnRef>
+            <a:fillRef idx="1">
+              <a:schemeClr val="accent1"/>
+            </a:fillRef>
+            <a:effectRef idx="0">
+              <a:schemeClr val="accent1"/>
+            </a:effectRef>
+            <a:fontRef idx="minor">
+              <a:schemeClr val="lt1"/>
+            </a:fontRef>
+          </p:style>
+          <p:txBody>
+            <a:bodyPr rtlCol="0" anchor="ctr"/>
+            <a:lstStyle/>
+            <a:p>
+              <a:pPr algn="ctr"/>
+              <a:endParaRPr lang="en-US"/>
+            </a:p>
+          </p:txBody>
+        </p:sp>
+        <p:sp>
+          <p:nvSpPr>
+            <p:cNvPr id="2078" name="Rectangle 2069">
+              <a:extLst>
+                <a:ext uri="{FF2B5EF4-FFF2-40B4-BE49-F238E27FC236}">
+                  <a16:creationId xmlns:a16="http://schemas.microsoft.com/office/drawing/2014/main" id="{743ECCAF-29C5-4537-947C-7EA1292463DB}"/>
+                </a:ext>
+                <a:ext uri="{C183D7F6-B498-43B3-948B-1728B52AA6E4}">
+                  <adec:decorative xmlns:adec="http://schemas.microsoft.com/office/drawing/2017/decorative" val="1"/>
+                </a:ext>
+              </a:extLst>
+            </p:cNvPr>
+            <p:cNvSpPr/>
+            <p:nvPr>
+              <p:extLst>
+                <p:ext uri="{386F3935-93C4-4BCD-93E2-E3B085C9AB24}">
+                  <p16:designElem xmlns:p16="http://schemas.microsoft.com/office/powerpoint/2015/main" val="1"/>
+                </p:ext>
+              </p:extLst>
+            </p:nvPr>
+          </p:nvSpPr>
+          <p:spPr>
+            <a:xfrm>
+              <a:off x="4715626" y="308034"/>
+              <a:ext cx="566743" cy="3428999"/>
+            </a:xfrm>
+            <a:prstGeom prst="rect">
+              <a:avLst/>
+            </a:prstGeom>
+            <a:grpFill/>
+            <a:ln>
+              <a:noFill/>
+            </a:ln>
+          </p:spPr>
+          <p:style>
+            <a:lnRef idx="2">
+              <a:schemeClr val="accent1">
+                <a:shade val="50000"/>
+              </a:schemeClr>
+            </a:lnRef>
+            <a:fillRef idx="1">
+              <a:schemeClr val="accent1"/>
+            </a:fillRef>
+            <a:effectRef idx="0">
+              <a:schemeClr val="accent1"/>
+            </a:effectRef>
+            <a:fontRef idx="minor">
+              <a:schemeClr val="lt1"/>
+            </a:fontRef>
+          </p:style>
+          <p:txBody>
+            <a:bodyPr rtlCol="0" anchor="ctr"/>
+            <a:lstStyle/>
+            <a:p>
+              <a:pPr algn="ctr"/>
+              <a:endParaRPr lang="en-US"/>
+            </a:p>
+          </p:txBody>
+        </p:sp>
+        <p:sp>
+          <p:nvSpPr>
+            <p:cNvPr id="2071" name="Rectangle 2070">
+              <a:extLst>
+                <a:ext uri="{FF2B5EF4-FFF2-40B4-BE49-F238E27FC236}">
+                  <a16:creationId xmlns:a16="http://schemas.microsoft.com/office/drawing/2014/main" id="{ED49787B-8DE6-4467-AD0A-8DECC6E0C2D6}"/>
+                </a:ext>
+                <a:ext uri="{C183D7F6-B498-43B3-948B-1728B52AA6E4}">
+                  <adec:decorative xmlns:adec="http://schemas.microsoft.com/office/drawing/2017/decorative" val="1"/>
+                </a:ext>
+              </a:extLst>
+            </p:cNvPr>
+            <p:cNvSpPr/>
+            <p:nvPr>
+              <p:extLst>
+                <p:ext uri="{386F3935-93C4-4BCD-93E2-E3B085C9AB24}">
+                  <p16:designElem xmlns:p16="http://schemas.microsoft.com/office/powerpoint/2015/main" val="1"/>
+                </p:ext>
+              </p:extLst>
+            </p:nvPr>
+          </p:nvSpPr>
+          <p:spPr>
+            <a:xfrm>
+              <a:off x="5490650" y="308034"/>
+              <a:ext cx="566743" cy="3428999"/>
+            </a:xfrm>
+            <a:prstGeom prst="rect">
+              <a:avLst/>
+            </a:prstGeom>
+            <a:grpFill/>
+            <a:ln>
+              <a:noFill/>
+            </a:ln>
+          </p:spPr>
+          <p:style>
+            <a:lnRef idx="2">
+              <a:schemeClr val="accent1">
+                <a:shade val="50000"/>
+              </a:schemeClr>
+            </a:lnRef>
+            <a:fillRef idx="1">
+              <a:schemeClr val="accent1"/>
+            </a:fillRef>
+            <a:effectRef idx="0">
+              <a:schemeClr val="accent1"/>
+            </a:effectRef>
+            <a:fontRef idx="minor">
+              <a:schemeClr val="lt1"/>
+            </a:fontRef>
+          </p:style>
+          <p:txBody>
+            <a:bodyPr rtlCol="0" anchor="ctr"/>
+            <a:lstStyle/>
+            <a:p>
+              <a:pPr algn="ctr"/>
+              <a:endParaRPr lang="en-US"/>
+            </a:p>
+          </p:txBody>
+        </p:sp>
+      </p:grpSp>
+      <p:sp>
+        <p:nvSpPr>
+          <p:cNvPr id="2073" name="Rectangle 2072">
+            <a:extLst>
+              <a:ext uri="{FF2B5EF4-FFF2-40B4-BE49-F238E27FC236}">
+                <a16:creationId xmlns:a16="http://schemas.microsoft.com/office/drawing/2014/main" id="{D5B0017B-2ECA-49AF-B397-DC140825DF8D}"/>
+              </a:ext>
+              <a:ext uri="{C183D7F6-B498-43B3-948B-1728B52AA6E4}">
+                <adec:decorative xmlns:adec="http://schemas.microsoft.com/office/drawing/2017/decorative" val="1"/>
+              </a:ext>
+            </a:extLst>
+          </p:cNvPr>
+          <p:cNvSpPr>
+            <a:spLocks noGrp="1" noRot="1" noChangeAspect="1" noMove="1" noResize="1" noEditPoints="1" noAdjustHandles="1" noChangeArrowheads="1" noChangeShapeType="1" noTextEdit="1"/>
+          </p:cNvSpPr>
+          <p:nvPr>
+            <p:extLst>
+              <p:ext uri="{386F3935-93C4-4BCD-93E2-E3B085C9AB24}">
+                <p16:designElem xmlns:p16="http://schemas.microsoft.com/office/powerpoint/2015/main" val="1"/>
+              </p:ext>
+            </p:extLst>
+          </p:nvPr>
+        </p:nvSpPr>
+        <p:spPr>
+          <a:xfrm>
+            <a:off x="640080" y="656150"/>
+            <a:ext cx="5672667" cy="1431591"/>
+          </a:xfrm>
+          <a:prstGeom prst="rect">
+            <a:avLst/>
+          </a:prstGeom>
+          <a:solidFill>
+            <a:schemeClr val="bg1"/>
+          </a:solidFill>
+          <a:ln>
+            <a:noFill/>
+          </a:ln>
+          <a:effectLst>
+            <a:outerShdw blurRad="139700" dist="127000" dir="5400000" algn="t" rotWithShape="0">
+              <a:prstClr val="black">
+                <a:alpha val="15000"/>
+              </a:prstClr>
+            </a:outerShdw>
+          </a:effectLst>
+        </p:spPr>
+        <p:style>
+          <a:lnRef idx="2">
+            <a:schemeClr val="accent1">
+              <a:shade val="50000"/>
+            </a:schemeClr>
+          </a:lnRef>
+          <a:fillRef idx="1">
+            <a:schemeClr val="accent1"/>
+          </a:fillRef>
+          <a:effectRef idx="0">
+            <a:schemeClr val="accent1"/>
+          </a:effectRef>
+          <a:fontRef idx="minor">
+            <a:schemeClr val="lt1"/>
+          </a:fontRef>
+        </p:style>
+        <p:txBody>
+          <a:bodyPr rtlCol="0" anchor="ctr"/>
+          <a:lstStyle/>
+          <a:p>
+            <a:pPr algn="ctr"/>
+            <a:endParaRPr lang="en-US"/>
+          </a:p>
+        </p:txBody>
+      </p:sp>
+      <p:sp>
+        <p:nvSpPr>
+          <p:cNvPr id="2" name="Title 1">
+            <a:extLst>
+              <a:ext uri="{FF2B5EF4-FFF2-40B4-BE49-F238E27FC236}">
+                <a16:creationId xmlns:a16="http://schemas.microsoft.com/office/drawing/2014/main" id="{3C47ABE1-2CBB-FE01-6A60-033224DDA651}"/>
+              </a:ext>
+            </a:extLst>
+          </p:cNvPr>
+          <p:cNvSpPr>
+            <a:spLocks noGrp="1"/>
+          </p:cNvSpPr>
+          <p:nvPr>
+            <p:ph type="title"/>
+          </p:nvPr>
+        </p:nvSpPr>
+        <p:spPr>
+          <a:xfrm>
+            <a:off x="1043631" y="873940"/>
+            <a:ext cx="5052369" cy="1035781"/>
+          </a:xfrm>
+        </p:spPr>
+        <p:txBody>
+          <a:bodyPr vert="horz" lIns="91440" tIns="45720" rIns="91440" bIns="45720" rtlCol="0" anchor="ctr">
+            <a:normAutofit/>
+          </a:bodyPr>
+          <a:lstStyle/>
+          <a:p>
+            <a:r>
+              <a:rPr lang="en-US" sz="3600" kern="1200" dirty="0">
+                <a:solidFill>
+                  <a:schemeClr val="tx1"/>
+                </a:solidFill>
+                <a:latin typeface="+mj-lt"/>
+                <a:ea typeface="+mj-ea"/>
+                <a:cs typeface="+mj-cs"/>
+              </a:rPr>
+              <a:t>Results – Data Sample</a:t>
+            </a:r>
+          </a:p>
+        </p:txBody>
+      </p:sp>
+      <p:sp>
+        <p:nvSpPr>
+          <p:cNvPr id="5" name="TextBox 4">
+            <a:extLst>
+              <a:ext uri="{FF2B5EF4-FFF2-40B4-BE49-F238E27FC236}">
+                <a16:creationId xmlns:a16="http://schemas.microsoft.com/office/drawing/2014/main" id="{3DB3D847-33A1-8DC0-C9CA-7DA3B8B580B0}"/>
+              </a:ext>
+            </a:extLst>
+          </p:cNvPr>
+          <p:cNvSpPr txBox="1"/>
+          <p:nvPr/>
+        </p:nvSpPr>
+        <p:spPr>
+          <a:xfrm>
+            <a:off x="980598" y="2442001"/>
+            <a:ext cx="4991629" cy="3677123"/>
+          </a:xfrm>
+          <a:prstGeom prst="rect">
+            <a:avLst/>
+          </a:prstGeom>
+        </p:spPr>
+        <p:txBody>
+          <a:bodyPr vert="horz" lIns="91440" tIns="45720" rIns="91440" bIns="45720" rtlCol="0" anchor="ctr">
+            <a:normAutofit/>
+          </a:bodyPr>
+          <a:lstStyle/>
+          <a:p>
+            <a:pPr>
+              <a:lnSpc>
+                <a:spcPct val="90000"/>
+              </a:lnSpc>
+              <a:spcAft>
+                <a:spcPts val="600"/>
+              </a:spcAft>
+            </a:pPr>
+            <a:r>
+              <a:rPr lang="en-US" sz="2400" b="0" i="0" u="none" strike="noStrike" dirty="0">
+                <a:effectLst/>
+                <a:latin typeface="Times New Roman" panose="02020603050405020304" pitchFamily="18" charset="0"/>
+                <a:cs typeface="Times New Roman" panose="02020603050405020304" pitchFamily="18" charset="0"/>
+              </a:rPr>
+              <a:t>We plotted a histogram to check the bias in our dataset and </a:t>
+            </a:r>
+            <a:r>
+              <a:rPr lang="en-US" sz="2400" dirty="0">
+                <a:latin typeface="Times New Roman" panose="02020603050405020304" pitchFamily="18" charset="0"/>
+                <a:cs typeface="Times New Roman" panose="02020603050405020304" pitchFamily="18" charset="0"/>
+              </a:rPr>
+              <a:t>concluded that this dataset sample reflects and actual real-world music data.</a:t>
+            </a:r>
+          </a:p>
+        </p:txBody>
+      </p:sp>
+      <p:sp>
+        <p:nvSpPr>
+          <p:cNvPr id="2075" name="Rectangle 2074">
+            <a:extLst>
+              <a:ext uri="{FF2B5EF4-FFF2-40B4-BE49-F238E27FC236}">
+                <a16:creationId xmlns:a16="http://schemas.microsoft.com/office/drawing/2014/main" id="{70E96339-907C-46C3-99AC-31179B6F0EBD}"/>
+              </a:ext>
+              <a:ext uri="{C183D7F6-B498-43B3-948B-1728B52AA6E4}">
+                <adec:decorative xmlns:adec="http://schemas.microsoft.com/office/drawing/2017/decorative" val="1"/>
+              </a:ext>
+            </a:extLst>
+          </p:cNvPr>
+          <p:cNvSpPr>
+            <a:spLocks noGrp="1" noRot="1" noChangeAspect="1" noMove="1" noResize="1" noEditPoints="1" noAdjustHandles="1" noChangeArrowheads="1" noChangeShapeType="1" noTextEdit="1"/>
+          </p:cNvSpPr>
+          <p:nvPr>
+            <p:extLst>
+              <p:ext uri="{386F3935-93C4-4BCD-93E2-E3B085C9AB24}">
+                <p16:designElem xmlns:p16="http://schemas.microsoft.com/office/powerpoint/2015/main" val="1"/>
+              </p:ext>
+            </p:extLst>
+          </p:nvPr>
+        </p:nvSpPr>
+        <p:spPr>
+          <a:xfrm>
+            <a:off x="6716299" y="608401"/>
+            <a:ext cx="4637502" cy="5593443"/>
+          </a:xfrm>
+          <a:prstGeom prst="rect">
+            <a:avLst/>
+          </a:prstGeom>
+          <a:solidFill>
+            <a:schemeClr val="bg1"/>
+          </a:solidFill>
+          <a:ln>
+            <a:noFill/>
+          </a:ln>
+          <a:effectLst>
+            <a:outerShdw blurRad="139700" dist="127000" dir="5400000" algn="t" rotWithShape="0">
+              <a:prstClr val="black">
+                <a:alpha val="15000"/>
+              </a:prstClr>
+            </a:outerShdw>
+          </a:effectLst>
+        </p:spPr>
+        <p:style>
+          <a:lnRef idx="2">
+            <a:schemeClr val="accent1">
+              <a:shade val="50000"/>
+            </a:schemeClr>
+          </a:lnRef>
+          <a:fillRef idx="1">
+            <a:schemeClr val="accent1"/>
+          </a:fillRef>
+          <a:effectRef idx="0">
+            <a:schemeClr val="accent1"/>
+          </a:effectRef>
+          <a:fontRef idx="minor">
+            <a:schemeClr val="lt1"/>
+          </a:fontRef>
+        </p:style>
+        <p:txBody>
+          <a:bodyPr rtlCol="0" anchor="ctr"/>
+          <a:lstStyle/>
+          <a:p>
+            <a:pPr algn="ctr"/>
+            <a:endParaRPr lang="en-US"/>
+          </a:p>
+        </p:txBody>
+      </p:sp>
+      <p:pic>
+        <p:nvPicPr>
+          <p:cNvPr id="9" name="Content Placeholder 8" descr="Chart, histogram&#10;&#10;Description automatically generated">
+            <a:extLst>
+              <a:ext uri="{FF2B5EF4-FFF2-40B4-BE49-F238E27FC236}">
+                <a16:creationId xmlns:a16="http://schemas.microsoft.com/office/drawing/2014/main" id="{C486A709-B349-5232-B795-7B22CF4A2A9D}"/>
+              </a:ext>
+            </a:extLst>
+          </p:cNvPr>
+          <p:cNvPicPr>
+            <a:picLocks noGrp="1" noChangeAspect="1"/>
+          </p:cNvPicPr>
+          <p:nvPr>
+            <p:ph idx="1"/>
+          </p:nvPr>
+        </p:nvPicPr>
+        <p:blipFill>
+          <a:blip r:embed="rId3"/>
+          <a:stretch>
+            <a:fillRect/>
+          </a:stretch>
+        </p:blipFill>
+        <p:spPr>
+          <a:xfrm>
+            <a:off x="6875501" y="1749320"/>
+            <a:ext cx="4478299" cy="3358723"/>
+          </a:xfrm>
+          <a:prstGeom prst="rect">
+            <a:avLst/>
+          </a:prstGeom>
+        </p:spPr>
+      </p:pic>
+      <p:cxnSp>
+        <p:nvCxnSpPr>
+          <p:cNvPr id="2077" name="Straight Connector 2076">
+            <a:extLst>
+              <a:ext uri="{FF2B5EF4-FFF2-40B4-BE49-F238E27FC236}">
+                <a16:creationId xmlns:a16="http://schemas.microsoft.com/office/drawing/2014/main" id="{6CF1BAF6-AD41-4082-B212-8A1F9A2E8779}"/>
+              </a:ext>
+              <a:ext uri="{C183D7F6-B498-43B3-948B-1728B52AA6E4}">
+                <adec:decorative xmlns:adec="http://schemas.microsoft.com/office/drawing/2017/decorative" val="1"/>
+              </a:ext>
+            </a:extLst>
+          </p:cNvPr>
+          <p:cNvCxnSpPr>
+            <a:cxnSpLocks noGrp="1" noRot="1" noChangeAspect="1" noMove="1" noResize="1" noEditPoints="1" noAdjustHandles="1" noChangeArrowheads="1" noChangeShapeType="1"/>
+          </p:cNvCxnSpPr>
+          <p:nvPr>
+            <p:extLst>
+              <p:ext uri="{386F3935-93C4-4BCD-93E2-E3B085C9AB24}">
+                <p16:designElem xmlns:p16="http://schemas.microsoft.com/office/powerpoint/2015/main" val="1"/>
+              </p:ext>
+            </p:extLst>
+          </p:nvPr>
         </p:nvCxnSpPr>
         <p:spPr>
-          <a:xfrm>
-            <a:off x="1524000" y="2286000"/>
-            <a:ext cx="971155" cy="0"/>
+          <a:xfrm flipH="1">
+            <a:off x="838200" y="6492240"/>
+            <a:ext cx="10515600" cy="0"/>
           </a:xfrm>
           <a:prstGeom prst="line">
             <a:avLst/>
           </a:prstGeom>
-          <a:ln w="31750">
+          <a:ln w="57150">
             <a:solidFill>
-              <a:schemeClr val="tx1"/>
+              <a:schemeClr val="accent4"/>
             </a:solidFill>
           </a:ln>
         </p:spPr>
@@ -5165,38 +7419,6 @@
           </a:fontRef>
         </p:style>
       </p:cxnSp>
-      <p:sp>
-        <p:nvSpPr>
-          <p:cNvPr id="3" name="Content Placeholder 2">
-            <a:extLst>
-              <a:ext uri="{FF2B5EF4-FFF2-40B4-BE49-F238E27FC236}">
-                <a16:creationId xmlns:a16="http://schemas.microsoft.com/office/drawing/2014/main" id="{B5C29EC2-14E6-C28F-8985-DEF56C90D4F0}"/>
-              </a:ext>
-            </a:extLst>
-          </p:cNvPr>
-          <p:cNvSpPr>
-            <a:spLocks noGrp="1"/>
-          </p:cNvSpPr>
-          <p:nvPr>
-            <p:ph idx="1"/>
-          </p:nvPr>
-        </p:nvSpPr>
-        <p:spPr>
-          <a:xfrm>
-            <a:off x="1429566" y="2729554"/>
-            <a:ext cx="8476434" cy="3359621"/>
-          </a:xfrm>
-        </p:spPr>
-        <p:txBody>
-          <a:bodyPr>
-            <a:normAutofit/>
-          </a:bodyPr>
-          <a:lstStyle/>
-          <a:p>
-            <a:endParaRPr lang="en-US" dirty="0"/>
-          </a:p>
-        </p:txBody>
-      </p:sp>
     </p:spTree>
     <p:extLst>
       <p:ext uri="{BB962C8B-B14F-4D97-AF65-F5344CB8AC3E}">
@@ -5205,62 +7427,1532 @@
     </p:extLst>
   </p:cSld>
   <p:clrMapOvr>
-    <a:overrideClrMapping bg1="lt1" tx1="dk1" bg2="lt2" tx2="dk2" accent1="accent1" accent2="accent2" accent3="accent3" accent4="accent4" accent5="accent5" accent6="accent6" hlink="hlink" folHlink="folHlink"/>
+    <a:masterClrMapping/>
+  </p:clrMapOvr>
+</p:sld>
+</file>
+
+<file path=ppt/slides/slide6.xml><?xml version="1.0" encoding="utf-8"?>
+<p:sld xmlns:a="http://schemas.openxmlformats.org/drawingml/2006/main" xmlns:r="http://schemas.openxmlformats.org/officeDocument/2006/relationships" xmlns:p="http://schemas.openxmlformats.org/presentationml/2006/main">
+  <p:cSld>
+    <p:bg>
+      <p:bgPr>
+        <a:solidFill>
+          <a:schemeClr val="bg1"/>
+        </a:solidFill>
+        <a:effectLst/>
+      </p:bgPr>
+    </p:bg>
+    <p:spTree>
+      <p:nvGrpSpPr>
+        <p:cNvPr id="1" name=""/>
+        <p:cNvGrpSpPr/>
+        <p:nvPr/>
+      </p:nvGrpSpPr>
+      <p:grpSpPr>
+        <a:xfrm>
+          <a:off x="0" y="0"/>
+          <a:ext cx="0" cy="0"/>
+          <a:chOff x="0" y="0"/>
+          <a:chExt cx="0" cy="0"/>
+        </a:xfrm>
+      </p:grpSpPr>
+      <p:sp useBgFill="1">
+        <p:nvSpPr>
+          <p:cNvPr id="22" name="Rectangle 15">
+            <a:extLst>
+              <a:ext uri="{FF2B5EF4-FFF2-40B4-BE49-F238E27FC236}">
+                <a16:creationId xmlns:a16="http://schemas.microsoft.com/office/drawing/2014/main" id="{6D1A2CED-DA9B-4CCF-8215-CFC65FE71603}"/>
+              </a:ext>
+              <a:ext uri="{C183D7F6-B498-43B3-948B-1728B52AA6E4}">
+                <adec:decorative xmlns:adec="http://schemas.microsoft.com/office/drawing/2017/decorative" val="1"/>
+              </a:ext>
+            </a:extLst>
+          </p:cNvPr>
+          <p:cNvSpPr>
+            <a:spLocks noGrp="1" noRot="1" noChangeAspect="1" noMove="1" noResize="1" noEditPoints="1" noAdjustHandles="1" noChangeArrowheads="1" noChangeShapeType="1" noTextEdit="1"/>
+          </p:cNvSpPr>
+          <p:nvPr>
+            <p:extLst>
+              <p:ext uri="{386F3935-93C4-4BCD-93E2-E3B085C9AB24}">
+                <p16:designElem xmlns:p16="http://schemas.microsoft.com/office/powerpoint/2015/main" val="1"/>
+              </p:ext>
+            </p:extLst>
+          </p:nvPr>
+        </p:nvSpPr>
+        <p:spPr>
+          <a:xfrm>
+            <a:off x="0" y="0"/>
+            <a:ext cx="12192000" cy="6858000"/>
+          </a:xfrm>
+          <a:prstGeom prst="rect">
+            <a:avLst/>
+          </a:prstGeom>
+          <a:ln>
+            <a:noFill/>
+          </a:ln>
+        </p:spPr>
+        <p:style>
+          <a:lnRef idx="2">
+            <a:schemeClr val="accent1">
+              <a:shade val="50000"/>
+            </a:schemeClr>
+          </a:lnRef>
+          <a:fillRef idx="1">
+            <a:schemeClr val="accent1"/>
+          </a:fillRef>
+          <a:effectRef idx="0">
+            <a:schemeClr val="accent1"/>
+          </a:effectRef>
+          <a:fontRef idx="minor">
+            <a:schemeClr val="lt1"/>
+          </a:fontRef>
+        </p:style>
+        <p:txBody>
+          <a:bodyPr rtlCol="0" anchor="ctr"/>
+          <a:lstStyle/>
+          <a:p>
+            <a:pPr algn="ctr"/>
+            <a:endParaRPr lang="en-US"/>
+          </a:p>
+        </p:txBody>
+      </p:sp>
+      <p:sp useBgFill="1">
+        <p:nvSpPr>
+          <p:cNvPr id="23" name="Rectangle 17">
+            <a:extLst>
+              <a:ext uri="{FF2B5EF4-FFF2-40B4-BE49-F238E27FC236}">
+                <a16:creationId xmlns:a16="http://schemas.microsoft.com/office/drawing/2014/main" id="{562DFC44-A40C-4573-9230-B3EDB3EC8EEB}"/>
+              </a:ext>
+              <a:ext uri="{C183D7F6-B498-43B3-948B-1728B52AA6E4}">
+                <adec:decorative xmlns:adec="http://schemas.microsoft.com/office/drawing/2017/decorative" val="1"/>
+              </a:ext>
+            </a:extLst>
+          </p:cNvPr>
+          <p:cNvSpPr>
+            <a:spLocks noGrp="1" noRot="1" noChangeAspect="1" noMove="1" noResize="1" noEditPoints="1" noAdjustHandles="1" noChangeArrowheads="1" noChangeShapeType="1" noTextEdit="1"/>
+          </p:cNvSpPr>
+          <p:nvPr>
+            <p:extLst>
+              <p:ext uri="{386F3935-93C4-4BCD-93E2-E3B085C9AB24}">
+                <p16:designElem xmlns:p16="http://schemas.microsoft.com/office/powerpoint/2015/main" val="1"/>
+              </p:ext>
+            </p:extLst>
+          </p:nvPr>
+        </p:nvSpPr>
+        <p:spPr>
+          <a:xfrm>
+            <a:off x="558209" y="260019"/>
+            <a:ext cx="11167447" cy="5933012"/>
+          </a:xfrm>
+          <a:prstGeom prst="rect">
+            <a:avLst/>
+          </a:prstGeom>
+          <a:ln w="12700">
+            <a:solidFill>
+              <a:srgbClr val="DEDEDE"/>
+            </a:solidFill>
+          </a:ln>
+          <a:effectLst>
+            <a:outerShdw blurRad="50800" dist="38100" dir="2700000" algn="tl" rotWithShape="0">
+              <a:schemeClr val="bg2">
+                <a:lumMod val="85000"/>
+                <a:alpha val="50000"/>
+              </a:schemeClr>
+            </a:outerShdw>
+          </a:effectLst>
+        </p:spPr>
+        <p:style>
+          <a:lnRef idx="2">
+            <a:schemeClr val="accent1">
+              <a:shade val="50000"/>
+            </a:schemeClr>
+          </a:lnRef>
+          <a:fillRef idx="1">
+            <a:schemeClr val="accent1"/>
+          </a:fillRef>
+          <a:effectRef idx="0">
+            <a:schemeClr val="accent1"/>
+          </a:effectRef>
+          <a:fontRef idx="minor">
+            <a:schemeClr val="lt1"/>
+          </a:fontRef>
+        </p:style>
+        <p:txBody>
+          <a:bodyPr rtlCol="0" anchor="ctr"/>
+          <a:lstStyle/>
+          <a:p>
+            <a:pPr marL="0" marR="0" lvl="0" indent="0" algn="ctr" defTabSz="914400" rtl="0" eaLnBrk="1" fontAlgn="auto" latinLnBrk="0" hangingPunct="1">
+              <a:lnSpc>
+                <a:spcPct val="100000"/>
+              </a:lnSpc>
+              <a:spcBef>
+                <a:spcPts val="0"/>
+              </a:spcBef>
+              <a:spcAft>
+                <a:spcPts val="0"/>
+              </a:spcAft>
+              <a:buClrTx/>
+              <a:buSzTx/>
+              <a:buFontTx/>
+              <a:buNone/>
+              <a:tabLst/>
+              <a:defRPr/>
+            </a:pPr>
+            <a:endParaRPr kumimoji="0" lang="en-US" sz="1800" b="0" i="0" u="none" strike="noStrike" kern="1200" cap="none" spc="0" normalizeH="0" baseline="0" noProof="0">
+              <a:ln>
+                <a:noFill/>
+              </a:ln>
+              <a:solidFill>
+                <a:prstClr val="white"/>
+              </a:solidFill>
+              <a:effectLst/>
+              <a:uLnTx/>
+              <a:uFillTx/>
+              <a:latin typeface="Calibri" panose="020F0502020204030204"/>
+              <a:ea typeface="+mn-ea"/>
+              <a:cs typeface="+mn-cs"/>
+            </a:endParaRPr>
+          </a:p>
+        </p:txBody>
+      </p:sp>
+      <p:sp>
+        <p:nvSpPr>
+          <p:cNvPr id="2" name="Title 1">
+            <a:extLst>
+              <a:ext uri="{FF2B5EF4-FFF2-40B4-BE49-F238E27FC236}">
+                <a16:creationId xmlns:a16="http://schemas.microsoft.com/office/drawing/2014/main" id="{833EF955-3323-53B2-4A89-2C926C834524}"/>
+              </a:ext>
+            </a:extLst>
+          </p:cNvPr>
+          <p:cNvSpPr>
+            <a:spLocks noGrp="1"/>
+          </p:cNvSpPr>
+          <p:nvPr>
+            <p:ph type="title"/>
+          </p:nvPr>
+        </p:nvSpPr>
+        <p:spPr>
+          <a:xfrm>
+            <a:off x="1115568" y="509521"/>
+            <a:ext cx="10232136" cy="1014984"/>
+          </a:xfrm>
+        </p:spPr>
+        <p:txBody>
+          <a:bodyPr>
+            <a:normAutofit/>
+          </a:bodyPr>
+          <a:lstStyle/>
+          <a:p>
+            <a:r>
+              <a:rPr lang="en-US" sz="4000" dirty="0">
+                <a:latin typeface="Times New Roman" panose="02020603050405020304" pitchFamily="18" charset="0"/>
+                <a:cs typeface="Times New Roman" panose="02020603050405020304" pitchFamily="18" charset="0"/>
+              </a:rPr>
+              <a:t>Results - Factors affecting Popularity</a:t>
+            </a:r>
+          </a:p>
+        </p:txBody>
+      </p:sp>
+      <p:sp>
+        <p:nvSpPr>
+          <p:cNvPr id="24" name="Rectangle 19">
+            <a:extLst>
+              <a:ext uri="{FF2B5EF4-FFF2-40B4-BE49-F238E27FC236}">
+                <a16:creationId xmlns:a16="http://schemas.microsoft.com/office/drawing/2014/main" id="{15589D35-CF9F-4DE9-A792-8571A09E9BC9}"/>
+              </a:ext>
+              <a:ext uri="{C183D7F6-B498-43B3-948B-1728B52AA6E4}">
+                <adec:decorative xmlns:adec="http://schemas.microsoft.com/office/drawing/2017/decorative" val="1"/>
+              </a:ext>
+            </a:extLst>
+          </p:cNvPr>
+          <p:cNvSpPr>
+            <a:spLocks noGrp="1" noRot="1" noChangeAspect="1" noMove="1" noResize="1" noEditPoints="1" noAdjustHandles="1" noChangeArrowheads="1" noChangeShapeType="1" noTextEdit="1"/>
+          </p:cNvSpPr>
+          <p:nvPr>
+            <p:extLst>
+              <p:ext uri="{386F3935-93C4-4BCD-93E2-E3B085C9AB24}">
+                <p16:designElem xmlns:p16="http://schemas.microsoft.com/office/powerpoint/2015/main" val="1"/>
+              </p:ext>
+            </p:extLst>
+          </p:nvPr>
+        </p:nvSpPr>
+        <p:spPr>
+          <a:xfrm>
+            <a:off x="498834" y="658327"/>
+            <a:ext cx="128016" cy="704088"/>
+          </a:xfrm>
+          <a:prstGeom prst="rect">
+            <a:avLst/>
+          </a:prstGeom>
+          <a:solidFill>
+            <a:schemeClr val="accent2"/>
+          </a:solidFill>
+          <a:ln>
+            <a:noFill/>
+          </a:ln>
+        </p:spPr>
+        <p:style>
+          <a:lnRef idx="2">
+            <a:schemeClr val="accent1">
+              <a:shade val="50000"/>
+            </a:schemeClr>
+          </a:lnRef>
+          <a:fillRef idx="1">
+            <a:schemeClr val="accent1"/>
+          </a:fillRef>
+          <a:effectRef idx="0">
+            <a:schemeClr val="accent1"/>
+          </a:effectRef>
+          <a:fontRef idx="minor">
+            <a:schemeClr val="lt1"/>
+          </a:fontRef>
+        </p:style>
+        <p:txBody>
+          <a:bodyPr rtlCol="0" anchor="ctr"/>
+          <a:lstStyle/>
+          <a:p>
+            <a:pPr algn="ctr"/>
+            <a:endParaRPr lang="en-US">
+              <a:solidFill>
+                <a:prstClr val="white"/>
+              </a:solidFill>
+              <a:latin typeface="Calibri" panose="020F0502020204030204"/>
+            </a:endParaRPr>
+          </a:p>
+        </p:txBody>
+      </p:sp>
+      <p:pic>
+        <p:nvPicPr>
+          <p:cNvPr id="5" name="Content Placeholder 4" descr="Graphical user interface, application&#10;&#10;Description automatically generated">
+            <a:extLst>
+              <a:ext uri="{FF2B5EF4-FFF2-40B4-BE49-F238E27FC236}">
+                <a16:creationId xmlns:a16="http://schemas.microsoft.com/office/drawing/2014/main" id="{9E64DB7B-8A69-6C6F-18B6-458A279A68DE}"/>
+              </a:ext>
+            </a:extLst>
+          </p:cNvPr>
+          <p:cNvPicPr>
+            <a:picLocks noGrp="1" noChangeAspect="1"/>
+          </p:cNvPicPr>
+          <p:nvPr>
+            <p:ph idx="1"/>
+          </p:nvPr>
+        </p:nvPicPr>
+        <p:blipFill>
+          <a:blip r:embed="rId2"/>
+          <a:stretch>
+            <a:fillRect/>
+          </a:stretch>
+        </p:blipFill>
+        <p:spPr>
+          <a:xfrm>
+            <a:off x="747772" y="3615372"/>
+            <a:ext cx="6223232" cy="2489293"/>
+          </a:xfrm>
+        </p:spPr>
+      </p:pic>
+      <p:pic>
+        <p:nvPicPr>
+          <p:cNvPr id="7" name="Picture 6" descr="Graphical user interface, chart&#10;&#10;Description automatically generated">
+            <a:extLst>
+              <a:ext uri="{FF2B5EF4-FFF2-40B4-BE49-F238E27FC236}">
+                <a16:creationId xmlns:a16="http://schemas.microsoft.com/office/drawing/2014/main" id="{4ED1E421-9DB1-3D28-BA09-6BC76C180186}"/>
+              </a:ext>
+            </a:extLst>
+          </p:cNvPr>
+          <p:cNvPicPr>
+            <a:picLocks noChangeAspect="1"/>
+          </p:cNvPicPr>
+          <p:nvPr/>
+        </p:nvPicPr>
+        <p:blipFill>
+          <a:blip r:embed="rId3"/>
+          <a:stretch>
+            <a:fillRect/>
+          </a:stretch>
+        </p:blipFill>
+        <p:spPr>
+          <a:xfrm>
+            <a:off x="1004021" y="1510597"/>
+            <a:ext cx="5521172" cy="2208469"/>
+          </a:xfrm>
+          <a:prstGeom prst="rect">
+            <a:avLst/>
+          </a:prstGeom>
+        </p:spPr>
+      </p:pic>
+      <p:sp>
+        <p:nvSpPr>
+          <p:cNvPr id="9" name="TextBox 8">
+            <a:extLst>
+              <a:ext uri="{FF2B5EF4-FFF2-40B4-BE49-F238E27FC236}">
+                <a16:creationId xmlns:a16="http://schemas.microsoft.com/office/drawing/2014/main" id="{F9D5718C-7B37-8757-1D2B-DAC3C88187DB}"/>
+              </a:ext>
+            </a:extLst>
+          </p:cNvPr>
+          <p:cNvSpPr txBox="1"/>
+          <p:nvPr/>
+        </p:nvSpPr>
+        <p:spPr>
+          <a:xfrm>
+            <a:off x="6932588" y="4398354"/>
+            <a:ext cx="4601496" cy="923330"/>
+          </a:xfrm>
+          <a:prstGeom prst="rect">
+            <a:avLst/>
+          </a:prstGeom>
+          <a:noFill/>
+        </p:spPr>
+        <p:txBody>
+          <a:bodyPr wrap="square">
+            <a:spAutoFit/>
+          </a:bodyPr>
+          <a:lstStyle/>
+          <a:p>
+            <a:pPr defTabSz="676656">
+              <a:spcAft>
+                <a:spcPts val="600"/>
+              </a:spcAft>
+            </a:pPr>
+            <a:r>
+              <a:rPr lang="en-IN" kern="1200" dirty="0">
+                <a:solidFill>
+                  <a:srgbClr val="000000"/>
+                </a:solidFill>
+                <a:latin typeface="Times New Roman" panose="02020603050405020304" pitchFamily="18" charset="0"/>
+                <a:cs typeface="Times New Roman" panose="02020603050405020304" pitchFamily="18" charset="0"/>
+              </a:rPr>
+              <a:t> We looked at the release time of songs and found that recent months have seen more successful songs. </a:t>
+            </a:r>
+            <a:endParaRPr lang="en-IN" b="0" i="0" u="none" strike="noStrike" dirty="0">
+              <a:solidFill>
+                <a:srgbClr val="000000"/>
+              </a:solidFill>
+              <a:effectLst/>
+              <a:latin typeface="Times New Roman" panose="02020603050405020304" pitchFamily="18" charset="0"/>
+              <a:cs typeface="Times New Roman" panose="02020603050405020304" pitchFamily="18" charset="0"/>
+            </a:endParaRPr>
+          </a:p>
+        </p:txBody>
+      </p:sp>
+      <p:sp>
+        <p:nvSpPr>
+          <p:cNvPr id="11" name="TextBox 10">
+            <a:extLst>
+              <a:ext uri="{FF2B5EF4-FFF2-40B4-BE49-F238E27FC236}">
+                <a16:creationId xmlns:a16="http://schemas.microsoft.com/office/drawing/2014/main" id="{D1868DE8-6ED0-BD5D-BB3A-2B5B308DEC31}"/>
+              </a:ext>
+            </a:extLst>
+          </p:cNvPr>
+          <p:cNvSpPr txBox="1"/>
+          <p:nvPr/>
+        </p:nvSpPr>
+        <p:spPr>
+          <a:xfrm>
+            <a:off x="6971004" y="2291667"/>
+            <a:ext cx="4524665" cy="646331"/>
+          </a:xfrm>
+          <a:prstGeom prst="rect">
+            <a:avLst/>
+          </a:prstGeom>
+          <a:noFill/>
+        </p:spPr>
+        <p:txBody>
+          <a:bodyPr wrap="square">
+            <a:spAutoFit/>
+          </a:bodyPr>
+          <a:lstStyle/>
+          <a:p>
+            <a:pPr defTabSz="676656">
+              <a:spcAft>
+                <a:spcPts val="600"/>
+              </a:spcAft>
+            </a:pPr>
+            <a:r>
+              <a:rPr lang="en-IN" kern="1200" dirty="0">
+                <a:solidFill>
+                  <a:srgbClr val="000000"/>
+                </a:solidFill>
+                <a:latin typeface="Times New Roman" panose="02020603050405020304" pitchFamily="18" charset="0"/>
+                <a:cs typeface="Times New Roman" panose="02020603050405020304" pitchFamily="18" charset="0"/>
+              </a:rPr>
+              <a:t>The top 10 artists on Spotify have a higher chance of producing hit songs.</a:t>
+            </a:r>
+            <a:endParaRPr lang="en-US" dirty="0">
+              <a:latin typeface="Times New Roman" panose="02020603050405020304" pitchFamily="18" charset="0"/>
+              <a:cs typeface="Times New Roman" panose="02020603050405020304" pitchFamily="18" charset="0"/>
+            </a:endParaRPr>
+          </a:p>
+        </p:txBody>
+      </p:sp>
+    </p:spTree>
+    <p:extLst>
+      <p:ext uri="{BB962C8B-B14F-4D97-AF65-F5344CB8AC3E}">
+        <p14:creationId xmlns:p14="http://schemas.microsoft.com/office/powerpoint/2010/main" val="198214778"/>
+      </p:ext>
+    </p:extLst>
+  </p:cSld>
+  <p:clrMapOvr>
+    <a:masterClrMapping/>
+  </p:clrMapOvr>
+</p:sld>
+</file>
+
+<file path=ppt/slides/slide7.xml><?xml version="1.0" encoding="utf-8"?>
+<p:sld xmlns:a="http://schemas.openxmlformats.org/drawingml/2006/main" xmlns:r="http://schemas.openxmlformats.org/officeDocument/2006/relationships" xmlns:p="http://schemas.openxmlformats.org/presentationml/2006/main">
+  <p:cSld>
+    <p:bg>
+      <p:bgPr>
+        <a:solidFill>
+          <a:schemeClr val="bg1"/>
+        </a:solidFill>
+        <a:effectLst/>
+      </p:bgPr>
+    </p:bg>
+    <p:spTree>
+      <p:nvGrpSpPr>
+        <p:cNvPr id="1" name=""/>
+        <p:cNvGrpSpPr/>
+        <p:nvPr/>
+      </p:nvGrpSpPr>
+      <p:grpSpPr>
+        <a:xfrm>
+          <a:off x="0" y="0"/>
+          <a:ext cx="0" cy="0"/>
+          <a:chOff x="0" y="0"/>
+          <a:chExt cx="0" cy="0"/>
+        </a:xfrm>
+      </p:grpSpPr>
+      <p:sp useBgFill="1">
+        <p:nvSpPr>
+          <p:cNvPr id="20" name="Rectangle 19">
+            <a:extLst>
+              <a:ext uri="{FF2B5EF4-FFF2-40B4-BE49-F238E27FC236}">
+                <a16:creationId xmlns:a16="http://schemas.microsoft.com/office/drawing/2014/main" id="{6D1A2CED-DA9B-4CCF-8215-CFC65FE71603}"/>
+              </a:ext>
+              <a:ext uri="{C183D7F6-B498-43B3-948B-1728B52AA6E4}">
+                <adec:decorative xmlns:adec="http://schemas.microsoft.com/office/drawing/2017/decorative" val="1"/>
+              </a:ext>
+            </a:extLst>
+          </p:cNvPr>
+          <p:cNvSpPr>
+            <a:spLocks noGrp="1" noRot="1" noChangeAspect="1" noMove="1" noResize="1" noEditPoints="1" noAdjustHandles="1" noChangeArrowheads="1" noChangeShapeType="1" noTextEdit="1"/>
+          </p:cNvSpPr>
+          <p:nvPr>
+            <p:extLst>
+              <p:ext uri="{386F3935-93C4-4BCD-93E2-E3B085C9AB24}">
+                <p16:designElem xmlns:p16="http://schemas.microsoft.com/office/powerpoint/2015/main" val="1"/>
+              </p:ext>
+            </p:extLst>
+          </p:nvPr>
+        </p:nvSpPr>
+        <p:spPr>
+          <a:xfrm>
+            <a:off x="0" y="0"/>
+            <a:ext cx="12192000" cy="6858000"/>
+          </a:xfrm>
+          <a:prstGeom prst="rect">
+            <a:avLst/>
+          </a:prstGeom>
+          <a:ln>
+            <a:noFill/>
+          </a:ln>
+        </p:spPr>
+        <p:style>
+          <a:lnRef idx="2">
+            <a:schemeClr val="accent1">
+              <a:shade val="50000"/>
+            </a:schemeClr>
+          </a:lnRef>
+          <a:fillRef idx="1">
+            <a:schemeClr val="accent1"/>
+          </a:fillRef>
+          <a:effectRef idx="0">
+            <a:schemeClr val="accent1"/>
+          </a:effectRef>
+          <a:fontRef idx="minor">
+            <a:schemeClr val="lt1"/>
+          </a:fontRef>
+        </p:style>
+        <p:txBody>
+          <a:bodyPr rtlCol="0" anchor="ctr"/>
+          <a:lstStyle/>
+          <a:p>
+            <a:pPr algn="ctr"/>
+            <a:endParaRPr lang="en-US"/>
+          </a:p>
+        </p:txBody>
+      </p:sp>
+      <p:sp useBgFill="1">
+        <p:nvSpPr>
+          <p:cNvPr id="22" name="Rectangle 21">
+            <a:extLst>
+              <a:ext uri="{FF2B5EF4-FFF2-40B4-BE49-F238E27FC236}">
+                <a16:creationId xmlns:a16="http://schemas.microsoft.com/office/drawing/2014/main" id="{562DFC44-A40C-4573-9230-B3EDB3EC8EEB}"/>
+              </a:ext>
+              <a:ext uri="{C183D7F6-B498-43B3-948B-1728B52AA6E4}">
+                <adec:decorative xmlns:adec="http://schemas.microsoft.com/office/drawing/2017/decorative" val="1"/>
+              </a:ext>
+            </a:extLst>
+          </p:cNvPr>
+          <p:cNvSpPr>
+            <a:spLocks noGrp="1" noRot="1" noChangeAspect="1" noMove="1" noResize="1" noEditPoints="1" noAdjustHandles="1" noChangeArrowheads="1" noChangeShapeType="1" noTextEdit="1"/>
+          </p:cNvSpPr>
+          <p:nvPr>
+            <p:extLst>
+              <p:ext uri="{386F3935-93C4-4BCD-93E2-E3B085C9AB24}">
+                <p16:designElem xmlns:p16="http://schemas.microsoft.com/office/powerpoint/2015/main" val="1"/>
+              </p:ext>
+            </p:extLst>
+          </p:nvPr>
+        </p:nvSpPr>
+        <p:spPr>
+          <a:xfrm>
+            <a:off x="558209" y="260019"/>
+            <a:ext cx="11167447" cy="5933012"/>
+          </a:xfrm>
+          <a:prstGeom prst="rect">
+            <a:avLst/>
+          </a:prstGeom>
+          <a:ln w="12700">
+            <a:solidFill>
+              <a:srgbClr val="DEDEDE"/>
+            </a:solidFill>
+          </a:ln>
+          <a:effectLst>
+            <a:outerShdw blurRad="50800" dist="38100" dir="2700000" algn="tl" rotWithShape="0">
+              <a:schemeClr val="bg2">
+                <a:lumMod val="85000"/>
+                <a:alpha val="50000"/>
+              </a:schemeClr>
+            </a:outerShdw>
+          </a:effectLst>
+        </p:spPr>
+        <p:style>
+          <a:lnRef idx="2">
+            <a:schemeClr val="accent1">
+              <a:shade val="50000"/>
+            </a:schemeClr>
+          </a:lnRef>
+          <a:fillRef idx="1">
+            <a:schemeClr val="accent1"/>
+          </a:fillRef>
+          <a:effectRef idx="0">
+            <a:schemeClr val="accent1"/>
+          </a:effectRef>
+          <a:fontRef idx="minor">
+            <a:schemeClr val="lt1"/>
+          </a:fontRef>
+        </p:style>
+        <p:txBody>
+          <a:bodyPr rtlCol="0" anchor="ctr"/>
+          <a:lstStyle/>
+          <a:p>
+            <a:pPr marL="0" marR="0" lvl="0" indent="0" algn="ctr" defTabSz="914400" rtl="0" eaLnBrk="1" fontAlgn="auto" latinLnBrk="0" hangingPunct="1">
+              <a:lnSpc>
+                <a:spcPct val="100000"/>
+              </a:lnSpc>
+              <a:spcBef>
+                <a:spcPts val="0"/>
+              </a:spcBef>
+              <a:spcAft>
+                <a:spcPts val="0"/>
+              </a:spcAft>
+              <a:buClrTx/>
+              <a:buSzTx/>
+              <a:buFontTx/>
+              <a:buNone/>
+              <a:tabLst/>
+              <a:defRPr/>
+            </a:pPr>
+            <a:endParaRPr kumimoji="0" lang="en-US" sz="1800" b="0" i="0" u="none" strike="noStrike" kern="1200" cap="none" spc="0" normalizeH="0" baseline="0" noProof="0">
+              <a:ln>
+                <a:noFill/>
+              </a:ln>
+              <a:solidFill>
+                <a:prstClr val="white"/>
+              </a:solidFill>
+              <a:effectLst/>
+              <a:uLnTx/>
+              <a:uFillTx/>
+              <a:latin typeface="Calibri" panose="020F0502020204030204"/>
+              <a:ea typeface="+mn-ea"/>
+              <a:cs typeface="+mn-cs"/>
+            </a:endParaRPr>
+          </a:p>
+        </p:txBody>
+      </p:sp>
+      <p:sp>
+        <p:nvSpPr>
+          <p:cNvPr id="2" name="Title 1">
+            <a:extLst>
+              <a:ext uri="{FF2B5EF4-FFF2-40B4-BE49-F238E27FC236}">
+                <a16:creationId xmlns:a16="http://schemas.microsoft.com/office/drawing/2014/main" id="{404DA0E0-1470-CE1E-9930-A9D8B484B24F}"/>
+              </a:ext>
+            </a:extLst>
+          </p:cNvPr>
+          <p:cNvSpPr>
+            <a:spLocks noGrp="1"/>
+          </p:cNvSpPr>
+          <p:nvPr>
+            <p:ph type="title"/>
+          </p:nvPr>
+        </p:nvSpPr>
+        <p:spPr>
+          <a:xfrm>
+            <a:off x="1087064" y="392749"/>
+            <a:ext cx="10232136" cy="1014984"/>
+          </a:xfrm>
+        </p:spPr>
+        <p:txBody>
+          <a:bodyPr>
+            <a:normAutofit fontScale="90000"/>
+          </a:bodyPr>
+          <a:lstStyle/>
+          <a:p>
+            <a:r>
+              <a:rPr lang="en-US" sz="4000" dirty="0">
+                <a:latin typeface="Times New Roman" panose="02020603050405020304" pitchFamily="18" charset="0"/>
+                <a:cs typeface="Times New Roman" panose="02020603050405020304" pitchFamily="18" charset="0"/>
+              </a:rPr>
+              <a:t>Results – Factors not directly affecting Popularity</a:t>
+            </a:r>
+          </a:p>
+        </p:txBody>
+      </p:sp>
+      <p:sp>
+        <p:nvSpPr>
+          <p:cNvPr id="24" name="Rectangle 23">
+            <a:extLst>
+              <a:ext uri="{FF2B5EF4-FFF2-40B4-BE49-F238E27FC236}">
+                <a16:creationId xmlns:a16="http://schemas.microsoft.com/office/drawing/2014/main" id="{15589D35-CF9F-4DE9-A792-8571A09E9BC9}"/>
+              </a:ext>
+              <a:ext uri="{C183D7F6-B498-43B3-948B-1728B52AA6E4}">
+                <adec:decorative xmlns:adec="http://schemas.microsoft.com/office/drawing/2017/decorative" val="1"/>
+              </a:ext>
+            </a:extLst>
+          </p:cNvPr>
+          <p:cNvSpPr>
+            <a:spLocks noGrp="1" noRot="1" noChangeAspect="1" noMove="1" noResize="1" noEditPoints="1" noAdjustHandles="1" noChangeArrowheads="1" noChangeShapeType="1" noTextEdit="1"/>
+          </p:cNvSpPr>
+          <p:nvPr>
+            <p:extLst>
+              <p:ext uri="{386F3935-93C4-4BCD-93E2-E3B085C9AB24}">
+                <p16:designElem xmlns:p16="http://schemas.microsoft.com/office/powerpoint/2015/main" val="1"/>
+              </p:ext>
+            </p:extLst>
+          </p:nvPr>
+        </p:nvSpPr>
+        <p:spPr>
+          <a:xfrm>
+            <a:off x="498834" y="658327"/>
+            <a:ext cx="128016" cy="704088"/>
+          </a:xfrm>
+          <a:prstGeom prst="rect">
+            <a:avLst/>
+          </a:prstGeom>
+          <a:solidFill>
+            <a:schemeClr val="accent2"/>
+          </a:solidFill>
+          <a:ln>
+            <a:noFill/>
+          </a:ln>
+        </p:spPr>
+        <p:style>
+          <a:lnRef idx="2">
+            <a:schemeClr val="accent1">
+              <a:shade val="50000"/>
+            </a:schemeClr>
+          </a:lnRef>
+          <a:fillRef idx="1">
+            <a:schemeClr val="accent1"/>
+          </a:fillRef>
+          <a:effectRef idx="0">
+            <a:schemeClr val="accent1"/>
+          </a:effectRef>
+          <a:fontRef idx="minor">
+            <a:schemeClr val="lt1"/>
+          </a:fontRef>
+        </p:style>
+        <p:txBody>
+          <a:bodyPr rtlCol="0" anchor="ctr"/>
+          <a:lstStyle/>
+          <a:p>
+            <a:pPr algn="ctr"/>
+            <a:endParaRPr lang="en-US">
+              <a:solidFill>
+                <a:prstClr val="white"/>
+              </a:solidFill>
+              <a:latin typeface="Calibri" panose="020F0502020204030204"/>
+            </a:endParaRPr>
+          </a:p>
+        </p:txBody>
+      </p:sp>
+      <p:pic>
+        <p:nvPicPr>
+          <p:cNvPr id="5" name="Content Placeholder 4" descr="Chart, scatter chart&#10;&#10;Description automatically generated">
+            <a:extLst>
+              <a:ext uri="{FF2B5EF4-FFF2-40B4-BE49-F238E27FC236}">
+                <a16:creationId xmlns:a16="http://schemas.microsoft.com/office/drawing/2014/main" id="{46E4A118-C02F-4448-ED1D-622FAF7975DE}"/>
+              </a:ext>
+            </a:extLst>
+          </p:cNvPr>
+          <p:cNvPicPr>
+            <a:picLocks noGrp="1" noChangeAspect="1"/>
+          </p:cNvPicPr>
+          <p:nvPr>
+            <p:ph idx="1"/>
+          </p:nvPr>
+        </p:nvPicPr>
+        <p:blipFill>
+          <a:blip r:embed="rId2"/>
+          <a:stretch>
+            <a:fillRect/>
+          </a:stretch>
+        </p:blipFill>
+        <p:spPr>
+          <a:xfrm>
+            <a:off x="778835" y="1287556"/>
+            <a:ext cx="4166886" cy="3125165"/>
+          </a:xfrm>
+        </p:spPr>
+      </p:pic>
+      <p:pic>
+        <p:nvPicPr>
+          <p:cNvPr id="7" name="Picture 6" descr="Chart, scatter chart&#10;&#10;Description automatically generated">
+            <a:extLst>
+              <a:ext uri="{FF2B5EF4-FFF2-40B4-BE49-F238E27FC236}">
+                <a16:creationId xmlns:a16="http://schemas.microsoft.com/office/drawing/2014/main" id="{2B3C034C-5FFB-EB7D-FC6F-5BE79B5BE553}"/>
+              </a:ext>
+            </a:extLst>
+          </p:cNvPr>
+          <p:cNvPicPr>
+            <a:picLocks noChangeAspect="1"/>
+          </p:cNvPicPr>
+          <p:nvPr/>
+        </p:nvPicPr>
+        <p:blipFill>
+          <a:blip r:embed="rId3"/>
+          <a:stretch>
+            <a:fillRect/>
+          </a:stretch>
+        </p:blipFill>
+        <p:spPr>
+          <a:xfrm>
+            <a:off x="515852" y="4365102"/>
+            <a:ext cx="6215641" cy="2486256"/>
+          </a:xfrm>
+          <a:prstGeom prst="rect">
+            <a:avLst/>
+          </a:prstGeom>
+        </p:spPr>
+      </p:pic>
+      <p:pic>
+        <p:nvPicPr>
+          <p:cNvPr id="9" name="Picture 8" descr="Chart, bar chart&#10;&#10;Description automatically generated">
+            <a:extLst>
+              <a:ext uri="{FF2B5EF4-FFF2-40B4-BE49-F238E27FC236}">
+                <a16:creationId xmlns:a16="http://schemas.microsoft.com/office/drawing/2014/main" id="{19D2DB2A-C42C-8503-2881-2D71F39AA140}"/>
+              </a:ext>
+            </a:extLst>
+          </p:cNvPr>
+          <p:cNvPicPr>
+            <a:picLocks noChangeAspect="1"/>
+          </p:cNvPicPr>
+          <p:nvPr/>
+        </p:nvPicPr>
+        <p:blipFill>
+          <a:blip r:embed="rId4"/>
+          <a:stretch>
+            <a:fillRect/>
+          </a:stretch>
+        </p:blipFill>
+        <p:spPr>
+          <a:xfrm>
+            <a:off x="7246281" y="1276724"/>
+            <a:ext cx="4195770" cy="3146827"/>
+          </a:xfrm>
+          <a:prstGeom prst="rect">
+            <a:avLst/>
+          </a:prstGeom>
+        </p:spPr>
+      </p:pic>
+      <p:sp>
+        <p:nvSpPr>
+          <p:cNvPr id="11" name="TextBox 10">
+            <a:extLst>
+              <a:ext uri="{FF2B5EF4-FFF2-40B4-BE49-F238E27FC236}">
+                <a16:creationId xmlns:a16="http://schemas.microsoft.com/office/drawing/2014/main" id="{4E835C6F-BCE6-D519-9635-2583EF573FCE}"/>
+              </a:ext>
+            </a:extLst>
+          </p:cNvPr>
+          <p:cNvSpPr txBox="1"/>
+          <p:nvPr/>
+        </p:nvSpPr>
+        <p:spPr>
+          <a:xfrm>
+            <a:off x="4550968" y="2375460"/>
+            <a:ext cx="2575279" cy="1077218"/>
+          </a:xfrm>
+          <a:prstGeom prst="rect">
+            <a:avLst/>
+          </a:prstGeom>
+          <a:noFill/>
+        </p:spPr>
+        <p:txBody>
+          <a:bodyPr wrap="square">
+            <a:spAutoFit/>
+          </a:bodyPr>
+          <a:lstStyle/>
+          <a:p>
+            <a:pPr defTabSz="649224">
+              <a:spcAft>
+                <a:spcPts val="600"/>
+              </a:spcAft>
+            </a:pPr>
+            <a:r>
+              <a:rPr lang="en-IN" sz="1600" kern="1200" dirty="0">
+                <a:solidFill>
+                  <a:srgbClr val="000000"/>
+                </a:solidFill>
+                <a:latin typeface="Times New Roman" panose="02020603050405020304" pitchFamily="18" charset="0"/>
+                <a:cs typeface="Times New Roman" panose="02020603050405020304" pitchFamily="18" charset="0"/>
+              </a:rPr>
+              <a:t>We </a:t>
+            </a:r>
+            <a:r>
+              <a:rPr lang="en-IN" sz="1600" kern="1200" dirty="0" err="1">
+                <a:solidFill>
+                  <a:srgbClr val="000000"/>
+                </a:solidFill>
+                <a:latin typeface="Times New Roman" panose="02020603050405020304" pitchFamily="18" charset="0"/>
+                <a:cs typeface="Times New Roman" panose="02020603050405020304" pitchFamily="18" charset="0"/>
+              </a:rPr>
+              <a:t>analyzed</a:t>
+            </a:r>
+            <a:r>
+              <a:rPr lang="en-IN" sz="1600" kern="1200" dirty="0">
+                <a:solidFill>
+                  <a:srgbClr val="000000"/>
+                </a:solidFill>
+                <a:latin typeface="Times New Roman" panose="02020603050405020304" pitchFamily="18" charset="0"/>
+                <a:cs typeface="Times New Roman" panose="02020603050405020304" pitchFamily="18" charset="0"/>
+              </a:rPr>
+              <a:t> the length of songs and found that it does not affect a song's success unless it's too short.</a:t>
+            </a:r>
+            <a:endParaRPr lang="en-US" sz="1600" dirty="0">
+              <a:latin typeface="Times New Roman" panose="02020603050405020304" pitchFamily="18" charset="0"/>
+              <a:cs typeface="Times New Roman" panose="02020603050405020304" pitchFamily="18" charset="0"/>
+            </a:endParaRPr>
+          </a:p>
+        </p:txBody>
+      </p:sp>
+      <p:sp>
+        <p:nvSpPr>
+          <p:cNvPr id="13" name="TextBox 12">
+            <a:extLst>
+              <a:ext uri="{FF2B5EF4-FFF2-40B4-BE49-F238E27FC236}">
+                <a16:creationId xmlns:a16="http://schemas.microsoft.com/office/drawing/2014/main" id="{9684C0BC-EFC7-9CF6-2F0B-7FA17E2C2297}"/>
+              </a:ext>
+            </a:extLst>
+          </p:cNvPr>
+          <p:cNvSpPr txBox="1"/>
+          <p:nvPr/>
+        </p:nvSpPr>
+        <p:spPr>
+          <a:xfrm>
+            <a:off x="7251823" y="4412721"/>
+            <a:ext cx="4381968" cy="584775"/>
+          </a:xfrm>
+          <a:prstGeom prst="rect">
+            <a:avLst/>
+          </a:prstGeom>
+          <a:noFill/>
+        </p:spPr>
+        <p:txBody>
+          <a:bodyPr wrap="square">
+            <a:spAutoFit/>
+          </a:bodyPr>
+          <a:lstStyle/>
+          <a:p>
+            <a:pPr algn="ctr" defTabSz="649224">
+              <a:spcAft>
+                <a:spcPts val="600"/>
+              </a:spcAft>
+            </a:pPr>
+            <a:r>
+              <a:rPr lang="en-IN" sz="1600" kern="1200" dirty="0">
+                <a:solidFill>
+                  <a:srgbClr val="000000"/>
+                </a:solidFill>
+                <a:latin typeface="Times New Roman" panose="02020603050405020304" pitchFamily="18" charset="0"/>
+                <a:cs typeface="Times New Roman" panose="02020603050405020304" pitchFamily="18" charset="0"/>
+              </a:rPr>
+              <a:t>Explicit content in lyrics does not affect a song's popularity much. </a:t>
+            </a:r>
+            <a:endParaRPr lang="en-US" sz="1600" dirty="0">
+              <a:latin typeface="Times New Roman" panose="02020603050405020304" pitchFamily="18" charset="0"/>
+              <a:cs typeface="Times New Roman" panose="02020603050405020304" pitchFamily="18" charset="0"/>
+            </a:endParaRPr>
+          </a:p>
+        </p:txBody>
+      </p:sp>
+      <p:sp>
+        <p:nvSpPr>
+          <p:cNvPr id="15" name="TextBox 14">
+            <a:extLst>
+              <a:ext uri="{FF2B5EF4-FFF2-40B4-BE49-F238E27FC236}">
+                <a16:creationId xmlns:a16="http://schemas.microsoft.com/office/drawing/2014/main" id="{EEAE8C3E-7054-AF3F-21B3-BA3602B389DC}"/>
+              </a:ext>
+            </a:extLst>
+          </p:cNvPr>
+          <p:cNvSpPr txBox="1"/>
+          <p:nvPr/>
+        </p:nvSpPr>
+        <p:spPr>
+          <a:xfrm>
+            <a:off x="6767286" y="5381634"/>
+            <a:ext cx="4674764" cy="1616725"/>
+          </a:xfrm>
+          <a:prstGeom prst="rect">
+            <a:avLst/>
+          </a:prstGeom>
+          <a:noFill/>
+        </p:spPr>
+        <p:txBody>
+          <a:bodyPr wrap="square">
+            <a:spAutoFit/>
+          </a:bodyPr>
+          <a:lstStyle/>
+          <a:p>
+            <a:pPr defTabSz="649224">
+              <a:spcAft>
+                <a:spcPts val="852"/>
+              </a:spcAft>
+            </a:pPr>
+            <a:r>
+              <a:rPr lang="en-IN" sz="1600" kern="1200" dirty="0">
+                <a:solidFill>
+                  <a:srgbClr val="000000"/>
+                </a:solidFill>
+                <a:latin typeface="Times New Roman" panose="02020603050405020304" pitchFamily="18" charset="0"/>
+                <a:cs typeface="Times New Roman" panose="02020603050405020304" pitchFamily="18" charset="0"/>
+              </a:rPr>
+              <a:t>The number of markets a song is released in does not guarantee its success, but songs released in fewer markets are less likely to become super hits.</a:t>
+            </a:r>
+          </a:p>
+          <a:p>
+            <a:pPr defTabSz="649224"/>
+            <a:br>
+              <a:rPr lang="en-IN" sz="1278" kern="1200" dirty="0">
+                <a:latin typeface="+mn-lt"/>
+                <a:ea typeface="+mn-ea"/>
+                <a:cs typeface="+mn-cs"/>
+              </a:rPr>
+            </a:br>
+            <a:br>
+              <a:rPr lang="en-IN" sz="1278" kern="1200" dirty="0">
+                <a:latin typeface="+mn-lt"/>
+                <a:ea typeface="+mn-ea"/>
+                <a:cs typeface="+mn-cs"/>
+              </a:rPr>
+            </a:br>
+            <a:endParaRPr lang="en-US" dirty="0"/>
+          </a:p>
+        </p:txBody>
+      </p:sp>
+    </p:spTree>
+    <p:extLst>
+      <p:ext uri="{BB962C8B-B14F-4D97-AF65-F5344CB8AC3E}">
+        <p14:creationId xmlns:p14="http://schemas.microsoft.com/office/powerpoint/2010/main" val="202354220"/>
+      </p:ext>
+    </p:extLst>
+  </p:cSld>
+  <p:clrMapOvr>
+    <a:masterClrMapping/>
+  </p:clrMapOvr>
+</p:sld>
+</file>
+
+<file path=ppt/slides/slide8.xml><?xml version="1.0" encoding="utf-8"?>
+<p:sld xmlns:a="http://schemas.openxmlformats.org/drawingml/2006/main" xmlns:r="http://schemas.openxmlformats.org/officeDocument/2006/relationships" xmlns:p="http://schemas.openxmlformats.org/presentationml/2006/main">
+  <p:cSld>
+    <p:bg>
+      <p:bgPr>
+        <a:solidFill>
+          <a:schemeClr val="bg1"/>
+        </a:solidFill>
+        <a:effectLst/>
+      </p:bgPr>
+    </p:bg>
+    <p:spTree>
+      <p:nvGrpSpPr>
+        <p:cNvPr id="1" name=""/>
+        <p:cNvGrpSpPr/>
+        <p:nvPr/>
+      </p:nvGrpSpPr>
+      <p:grpSpPr>
+        <a:xfrm>
+          <a:off x="0" y="0"/>
+          <a:ext cx="0" cy="0"/>
+          <a:chOff x="0" y="0"/>
+          <a:chExt cx="0" cy="0"/>
+        </a:xfrm>
+      </p:grpSpPr>
+      <p:sp useBgFill="1">
+        <p:nvSpPr>
+          <p:cNvPr id="30" name="Rectangle 21">
+            <a:extLst>
+              <a:ext uri="{FF2B5EF4-FFF2-40B4-BE49-F238E27FC236}">
+                <a16:creationId xmlns:a16="http://schemas.microsoft.com/office/drawing/2014/main" id="{081EA652-8C6A-4E69-BEB9-170809474553}"/>
+              </a:ext>
+              <a:ext uri="{C183D7F6-B498-43B3-948B-1728B52AA6E4}">
+                <adec:decorative xmlns:adec="http://schemas.microsoft.com/office/drawing/2017/decorative" val="1"/>
+              </a:ext>
+            </a:extLst>
+          </p:cNvPr>
+          <p:cNvSpPr>
+            <a:spLocks noGrp="1" noRot="1" noChangeAspect="1" noMove="1" noResize="1" noEditPoints="1" noAdjustHandles="1" noChangeArrowheads="1" noChangeShapeType="1" noTextEdit="1"/>
+          </p:cNvSpPr>
+          <p:nvPr>
+            <p:extLst>
+              <p:ext uri="{386F3935-93C4-4BCD-93E2-E3B085C9AB24}">
+                <p16:designElem xmlns:p16="http://schemas.microsoft.com/office/powerpoint/2015/main" val="1"/>
+              </p:ext>
+            </p:extLst>
+          </p:nvPr>
+        </p:nvSpPr>
+        <p:spPr>
+          <a:xfrm>
+            <a:off x="0" y="0"/>
+            <a:ext cx="12192000" cy="6858000"/>
+          </a:xfrm>
+          <a:prstGeom prst="rect">
+            <a:avLst/>
+          </a:prstGeom>
+          <a:ln>
+            <a:noFill/>
+          </a:ln>
+        </p:spPr>
+        <p:style>
+          <a:lnRef idx="2">
+            <a:schemeClr val="accent1">
+              <a:shade val="50000"/>
+            </a:schemeClr>
+          </a:lnRef>
+          <a:fillRef idx="1">
+            <a:schemeClr val="accent1"/>
+          </a:fillRef>
+          <a:effectRef idx="0">
+            <a:schemeClr val="accent1"/>
+          </a:effectRef>
+          <a:fontRef idx="minor">
+            <a:schemeClr val="lt1"/>
+          </a:fontRef>
+        </p:style>
+        <p:txBody>
+          <a:bodyPr rtlCol="0" anchor="ctr"/>
+          <a:lstStyle/>
+          <a:p>
+            <a:pPr algn="ctr"/>
+            <a:endParaRPr lang="en-US"/>
+          </a:p>
+        </p:txBody>
+      </p:sp>
+      <p:sp>
+        <p:nvSpPr>
+          <p:cNvPr id="31" name="Right Triangle 23">
+            <a:extLst>
+              <a:ext uri="{FF2B5EF4-FFF2-40B4-BE49-F238E27FC236}">
+                <a16:creationId xmlns:a16="http://schemas.microsoft.com/office/drawing/2014/main" id="{5298780A-33B9-4EA2-8F67-DE68AD62841B}"/>
+              </a:ext>
+              <a:ext uri="{C183D7F6-B498-43B3-948B-1728B52AA6E4}">
+                <adec:decorative xmlns:adec="http://schemas.microsoft.com/office/drawing/2017/decorative" val="1"/>
+              </a:ext>
+            </a:extLst>
+          </p:cNvPr>
+          <p:cNvSpPr>
+            <a:spLocks noGrp="1" noRot="1" noChangeAspect="1" noMove="1" noResize="1" noEditPoints="1" noAdjustHandles="1" noChangeArrowheads="1" noChangeShapeType="1" noTextEdit="1"/>
+          </p:cNvSpPr>
+          <p:nvPr>
+            <p:extLst>
+              <p:ext uri="{386F3935-93C4-4BCD-93E2-E3B085C9AB24}">
+                <p16:designElem xmlns:p16="http://schemas.microsoft.com/office/powerpoint/2015/main" val="1"/>
+              </p:ext>
+            </p:extLst>
+          </p:nvPr>
+        </p:nvSpPr>
+        <p:spPr>
+          <a:xfrm flipH="1">
+            <a:off x="8576720" y="3335867"/>
+            <a:ext cx="3291840" cy="3200400"/>
+          </a:xfrm>
+          <a:prstGeom prst="rtTriangle">
+            <a:avLst/>
+          </a:prstGeom>
+          <a:solidFill>
+            <a:schemeClr val="accent4"/>
+          </a:solidFill>
+          <a:ln>
+            <a:noFill/>
+          </a:ln>
+        </p:spPr>
+        <p:style>
+          <a:lnRef idx="2">
+            <a:schemeClr val="accent1">
+              <a:shade val="50000"/>
+            </a:schemeClr>
+          </a:lnRef>
+          <a:fillRef idx="1">
+            <a:schemeClr val="accent1"/>
+          </a:fillRef>
+          <a:effectRef idx="0">
+            <a:schemeClr val="accent1"/>
+          </a:effectRef>
+          <a:fontRef idx="minor">
+            <a:schemeClr val="lt1"/>
+          </a:fontRef>
+        </p:style>
+        <p:txBody>
+          <a:bodyPr rtlCol="0" anchor="ctr"/>
+          <a:lstStyle/>
+          <a:p>
+            <a:pPr algn="ctr"/>
+            <a:endParaRPr lang="en-US" dirty="0"/>
+          </a:p>
+        </p:txBody>
+      </p:sp>
+      <p:sp>
+        <p:nvSpPr>
+          <p:cNvPr id="32" name="Rectangle 25">
+            <a:extLst>
+              <a:ext uri="{FF2B5EF4-FFF2-40B4-BE49-F238E27FC236}">
+                <a16:creationId xmlns:a16="http://schemas.microsoft.com/office/drawing/2014/main" id="{7F488E8B-4E1E-4402-8935-D4E6C02615C7}"/>
+              </a:ext>
+              <a:ext uri="{C183D7F6-B498-43B3-948B-1728B52AA6E4}">
+                <adec:decorative xmlns:adec="http://schemas.microsoft.com/office/drawing/2017/decorative" val="1"/>
+              </a:ext>
+            </a:extLst>
+          </p:cNvPr>
+          <p:cNvSpPr>
+            <a:spLocks noGrp="1" noRot="1" noChangeAspect="1" noMove="1" noResize="1" noEditPoints="1" noAdjustHandles="1" noChangeArrowheads="1" noChangeShapeType="1" noTextEdit="1"/>
+          </p:cNvSpPr>
+          <p:nvPr>
+            <p:extLst>
+              <p:ext uri="{386F3935-93C4-4BCD-93E2-E3B085C9AB24}">
+                <p16:designElem xmlns:p16="http://schemas.microsoft.com/office/powerpoint/2015/main" val="1"/>
+              </p:ext>
+            </p:extLst>
+          </p:nvPr>
+        </p:nvSpPr>
+        <p:spPr>
+          <a:xfrm>
+            <a:off x="641774" y="623275"/>
+            <a:ext cx="10905053" cy="5607882"/>
+          </a:xfrm>
+          <a:prstGeom prst="rect">
+            <a:avLst/>
+          </a:prstGeom>
+          <a:noFill/>
+          <a:ln w="19050">
+            <a:solidFill>
+              <a:schemeClr val="tx1">
+                <a:lumMod val="75000"/>
+                <a:lumOff val="25000"/>
+              </a:schemeClr>
+            </a:solidFill>
+          </a:ln>
+        </p:spPr>
+        <p:style>
+          <a:lnRef idx="2">
+            <a:schemeClr val="accent1">
+              <a:shade val="50000"/>
+            </a:schemeClr>
+          </a:lnRef>
+          <a:fillRef idx="1">
+            <a:schemeClr val="accent1"/>
+          </a:fillRef>
+          <a:effectRef idx="0">
+            <a:schemeClr val="accent1"/>
+          </a:effectRef>
+          <a:fontRef idx="minor">
+            <a:schemeClr val="lt1"/>
+          </a:fontRef>
+        </p:style>
+        <p:txBody>
+          <a:bodyPr rtlCol="0" anchor="ctr"/>
+          <a:lstStyle/>
+          <a:p>
+            <a:pPr algn="ctr"/>
+            <a:endParaRPr lang="en-US"/>
+          </a:p>
+        </p:txBody>
+      </p:sp>
+      <p:sp>
+        <p:nvSpPr>
+          <p:cNvPr id="2" name="Title 1">
+            <a:extLst>
+              <a:ext uri="{FF2B5EF4-FFF2-40B4-BE49-F238E27FC236}">
+                <a16:creationId xmlns:a16="http://schemas.microsoft.com/office/drawing/2014/main" id="{4FC7BC64-CF8C-4AFC-8B8F-00DA9278BC7B}"/>
+              </a:ext>
+            </a:extLst>
+          </p:cNvPr>
+          <p:cNvSpPr>
+            <a:spLocks noGrp="1"/>
+          </p:cNvSpPr>
+          <p:nvPr>
+            <p:ph type="title"/>
+          </p:nvPr>
+        </p:nvSpPr>
+        <p:spPr>
+          <a:xfrm>
+            <a:off x="1285240" y="1050595"/>
+            <a:ext cx="8074815" cy="1618489"/>
+          </a:xfrm>
+        </p:spPr>
+        <p:txBody>
+          <a:bodyPr anchor="ctr">
+            <a:normAutofit/>
+          </a:bodyPr>
+          <a:lstStyle/>
+          <a:p>
+            <a:r>
+              <a:rPr lang="en-US" sz="7200">
+                <a:latin typeface="Times New Roman" panose="02020603050405020304" pitchFamily="18" charset="0"/>
+                <a:cs typeface="Times New Roman" panose="02020603050405020304" pitchFamily="18" charset="0"/>
+              </a:rPr>
+              <a:t>Conclusion</a:t>
+            </a:r>
+          </a:p>
+        </p:txBody>
+      </p:sp>
+      <p:sp>
+        <p:nvSpPr>
+          <p:cNvPr id="3" name="Content Placeholder 2">
+            <a:extLst>
+              <a:ext uri="{FF2B5EF4-FFF2-40B4-BE49-F238E27FC236}">
+                <a16:creationId xmlns:a16="http://schemas.microsoft.com/office/drawing/2014/main" id="{30521D2C-3B1B-A96D-4D64-69AD3FF0444F}"/>
+              </a:ext>
+            </a:extLst>
+          </p:cNvPr>
+          <p:cNvSpPr>
+            <a:spLocks noGrp="1"/>
+          </p:cNvSpPr>
+          <p:nvPr>
+            <p:ph idx="1"/>
+          </p:nvPr>
+        </p:nvSpPr>
+        <p:spPr>
+          <a:xfrm>
+            <a:off x="1285240" y="2969469"/>
+            <a:ext cx="8074815" cy="2800395"/>
+          </a:xfrm>
+        </p:spPr>
+        <p:txBody>
+          <a:bodyPr anchor="t">
+            <a:normAutofit/>
+          </a:bodyPr>
+          <a:lstStyle/>
+          <a:p>
+            <a:pPr>
+              <a:buFont typeface="+mj-lt"/>
+              <a:buAutoNum type="arabicPeriod"/>
+            </a:pPr>
+            <a:r>
+              <a:rPr lang="en-IN" sz="2400">
+                <a:latin typeface="Times New Roman" panose="02020603050405020304" pitchFamily="18" charset="0"/>
+                <a:cs typeface="Times New Roman" panose="02020603050405020304" pitchFamily="18" charset="0"/>
+              </a:rPr>
+              <a:t>Some non-musical factors can contribute significantly to the popularity of a song.</a:t>
+            </a:r>
+          </a:p>
+          <a:p>
+            <a:pPr>
+              <a:buFont typeface="+mj-lt"/>
+              <a:buAutoNum type="arabicPeriod"/>
+            </a:pPr>
+            <a:r>
+              <a:rPr lang="en-IN" sz="2400">
+                <a:latin typeface="Times New Roman" panose="02020603050405020304" pitchFamily="18" charset="0"/>
+                <a:cs typeface="Times New Roman" panose="02020603050405020304" pitchFamily="18" charset="0"/>
+              </a:rPr>
+              <a:t>Spotify’s popularity metric is a useful tool for analyzing the success of a song.</a:t>
+            </a:r>
+          </a:p>
+          <a:p>
+            <a:pPr>
+              <a:buFont typeface="+mj-lt"/>
+              <a:buAutoNum type="arabicPeriod"/>
+            </a:pPr>
+            <a:r>
+              <a:rPr lang="en-IN" sz="2400">
+                <a:latin typeface="Times New Roman" panose="02020603050405020304" pitchFamily="18" charset="0"/>
+                <a:cs typeface="Times New Roman" panose="02020603050405020304" pitchFamily="18" charset="0"/>
+              </a:rPr>
+              <a:t>Data analysis can provide valuable insights for decision-making in the music industry.</a:t>
+            </a:r>
+            <a:endParaRPr lang="en-US" sz="2400"/>
+          </a:p>
+        </p:txBody>
+      </p:sp>
+    </p:spTree>
+    <p:extLst>
+      <p:ext uri="{BB962C8B-B14F-4D97-AF65-F5344CB8AC3E}">
+        <p14:creationId xmlns:p14="http://schemas.microsoft.com/office/powerpoint/2010/main" val="3284703046"/>
+      </p:ext>
+    </p:extLst>
+  </p:cSld>
+  <p:clrMapOvr>
+    <a:masterClrMapping/>
   </p:clrMapOvr>
 </p:sld>
 </file>
 
 <file path=ppt/theme/theme1.xml><?xml version="1.0" encoding="utf-8"?>
-<a:theme xmlns:a="http://schemas.openxmlformats.org/drawingml/2006/main" name="PortalVTI">
+<a:theme xmlns:a="http://schemas.openxmlformats.org/drawingml/2006/main" name="Office Theme">
   <a:themeElements>
-    <a:clrScheme name="AnalogousFromRegularSeed_2SEEDS">
+    <a:clrScheme name="Office">
       <a:dk1>
-        <a:srgbClr val="000000"/>
+        <a:sysClr val="windowText" lastClr="000000"/>
       </a:dk1>
       <a:lt1>
-        <a:srgbClr val="FFFFFF"/>
+        <a:sysClr val="window" lastClr="FFFFFF"/>
       </a:lt1>
       <a:dk2>
-        <a:srgbClr val="1E362D"/>
+        <a:srgbClr val="44546A"/>
       </a:dk2>
       <a:lt2>
-        <a:srgbClr val="E8E4E2"/>
+        <a:srgbClr val="E7E6E6"/>
       </a:lt2>
       <a:accent1>
-        <a:srgbClr val="17A3D5"/>
+        <a:srgbClr val="4472C4"/>
       </a:accent1>
       <a:accent2>
-        <a:srgbClr val="20B59D"/>
+        <a:srgbClr val="ED7D31"/>
       </a:accent2>
       <a:accent3>
-        <a:srgbClr val="2966E7"/>
+        <a:srgbClr val="A5A5A5"/>
       </a:accent3>
       <a:accent4>
-        <a:srgbClr val="D54917"/>
+        <a:srgbClr val="FFC000"/>
       </a:accent4>
       <a:accent5>
-        <a:srgbClr val="CE9825"/>
+        <a:srgbClr val="5B9BD5"/>
       </a:accent5>
       <a:accent6>
-        <a:srgbClr val="9BA912"/>
+        <a:srgbClr val="70AD47"/>
       </a:accent6>
       <a:hlink>
-        <a:srgbClr val="BF603F"/>
+        <a:srgbClr val="0563C1"/>
       </a:hlink>
       <a:folHlink>
-        <a:srgbClr val="7F7F7F"/>
+        <a:srgbClr val="954F72"/>
       </a:folHlink>
     </a:clrScheme>
-    <a:fontScheme name="Earth">
+    <a:fontScheme name="Office">
       <a:majorFont>
-        <a:latin typeface="Trade Gothic Next Cond"/>
+        <a:latin typeface="Calibri Light" panose="020F0302020204030204"/>
         <a:ea typeface=""/>
         <a:cs typeface=""/>
+        <a:font script="Jpan" typeface="游ゴシック Light"/>
+        <a:font script="Hang" typeface="맑은 고딕"/>
+        <a:font script="Hans" typeface="等线 Light"/>
+        <a:font script="Hant" typeface="新細明體"/>
+        <a:font script="Arab" typeface="Times New Roman"/>
+        <a:font script="Hebr" typeface="Times New Roman"/>
+        <a:font script="Thai" typeface="Angsana New"/>
+        <a:font script="Ethi" typeface="Nyala"/>
+        <a:font script="Beng" typeface="Vrinda"/>
+        <a:font script="Gujr" typeface="Shruti"/>
+        <a:font script="Khmr" typeface="MoolBoran"/>
+        <a:font script="Knda" typeface="Tunga"/>
+        <a:font script="Guru" typeface="Raavi"/>
+        <a:font script="Cans" typeface="Euphemia"/>
+        <a:font script="Cher" typeface="Plantagenet Cherokee"/>
+        <a:font script="Yiii" typeface="Microsoft Yi Baiti"/>
+        <a:font script="Tibt" typeface="Microsoft Himalaya"/>
+        <a:font script="Thaa" typeface="MV Boli"/>
+        <a:font script="Deva" typeface="Mangal"/>
+        <a:font script="Telu" typeface="Gautami"/>
+        <a:font script="Taml" typeface="Latha"/>
+        <a:font script="Syrc" typeface="Estrangelo Edessa"/>
+        <a:font script="Orya" typeface="Kalinga"/>
+        <a:font script="Mlym" typeface="Kartika"/>
+        <a:font script="Laoo" typeface="DokChampa"/>
+        <a:font script="Sinh" typeface="Iskoola Pota"/>
+        <a:font script="Mong" typeface="Mongolian Baiti"/>
+        <a:font script="Viet" typeface="Times New Roman"/>
+        <a:font script="Uigh" typeface="Microsoft Uighur"/>
+        <a:font script="Geor" typeface="Sylfaen"/>
+        <a:font script="Armn" typeface="Arial"/>
+        <a:font script="Bugi" typeface="Leelawadee UI"/>
+        <a:font script="Bopo" typeface="Microsoft JhengHei"/>
+        <a:font script="Java" typeface="Javanese Text"/>
+        <a:font script="Lisu" typeface="Segoe UI"/>
+        <a:font script="Mymr" typeface="Myanmar Text"/>
+        <a:font script="Nkoo" typeface="Ebrima"/>
+        <a:font script="Olck" typeface="Nirmala UI"/>
+        <a:font script="Osma" typeface="Ebrima"/>
+        <a:font script="Phag" typeface="Phagspa"/>
+        <a:font script="Syrn" typeface="Estrangelo Edessa"/>
+        <a:font script="Syrj" typeface="Estrangelo Edessa"/>
+        <a:font script="Syre" typeface="Estrangelo Edessa"/>
+        <a:font script="Sora" typeface="Nirmala UI"/>
+        <a:font script="Tale" typeface="Microsoft Tai Le"/>
+        <a:font script="Talu" typeface="Microsoft New Tai Lue"/>
+        <a:font script="Tfng" typeface="Ebrima"/>
       </a:majorFont>
       <a:minorFont>
-        <a:latin typeface="Trade Gothic Next Light"/>
+        <a:latin typeface="Calibri" panose="020F0502020204030204"/>
         <a:ea typeface=""/>
         <a:cs typeface=""/>
+        <a:font script="Jpan" typeface="游ゴシック"/>
+        <a:font script="Hang" typeface="맑은 고딕"/>
+        <a:font script="Hans" typeface="等线"/>
+        <a:font script="Hant" typeface="新細明體"/>
+        <a:font script="Arab" typeface="Arial"/>
+        <a:font script="Hebr" typeface="Arial"/>
+        <a:font script="Thai" typeface="Cordia New"/>
+        <a:font script="Ethi" typeface="Nyala"/>
+        <a:font script="Beng" typeface="Vrinda"/>
+        <a:font script="Gujr" typeface="Shruti"/>
+        <a:font script="Khmr" typeface="DaunPenh"/>
+        <a:font script="Knda" typeface="Tunga"/>
+        <a:font script="Guru" typeface="Raavi"/>
+        <a:font script="Cans" typeface="Euphemia"/>
+        <a:font script="Cher" typeface="Plantagenet Cherokee"/>
+        <a:font script="Yiii" typeface="Microsoft Yi Baiti"/>
+        <a:font script="Tibt" typeface="Microsoft Himalaya"/>
+        <a:font script="Thaa" typeface="MV Boli"/>
+        <a:font script="Deva" typeface="Mangal"/>
+        <a:font script="Telu" typeface="Gautami"/>
+        <a:font script="Taml" typeface="Latha"/>
+        <a:font script="Syrc" typeface="Estrangelo Edessa"/>
+        <a:font script="Orya" typeface="Kalinga"/>
+        <a:font script="Mlym" typeface="Kartika"/>
+        <a:font script="Laoo" typeface="DokChampa"/>
+        <a:font script="Sinh" typeface="Iskoola Pota"/>
+        <a:font script="Mong" typeface="Mongolian Baiti"/>
+        <a:font script="Viet" typeface="Arial"/>
+        <a:font script="Uigh" typeface="Microsoft Uighur"/>
+        <a:font script="Geor" typeface="Sylfaen"/>
+        <a:font script="Armn" typeface="Arial"/>
+        <a:font script="Bugi" typeface="Leelawadee UI"/>
+        <a:font script="Bopo" typeface="Microsoft JhengHei"/>
+        <a:font script="Java" typeface="Javanese Text"/>
+        <a:font script="Lisu" typeface="Segoe UI"/>
+        <a:font script="Mymr" typeface="Myanmar Text"/>
+        <a:font script="Nkoo" typeface="Ebrima"/>
+        <a:font script="Olck" typeface="Nirmala UI"/>
+        <a:font script="Osma" typeface="Ebrima"/>
+        <a:font script="Phag" typeface="Phagspa"/>
+        <a:font script="Syrn" typeface="Estrangelo Edessa"/>
+        <a:font script="Syrj" typeface="Estrangelo Edessa"/>
+        <a:font script="Syre" typeface="Estrangelo Edessa"/>
+        <a:font script="Sora" typeface="Nirmala UI"/>
+        <a:font script="Tale" typeface="Microsoft Tai Le"/>
+        <a:font script="Talu" typeface="Microsoft New Tai Lue"/>
+        <a:font script="Tfng" typeface="Ebrima"/>
       </a:minorFont>
     </a:fontScheme>
     <a:fmtScheme name="Office">
@@ -5405,7 +9097,302 @@
   <a:extraClrSchemeLst/>
   <a:extLst>
     <a:ext uri="{05A4C25C-085E-4340-85A3-A5531E510DB2}">
-      <thm15:themeFamily xmlns:thm15="http://schemas.microsoft.com/office/thememl/2012/main" name="PortalVTI" id="{0E0D5035-C7F2-4607-91F4-D5D5F886A15A}" vid="{EAFF3D8B-AC13-4E90-80A9-182200FBC866}"/>
+      <thm15:themeFamily xmlns:thm15="http://schemas.microsoft.com/office/thememl/2012/main" name="Office Theme" id="{62F939B6-93AF-4DB8-9C6B-D6C7DFDC589F}" vid="{4A3C46E8-61CC-4603-A589-7422A47A8E4A}"/>
+    </a:ext>
+  </a:extLst>
+</a:theme>
+</file>
+
+<file path=ppt/theme/theme2.xml><?xml version="1.0" encoding="utf-8"?>
+<a:theme xmlns:a="http://schemas.openxmlformats.org/drawingml/2006/main" name="Office Theme">
+  <a:themeElements>
+    <a:clrScheme name="Office">
+      <a:dk1>
+        <a:sysClr val="windowText" lastClr="000000"/>
+      </a:dk1>
+      <a:lt1>
+        <a:sysClr val="window" lastClr="FFFFFF"/>
+      </a:lt1>
+      <a:dk2>
+        <a:srgbClr val="44546A"/>
+      </a:dk2>
+      <a:lt2>
+        <a:srgbClr val="E7E6E6"/>
+      </a:lt2>
+      <a:accent1>
+        <a:srgbClr val="4472C4"/>
+      </a:accent1>
+      <a:accent2>
+        <a:srgbClr val="ED7D31"/>
+      </a:accent2>
+      <a:accent3>
+        <a:srgbClr val="A5A5A5"/>
+      </a:accent3>
+      <a:accent4>
+        <a:srgbClr val="FFC000"/>
+      </a:accent4>
+      <a:accent5>
+        <a:srgbClr val="5B9BD5"/>
+      </a:accent5>
+      <a:accent6>
+        <a:srgbClr val="70AD47"/>
+      </a:accent6>
+      <a:hlink>
+        <a:srgbClr val="0563C1"/>
+      </a:hlink>
+      <a:folHlink>
+        <a:srgbClr val="954F72"/>
+      </a:folHlink>
+    </a:clrScheme>
+    <a:fontScheme name="Office">
+      <a:majorFont>
+        <a:latin typeface="Calibri Light" panose="020F0302020204030204"/>
+        <a:ea typeface=""/>
+        <a:cs typeface=""/>
+        <a:font script="Jpan" typeface="游ゴシック Light"/>
+        <a:font script="Hang" typeface="맑은 고딕"/>
+        <a:font script="Hans" typeface="等线 Light"/>
+        <a:font script="Hant" typeface="新細明體"/>
+        <a:font script="Arab" typeface="Times New Roman"/>
+        <a:font script="Hebr" typeface="Times New Roman"/>
+        <a:font script="Thai" typeface="Angsana New"/>
+        <a:font script="Ethi" typeface="Nyala"/>
+        <a:font script="Beng" typeface="Vrinda"/>
+        <a:font script="Gujr" typeface="Shruti"/>
+        <a:font script="Khmr" typeface="MoolBoran"/>
+        <a:font script="Knda" typeface="Tunga"/>
+        <a:font script="Guru" typeface="Raavi"/>
+        <a:font script="Cans" typeface="Euphemia"/>
+        <a:font script="Cher" typeface="Plantagenet Cherokee"/>
+        <a:font script="Yiii" typeface="Microsoft Yi Baiti"/>
+        <a:font script="Tibt" typeface="Microsoft Himalaya"/>
+        <a:font script="Thaa" typeface="MV Boli"/>
+        <a:font script="Deva" typeface="Mangal"/>
+        <a:font script="Telu" typeface="Gautami"/>
+        <a:font script="Taml" typeface="Latha"/>
+        <a:font script="Syrc" typeface="Estrangelo Edessa"/>
+        <a:font script="Orya" typeface="Kalinga"/>
+        <a:font script="Mlym" typeface="Kartika"/>
+        <a:font script="Laoo" typeface="DokChampa"/>
+        <a:font script="Sinh" typeface="Iskoola Pota"/>
+        <a:font script="Mong" typeface="Mongolian Baiti"/>
+        <a:font script="Viet" typeface="Times New Roman"/>
+        <a:font script="Uigh" typeface="Microsoft Uighur"/>
+        <a:font script="Geor" typeface="Sylfaen"/>
+        <a:font script="Armn" typeface="Arial"/>
+        <a:font script="Bugi" typeface="Leelawadee UI"/>
+        <a:font script="Bopo" typeface="Microsoft JhengHei"/>
+        <a:font script="Java" typeface="Javanese Text"/>
+        <a:font script="Lisu" typeface="Segoe UI"/>
+        <a:font script="Mymr" typeface="Myanmar Text"/>
+        <a:font script="Nkoo" typeface="Ebrima"/>
+        <a:font script="Olck" typeface="Nirmala UI"/>
+        <a:font script="Osma" typeface="Ebrima"/>
+        <a:font script="Phag" typeface="Phagspa"/>
+        <a:font script="Syrn" typeface="Estrangelo Edessa"/>
+        <a:font script="Syrj" typeface="Estrangelo Edessa"/>
+        <a:font script="Syre" typeface="Estrangelo Edessa"/>
+        <a:font script="Sora" typeface="Nirmala UI"/>
+        <a:font script="Tale" typeface="Microsoft Tai Le"/>
+        <a:font script="Talu" typeface="Microsoft New Tai Lue"/>
+        <a:font script="Tfng" typeface="Ebrima"/>
+      </a:majorFont>
+      <a:minorFont>
+        <a:latin typeface="Calibri" panose="020F0502020204030204"/>
+        <a:ea typeface=""/>
+        <a:cs typeface=""/>
+        <a:font script="Jpan" typeface="游ゴシック"/>
+        <a:font script="Hang" typeface="맑은 고딕"/>
+        <a:font script="Hans" typeface="等线"/>
+        <a:font script="Hant" typeface="新細明體"/>
+        <a:font script="Arab" typeface="Arial"/>
+        <a:font script="Hebr" typeface="Arial"/>
+        <a:font script="Thai" typeface="Cordia New"/>
+        <a:font script="Ethi" typeface="Nyala"/>
+        <a:font script="Beng" typeface="Vrinda"/>
+        <a:font script="Gujr" typeface="Shruti"/>
+        <a:font script="Khmr" typeface="DaunPenh"/>
+        <a:font script="Knda" typeface="Tunga"/>
+        <a:font script="Guru" typeface="Raavi"/>
+        <a:font script="Cans" typeface="Euphemia"/>
+        <a:font script="Cher" typeface="Plantagenet Cherokee"/>
+        <a:font script="Yiii" typeface="Microsoft Yi Baiti"/>
+        <a:font script="Tibt" typeface="Microsoft Himalaya"/>
+        <a:font script="Thaa" typeface="MV Boli"/>
+        <a:font script="Deva" typeface="Mangal"/>
+        <a:font script="Telu" typeface="Gautami"/>
+        <a:font script="Taml" typeface="Latha"/>
+        <a:font script="Syrc" typeface="Estrangelo Edessa"/>
+        <a:font script="Orya" typeface="Kalinga"/>
+        <a:font script="Mlym" typeface="Kartika"/>
+        <a:font script="Laoo" typeface="DokChampa"/>
+        <a:font script="Sinh" typeface="Iskoola Pota"/>
+        <a:font script="Mong" typeface="Mongolian Baiti"/>
+        <a:font script="Viet" typeface="Arial"/>
+        <a:font script="Uigh" typeface="Microsoft Uighur"/>
+        <a:font script="Geor" typeface="Sylfaen"/>
+        <a:font script="Armn" typeface="Arial"/>
+        <a:font script="Bugi" typeface="Leelawadee UI"/>
+        <a:font script="Bopo" typeface="Microsoft JhengHei"/>
+        <a:font script="Java" typeface="Javanese Text"/>
+        <a:font script="Lisu" typeface="Segoe UI"/>
+        <a:font script="Mymr" typeface="Myanmar Text"/>
+        <a:font script="Nkoo" typeface="Ebrima"/>
+        <a:font script="Olck" typeface="Nirmala UI"/>
+        <a:font script="Osma" typeface="Ebrima"/>
+        <a:font script="Phag" typeface="Phagspa"/>
+        <a:font script="Syrn" typeface="Estrangelo Edessa"/>
+        <a:font script="Syrj" typeface="Estrangelo Edessa"/>
+        <a:font script="Syre" typeface="Estrangelo Edessa"/>
+        <a:font script="Sora" typeface="Nirmala UI"/>
+        <a:font script="Tale" typeface="Microsoft Tai Le"/>
+        <a:font script="Talu" typeface="Microsoft New Tai Lue"/>
+        <a:font script="Tfng" typeface="Ebrima"/>
+      </a:minorFont>
+    </a:fontScheme>
+    <a:fmtScheme name="Office">
+      <a:fillStyleLst>
+        <a:solidFill>
+          <a:schemeClr val="phClr"/>
+        </a:solidFill>
+        <a:gradFill rotWithShape="1">
+          <a:gsLst>
+            <a:gs pos="0">
+              <a:schemeClr val="phClr">
+                <a:lumMod val="110000"/>
+                <a:satMod val="105000"/>
+                <a:tint val="67000"/>
+              </a:schemeClr>
+            </a:gs>
+            <a:gs pos="50000">
+              <a:schemeClr val="phClr">
+                <a:lumMod val="105000"/>
+                <a:satMod val="103000"/>
+                <a:tint val="73000"/>
+              </a:schemeClr>
+            </a:gs>
+            <a:gs pos="100000">
+              <a:schemeClr val="phClr">
+                <a:lumMod val="105000"/>
+                <a:satMod val="109000"/>
+                <a:tint val="81000"/>
+              </a:schemeClr>
+            </a:gs>
+          </a:gsLst>
+          <a:lin ang="5400000" scaled="0"/>
+        </a:gradFill>
+        <a:gradFill rotWithShape="1">
+          <a:gsLst>
+            <a:gs pos="0">
+              <a:schemeClr val="phClr">
+                <a:satMod val="103000"/>
+                <a:lumMod val="102000"/>
+                <a:tint val="94000"/>
+              </a:schemeClr>
+            </a:gs>
+            <a:gs pos="50000">
+              <a:schemeClr val="phClr">
+                <a:satMod val="110000"/>
+                <a:lumMod val="100000"/>
+                <a:shade val="100000"/>
+              </a:schemeClr>
+            </a:gs>
+            <a:gs pos="100000">
+              <a:schemeClr val="phClr">
+                <a:lumMod val="99000"/>
+                <a:satMod val="120000"/>
+                <a:shade val="78000"/>
+              </a:schemeClr>
+            </a:gs>
+          </a:gsLst>
+          <a:lin ang="5400000" scaled="0"/>
+        </a:gradFill>
+      </a:fillStyleLst>
+      <a:lnStyleLst>
+        <a:ln w="6350" cap="flat" cmpd="sng" algn="ctr">
+          <a:solidFill>
+            <a:schemeClr val="phClr"/>
+          </a:solidFill>
+          <a:prstDash val="solid"/>
+          <a:miter lim="800000"/>
+        </a:ln>
+        <a:ln w="12700" cap="flat" cmpd="sng" algn="ctr">
+          <a:solidFill>
+            <a:schemeClr val="phClr"/>
+          </a:solidFill>
+          <a:prstDash val="solid"/>
+          <a:miter lim="800000"/>
+        </a:ln>
+        <a:ln w="19050" cap="flat" cmpd="sng" algn="ctr">
+          <a:solidFill>
+            <a:schemeClr val="phClr"/>
+          </a:solidFill>
+          <a:prstDash val="solid"/>
+          <a:miter lim="800000"/>
+        </a:ln>
+      </a:lnStyleLst>
+      <a:effectStyleLst>
+        <a:effectStyle>
+          <a:effectLst/>
+        </a:effectStyle>
+        <a:effectStyle>
+          <a:effectLst/>
+        </a:effectStyle>
+        <a:effectStyle>
+          <a:effectLst>
+            <a:outerShdw blurRad="57150" dist="19050" dir="5400000" algn="ctr" rotWithShape="0">
+              <a:srgbClr val="000000">
+                <a:alpha val="63000"/>
+              </a:srgbClr>
+            </a:outerShdw>
+          </a:effectLst>
+        </a:effectStyle>
+      </a:effectStyleLst>
+      <a:bgFillStyleLst>
+        <a:solidFill>
+          <a:schemeClr val="phClr"/>
+        </a:solidFill>
+        <a:solidFill>
+          <a:schemeClr val="phClr">
+            <a:tint val="95000"/>
+            <a:satMod val="170000"/>
+          </a:schemeClr>
+        </a:solidFill>
+        <a:gradFill rotWithShape="1">
+          <a:gsLst>
+            <a:gs pos="0">
+              <a:schemeClr val="phClr">
+                <a:tint val="93000"/>
+                <a:satMod val="150000"/>
+                <a:shade val="98000"/>
+                <a:lumMod val="102000"/>
+              </a:schemeClr>
+            </a:gs>
+            <a:gs pos="50000">
+              <a:schemeClr val="phClr">
+                <a:tint val="98000"/>
+                <a:satMod val="130000"/>
+                <a:shade val="90000"/>
+                <a:lumMod val="103000"/>
+              </a:schemeClr>
+            </a:gs>
+            <a:gs pos="100000">
+              <a:schemeClr val="phClr">
+                <a:shade val="63000"/>
+                <a:satMod val="120000"/>
+              </a:schemeClr>
+            </a:gs>
+          </a:gsLst>
+          <a:lin ang="5400000" scaled="0"/>
+        </a:gradFill>
+      </a:bgFillStyleLst>
+    </a:fmtScheme>
+  </a:themeElements>
+  <a:objectDefaults/>
+  <a:extraClrSchemeLst/>
+  <a:extLst>
+    <a:ext uri="{05A4C25C-085E-4340-85A3-A5531E510DB2}">
+      <thm15:themeFamily xmlns:thm15="http://schemas.microsoft.com/office/thememl/2012/main" name="Office Theme" id="{62F939B6-93AF-4DB8-9C6B-D6C7DFDC589F}" vid="{4A3C46E8-61CC-4603-A589-7422A47A8E4A}"/>
     </a:ext>
   </a:extLst>
 </a:theme>

--- a/presentation-spotify-hitsongs.pptx
+++ b/presentation-spotify-hitsongs.pptx
@@ -7724,35 +7724,6 @@
       </p:sp>
       <p:pic>
         <p:nvPicPr>
-          <p:cNvPr id="5" name="Content Placeholder 4" descr="Graphical user interface, application&#10;&#10;Description automatically generated">
-            <a:extLst>
-              <a:ext uri="{FF2B5EF4-FFF2-40B4-BE49-F238E27FC236}">
-                <a16:creationId xmlns:a16="http://schemas.microsoft.com/office/drawing/2014/main" id="{9E64DB7B-8A69-6C6F-18B6-458A279A68DE}"/>
-              </a:ext>
-            </a:extLst>
-          </p:cNvPr>
-          <p:cNvPicPr>
-            <a:picLocks noGrp="1" noChangeAspect="1"/>
-          </p:cNvPicPr>
-          <p:nvPr>
-            <p:ph idx="1"/>
-          </p:nvPr>
-        </p:nvPicPr>
-        <p:blipFill>
-          <a:blip r:embed="rId2"/>
-          <a:stretch>
-            <a:fillRect/>
-          </a:stretch>
-        </p:blipFill>
-        <p:spPr>
-          <a:xfrm>
-            <a:off x="747772" y="3615372"/>
-            <a:ext cx="6223232" cy="2489293"/>
-          </a:xfrm>
-        </p:spPr>
-      </p:pic>
-      <p:pic>
-        <p:nvPicPr>
           <p:cNvPr id="7" name="Picture 6" descr="Graphical user interface, chart&#10;&#10;Description automatically generated">
             <a:extLst>
               <a:ext uri="{FF2B5EF4-FFF2-40B4-BE49-F238E27FC236}">
@@ -7766,7 +7737,7 @@
           <p:nvPr/>
         </p:nvPicPr>
         <p:blipFill>
-          <a:blip r:embed="rId3"/>
+          <a:blip r:embed="rId2"/>
           <a:stretch>
             <a:fillRect/>
           </a:stretch>
@@ -7796,7 +7767,7 @@
         <p:spPr>
           <a:xfrm>
             <a:off x="6932588" y="4398354"/>
-            <a:ext cx="4601496" cy="923330"/>
+            <a:ext cx="4601496" cy="1200329"/>
           </a:xfrm>
           <a:prstGeom prst="rect">
             <a:avLst/>
@@ -7822,8 +7793,21 @@
                 <a:latin typeface="Times New Roman" panose="02020603050405020304" pitchFamily="18" charset="0"/>
                 <a:cs typeface="Times New Roman" panose="02020603050405020304" pitchFamily="18" charset="0"/>
               </a:rPr>
-              <a:t> We looked at the release time of songs and found that recent months have seen more successful songs. </a:t>
-            </a:r>
+              <a:t> </a:t>
+            </a:r>
+            <a:r>
+              <a:rPr lang="en-IN" dirty="0">
+                <a:latin typeface="Times New Roman" panose="02020603050405020304" pitchFamily="18" charset="0"/>
+                <a:cs typeface="Times New Roman" panose="02020603050405020304" pitchFamily="18" charset="0"/>
+              </a:rPr>
+              <a:t>We can interpret that songs released around start of the summer months and end of the year are more likely to become 'hit'.</a:t>
+            </a:r>
+            <a:br>
+              <a:rPr lang="en-IN" dirty="0">
+                <a:latin typeface="Times New Roman" panose="02020603050405020304" pitchFamily="18" charset="0"/>
+                <a:cs typeface="Times New Roman" panose="02020603050405020304" pitchFamily="18" charset="0"/>
+              </a:rPr>
+            </a:br>
             <a:endParaRPr lang="en-IN" b="0" i="0" u="none" strike="noStrike" dirty="0">
               <a:solidFill>
                 <a:srgbClr val="000000"/>
@@ -7885,6 +7869,35 @@
           </a:p>
         </p:txBody>
       </p:sp>
+      <p:pic>
+        <p:nvPicPr>
+          <p:cNvPr id="8" name="Content Placeholder 7" descr="Chart, application, scatter chart&#10;&#10;Description automatically generated">
+            <a:extLst>
+              <a:ext uri="{FF2B5EF4-FFF2-40B4-BE49-F238E27FC236}">
+                <a16:creationId xmlns:a16="http://schemas.microsoft.com/office/drawing/2014/main" id="{E92CF5FE-8DD9-2305-8EF4-67A6B85879BD}"/>
+              </a:ext>
+            </a:extLst>
+          </p:cNvPr>
+          <p:cNvPicPr>
+            <a:picLocks noGrp="1" noChangeAspect="1"/>
+          </p:cNvPicPr>
+          <p:nvPr>
+            <p:ph idx="1"/>
+          </p:nvPr>
+        </p:nvPicPr>
+        <p:blipFill>
+          <a:blip r:embed="rId3"/>
+          <a:stretch>
+            <a:fillRect/>
+          </a:stretch>
+        </p:blipFill>
+        <p:spPr>
+          <a:xfrm>
+            <a:off x="717413" y="3672855"/>
+            <a:ext cx="6094388" cy="2437755"/>
+          </a:xfrm>
+        </p:spPr>
+      </p:pic>
     </p:spTree>
     <p:extLst>
       <p:ext uri="{BB962C8B-B14F-4D97-AF65-F5344CB8AC3E}">
